--- a/documentation/slides/SCGIslide - Sprint 3.pptx
+++ b/documentation/slides/SCGIslide - Sprint 3.pptx
@@ -1,51 +1,51 @@
 
 <file path=ppt/presentation.xml><?xml version="1.0" encoding="utf-8"?>
-<p:presentation xmlns:a="http://schemas.openxmlformats.org/drawingml/2006/main" xmlns:r="http://schemas.openxmlformats.org/officeDocument/2006/relationships" xmlns:mc="http://schemas.openxmlformats.org/markup-compatibility/2006" xmlns:mv="urn:schemas-microsoft-com:mac:vml" xmlns:p="http://schemas.openxmlformats.org/presentationml/2006/main" xmlns:c="http://schemas.openxmlformats.org/drawingml/2006/chart" xmlns:dgm="http://schemas.openxmlformats.org/drawingml/2006/diagram" xmlns:o="urn:schemas-microsoft-com:office:office" xmlns:v="urn:schemas-microsoft-com:vml" xmlns:pvml="urn:schemas-microsoft-com:office:powerpoint" xmlns:com="http://schemas.openxmlformats.org/drawingml/2006/compatibility" xmlns:p14="http://schemas.microsoft.com/office/powerpoint/2010/main" xmlns:p15="http://schemas.microsoft.com/office/powerpoint/2012/main" xmlns:ahyp="http://schemas.microsoft.com/office/drawing/2018/hyperlinkcolor" autoCompressPictures="0" embedTrueTypeFonts="1" strictFirstAndLastChars="0" saveSubsetFonts="1">
+<p:presentation xmlns:a="http://schemas.openxmlformats.org/drawingml/2006/main" xmlns:r="http://schemas.openxmlformats.org/officeDocument/2006/relationships" xmlns:p="http://schemas.openxmlformats.org/presentationml/2006/main" strictFirstAndLastChars="0" embedTrueTypeFonts="1" saveSubsetFonts="1" autoCompressPictures="0">
   <p:sldMasterIdLst>
-    <p:sldMasterId id="2147483659" r:id="rId4"/>
+    <p:sldMasterId id="2147483659" r:id="rId1"/>
   </p:sldMasterIdLst>
   <p:notesMasterIdLst>
-    <p:notesMasterId r:id="rId5"/>
+    <p:notesMasterId r:id="rId19"/>
   </p:notesMasterIdLst>
   <p:sldIdLst>
-    <p:sldId id="256" r:id="rId6"/>
-    <p:sldId id="257" r:id="rId7"/>
-    <p:sldId id="258" r:id="rId8"/>
-    <p:sldId id="259" r:id="rId9"/>
-    <p:sldId id="260" r:id="rId10"/>
-    <p:sldId id="261" r:id="rId11"/>
-    <p:sldId id="262" r:id="rId12"/>
-    <p:sldId id="263" r:id="rId13"/>
-    <p:sldId id="264" r:id="rId14"/>
-    <p:sldId id="265" r:id="rId15"/>
-    <p:sldId id="266" r:id="rId16"/>
-    <p:sldId id="267" r:id="rId17"/>
-    <p:sldId id="268" r:id="rId18"/>
-    <p:sldId id="269" r:id="rId19"/>
-    <p:sldId id="270" r:id="rId20"/>
-    <p:sldId id="271" r:id="rId21"/>
-    <p:sldId id="272" r:id="rId22"/>
+    <p:sldId id="256" r:id="rId2"/>
+    <p:sldId id="257" r:id="rId3"/>
+    <p:sldId id="258" r:id="rId4"/>
+    <p:sldId id="259" r:id="rId5"/>
+    <p:sldId id="260" r:id="rId6"/>
+    <p:sldId id="261" r:id="rId7"/>
+    <p:sldId id="262" r:id="rId8"/>
+    <p:sldId id="263" r:id="rId9"/>
+    <p:sldId id="264" r:id="rId10"/>
+    <p:sldId id="265" r:id="rId11"/>
+    <p:sldId id="266" r:id="rId12"/>
+    <p:sldId id="267" r:id="rId13"/>
+    <p:sldId id="268" r:id="rId14"/>
+    <p:sldId id="269" r:id="rId15"/>
+    <p:sldId id="270" r:id="rId16"/>
+    <p:sldId id="271" r:id="rId17"/>
+    <p:sldId id="272" r:id="rId18"/>
   </p:sldIdLst>
-  <p:sldSz cy="5143500" cx="9144000"/>
+  <p:sldSz cx="9144000" cy="5143500" type="screen16x9"/>
   <p:notesSz cx="6858000" cy="9144000"/>
   <p:embeddedFontLst>
     <p:embeddedFont>
-      <p:font typeface="Montserrat"/>
-      <p:regular r:id="rId23"/>
-      <p:bold r:id="rId24"/>
-      <p:italic r:id="rId25"/>
-      <p:boldItalic r:id="rId26"/>
+      <p:font typeface="Montserrat" panose="020B0604020202020204" charset="0"/>
+      <p:regular r:id="rId20"/>
+      <p:bold r:id="rId21"/>
+      <p:italic r:id="rId22"/>
+      <p:boldItalic r:id="rId23"/>
     </p:embeddedFont>
     <p:embeddedFont>
-      <p:font typeface="Lato"/>
-      <p:regular r:id="rId27"/>
-      <p:bold r:id="rId28"/>
-      <p:italic r:id="rId29"/>
-      <p:boldItalic r:id="rId30"/>
+      <p:font typeface="Lato" panose="020B0604020202020204" charset="0"/>
+      <p:regular r:id="rId24"/>
+      <p:bold r:id="rId25"/>
+      <p:italic r:id="rId26"/>
+      <p:boldItalic r:id="rId27"/>
     </p:embeddedFont>
   </p:embeddedFontLst>
   <p:defaultTextStyle>
-    <a:defPPr lvl="0" marR="0" rtl="0" algn="l">
+    <a:defPPr marR="0" lvl="0" algn="l" rtl="0">
       <a:lnSpc>
         <a:spcPct val="100000"/>
       </a:lnSpc>
@@ -56,7 +56,7 @@
         <a:spcPts val="0"/>
       </a:spcAft>
     </a:defPPr>
-    <a:lvl1pPr lvl="0" marR="0" rtl="0" algn="l">
+    <a:lvl1pPr marR="0" lvl="0" algn="l" rtl="0">
       <a:lnSpc>
         <a:spcPct val="100000"/>
       </a:lnSpc>
@@ -70,7 +70,7 @@
         <a:srgbClr val="000000"/>
       </a:buClr>
       <a:buFont typeface="Arial"/>
-      <a:defRPr b="0" i="0" sz="1400" u="none" cap="none" strike="noStrike">
+      <a:defRPr sz="1400" b="0" i="0" u="none" strike="noStrike" cap="none">
         <a:solidFill>
           <a:srgbClr val="000000"/>
         </a:solidFill>
@@ -80,7 +80,7 @@
         <a:sym typeface="Arial"/>
       </a:defRPr>
     </a:lvl1pPr>
-    <a:lvl2pPr lvl="1" marR="0" rtl="0" algn="l">
+    <a:lvl2pPr marR="0" lvl="1" algn="l" rtl="0">
       <a:lnSpc>
         <a:spcPct val="100000"/>
       </a:lnSpc>
@@ -94,7 +94,7 @@
         <a:srgbClr val="000000"/>
       </a:buClr>
       <a:buFont typeface="Arial"/>
-      <a:defRPr b="0" i="0" sz="1400" u="none" cap="none" strike="noStrike">
+      <a:defRPr sz="1400" b="0" i="0" u="none" strike="noStrike" cap="none">
         <a:solidFill>
           <a:srgbClr val="000000"/>
         </a:solidFill>
@@ -104,7 +104,7 @@
         <a:sym typeface="Arial"/>
       </a:defRPr>
     </a:lvl2pPr>
-    <a:lvl3pPr lvl="2" marR="0" rtl="0" algn="l">
+    <a:lvl3pPr marR="0" lvl="2" algn="l" rtl="0">
       <a:lnSpc>
         <a:spcPct val="100000"/>
       </a:lnSpc>
@@ -118,7 +118,7 @@
         <a:srgbClr val="000000"/>
       </a:buClr>
       <a:buFont typeface="Arial"/>
-      <a:defRPr b="0" i="0" sz="1400" u="none" cap="none" strike="noStrike">
+      <a:defRPr sz="1400" b="0" i="0" u="none" strike="noStrike" cap="none">
         <a:solidFill>
           <a:srgbClr val="000000"/>
         </a:solidFill>
@@ -128,7 +128,7 @@
         <a:sym typeface="Arial"/>
       </a:defRPr>
     </a:lvl3pPr>
-    <a:lvl4pPr lvl="3" marR="0" rtl="0" algn="l">
+    <a:lvl4pPr marR="0" lvl="3" algn="l" rtl="0">
       <a:lnSpc>
         <a:spcPct val="100000"/>
       </a:lnSpc>
@@ -142,7 +142,7 @@
         <a:srgbClr val="000000"/>
       </a:buClr>
       <a:buFont typeface="Arial"/>
-      <a:defRPr b="0" i="0" sz="1400" u="none" cap="none" strike="noStrike">
+      <a:defRPr sz="1400" b="0" i="0" u="none" strike="noStrike" cap="none">
         <a:solidFill>
           <a:srgbClr val="000000"/>
         </a:solidFill>
@@ -152,7 +152,7 @@
         <a:sym typeface="Arial"/>
       </a:defRPr>
     </a:lvl4pPr>
-    <a:lvl5pPr lvl="4" marR="0" rtl="0" algn="l">
+    <a:lvl5pPr marR="0" lvl="4" algn="l" rtl="0">
       <a:lnSpc>
         <a:spcPct val="100000"/>
       </a:lnSpc>
@@ -166,7 +166,7 @@
         <a:srgbClr val="000000"/>
       </a:buClr>
       <a:buFont typeface="Arial"/>
-      <a:defRPr b="0" i="0" sz="1400" u="none" cap="none" strike="noStrike">
+      <a:defRPr sz="1400" b="0" i="0" u="none" strike="noStrike" cap="none">
         <a:solidFill>
           <a:srgbClr val="000000"/>
         </a:solidFill>
@@ -176,7 +176,7 @@
         <a:sym typeface="Arial"/>
       </a:defRPr>
     </a:lvl5pPr>
-    <a:lvl6pPr lvl="5" marR="0" rtl="0" algn="l">
+    <a:lvl6pPr marR="0" lvl="5" algn="l" rtl="0">
       <a:lnSpc>
         <a:spcPct val="100000"/>
       </a:lnSpc>
@@ -190,7 +190,7 @@
         <a:srgbClr val="000000"/>
       </a:buClr>
       <a:buFont typeface="Arial"/>
-      <a:defRPr b="0" i="0" sz="1400" u="none" cap="none" strike="noStrike">
+      <a:defRPr sz="1400" b="0" i="0" u="none" strike="noStrike" cap="none">
         <a:solidFill>
           <a:srgbClr val="000000"/>
         </a:solidFill>
@@ -200,7 +200,7 @@
         <a:sym typeface="Arial"/>
       </a:defRPr>
     </a:lvl6pPr>
-    <a:lvl7pPr lvl="6" marR="0" rtl="0" algn="l">
+    <a:lvl7pPr marR="0" lvl="6" algn="l" rtl="0">
       <a:lnSpc>
         <a:spcPct val="100000"/>
       </a:lnSpc>
@@ -214,7 +214,7 @@
         <a:srgbClr val="000000"/>
       </a:buClr>
       <a:buFont typeface="Arial"/>
-      <a:defRPr b="0" i="0" sz="1400" u="none" cap="none" strike="noStrike">
+      <a:defRPr sz="1400" b="0" i="0" u="none" strike="noStrike" cap="none">
         <a:solidFill>
           <a:srgbClr val="000000"/>
         </a:solidFill>
@@ -224,7 +224,7 @@
         <a:sym typeface="Arial"/>
       </a:defRPr>
     </a:lvl7pPr>
-    <a:lvl8pPr lvl="7" marR="0" rtl="0" algn="l">
+    <a:lvl8pPr marR="0" lvl="7" algn="l" rtl="0">
       <a:lnSpc>
         <a:spcPct val="100000"/>
       </a:lnSpc>
@@ -238,7 +238,7 @@
         <a:srgbClr val="000000"/>
       </a:buClr>
       <a:buFont typeface="Arial"/>
-      <a:defRPr b="0" i="0" sz="1400" u="none" cap="none" strike="noStrike">
+      <a:defRPr sz="1400" b="0" i="0" u="none" strike="noStrike" cap="none">
         <a:solidFill>
           <a:srgbClr val="000000"/>
         </a:solidFill>
@@ -248,7 +248,7 @@
         <a:sym typeface="Arial"/>
       </a:defRPr>
     </a:lvl8pPr>
-    <a:lvl9pPr lvl="8" marR="0" rtl="0" algn="l">
+    <a:lvl9pPr marR="0" lvl="8" algn="l" rtl="0">
       <a:lnSpc>
         <a:spcPct val="100000"/>
       </a:lnSpc>
@@ -262,7 +262,7 @@
         <a:srgbClr val="000000"/>
       </a:buClr>
       <a:buFont typeface="Arial"/>
-      <a:defRPr b="0" i="0" sz="1400" u="none" cap="none" strike="noStrike">
+      <a:defRPr sz="1400" b="0" i="0" u="none" strike="noStrike" cap="none">
         <a:solidFill>
           <a:srgbClr val="000000"/>
         </a:solidFill>
@@ -275,7 +275,7 @@
   </p:defaultTextStyle>
   <p:extLst>
     <p:ext uri="{EFAFB233-063F-42B5-8137-9DF3F51BA10A}">
-      <p15:sldGuideLst>
+      <p15:sldGuideLst xmlns:p15="http://schemas.microsoft.com/office/powerpoint/2012/main">
         <p15:guide id="1" orient="horz" pos="1620">
           <p15:clr>
             <a:srgbClr val="747775"/>
@@ -293,11 +293,16 @@
 </file>
 
 <file path=ppt/notesMasters/notesMaster1.xml><?xml version="1.0" encoding="utf-8"?>
-<p:notesMaster xmlns:a="http://schemas.openxmlformats.org/drawingml/2006/main" xmlns:r="http://schemas.openxmlformats.org/officeDocument/2006/relationships" xmlns:mc="http://schemas.openxmlformats.org/markup-compatibility/2006" xmlns:mv="urn:schemas-microsoft-com:mac:vml" xmlns:p="http://schemas.openxmlformats.org/presentationml/2006/main" xmlns:c="http://schemas.openxmlformats.org/drawingml/2006/chart" xmlns:dgm="http://schemas.openxmlformats.org/drawingml/2006/diagram" xmlns:o="urn:schemas-microsoft-com:office:office" xmlns:v="urn:schemas-microsoft-com:vml" xmlns:pvml="urn:schemas-microsoft-com:office:powerpoint" xmlns:com="http://schemas.openxmlformats.org/drawingml/2006/compatibility" xmlns:p14="http://schemas.microsoft.com/office/powerpoint/2010/main" xmlns:p15="http://schemas.microsoft.com/office/powerpoint/2012/main" xmlns:ahyp="http://schemas.microsoft.com/office/drawing/2018/hyperlinkcolor">
+<p:notesMaster xmlns:a="http://schemas.openxmlformats.org/drawingml/2006/main" xmlns:r="http://schemas.openxmlformats.org/officeDocument/2006/relationships" xmlns:p="http://schemas.openxmlformats.org/presentationml/2006/main">
   <p:cSld>
+    <p:bg>
+      <p:bgRef idx="1001">
+        <a:schemeClr val="bg1"/>
+      </p:bgRef>
+    </p:bg>
     <p:spTree>
       <p:nvGrpSpPr>
-        <p:cNvPr id="2" name="Shape 2"/>
+        <p:cNvPr id="1" name="Shape 2"/>
         <p:cNvGrpSpPr/>
         <p:nvPr/>
       </p:nvGrpSpPr>
@@ -312,9 +317,11 @@
       <p:sp>
         <p:nvSpPr>
           <p:cNvPr id="3" name="Google Shape;3;n"/>
-          <p:cNvSpPr/>
+          <p:cNvSpPr>
+            <a:spLocks noGrp="1" noRot="1" noChangeAspect="1"/>
+          </p:cNvSpPr>
           <p:nvPr>
-            <p:ph idx="2" type="sldImg"/>
+            <p:ph type="sldImg" idx="2"/>
           </p:nvPr>
         </p:nvSpPr>
         <p:spPr>
@@ -323,9 +330,13 @@
             <a:ext cx="6096075" cy="3429000"/>
           </a:xfrm>
           <a:custGeom>
-            <a:rect b="b" l="l" r="r" t="t"/>
+            <a:avLst/>
+            <a:gdLst/>
+            <a:ahLst/>
+            <a:cxnLst/>
+            <a:rect l="l" t="t" r="r" b="b"/>
             <a:pathLst>
-              <a:path extrusionOk="0" h="120000" w="120000">
+              <a:path w="120000" h="120000" extrusionOk="0">
                 <a:moveTo>
                   <a:pt x="0" y="0"/>
                 </a:moveTo>
@@ -343,23 +354,25 @@
             </a:pathLst>
           </a:custGeom>
           <a:noFill/>
-          <a:ln cap="flat" cmpd="sng" w="9525">
+          <a:ln w="9525" cap="flat" cmpd="sng">
             <a:solidFill>
               <a:srgbClr val="000000"/>
             </a:solidFill>
             <a:prstDash val="solid"/>
             <a:round/>
-            <a:headEnd len="sm" w="sm" type="none"/>
-            <a:tailEnd len="sm" w="sm" type="none"/>
+            <a:headEnd type="none" w="sm" len="sm"/>
+            <a:tailEnd type="none" w="sm" len="sm"/>
           </a:ln>
         </p:spPr>
       </p:sp>
       <p:sp>
         <p:nvSpPr>
           <p:cNvPr id="4" name="Google Shape;4;n"/>
-          <p:cNvSpPr txBox="1"/>
+          <p:cNvSpPr txBox="1">
+            <a:spLocks noGrp="1"/>
+          </p:cNvSpPr>
           <p:nvPr>
-            <p:ph idx="1" type="body"/>
+            <p:ph type="body" idx="1"/>
           </p:nvPr>
         </p:nvSpPr>
         <p:spPr>
@@ -376,11 +389,11 @@
           </a:ln>
         </p:spPr>
         <p:txBody>
-          <a:bodyPr anchorCtr="0" anchor="t" bIns="91425" lIns="91425" spcFirstLastPara="1" rIns="91425" wrap="square" tIns="91425">
+          <a:bodyPr spcFirstLastPara="1" wrap="square" lIns="91425" tIns="91425" rIns="91425" bIns="91425" anchor="t" anchorCtr="0">
             <a:noAutofit/>
           </a:bodyPr>
           <a:lstStyle>
-            <a:lvl1pPr indent="-298450" lvl="0" marL="457200">
+            <a:lvl1pPr marL="457200" lvl="0" indent="-298450">
               <a:spcBef>
                 <a:spcPts val="0"/>
               </a:spcBef>
@@ -391,7 +404,7 @@
               <a:buChar char="●"/>
               <a:defRPr sz="1100"/>
             </a:lvl1pPr>
-            <a:lvl2pPr indent="-298450" lvl="1" marL="914400">
+            <a:lvl2pPr marL="914400" lvl="1" indent="-298450">
               <a:spcBef>
                 <a:spcPts val="0"/>
               </a:spcBef>
@@ -402,7 +415,7 @@
               <a:buChar char="○"/>
               <a:defRPr sz="1100"/>
             </a:lvl2pPr>
-            <a:lvl3pPr indent="-298450" lvl="2" marL="1371600">
+            <a:lvl3pPr marL="1371600" lvl="2" indent="-298450">
               <a:spcBef>
                 <a:spcPts val="0"/>
               </a:spcBef>
@@ -413,7 +426,7 @@
               <a:buChar char="■"/>
               <a:defRPr sz="1100"/>
             </a:lvl3pPr>
-            <a:lvl4pPr indent="-298450" lvl="3" marL="1828800">
+            <a:lvl4pPr marL="1828800" lvl="3" indent="-298450">
               <a:spcBef>
                 <a:spcPts val="0"/>
               </a:spcBef>
@@ -424,7 +437,7 @@
               <a:buChar char="●"/>
               <a:defRPr sz="1100"/>
             </a:lvl4pPr>
-            <a:lvl5pPr indent="-298450" lvl="4" marL="2286000">
+            <a:lvl5pPr marL="2286000" lvl="4" indent="-298450">
               <a:spcBef>
                 <a:spcPts val="0"/>
               </a:spcBef>
@@ -435,7 +448,7 @@
               <a:buChar char="○"/>
               <a:defRPr sz="1100"/>
             </a:lvl5pPr>
-            <a:lvl6pPr indent="-298450" lvl="5" marL="2743200">
+            <a:lvl6pPr marL="2743200" lvl="5" indent="-298450">
               <a:spcBef>
                 <a:spcPts val="0"/>
               </a:spcBef>
@@ -446,7 +459,7 @@
               <a:buChar char="■"/>
               <a:defRPr sz="1100"/>
             </a:lvl6pPr>
-            <a:lvl7pPr indent="-298450" lvl="6" marL="3200400">
+            <a:lvl7pPr marL="3200400" lvl="6" indent="-298450">
               <a:spcBef>
                 <a:spcPts val="0"/>
               </a:spcBef>
@@ -457,7 +470,7 @@
               <a:buChar char="●"/>
               <a:defRPr sz="1100"/>
             </a:lvl7pPr>
-            <a:lvl8pPr indent="-298450" lvl="7" marL="3657600">
+            <a:lvl8pPr marL="3657600" lvl="7" indent="-298450">
               <a:spcBef>
                 <a:spcPts val="0"/>
               </a:spcBef>
@@ -468,7 +481,7 @@
               <a:buChar char="○"/>
               <a:defRPr sz="1100"/>
             </a:lvl8pPr>
-            <a:lvl9pPr indent="-298450" lvl="8" marL="4114800">
+            <a:lvl9pPr marL="4114800" lvl="8" indent="-298450">
               <a:spcBef>
                 <a:spcPts val="0"/>
               </a:spcBef>
@@ -480,14 +493,21 @@
               <a:defRPr sz="1100"/>
             </a:lvl9pPr>
           </a:lstStyle>
-          <a:p/>
+          <a:p>
+            <a:endParaRPr/>
+          </a:p>
         </p:txBody>
       </p:sp>
     </p:spTree>
+    <p:extLst>
+      <p:ext uri="{BB962C8B-B14F-4D97-AF65-F5344CB8AC3E}">
+        <p14:creationId xmlns:p14="http://schemas.microsoft.com/office/powerpoint/2010/main" val="2482535749"/>
+      </p:ext>
+    </p:extLst>
   </p:cSld>
-  <p:clrMap accent1="accent1" accent2="accent2" accent3="accent3" accent4="accent4" accent5="accent5" accent6="accent6" bg1="lt1" bg2="dk2" tx1="dk1" tx2="lt2" folHlink="folHlink" hlink="hlink"/>
+  <p:clrMap bg1="lt1" tx1="dk1" bg2="dk2" tx2="lt2" accent1="accent1" accent2="accent2" accent3="accent3" accent4="accent4" accent5="accent5" accent6="accent6" hlink="hlink" folHlink="folHlink"/>
   <p:notesStyle>
-    <a:defPPr lvl="0" marR="0" rtl="0" algn="l">
+    <a:defPPr marR="0" lvl="0" algn="l" rtl="0">
       <a:lnSpc>
         <a:spcPct val="100000"/>
       </a:lnSpc>
@@ -498,7 +518,7 @@
         <a:spcPts val="0"/>
       </a:spcAft>
     </a:defPPr>
-    <a:lvl1pPr lvl="0" marR="0" rtl="0" algn="l">
+    <a:lvl1pPr marR="0" lvl="0" algn="l" rtl="0">
       <a:lnSpc>
         <a:spcPct val="100000"/>
       </a:lnSpc>
@@ -512,7 +532,7 @@
         <a:srgbClr val="000000"/>
       </a:buClr>
       <a:buFont typeface="Arial"/>
-      <a:defRPr b="0" i="0" sz="1400" u="none" cap="none" strike="noStrike">
+      <a:defRPr sz="1400" b="0" i="0" u="none" strike="noStrike" cap="none">
         <a:solidFill>
           <a:srgbClr val="000000"/>
         </a:solidFill>
@@ -522,7 +542,7 @@
         <a:sym typeface="Arial"/>
       </a:defRPr>
     </a:lvl1pPr>
-    <a:lvl2pPr lvl="1" marR="0" rtl="0" algn="l">
+    <a:lvl2pPr marR="0" lvl="1" algn="l" rtl="0">
       <a:lnSpc>
         <a:spcPct val="100000"/>
       </a:lnSpc>
@@ -536,7 +556,7 @@
         <a:srgbClr val="000000"/>
       </a:buClr>
       <a:buFont typeface="Arial"/>
-      <a:defRPr b="0" i="0" sz="1400" u="none" cap="none" strike="noStrike">
+      <a:defRPr sz="1400" b="0" i="0" u="none" strike="noStrike" cap="none">
         <a:solidFill>
           <a:srgbClr val="000000"/>
         </a:solidFill>
@@ -546,7 +566,7 @@
         <a:sym typeface="Arial"/>
       </a:defRPr>
     </a:lvl2pPr>
-    <a:lvl3pPr lvl="2" marR="0" rtl="0" algn="l">
+    <a:lvl3pPr marR="0" lvl="2" algn="l" rtl="0">
       <a:lnSpc>
         <a:spcPct val="100000"/>
       </a:lnSpc>
@@ -560,7 +580,7 @@
         <a:srgbClr val="000000"/>
       </a:buClr>
       <a:buFont typeface="Arial"/>
-      <a:defRPr b="0" i="0" sz="1400" u="none" cap="none" strike="noStrike">
+      <a:defRPr sz="1400" b="0" i="0" u="none" strike="noStrike" cap="none">
         <a:solidFill>
           <a:srgbClr val="000000"/>
         </a:solidFill>
@@ -570,7 +590,7 @@
         <a:sym typeface="Arial"/>
       </a:defRPr>
     </a:lvl3pPr>
-    <a:lvl4pPr lvl="3" marR="0" rtl="0" algn="l">
+    <a:lvl4pPr marR="0" lvl="3" algn="l" rtl="0">
       <a:lnSpc>
         <a:spcPct val="100000"/>
       </a:lnSpc>
@@ -584,7 +604,7 @@
         <a:srgbClr val="000000"/>
       </a:buClr>
       <a:buFont typeface="Arial"/>
-      <a:defRPr b="0" i="0" sz="1400" u="none" cap="none" strike="noStrike">
+      <a:defRPr sz="1400" b="0" i="0" u="none" strike="noStrike" cap="none">
         <a:solidFill>
           <a:srgbClr val="000000"/>
         </a:solidFill>
@@ -594,7 +614,7 @@
         <a:sym typeface="Arial"/>
       </a:defRPr>
     </a:lvl4pPr>
-    <a:lvl5pPr lvl="4" marR="0" rtl="0" algn="l">
+    <a:lvl5pPr marR="0" lvl="4" algn="l" rtl="0">
       <a:lnSpc>
         <a:spcPct val="100000"/>
       </a:lnSpc>
@@ -608,7 +628,7 @@
         <a:srgbClr val="000000"/>
       </a:buClr>
       <a:buFont typeface="Arial"/>
-      <a:defRPr b="0" i="0" sz="1400" u="none" cap="none" strike="noStrike">
+      <a:defRPr sz="1400" b="0" i="0" u="none" strike="noStrike" cap="none">
         <a:solidFill>
           <a:srgbClr val="000000"/>
         </a:solidFill>
@@ -618,7 +638,7 @@
         <a:sym typeface="Arial"/>
       </a:defRPr>
     </a:lvl5pPr>
-    <a:lvl6pPr lvl="5" marR="0" rtl="0" algn="l">
+    <a:lvl6pPr marR="0" lvl="5" algn="l" rtl="0">
       <a:lnSpc>
         <a:spcPct val="100000"/>
       </a:lnSpc>
@@ -632,7 +652,7 @@
         <a:srgbClr val="000000"/>
       </a:buClr>
       <a:buFont typeface="Arial"/>
-      <a:defRPr b="0" i="0" sz="1400" u="none" cap="none" strike="noStrike">
+      <a:defRPr sz="1400" b="0" i="0" u="none" strike="noStrike" cap="none">
         <a:solidFill>
           <a:srgbClr val="000000"/>
         </a:solidFill>
@@ -642,7 +662,7 @@
         <a:sym typeface="Arial"/>
       </a:defRPr>
     </a:lvl6pPr>
-    <a:lvl7pPr lvl="6" marR="0" rtl="0" algn="l">
+    <a:lvl7pPr marR="0" lvl="6" algn="l" rtl="0">
       <a:lnSpc>
         <a:spcPct val="100000"/>
       </a:lnSpc>
@@ -656,7 +676,7 @@
         <a:srgbClr val="000000"/>
       </a:buClr>
       <a:buFont typeface="Arial"/>
-      <a:defRPr b="0" i="0" sz="1400" u="none" cap="none" strike="noStrike">
+      <a:defRPr sz="1400" b="0" i="0" u="none" strike="noStrike" cap="none">
         <a:solidFill>
           <a:srgbClr val="000000"/>
         </a:solidFill>
@@ -666,7 +686,7 @@
         <a:sym typeface="Arial"/>
       </a:defRPr>
     </a:lvl7pPr>
-    <a:lvl8pPr lvl="7" marR="0" rtl="0" algn="l">
+    <a:lvl8pPr marR="0" lvl="7" algn="l" rtl="0">
       <a:lnSpc>
         <a:spcPct val="100000"/>
       </a:lnSpc>
@@ -680,7 +700,7 @@
         <a:srgbClr val="000000"/>
       </a:buClr>
       <a:buFont typeface="Arial"/>
-      <a:defRPr b="0" i="0" sz="1400" u="none" cap="none" strike="noStrike">
+      <a:defRPr sz="1400" b="0" i="0" u="none" strike="noStrike" cap="none">
         <a:solidFill>
           <a:srgbClr val="000000"/>
         </a:solidFill>
@@ -690,7 +710,7 @@
         <a:sym typeface="Arial"/>
       </a:defRPr>
     </a:lvl8pPr>
-    <a:lvl9pPr lvl="8" marR="0" rtl="0" algn="l">
+    <a:lvl9pPr marR="0" lvl="8" algn="l" rtl="0">
       <a:lnSpc>
         <a:spcPct val="100000"/>
       </a:lnSpc>
@@ -704,7 +724,7 @@
         <a:srgbClr val="000000"/>
       </a:buClr>
       <a:buFont typeface="Arial"/>
-      <a:defRPr b="0" i="0" sz="1400" u="none" cap="none" strike="noStrike">
+      <a:defRPr sz="1400" b="0" i="0" u="none" strike="noStrike" cap="none">
         <a:solidFill>
           <a:srgbClr val="000000"/>
         </a:solidFill>
@@ -719,11 +739,11 @@
 </file>
 
 <file path=ppt/notesSlides/notesSlide1.xml><?xml version="1.0" encoding="utf-8"?>
-<p:notes xmlns:a="http://schemas.openxmlformats.org/drawingml/2006/main" xmlns:r="http://schemas.openxmlformats.org/officeDocument/2006/relationships" xmlns:mc="http://schemas.openxmlformats.org/markup-compatibility/2006" xmlns:mv="urn:schemas-microsoft-com:mac:vml" xmlns:p="http://schemas.openxmlformats.org/presentationml/2006/main" xmlns:c="http://schemas.openxmlformats.org/drawingml/2006/chart" xmlns:dgm="http://schemas.openxmlformats.org/drawingml/2006/diagram" xmlns:o="urn:schemas-microsoft-com:office:office" xmlns:v="urn:schemas-microsoft-com:vml" xmlns:pvml="urn:schemas-microsoft-com:office:powerpoint" xmlns:com="http://schemas.openxmlformats.org/drawingml/2006/compatibility" xmlns:p14="http://schemas.microsoft.com/office/powerpoint/2010/main" xmlns:p15="http://schemas.microsoft.com/office/powerpoint/2012/main" xmlns:ahyp="http://schemas.microsoft.com/office/drawing/2018/hyperlinkcolor" showMasterPhAnim="0" showMasterSp="0">
+<p:notes xmlns:a="http://schemas.openxmlformats.org/drawingml/2006/main" xmlns:r="http://schemas.openxmlformats.org/officeDocument/2006/relationships" xmlns:p="http://schemas.openxmlformats.org/presentationml/2006/main" showMasterSp="0" showMasterPhAnim="0">
   <p:cSld>
     <p:spTree>
       <p:nvGrpSpPr>
-        <p:cNvPr id="130" name="Shape 130"/>
+        <p:cNvPr id="1" name="Shape 130"/>
         <p:cNvGrpSpPr/>
         <p:nvPr/>
       </p:nvGrpSpPr>
@@ -738,20 +758,26 @@
       <p:sp>
         <p:nvSpPr>
           <p:cNvPr id="131" name="Google Shape;131;p:notes"/>
-          <p:cNvSpPr/>
+          <p:cNvSpPr>
+            <a:spLocks noGrp="1" noRot="1" noChangeAspect="1"/>
+          </p:cNvSpPr>
           <p:nvPr>
-            <p:ph idx="2" type="sldImg"/>
+            <p:ph type="sldImg" idx="2"/>
           </p:nvPr>
         </p:nvSpPr>
         <p:spPr>
           <a:xfrm>
-            <a:off x="381300" y="685800"/>
-            <a:ext cx="6096075" cy="3429000"/>
+            <a:off x="381000" y="685800"/>
+            <a:ext cx="6096000" cy="3429000"/>
           </a:xfrm>
           <a:custGeom>
-            <a:rect b="b" l="l" r="r" t="t"/>
+            <a:avLst/>
+            <a:gdLst/>
+            <a:ahLst/>
+            <a:cxnLst/>
+            <a:rect l="l" t="t" r="r" b="b"/>
             <a:pathLst>
-              <a:path extrusionOk="0" h="120000" w="120000">
+              <a:path w="120000" h="120000" extrusionOk="0">
                 <a:moveTo>
                   <a:pt x="0" y="0"/>
                 </a:moveTo>
@@ -773,9 +799,11 @@
       <p:sp>
         <p:nvSpPr>
           <p:cNvPr id="132" name="Google Shape;132;p:notes"/>
-          <p:cNvSpPr txBox="1"/>
+          <p:cNvSpPr txBox="1">
+            <a:spLocks noGrp="1"/>
+          </p:cNvSpPr>
           <p:nvPr>
-            <p:ph idx="1" type="body"/>
+            <p:ph type="body" idx="1"/>
           </p:nvPr>
         </p:nvSpPr>
         <p:spPr>
@@ -788,12 +816,12 @@
           </a:prstGeom>
         </p:spPr>
         <p:txBody>
-          <a:bodyPr anchorCtr="0" anchor="t" bIns="91425" lIns="91425" spcFirstLastPara="1" rIns="91425" wrap="square" tIns="91425">
+          <a:bodyPr spcFirstLastPara="1" wrap="square" lIns="91425" tIns="91425" rIns="91425" bIns="91425" anchor="t" anchorCtr="0">
             <a:noAutofit/>
           </a:bodyPr>
           <a:lstStyle/>
           <a:p>
-            <a:pPr indent="0" lvl="0" marL="0" rtl="0" algn="l">
+            <a:pPr marL="0" lvl="0" indent="0" algn="l" rtl="0">
               <a:spcBef>
                 <a:spcPts val="0"/>
               </a:spcBef>
@@ -802,14 +830,16 @@
               </a:spcAft>
               <a:buNone/>
             </a:pPr>
-            <a:r>
-              <a:t/>
-            </a:r>
             <a:endParaRPr/>
           </a:p>
         </p:txBody>
       </p:sp>
     </p:spTree>
+    <p:extLst>
+      <p:ext uri="{BB962C8B-B14F-4D97-AF65-F5344CB8AC3E}">
+        <p14:creationId xmlns:p14="http://schemas.microsoft.com/office/powerpoint/2010/main" val="1749715425"/>
+      </p:ext>
+    </p:extLst>
   </p:cSld>
   <p:clrMapOvr>
     <a:masterClrMapping/>
@@ -818,11 +848,11 @@
 </file>
 
 <file path=ppt/notesSlides/notesSlide10.xml><?xml version="1.0" encoding="utf-8"?>
-<p:notes xmlns:a="http://schemas.openxmlformats.org/drawingml/2006/main" xmlns:r="http://schemas.openxmlformats.org/officeDocument/2006/relationships" xmlns:mc="http://schemas.openxmlformats.org/markup-compatibility/2006" xmlns:mv="urn:schemas-microsoft-com:mac:vml" xmlns:p="http://schemas.openxmlformats.org/presentationml/2006/main" xmlns:c="http://schemas.openxmlformats.org/drawingml/2006/chart" xmlns:dgm="http://schemas.openxmlformats.org/drawingml/2006/diagram" xmlns:o="urn:schemas-microsoft-com:office:office" xmlns:v="urn:schemas-microsoft-com:vml" xmlns:pvml="urn:schemas-microsoft-com:office:powerpoint" xmlns:com="http://schemas.openxmlformats.org/drawingml/2006/compatibility" xmlns:p14="http://schemas.microsoft.com/office/powerpoint/2010/main" xmlns:p15="http://schemas.microsoft.com/office/powerpoint/2012/main" xmlns:ahyp="http://schemas.microsoft.com/office/drawing/2018/hyperlinkcolor" showMasterPhAnim="0" showMasterSp="0">
+<p:notes xmlns:a="http://schemas.openxmlformats.org/drawingml/2006/main" xmlns:r="http://schemas.openxmlformats.org/officeDocument/2006/relationships" xmlns:p="http://schemas.openxmlformats.org/presentationml/2006/main" showMasterSp="0" showMasterPhAnim="0">
   <p:cSld>
     <p:spTree>
       <p:nvGrpSpPr>
-        <p:cNvPr id="182" name="Shape 182"/>
+        <p:cNvPr id="1" name="Shape 182"/>
         <p:cNvGrpSpPr/>
         <p:nvPr/>
       </p:nvGrpSpPr>
@@ -837,20 +867,26 @@
       <p:sp>
         <p:nvSpPr>
           <p:cNvPr id="183" name="Google Shape;183;g38c7b227b7f_0_163:notes"/>
-          <p:cNvSpPr/>
+          <p:cNvSpPr>
+            <a:spLocks noGrp="1" noRot="1" noChangeAspect="1"/>
+          </p:cNvSpPr>
           <p:nvPr>
-            <p:ph idx="2" type="sldImg"/>
+            <p:ph type="sldImg" idx="2"/>
           </p:nvPr>
         </p:nvSpPr>
         <p:spPr>
           <a:xfrm>
-            <a:off x="381300" y="685800"/>
+            <a:off x="381000" y="685800"/>
             <a:ext cx="6096000" cy="3429000"/>
           </a:xfrm>
           <a:custGeom>
-            <a:rect b="b" l="l" r="r" t="t"/>
+            <a:avLst/>
+            <a:gdLst/>
+            <a:ahLst/>
+            <a:cxnLst/>
+            <a:rect l="l" t="t" r="r" b="b"/>
             <a:pathLst>
-              <a:path extrusionOk="0" h="120000" w="120000">
+              <a:path w="120000" h="120000" extrusionOk="0">
                 <a:moveTo>
                   <a:pt x="0" y="0"/>
                 </a:moveTo>
@@ -872,9 +908,11 @@
       <p:sp>
         <p:nvSpPr>
           <p:cNvPr id="184" name="Google Shape;184;g38c7b227b7f_0_163:notes"/>
-          <p:cNvSpPr txBox="1"/>
+          <p:cNvSpPr txBox="1">
+            <a:spLocks noGrp="1"/>
+          </p:cNvSpPr>
           <p:nvPr>
-            <p:ph idx="1" type="body"/>
+            <p:ph type="body" idx="1"/>
           </p:nvPr>
         </p:nvSpPr>
         <p:spPr>
@@ -887,12 +925,12 @@
           </a:prstGeom>
         </p:spPr>
         <p:txBody>
-          <a:bodyPr anchorCtr="0" anchor="t" bIns="91425" lIns="91425" spcFirstLastPara="1" rIns="91425" wrap="square" tIns="91425">
+          <a:bodyPr spcFirstLastPara="1" wrap="square" lIns="91425" tIns="91425" rIns="91425" bIns="91425" anchor="t" anchorCtr="0">
             <a:noAutofit/>
           </a:bodyPr>
           <a:lstStyle/>
           <a:p>
-            <a:pPr indent="0" lvl="0" marL="0" rtl="0" algn="l">
+            <a:pPr marL="0" lvl="0" indent="0" algn="l" rtl="0">
               <a:spcBef>
                 <a:spcPts val="0"/>
               </a:spcBef>
@@ -901,14 +939,16 @@
               </a:spcAft>
               <a:buNone/>
             </a:pPr>
-            <a:r>
-              <a:t/>
-            </a:r>
             <a:endParaRPr/>
           </a:p>
         </p:txBody>
       </p:sp>
     </p:spTree>
+    <p:extLst>
+      <p:ext uri="{BB962C8B-B14F-4D97-AF65-F5344CB8AC3E}">
+        <p14:creationId xmlns:p14="http://schemas.microsoft.com/office/powerpoint/2010/main" val="568415199"/>
+      </p:ext>
+    </p:extLst>
   </p:cSld>
   <p:clrMapOvr>
     <a:masterClrMapping/>
@@ -917,11 +957,11 @@
 </file>
 
 <file path=ppt/notesSlides/notesSlide11.xml><?xml version="1.0" encoding="utf-8"?>
-<p:notes xmlns:a="http://schemas.openxmlformats.org/drawingml/2006/main" xmlns:r="http://schemas.openxmlformats.org/officeDocument/2006/relationships" xmlns:mc="http://schemas.openxmlformats.org/markup-compatibility/2006" xmlns:mv="urn:schemas-microsoft-com:mac:vml" xmlns:p="http://schemas.openxmlformats.org/presentationml/2006/main" xmlns:c="http://schemas.openxmlformats.org/drawingml/2006/chart" xmlns:dgm="http://schemas.openxmlformats.org/drawingml/2006/diagram" xmlns:o="urn:schemas-microsoft-com:office:office" xmlns:v="urn:schemas-microsoft-com:vml" xmlns:pvml="urn:schemas-microsoft-com:office:powerpoint" xmlns:com="http://schemas.openxmlformats.org/drawingml/2006/compatibility" xmlns:p14="http://schemas.microsoft.com/office/powerpoint/2010/main" xmlns:p15="http://schemas.microsoft.com/office/powerpoint/2012/main" xmlns:ahyp="http://schemas.microsoft.com/office/drawing/2018/hyperlinkcolor" showMasterPhAnim="0" showMasterSp="0">
+<p:notes xmlns:a="http://schemas.openxmlformats.org/drawingml/2006/main" xmlns:r="http://schemas.openxmlformats.org/officeDocument/2006/relationships" xmlns:p="http://schemas.openxmlformats.org/presentationml/2006/main" showMasterSp="0" showMasterPhAnim="0">
   <p:cSld>
     <p:spTree>
       <p:nvGrpSpPr>
-        <p:cNvPr id="187" name="Shape 187"/>
+        <p:cNvPr id="1" name="Shape 187"/>
         <p:cNvGrpSpPr/>
         <p:nvPr/>
       </p:nvGrpSpPr>
@@ -936,20 +976,26 @@
       <p:sp>
         <p:nvSpPr>
           <p:cNvPr id="188" name="Google Shape;188;g38c7b227b7f_0_167:notes"/>
-          <p:cNvSpPr/>
+          <p:cNvSpPr>
+            <a:spLocks noGrp="1" noRot="1" noChangeAspect="1"/>
+          </p:cNvSpPr>
           <p:nvPr>
-            <p:ph idx="2" type="sldImg"/>
+            <p:ph type="sldImg" idx="2"/>
           </p:nvPr>
         </p:nvSpPr>
         <p:spPr>
           <a:xfrm>
-            <a:off x="381300" y="685800"/>
+            <a:off x="381000" y="685800"/>
             <a:ext cx="6096000" cy="3429000"/>
           </a:xfrm>
           <a:custGeom>
-            <a:rect b="b" l="l" r="r" t="t"/>
+            <a:avLst/>
+            <a:gdLst/>
+            <a:ahLst/>
+            <a:cxnLst/>
+            <a:rect l="l" t="t" r="r" b="b"/>
             <a:pathLst>
-              <a:path extrusionOk="0" h="120000" w="120000">
+              <a:path w="120000" h="120000" extrusionOk="0">
                 <a:moveTo>
                   <a:pt x="0" y="0"/>
                 </a:moveTo>
@@ -971,9 +1017,11 @@
       <p:sp>
         <p:nvSpPr>
           <p:cNvPr id="189" name="Google Shape;189;g38c7b227b7f_0_167:notes"/>
-          <p:cNvSpPr txBox="1"/>
+          <p:cNvSpPr txBox="1">
+            <a:spLocks noGrp="1"/>
+          </p:cNvSpPr>
           <p:nvPr>
-            <p:ph idx="1" type="body"/>
+            <p:ph type="body" idx="1"/>
           </p:nvPr>
         </p:nvSpPr>
         <p:spPr>
@@ -986,12 +1034,12 @@
           </a:prstGeom>
         </p:spPr>
         <p:txBody>
-          <a:bodyPr anchorCtr="0" anchor="t" bIns="91425" lIns="91425" spcFirstLastPara="1" rIns="91425" wrap="square" tIns="91425">
+          <a:bodyPr spcFirstLastPara="1" wrap="square" lIns="91425" tIns="91425" rIns="91425" bIns="91425" anchor="t" anchorCtr="0">
             <a:noAutofit/>
           </a:bodyPr>
           <a:lstStyle/>
           <a:p>
-            <a:pPr indent="0" lvl="0" marL="0" rtl="0" algn="l">
+            <a:pPr marL="0" lvl="0" indent="0" algn="l" rtl="0">
               <a:spcBef>
                 <a:spcPts val="0"/>
               </a:spcBef>
@@ -1000,14 +1048,16 @@
               </a:spcAft>
               <a:buNone/>
             </a:pPr>
-            <a:r>
-              <a:t/>
-            </a:r>
             <a:endParaRPr/>
           </a:p>
         </p:txBody>
       </p:sp>
     </p:spTree>
+    <p:extLst>
+      <p:ext uri="{BB962C8B-B14F-4D97-AF65-F5344CB8AC3E}">
+        <p14:creationId xmlns:p14="http://schemas.microsoft.com/office/powerpoint/2010/main" val="1405808001"/>
+      </p:ext>
+    </p:extLst>
   </p:cSld>
   <p:clrMapOvr>
     <a:masterClrMapping/>
@@ -1016,11 +1066,11 @@
 </file>
 
 <file path=ppt/notesSlides/notesSlide12.xml><?xml version="1.0" encoding="utf-8"?>
-<p:notes xmlns:a="http://schemas.openxmlformats.org/drawingml/2006/main" xmlns:r="http://schemas.openxmlformats.org/officeDocument/2006/relationships" xmlns:mc="http://schemas.openxmlformats.org/markup-compatibility/2006" xmlns:mv="urn:schemas-microsoft-com:mac:vml" xmlns:p="http://schemas.openxmlformats.org/presentationml/2006/main" xmlns:c="http://schemas.openxmlformats.org/drawingml/2006/chart" xmlns:dgm="http://schemas.openxmlformats.org/drawingml/2006/diagram" xmlns:o="urn:schemas-microsoft-com:office:office" xmlns:v="urn:schemas-microsoft-com:vml" xmlns:pvml="urn:schemas-microsoft-com:office:powerpoint" xmlns:com="http://schemas.openxmlformats.org/drawingml/2006/compatibility" xmlns:p14="http://schemas.microsoft.com/office/powerpoint/2010/main" xmlns:p15="http://schemas.microsoft.com/office/powerpoint/2012/main" xmlns:ahyp="http://schemas.microsoft.com/office/drawing/2018/hyperlinkcolor" showMasterPhAnim="0" showMasterSp="0">
+<p:notes xmlns:a="http://schemas.openxmlformats.org/drawingml/2006/main" xmlns:r="http://schemas.openxmlformats.org/officeDocument/2006/relationships" xmlns:p="http://schemas.openxmlformats.org/presentationml/2006/main" showMasterSp="0" showMasterPhAnim="0">
   <p:cSld>
     <p:spTree>
       <p:nvGrpSpPr>
-        <p:cNvPr id="193" name="Shape 193"/>
+        <p:cNvPr id="1" name="Shape 193"/>
         <p:cNvGrpSpPr/>
         <p:nvPr/>
       </p:nvGrpSpPr>
@@ -1035,20 +1085,26 @@
       <p:sp>
         <p:nvSpPr>
           <p:cNvPr id="194" name="Google Shape;194;g38c7b227b7f_0_177:notes"/>
-          <p:cNvSpPr/>
+          <p:cNvSpPr>
+            <a:spLocks noGrp="1" noRot="1" noChangeAspect="1"/>
+          </p:cNvSpPr>
           <p:nvPr>
-            <p:ph idx="2" type="sldImg"/>
+            <p:ph type="sldImg" idx="2"/>
           </p:nvPr>
         </p:nvSpPr>
         <p:spPr>
           <a:xfrm>
-            <a:off x="381300" y="685800"/>
+            <a:off x="381000" y="685800"/>
             <a:ext cx="6096000" cy="3429000"/>
           </a:xfrm>
           <a:custGeom>
-            <a:rect b="b" l="l" r="r" t="t"/>
+            <a:avLst/>
+            <a:gdLst/>
+            <a:ahLst/>
+            <a:cxnLst/>
+            <a:rect l="l" t="t" r="r" b="b"/>
             <a:pathLst>
-              <a:path extrusionOk="0" h="120000" w="120000">
+              <a:path w="120000" h="120000" extrusionOk="0">
                 <a:moveTo>
                   <a:pt x="0" y="0"/>
                 </a:moveTo>
@@ -1070,9 +1126,11 @@
       <p:sp>
         <p:nvSpPr>
           <p:cNvPr id="195" name="Google Shape;195;g38c7b227b7f_0_177:notes"/>
-          <p:cNvSpPr txBox="1"/>
+          <p:cNvSpPr txBox="1">
+            <a:spLocks noGrp="1"/>
+          </p:cNvSpPr>
           <p:nvPr>
-            <p:ph idx="1" type="body"/>
+            <p:ph type="body" idx="1"/>
           </p:nvPr>
         </p:nvSpPr>
         <p:spPr>
@@ -1085,12 +1143,12 @@
           </a:prstGeom>
         </p:spPr>
         <p:txBody>
-          <a:bodyPr anchorCtr="0" anchor="t" bIns="91425" lIns="91425" spcFirstLastPara="1" rIns="91425" wrap="square" tIns="91425">
+          <a:bodyPr spcFirstLastPara="1" wrap="square" lIns="91425" tIns="91425" rIns="91425" bIns="91425" anchor="t" anchorCtr="0">
             <a:noAutofit/>
           </a:bodyPr>
           <a:lstStyle/>
           <a:p>
-            <a:pPr indent="0" lvl="0" marL="0" rtl="0" algn="l">
+            <a:pPr marL="0" lvl="0" indent="0" algn="l" rtl="0">
               <a:spcBef>
                 <a:spcPts val="0"/>
               </a:spcBef>
@@ -1099,14 +1157,16 @@
               </a:spcAft>
               <a:buNone/>
             </a:pPr>
-            <a:r>
-              <a:t/>
-            </a:r>
             <a:endParaRPr/>
           </a:p>
         </p:txBody>
       </p:sp>
     </p:spTree>
+    <p:extLst>
+      <p:ext uri="{BB962C8B-B14F-4D97-AF65-F5344CB8AC3E}">
+        <p14:creationId xmlns:p14="http://schemas.microsoft.com/office/powerpoint/2010/main" val="2706028428"/>
+      </p:ext>
+    </p:extLst>
   </p:cSld>
   <p:clrMapOvr>
     <a:masterClrMapping/>
@@ -1115,11 +1175,11 @@
 </file>
 
 <file path=ppt/notesSlides/notesSlide13.xml><?xml version="1.0" encoding="utf-8"?>
-<p:notes xmlns:a="http://schemas.openxmlformats.org/drawingml/2006/main" xmlns:r="http://schemas.openxmlformats.org/officeDocument/2006/relationships" xmlns:mc="http://schemas.openxmlformats.org/markup-compatibility/2006" xmlns:mv="urn:schemas-microsoft-com:mac:vml" xmlns:p="http://schemas.openxmlformats.org/presentationml/2006/main" xmlns:c="http://schemas.openxmlformats.org/drawingml/2006/chart" xmlns:dgm="http://schemas.openxmlformats.org/drawingml/2006/diagram" xmlns:o="urn:schemas-microsoft-com:office:office" xmlns:v="urn:schemas-microsoft-com:vml" xmlns:pvml="urn:schemas-microsoft-com:office:powerpoint" xmlns:com="http://schemas.openxmlformats.org/drawingml/2006/compatibility" xmlns:p14="http://schemas.microsoft.com/office/powerpoint/2010/main" xmlns:p15="http://schemas.microsoft.com/office/powerpoint/2012/main" xmlns:ahyp="http://schemas.microsoft.com/office/drawing/2018/hyperlinkcolor" showMasterPhAnim="0" showMasterSp="0">
+<p:notes xmlns:a="http://schemas.openxmlformats.org/drawingml/2006/main" xmlns:r="http://schemas.openxmlformats.org/officeDocument/2006/relationships" xmlns:p="http://schemas.openxmlformats.org/presentationml/2006/main" showMasterSp="0" showMasterPhAnim="0">
   <p:cSld>
     <p:spTree>
       <p:nvGrpSpPr>
-        <p:cNvPr id="199" name="Shape 199"/>
+        <p:cNvPr id="1" name="Shape 199"/>
         <p:cNvGrpSpPr/>
         <p:nvPr/>
       </p:nvGrpSpPr>
@@ -1134,20 +1194,26 @@
       <p:sp>
         <p:nvSpPr>
           <p:cNvPr id="200" name="Google Shape;200;g38c7b227b7f_0_197:notes"/>
-          <p:cNvSpPr/>
+          <p:cNvSpPr>
+            <a:spLocks noGrp="1" noRot="1" noChangeAspect="1"/>
+          </p:cNvSpPr>
           <p:nvPr>
-            <p:ph idx="2" type="sldImg"/>
+            <p:ph type="sldImg" idx="2"/>
           </p:nvPr>
         </p:nvSpPr>
         <p:spPr>
           <a:xfrm>
-            <a:off x="381300" y="685800"/>
+            <a:off x="381000" y="685800"/>
             <a:ext cx="6096000" cy="3429000"/>
           </a:xfrm>
           <a:custGeom>
-            <a:rect b="b" l="l" r="r" t="t"/>
+            <a:avLst/>
+            <a:gdLst/>
+            <a:ahLst/>
+            <a:cxnLst/>
+            <a:rect l="l" t="t" r="r" b="b"/>
             <a:pathLst>
-              <a:path extrusionOk="0" h="120000" w="120000">
+              <a:path w="120000" h="120000" extrusionOk="0">
                 <a:moveTo>
                   <a:pt x="0" y="0"/>
                 </a:moveTo>
@@ -1169,9 +1235,11 @@
       <p:sp>
         <p:nvSpPr>
           <p:cNvPr id="201" name="Google Shape;201;g38c7b227b7f_0_197:notes"/>
-          <p:cNvSpPr txBox="1"/>
+          <p:cNvSpPr txBox="1">
+            <a:spLocks noGrp="1"/>
+          </p:cNvSpPr>
           <p:nvPr>
-            <p:ph idx="1" type="body"/>
+            <p:ph type="body" idx="1"/>
           </p:nvPr>
         </p:nvSpPr>
         <p:spPr>
@@ -1184,12 +1252,12 @@
           </a:prstGeom>
         </p:spPr>
         <p:txBody>
-          <a:bodyPr anchorCtr="0" anchor="t" bIns="91425" lIns="91425" spcFirstLastPara="1" rIns="91425" wrap="square" tIns="91425">
+          <a:bodyPr spcFirstLastPara="1" wrap="square" lIns="91425" tIns="91425" rIns="91425" bIns="91425" anchor="t" anchorCtr="0">
             <a:noAutofit/>
           </a:bodyPr>
           <a:lstStyle/>
           <a:p>
-            <a:pPr indent="0" lvl="0" marL="0" rtl="0" algn="l">
+            <a:pPr marL="0" lvl="0" indent="0" algn="l" rtl="0">
               <a:spcBef>
                 <a:spcPts val="0"/>
               </a:spcBef>
@@ -1198,14 +1266,16 @@
               </a:spcAft>
               <a:buNone/>
             </a:pPr>
-            <a:r>
-              <a:t/>
-            </a:r>
             <a:endParaRPr/>
           </a:p>
         </p:txBody>
       </p:sp>
     </p:spTree>
+    <p:extLst>
+      <p:ext uri="{BB962C8B-B14F-4D97-AF65-F5344CB8AC3E}">
+        <p14:creationId xmlns:p14="http://schemas.microsoft.com/office/powerpoint/2010/main" val="922794786"/>
+      </p:ext>
+    </p:extLst>
   </p:cSld>
   <p:clrMapOvr>
     <a:masterClrMapping/>
@@ -1214,11 +1284,11 @@
 </file>
 
 <file path=ppt/notesSlides/notesSlide14.xml><?xml version="1.0" encoding="utf-8"?>
-<p:notes xmlns:a="http://schemas.openxmlformats.org/drawingml/2006/main" xmlns:r="http://schemas.openxmlformats.org/officeDocument/2006/relationships" xmlns:mc="http://schemas.openxmlformats.org/markup-compatibility/2006" xmlns:mv="urn:schemas-microsoft-com:mac:vml" xmlns:p="http://schemas.openxmlformats.org/presentationml/2006/main" xmlns:c="http://schemas.openxmlformats.org/drawingml/2006/chart" xmlns:dgm="http://schemas.openxmlformats.org/drawingml/2006/diagram" xmlns:o="urn:schemas-microsoft-com:office:office" xmlns:v="urn:schemas-microsoft-com:vml" xmlns:pvml="urn:schemas-microsoft-com:office:powerpoint" xmlns:com="http://schemas.openxmlformats.org/drawingml/2006/compatibility" xmlns:p14="http://schemas.microsoft.com/office/powerpoint/2010/main" xmlns:p15="http://schemas.microsoft.com/office/powerpoint/2012/main" xmlns:ahyp="http://schemas.microsoft.com/office/drawing/2018/hyperlinkcolor" showMasterPhAnim="0" showMasterSp="0">
+<p:notes xmlns:a="http://schemas.openxmlformats.org/drawingml/2006/main" xmlns:r="http://schemas.openxmlformats.org/officeDocument/2006/relationships" xmlns:p="http://schemas.openxmlformats.org/presentationml/2006/main" showMasterSp="0" showMasterPhAnim="0">
   <p:cSld>
     <p:spTree>
       <p:nvGrpSpPr>
-        <p:cNvPr id="205" name="Shape 205"/>
+        <p:cNvPr id="1" name="Shape 205"/>
         <p:cNvGrpSpPr/>
         <p:nvPr/>
       </p:nvGrpSpPr>
@@ -1233,20 +1303,26 @@
       <p:sp>
         <p:nvSpPr>
           <p:cNvPr id="206" name="Google Shape;206;g38c7b227b7f_0_182:notes"/>
-          <p:cNvSpPr/>
+          <p:cNvSpPr>
+            <a:spLocks noGrp="1" noRot="1" noChangeAspect="1"/>
+          </p:cNvSpPr>
           <p:nvPr>
-            <p:ph idx="2" type="sldImg"/>
+            <p:ph type="sldImg" idx="2"/>
           </p:nvPr>
         </p:nvSpPr>
         <p:spPr>
           <a:xfrm>
-            <a:off x="381300" y="685800"/>
+            <a:off x="381000" y="685800"/>
             <a:ext cx="6096000" cy="3429000"/>
           </a:xfrm>
           <a:custGeom>
-            <a:rect b="b" l="l" r="r" t="t"/>
+            <a:avLst/>
+            <a:gdLst/>
+            <a:ahLst/>
+            <a:cxnLst/>
+            <a:rect l="l" t="t" r="r" b="b"/>
             <a:pathLst>
-              <a:path extrusionOk="0" h="120000" w="120000">
+              <a:path w="120000" h="120000" extrusionOk="0">
                 <a:moveTo>
                   <a:pt x="0" y="0"/>
                 </a:moveTo>
@@ -1268,9 +1344,11 @@
       <p:sp>
         <p:nvSpPr>
           <p:cNvPr id="207" name="Google Shape;207;g38c7b227b7f_0_182:notes"/>
-          <p:cNvSpPr txBox="1"/>
+          <p:cNvSpPr txBox="1">
+            <a:spLocks noGrp="1"/>
+          </p:cNvSpPr>
           <p:nvPr>
-            <p:ph idx="1" type="body"/>
+            <p:ph type="body" idx="1"/>
           </p:nvPr>
         </p:nvSpPr>
         <p:spPr>
@@ -1283,12 +1361,12 @@
           </a:prstGeom>
         </p:spPr>
         <p:txBody>
-          <a:bodyPr anchorCtr="0" anchor="t" bIns="91425" lIns="91425" spcFirstLastPara="1" rIns="91425" wrap="square" tIns="91425">
+          <a:bodyPr spcFirstLastPara="1" wrap="square" lIns="91425" tIns="91425" rIns="91425" bIns="91425" anchor="t" anchorCtr="0">
             <a:noAutofit/>
           </a:bodyPr>
           <a:lstStyle/>
           <a:p>
-            <a:pPr indent="0" lvl="0" marL="0" rtl="0" algn="l">
+            <a:pPr marL="0" lvl="0" indent="0" algn="l" rtl="0">
               <a:spcBef>
                 <a:spcPts val="0"/>
               </a:spcBef>
@@ -1297,14 +1375,16 @@
               </a:spcAft>
               <a:buNone/>
             </a:pPr>
-            <a:r>
-              <a:t/>
-            </a:r>
             <a:endParaRPr/>
           </a:p>
         </p:txBody>
       </p:sp>
     </p:spTree>
+    <p:extLst>
+      <p:ext uri="{BB962C8B-B14F-4D97-AF65-F5344CB8AC3E}">
+        <p14:creationId xmlns:p14="http://schemas.microsoft.com/office/powerpoint/2010/main" val="2868551990"/>
+      </p:ext>
+    </p:extLst>
   </p:cSld>
   <p:clrMapOvr>
     <a:masterClrMapping/>
@@ -1313,11 +1393,11 @@
 </file>
 
 <file path=ppt/notesSlides/notesSlide15.xml><?xml version="1.0" encoding="utf-8"?>
-<p:notes xmlns:a="http://schemas.openxmlformats.org/drawingml/2006/main" xmlns:r="http://schemas.openxmlformats.org/officeDocument/2006/relationships" xmlns:mc="http://schemas.openxmlformats.org/markup-compatibility/2006" xmlns:mv="urn:schemas-microsoft-com:mac:vml" xmlns:p="http://schemas.openxmlformats.org/presentationml/2006/main" xmlns:c="http://schemas.openxmlformats.org/drawingml/2006/chart" xmlns:dgm="http://schemas.openxmlformats.org/drawingml/2006/diagram" xmlns:o="urn:schemas-microsoft-com:office:office" xmlns:v="urn:schemas-microsoft-com:vml" xmlns:pvml="urn:schemas-microsoft-com:office:powerpoint" xmlns:com="http://schemas.openxmlformats.org/drawingml/2006/compatibility" xmlns:p14="http://schemas.microsoft.com/office/powerpoint/2010/main" xmlns:p15="http://schemas.microsoft.com/office/powerpoint/2012/main" xmlns:ahyp="http://schemas.microsoft.com/office/drawing/2018/hyperlinkcolor" showMasterPhAnim="0" showMasterSp="0">
+<p:notes xmlns:a="http://schemas.openxmlformats.org/drawingml/2006/main" xmlns:r="http://schemas.openxmlformats.org/officeDocument/2006/relationships" xmlns:p="http://schemas.openxmlformats.org/presentationml/2006/main" showMasterSp="0" showMasterPhAnim="0">
   <p:cSld>
     <p:spTree>
       <p:nvGrpSpPr>
-        <p:cNvPr id="211" name="Shape 211"/>
+        <p:cNvPr id="1" name="Shape 211"/>
         <p:cNvGrpSpPr/>
         <p:nvPr/>
       </p:nvGrpSpPr>
@@ -1332,20 +1412,26 @@
       <p:sp>
         <p:nvSpPr>
           <p:cNvPr id="212" name="Google Shape;212;g38c7b227b7f_0_187:notes"/>
-          <p:cNvSpPr/>
+          <p:cNvSpPr>
+            <a:spLocks noGrp="1" noRot="1" noChangeAspect="1"/>
+          </p:cNvSpPr>
           <p:nvPr>
-            <p:ph idx="2" type="sldImg"/>
+            <p:ph type="sldImg" idx="2"/>
           </p:nvPr>
         </p:nvSpPr>
         <p:spPr>
           <a:xfrm>
-            <a:off x="381300" y="685800"/>
+            <a:off x="381000" y="685800"/>
             <a:ext cx="6096000" cy="3429000"/>
           </a:xfrm>
           <a:custGeom>
-            <a:rect b="b" l="l" r="r" t="t"/>
+            <a:avLst/>
+            <a:gdLst/>
+            <a:ahLst/>
+            <a:cxnLst/>
+            <a:rect l="l" t="t" r="r" b="b"/>
             <a:pathLst>
-              <a:path extrusionOk="0" h="120000" w="120000">
+              <a:path w="120000" h="120000" extrusionOk="0">
                 <a:moveTo>
                   <a:pt x="0" y="0"/>
                 </a:moveTo>
@@ -1367,9 +1453,11 @@
       <p:sp>
         <p:nvSpPr>
           <p:cNvPr id="213" name="Google Shape;213;g38c7b227b7f_0_187:notes"/>
-          <p:cNvSpPr txBox="1"/>
+          <p:cNvSpPr txBox="1">
+            <a:spLocks noGrp="1"/>
+          </p:cNvSpPr>
           <p:nvPr>
-            <p:ph idx="1" type="body"/>
+            <p:ph type="body" idx="1"/>
           </p:nvPr>
         </p:nvSpPr>
         <p:spPr>
@@ -1382,12 +1470,12 @@
           </a:prstGeom>
         </p:spPr>
         <p:txBody>
-          <a:bodyPr anchorCtr="0" anchor="t" bIns="91425" lIns="91425" spcFirstLastPara="1" rIns="91425" wrap="square" tIns="91425">
+          <a:bodyPr spcFirstLastPara="1" wrap="square" lIns="91425" tIns="91425" rIns="91425" bIns="91425" anchor="t" anchorCtr="0">
             <a:noAutofit/>
           </a:bodyPr>
           <a:lstStyle/>
           <a:p>
-            <a:pPr indent="0" lvl="0" marL="0" rtl="0" algn="l">
+            <a:pPr marL="0" lvl="0" indent="0" algn="l" rtl="0">
               <a:spcBef>
                 <a:spcPts val="0"/>
               </a:spcBef>
@@ -1396,14 +1484,16 @@
               </a:spcAft>
               <a:buNone/>
             </a:pPr>
-            <a:r>
-              <a:t/>
-            </a:r>
             <a:endParaRPr/>
           </a:p>
         </p:txBody>
       </p:sp>
     </p:spTree>
+    <p:extLst>
+      <p:ext uri="{BB962C8B-B14F-4D97-AF65-F5344CB8AC3E}">
+        <p14:creationId xmlns:p14="http://schemas.microsoft.com/office/powerpoint/2010/main" val="1669064928"/>
+      </p:ext>
+    </p:extLst>
   </p:cSld>
   <p:clrMapOvr>
     <a:masterClrMapping/>
@@ -1412,11 +1502,11 @@
 </file>
 
 <file path=ppt/notesSlides/notesSlide16.xml><?xml version="1.0" encoding="utf-8"?>
-<p:notes xmlns:a="http://schemas.openxmlformats.org/drawingml/2006/main" xmlns:r="http://schemas.openxmlformats.org/officeDocument/2006/relationships" xmlns:mc="http://schemas.openxmlformats.org/markup-compatibility/2006" xmlns:mv="urn:schemas-microsoft-com:mac:vml" xmlns:p="http://schemas.openxmlformats.org/presentationml/2006/main" xmlns:c="http://schemas.openxmlformats.org/drawingml/2006/chart" xmlns:dgm="http://schemas.openxmlformats.org/drawingml/2006/diagram" xmlns:o="urn:schemas-microsoft-com:office:office" xmlns:v="urn:schemas-microsoft-com:vml" xmlns:pvml="urn:schemas-microsoft-com:office:powerpoint" xmlns:com="http://schemas.openxmlformats.org/drawingml/2006/compatibility" xmlns:p14="http://schemas.microsoft.com/office/powerpoint/2010/main" xmlns:p15="http://schemas.microsoft.com/office/powerpoint/2012/main" xmlns:ahyp="http://schemas.microsoft.com/office/drawing/2018/hyperlinkcolor" showMasterPhAnim="0" showMasterSp="0">
+<p:notes xmlns:a="http://schemas.openxmlformats.org/drawingml/2006/main" xmlns:r="http://schemas.openxmlformats.org/officeDocument/2006/relationships" xmlns:p="http://schemas.openxmlformats.org/presentationml/2006/main" showMasterSp="0" showMasterPhAnim="0">
   <p:cSld>
     <p:spTree>
       <p:nvGrpSpPr>
-        <p:cNvPr id="217" name="Shape 217"/>
+        <p:cNvPr id="1" name="Shape 217"/>
         <p:cNvGrpSpPr/>
         <p:nvPr/>
       </p:nvGrpSpPr>
@@ -1431,20 +1521,26 @@
       <p:sp>
         <p:nvSpPr>
           <p:cNvPr id="218" name="Google Shape;218;g38c7b227b7f_1_16:notes"/>
-          <p:cNvSpPr/>
+          <p:cNvSpPr>
+            <a:spLocks noGrp="1" noRot="1" noChangeAspect="1"/>
+          </p:cNvSpPr>
           <p:nvPr>
-            <p:ph idx="2" type="sldImg"/>
+            <p:ph type="sldImg" idx="2"/>
           </p:nvPr>
         </p:nvSpPr>
         <p:spPr>
           <a:xfrm>
-            <a:off x="381300" y="685800"/>
+            <a:off x="381000" y="685800"/>
             <a:ext cx="6096000" cy="3429000"/>
           </a:xfrm>
           <a:custGeom>
-            <a:rect b="b" l="l" r="r" t="t"/>
+            <a:avLst/>
+            <a:gdLst/>
+            <a:ahLst/>
+            <a:cxnLst/>
+            <a:rect l="l" t="t" r="r" b="b"/>
             <a:pathLst>
-              <a:path extrusionOk="0" h="120000" w="120000">
+              <a:path w="120000" h="120000" extrusionOk="0">
                 <a:moveTo>
                   <a:pt x="0" y="0"/>
                 </a:moveTo>
@@ -1466,9 +1562,11 @@
       <p:sp>
         <p:nvSpPr>
           <p:cNvPr id="219" name="Google Shape;219;g38c7b227b7f_1_16:notes"/>
-          <p:cNvSpPr txBox="1"/>
+          <p:cNvSpPr txBox="1">
+            <a:spLocks noGrp="1"/>
+          </p:cNvSpPr>
           <p:nvPr>
-            <p:ph idx="1" type="body"/>
+            <p:ph type="body" idx="1"/>
           </p:nvPr>
         </p:nvSpPr>
         <p:spPr>
@@ -1481,12 +1579,12 @@
           </a:prstGeom>
         </p:spPr>
         <p:txBody>
-          <a:bodyPr anchorCtr="0" anchor="t" bIns="91425" lIns="91425" spcFirstLastPara="1" rIns="91425" wrap="square" tIns="91425">
+          <a:bodyPr spcFirstLastPara="1" wrap="square" lIns="91425" tIns="91425" rIns="91425" bIns="91425" anchor="t" anchorCtr="0">
             <a:noAutofit/>
           </a:bodyPr>
           <a:lstStyle/>
           <a:p>
-            <a:pPr indent="0" lvl="0" marL="0" rtl="0" algn="l">
+            <a:pPr marL="0" lvl="0" indent="0" algn="l" rtl="0">
               <a:spcBef>
                 <a:spcPts val="0"/>
               </a:spcBef>
@@ -1495,14 +1593,16 @@
               </a:spcAft>
               <a:buNone/>
             </a:pPr>
-            <a:r>
-              <a:t/>
-            </a:r>
             <a:endParaRPr/>
           </a:p>
         </p:txBody>
       </p:sp>
     </p:spTree>
+    <p:extLst>
+      <p:ext uri="{BB962C8B-B14F-4D97-AF65-F5344CB8AC3E}">
+        <p14:creationId xmlns:p14="http://schemas.microsoft.com/office/powerpoint/2010/main" val="2834796979"/>
+      </p:ext>
+    </p:extLst>
   </p:cSld>
   <p:clrMapOvr>
     <a:masterClrMapping/>
@@ -1511,11 +1611,11 @@
 </file>
 
 <file path=ppt/notesSlides/notesSlide17.xml><?xml version="1.0" encoding="utf-8"?>
-<p:notes xmlns:a="http://schemas.openxmlformats.org/drawingml/2006/main" xmlns:r="http://schemas.openxmlformats.org/officeDocument/2006/relationships" xmlns:mc="http://schemas.openxmlformats.org/markup-compatibility/2006" xmlns:mv="urn:schemas-microsoft-com:mac:vml" xmlns:p="http://schemas.openxmlformats.org/presentationml/2006/main" xmlns:c="http://schemas.openxmlformats.org/drawingml/2006/chart" xmlns:dgm="http://schemas.openxmlformats.org/drawingml/2006/diagram" xmlns:o="urn:schemas-microsoft-com:office:office" xmlns:v="urn:schemas-microsoft-com:vml" xmlns:pvml="urn:schemas-microsoft-com:office:powerpoint" xmlns:com="http://schemas.openxmlformats.org/drawingml/2006/compatibility" xmlns:p14="http://schemas.microsoft.com/office/powerpoint/2010/main" xmlns:p15="http://schemas.microsoft.com/office/powerpoint/2012/main" xmlns:ahyp="http://schemas.microsoft.com/office/drawing/2018/hyperlinkcolor" showMasterPhAnim="0" showMasterSp="0">
+<p:notes xmlns:a="http://schemas.openxmlformats.org/drawingml/2006/main" xmlns:r="http://schemas.openxmlformats.org/officeDocument/2006/relationships" xmlns:p="http://schemas.openxmlformats.org/presentationml/2006/main" showMasterSp="0" showMasterPhAnim="0">
   <p:cSld>
     <p:spTree>
       <p:nvGrpSpPr>
-        <p:cNvPr id="223" name="Shape 223"/>
+        <p:cNvPr id="1" name="Shape 223"/>
         <p:cNvGrpSpPr/>
         <p:nvPr/>
       </p:nvGrpSpPr>
@@ -1530,20 +1630,26 @@
       <p:sp>
         <p:nvSpPr>
           <p:cNvPr id="224" name="Google Shape;224;g38c7b227b7f_1_22:notes"/>
-          <p:cNvSpPr/>
+          <p:cNvSpPr>
+            <a:spLocks noGrp="1" noRot="1" noChangeAspect="1"/>
+          </p:cNvSpPr>
           <p:nvPr>
-            <p:ph idx="2" type="sldImg"/>
+            <p:ph type="sldImg" idx="2"/>
           </p:nvPr>
         </p:nvSpPr>
         <p:spPr>
           <a:xfrm>
-            <a:off x="381300" y="685800"/>
+            <a:off x="381000" y="685800"/>
             <a:ext cx="6096000" cy="3429000"/>
           </a:xfrm>
           <a:custGeom>
-            <a:rect b="b" l="l" r="r" t="t"/>
+            <a:avLst/>
+            <a:gdLst/>
+            <a:ahLst/>
+            <a:cxnLst/>
+            <a:rect l="l" t="t" r="r" b="b"/>
             <a:pathLst>
-              <a:path extrusionOk="0" h="120000" w="120000">
+              <a:path w="120000" h="120000" extrusionOk="0">
                 <a:moveTo>
                   <a:pt x="0" y="0"/>
                 </a:moveTo>
@@ -1565,9 +1671,11 @@
       <p:sp>
         <p:nvSpPr>
           <p:cNvPr id="225" name="Google Shape;225;g38c7b227b7f_1_22:notes"/>
-          <p:cNvSpPr txBox="1"/>
+          <p:cNvSpPr txBox="1">
+            <a:spLocks noGrp="1"/>
+          </p:cNvSpPr>
           <p:nvPr>
-            <p:ph idx="1" type="body"/>
+            <p:ph type="body" idx="1"/>
           </p:nvPr>
         </p:nvSpPr>
         <p:spPr>
@@ -1580,12 +1688,12 @@
           </a:prstGeom>
         </p:spPr>
         <p:txBody>
-          <a:bodyPr anchorCtr="0" anchor="t" bIns="91425" lIns="91425" spcFirstLastPara="1" rIns="91425" wrap="square" tIns="91425">
+          <a:bodyPr spcFirstLastPara="1" wrap="square" lIns="91425" tIns="91425" rIns="91425" bIns="91425" anchor="t" anchorCtr="0">
             <a:noAutofit/>
           </a:bodyPr>
           <a:lstStyle/>
           <a:p>
-            <a:pPr indent="0" lvl="0" marL="0" rtl="0" algn="l">
+            <a:pPr marL="0" lvl="0" indent="0" algn="l" rtl="0">
               <a:spcBef>
                 <a:spcPts val="0"/>
               </a:spcBef>
@@ -1594,14 +1702,16 @@
               </a:spcAft>
               <a:buNone/>
             </a:pPr>
-            <a:r>
-              <a:t/>
-            </a:r>
             <a:endParaRPr/>
           </a:p>
         </p:txBody>
       </p:sp>
     </p:spTree>
+    <p:extLst>
+      <p:ext uri="{BB962C8B-B14F-4D97-AF65-F5344CB8AC3E}">
+        <p14:creationId xmlns:p14="http://schemas.microsoft.com/office/powerpoint/2010/main" val="1902257625"/>
+      </p:ext>
+    </p:extLst>
   </p:cSld>
   <p:clrMapOvr>
     <a:masterClrMapping/>
@@ -1610,11 +1720,11 @@
 </file>
 
 <file path=ppt/notesSlides/notesSlide2.xml><?xml version="1.0" encoding="utf-8"?>
-<p:notes xmlns:a="http://schemas.openxmlformats.org/drawingml/2006/main" xmlns:r="http://schemas.openxmlformats.org/officeDocument/2006/relationships" xmlns:mc="http://schemas.openxmlformats.org/markup-compatibility/2006" xmlns:mv="urn:schemas-microsoft-com:mac:vml" xmlns:p="http://schemas.openxmlformats.org/presentationml/2006/main" xmlns:c="http://schemas.openxmlformats.org/drawingml/2006/chart" xmlns:dgm="http://schemas.openxmlformats.org/drawingml/2006/diagram" xmlns:o="urn:schemas-microsoft-com:office:office" xmlns:v="urn:schemas-microsoft-com:vml" xmlns:pvml="urn:schemas-microsoft-com:office:powerpoint" xmlns:com="http://schemas.openxmlformats.org/drawingml/2006/compatibility" xmlns:p14="http://schemas.microsoft.com/office/powerpoint/2010/main" xmlns:p15="http://schemas.microsoft.com/office/powerpoint/2012/main" xmlns:ahyp="http://schemas.microsoft.com/office/drawing/2018/hyperlinkcolor" showMasterPhAnim="0" showMasterSp="0">
+<p:notes xmlns:a="http://schemas.openxmlformats.org/drawingml/2006/main" xmlns:r="http://schemas.openxmlformats.org/officeDocument/2006/relationships" xmlns:p="http://schemas.openxmlformats.org/presentationml/2006/main" showMasterSp="0" showMasterPhAnim="0">
   <p:cSld>
     <p:spTree>
       <p:nvGrpSpPr>
-        <p:cNvPr id="136" name="Shape 136"/>
+        <p:cNvPr id="1" name="Shape 136"/>
         <p:cNvGrpSpPr/>
         <p:nvPr/>
       </p:nvGrpSpPr>
@@ -1629,20 +1739,26 @@
       <p:sp>
         <p:nvSpPr>
           <p:cNvPr id="137" name="Google Shape;137;g38c7b227b7f_0_125:notes"/>
-          <p:cNvSpPr/>
+          <p:cNvSpPr>
+            <a:spLocks noGrp="1" noRot="1" noChangeAspect="1"/>
+          </p:cNvSpPr>
           <p:nvPr>
-            <p:ph idx="2" type="sldImg"/>
+            <p:ph type="sldImg" idx="2"/>
           </p:nvPr>
         </p:nvSpPr>
         <p:spPr>
           <a:xfrm>
-            <a:off x="381300" y="685800"/>
+            <a:off x="381000" y="685800"/>
             <a:ext cx="6096000" cy="3429000"/>
           </a:xfrm>
           <a:custGeom>
-            <a:rect b="b" l="l" r="r" t="t"/>
+            <a:avLst/>
+            <a:gdLst/>
+            <a:ahLst/>
+            <a:cxnLst/>
+            <a:rect l="l" t="t" r="r" b="b"/>
             <a:pathLst>
-              <a:path extrusionOk="0" h="120000" w="120000">
+              <a:path w="120000" h="120000" extrusionOk="0">
                 <a:moveTo>
                   <a:pt x="0" y="0"/>
                 </a:moveTo>
@@ -1664,9 +1780,11 @@
       <p:sp>
         <p:nvSpPr>
           <p:cNvPr id="138" name="Google Shape;138;g38c7b227b7f_0_125:notes"/>
-          <p:cNvSpPr txBox="1"/>
+          <p:cNvSpPr txBox="1">
+            <a:spLocks noGrp="1"/>
+          </p:cNvSpPr>
           <p:nvPr>
-            <p:ph idx="1" type="body"/>
+            <p:ph type="body" idx="1"/>
           </p:nvPr>
         </p:nvSpPr>
         <p:spPr>
@@ -1679,12 +1797,12 @@
           </a:prstGeom>
         </p:spPr>
         <p:txBody>
-          <a:bodyPr anchorCtr="0" anchor="t" bIns="91425" lIns="91425" spcFirstLastPara="1" rIns="91425" wrap="square" tIns="91425">
+          <a:bodyPr spcFirstLastPara="1" wrap="square" lIns="91425" tIns="91425" rIns="91425" bIns="91425" anchor="t" anchorCtr="0">
             <a:noAutofit/>
           </a:bodyPr>
           <a:lstStyle/>
           <a:p>
-            <a:pPr indent="0" lvl="0" marL="0" rtl="0" algn="l">
+            <a:pPr marL="0" lvl="0" indent="0" algn="l" rtl="0">
               <a:spcBef>
                 <a:spcPts val="0"/>
               </a:spcBef>
@@ -1693,14 +1811,16 @@
               </a:spcAft>
               <a:buNone/>
             </a:pPr>
-            <a:r>
-              <a:t/>
-            </a:r>
             <a:endParaRPr/>
           </a:p>
         </p:txBody>
       </p:sp>
     </p:spTree>
+    <p:extLst>
+      <p:ext uri="{BB962C8B-B14F-4D97-AF65-F5344CB8AC3E}">
+        <p14:creationId xmlns:p14="http://schemas.microsoft.com/office/powerpoint/2010/main" val="1645485415"/>
+      </p:ext>
+    </p:extLst>
   </p:cSld>
   <p:clrMapOvr>
     <a:masterClrMapping/>
@@ -1709,11 +1829,11 @@
 </file>
 
 <file path=ppt/notesSlides/notesSlide3.xml><?xml version="1.0" encoding="utf-8"?>
-<p:notes xmlns:a="http://schemas.openxmlformats.org/drawingml/2006/main" xmlns:r="http://schemas.openxmlformats.org/officeDocument/2006/relationships" xmlns:mc="http://schemas.openxmlformats.org/markup-compatibility/2006" xmlns:mv="urn:schemas-microsoft-com:mac:vml" xmlns:p="http://schemas.openxmlformats.org/presentationml/2006/main" xmlns:c="http://schemas.openxmlformats.org/drawingml/2006/chart" xmlns:dgm="http://schemas.openxmlformats.org/drawingml/2006/diagram" xmlns:o="urn:schemas-microsoft-com:office:office" xmlns:v="urn:schemas-microsoft-com:vml" xmlns:pvml="urn:schemas-microsoft-com:office:powerpoint" xmlns:com="http://schemas.openxmlformats.org/drawingml/2006/compatibility" xmlns:p14="http://schemas.microsoft.com/office/powerpoint/2010/main" xmlns:p15="http://schemas.microsoft.com/office/powerpoint/2012/main" xmlns:ahyp="http://schemas.microsoft.com/office/drawing/2018/hyperlinkcolor" showMasterPhAnim="0" showMasterSp="0">
+<p:notes xmlns:a="http://schemas.openxmlformats.org/drawingml/2006/main" xmlns:r="http://schemas.openxmlformats.org/officeDocument/2006/relationships" xmlns:p="http://schemas.openxmlformats.org/presentationml/2006/main" showMasterSp="0" showMasterPhAnim="0">
   <p:cSld>
     <p:spTree>
       <p:nvGrpSpPr>
-        <p:cNvPr id="141" name="Shape 141"/>
+        <p:cNvPr id="1" name="Shape 141"/>
         <p:cNvGrpSpPr/>
         <p:nvPr/>
       </p:nvGrpSpPr>
@@ -1728,20 +1848,26 @@
       <p:sp>
         <p:nvSpPr>
           <p:cNvPr id="142" name="Google Shape;142;g38c7b227b7f_0_129:notes"/>
-          <p:cNvSpPr/>
+          <p:cNvSpPr>
+            <a:spLocks noGrp="1" noRot="1" noChangeAspect="1"/>
+          </p:cNvSpPr>
           <p:nvPr>
-            <p:ph idx="2" type="sldImg"/>
+            <p:ph type="sldImg" idx="2"/>
           </p:nvPr>
         </p:nvSpPr>
         <p:spPr>
           <a:xfrm>
-            <a:off x="381300" y="685800"/>
+            <a:off x="381000" y="685800"/>
             <a:ext cx="6096000" cy="3429000"/>
           </a:xfrm>
           <a:custGeom>
-            <a:rect b="b" l="l" r="r" t="t"/>
+            <a:avLst/>
+            <a:gdLst/>
+            <a:ahLst/>
+            <a:cxnLst/>
+            <a:rect l="l" t="t" r="r" b="b"/>
             <a:pathLst>
-              <a:path extrusionOk="0" h="120000" w="120000">
+              <a:path w="120000" h="120000" extrusionOk="0">
                 <a:moveTo>
                   <a:pt x="0" y="0"/>
                 </a:moveTo>
@@ -1763,9 +1889,11 @@
       <p:sp>
         <p:nvSpPr>
           <p:cNvPr id="143" name="Google Shape;143;g38c7b227b7f_0_129:notes"/>
-          <p:cNvSpPr txBox="1"/>
+          <p:cNvSpPr txBox="1">
+            <a:spLocks noGrp="1"/>
+          </p:cNvSpPr>
           <p:nvPr>
-            <p:ph idx="1" type="body"/>
+            <p:ph type="body" idx="1"/>
           </p:nvPr>
         </p:nvSpPr>
         <p:spPr>
@@ -1778,12 +1906,12 @@
           </a:prstGeom>
         </p:spPr>
         <p:txBody>
-          <a:bodyPr anchorCtr="0" anchor="t" bIns="91425" lIns="91425" spcFirstLastPara="1" rIns="91425" wrap="square" tIns="91425">
+          <a:bodyPr spcFirstLastPara="1" wrap="square" lIns="91425" tIns="91425" rIns="91425" bIns="91425" anchor="t" anchorCtr="0">
             <a:noAutofit/>
           </a:bodyPr>
           <a:lstStyle/>
           <a:p>
-            <a:pPr indent="0" lvl="0" marL="0" rtl="0" algn="l">
+            <a:pPr marL="0" lvl="0" indent="0" algn="l" rtl="0">
               <a:spcBef>
                 <a:spcPts val="0"/>
               </a:spcBef>
@@ -1792,14 +1920,16 @@
               </a:spcAft>
               <a:buNone/>
             </a:pPr>
-            <a:r>
-              <a:t/>
-            </a:r>
             <a:endParaRPr/>
           </a:p>
         </p:txBody>
       </p:sp>
     </p:spTree>
+    <p:extLst>
+      <p:ext uri="{BB962C8B-B14F-4D97-AF65-F5344CB8AC3E}">
+        <p14:creationId xmlns:p14="http://schemas.microsoft.com/office/powerpoint/2010/main" val="1935488474"/>
+      </p:ext>
+    </p:extLst>
   </p:cSld>
   <p:clrMapOvr>
     <a:masterClrMapping/>
@@ -1808,11 +1938,11 @@
 </file>
 
 <file path=ppt/notesSlides/notesSlide4.xml><?xml version="1.0" encoding="utf-8"?>
-<p:notes xmlns:a="http://schemas.openxmlformats.org/drawingml/2006/main" xmlns:r="http://schemas.openxmlformats.org/officeDocument/2006/relationships" xmlns:mc="http://schemas.openxmlformats.org/markup-compatibility/2006" xmlns:mv="urn:schemas-microsoft-com:mac:vml" xmlns:p="http://schemas.openxmlformats.org/presentationml/2006/main" xmlns:c="http://schemas.openxmlformats.org/drawingml/2006/chart" xmlns:dgm="http://schemas.openxmlformats.org/drawingml/2006/diagram" xmlns:o="urn:schemas-microsoft-com:office:office" xmlns:v="urn:schemas-microsoft-com:vml" xmlns:pvml="urn:schemas-microsoft-com:office:powerpoint" xmlns:com="http://schemas.openxmlformats.org/drawingml/2006/compatibility" xmlns:p14="http://schemas.microsoft.com/office/powerpoint/2010/main" xmlns:p15="http://schemas.microsoft.com/office/powerpoint/2012/main" xmlns:ahyp="http://schemas.microsoft.com/office/drawing/2018/hyperlinkcolor" showMasterPhAnim="0" showMasterSp="0">
+<p:notes xmlns:a="http://schemas.openxmlformats.org/drawingml/2006/main" xmlns:r="http://schemas.openxmlformats.org/officeDocument/2006/relationships" xmlns:p="http://schemas.openxmlformats.org/presentationml/2006/main" showMasterSp="0" showMasterPhAnim="0">
   <p:cSld>
     <p:spTree>
       <p:nvGrpSpPr>
-        <p:cNvPr id="147" name="Shape 147"/>
+        <p:cNvPr id="1" name="Shape 147"/>
         <p:cNvGrpSpPr/>
         <p:nvPr/>
       </p:nvGrpSpPr>
@@ -1827,20 +1957,26 @@
       <p:sp>
         <p:nvSpPr>
           <p:cNvPr id="148" name="Google Shape;148;g38c7b227b7f_0_134:notes"/>
-          <p:cNvSpPr/>
+          <p:cNvSpPr>
+            <a:spLocks noGrp="1" noRot="1" noChangeAspect="1"/>
+          </p:cNvSpPr>
           <p:nvPr>
-            <p:ph idx="2" type="sldImg"/>
+            <p:ph type="sldImg" idx="2"/>
           </p:nvPr>
         </p:nvSpPr>
         <p:spPr>
           <a:xfrm>
-            <a:off x="381300" y="685800"/>
+            <a:off x="381000" y="685800"/>
             <a:ext cx="6096000" cy="3429000"/>
           </a:xfrm>
           <a:custGeom>
-            <a:rect b="b" l="l" r="r" t="t"/>
+            <a:avLst/>
+            <a:gdLst/>
+            <a:ahLst/>
+            <a:cxnLst/>
+            <a:rect l="l" t="t" r="r" b="b"/>
             <a:pathLst>
-              <a:path extrusionOk="0" h="120000" w="120000">
+              <a:path w="120000" h="120000" extrusionOk="0">
                 <a:moveTo>
                   <a:pt x="0" y="0"/>
                 </a:moveTo>
@@ -1862,9 +1998,11 @@
       <p:sp>
         <p:nvSpPr>
           <p:cNvPr id="149" name="Google Shape;149;g38c7b227b7f_0_134:notes"/>
-          <p:cNvSpPr txBox="1"/>
+          <p:cNvSpPr txBox="1">
+            <a:spLocks noGrp="1"/>
+          </p:cNvSpPr>
           <p:nvPr>
-            <p:ph idx="1" type="body"/>
+            <p:ph type="body" idx="1"/>
           </p:nvPr>
         </p:nvSpPr>
         <p:spPr>
@@ -1877,12 +2015,12 @@
           </a:prstGeom>
         </p:spPr>
         <p:txBody>
-          <a:bodyPr anchorCtr="0" anchor="t" bIns="91425" lIns="91425" spcFirstLastPara="1" rIns="91425" wrap="square" tIns="91425">
+          <a:bodyPr spcFirstLastPara="1" wrap="square" lIns="91425" tIns="91425" rIns="91425" bIns="91425" anchor="t" anchorCtr="0">
             <a:noAutofit/>
           </a:bodyPr>
           <a:lstStyle/>
           <a:p>
-            <a:pPr indent="0" lvl="0" marL="0" rtl="0" algn="l">
+            <a:pPr marL="0" lvl="0" indent="0" algn="l" rtl="0">
               <a:spcBef>
                 <a:spcPts val="0"/>
               </a:spcBef>
@@ -1891,14 +2029,16 @@
               </a:spcAft>
               <a:buNone/>
             </a:pPr>
-            <a:r>
-              <a:t/>
-            </a:r>
             <a:endParaRPr/>
           </a:p>
         </p:txBody>
       </p:sp>
     </p:spTree>
+    <p:extLst>
+      <p:ext uri="{BB962C8B-B14F-4D97-AF65-F5344CB8AC3E}">
+        <p14:creationId xmlns:p14="http://schemas.microsoft.com/office/powerpoint/2010/main" val="3198889461"/>
+      </p:ext>
+    </p:extLst>
   </p:cSld>
   <p:clrMapOvr>
     <a:masterClrMapping/>
@@ -1907,11 +2047,11 @@
 </file>
 
 <file path=ppt/notesSlides/notesSlide5.xml><?xml version="1.0" encoding="utf-8"?>
-<p:notes xmlns:a="http://schemas.openxmlformats.org/drawingml/2006/main" xmlns:r="http://schemas.openxmlformats.org/officeDocument/2006/relationships" xmlns:mc="http://schemas.openxmlformats.org/markup-compatibility/2006" xmlns:mv="urn:schemas-microsoft-com:mac:vml" xmlns:p="http://schemas.openxmlformats.org/presentationml/2006/main" xmlns:c="http://schemas.openxmlformats.org/drawingml/2006/chart" xmlns:dgm="http://schemas.openxmlformats.org/drawingml/2006/diagram" xmlns:o="urn:schemas-microsoft-com:office:office" xmlns:v="urn:schemas-microsoft-com:vml" xmlns:pvml="urn:schemas-microsoft-com:office:powerpoint" xmlns:com="http://schemas.openxmlformats.org/drawingml/2006/compatibility" xmlns:p14="http://schemas.microsoft.com/office/powerpoint/2010/main" xmlns:p15="http://schemas.microsoft.com/office/powerpoint/2012/main" xmlns:ahyp="http://schemas.microsoft.com/office/drawing/2018/hyperlinkcolor" showMasterPhAnim="0" showMasterSp="0">
+<p:notes xmlns:a="http://schemas.openxmlformats.org/drawingml/2006/main" xmlns:r="http://schemas.openxmlformats.org/officeDocument/2006/relationships" xmlns:p="http://schemas.openxmlformats.org/presentationml/2006/main" showMasterSp="0" showMasterPhAnim="0">
   <p:cSld>
     <p:spTree>
       <p:nvGrpSpPr>
-        <p:cNvPr id="152" name="Shape 152"/>
+        <p:cNvPr id="1" name="Shape 152"/>
         <p:cNvGrpSpPr/>
         <p:nvPr/>
       </p:nvGrpSpPr>
@@ -1926,20 +2066,26 @@
       <p:sp>
         <p:nvSpPr>
           <p:cNvPr id="153" name="Google Shape;153;g38c7b227b7f_0_138:notes"/>
-          <p:cNvSpPr/>
+          <p:cNvSpPr>
+            <a:spLocks noGrp="1" noRot="1" noChangeAspect="1"/>
+          </p:cNvSpPr>
           <p:nvPr>
-            <p:ph idx="2" type="sldImg"/>
+            <p:ph type="sldImg" idx="2"/>
           </p:nvPr>
         </p:nvSpPr>
         <p:spPr>
           <a:xfrm>
-            <a:off x="381300" y="685800"/>
+            <a:off x="381000" y="685800"/>
             <a:ext cx="6096000" cy="3429000"/>
           </a:xfrm>
           <a:custGeom>
-            <a:rect b="b" l="l" r="r" t="t"/>
+            <a:avLst/>
+            <a:gdLst/>
+            <a:ahLst/>
+            <a:cxnLst/>
+            <a:rect l="l" t="t" r="r" b="b"/>
             <a:pathLst>
-              <a:path extrusionOk="0" h="120000" w="120000">
+              <a:path w="120000" h="120000" extrusionOk="0">
                 <a:moveTo>
                   <a:pt x="0" y="0"/>
                 </a:moveTo>
@@ -1961,9 +2107,11 @@
       <p:sp>
         <p:nvSpPr>
           <p:cNvPr id="154" name="Google Shape;154;g38c7b227b7f_0_138:notes"/>
-          <p:cNvSpPr txBox="1"/>
+          <p:cNvSpPr txBox="1">
+            <a:spLocks noGrp="1"/>
+          </p:cNvSpPr>
           <p:nvPr>
-            <p:ph idx="1" type="body"/>
+            <p:ph type="body" idx="1"/>
           </p:nvPr>
         </p:nvSpPr>
         <p:spPr>
@@ -1976,12 +2124,12 @@
           </a:prstGeom>
         </p:spPr>
         <p:txBody>
-          <a:bodyPr anchorCtr="0" anchor="t" bIns="91425" lIns="91425" spcFirstLastPara="1" rIns="91425" wrap="square" tIns="91425">
+          <a:bodyPr spcFirstLastPara="1" wrap="square" lIns="91425" tIns="91425" rIns="91425" bIns="91425" anchor="t" anchorCtr="0">
             <a:noAutofit/>
           </a:bodyPr>
           <a:lstStyle/>
           <a:p>
-            <a:pPr indent="0" lvl="0" marL="0" rtl="0" algn="l">
+            <a:pPr marL="0" lvl="0" indent="0" algn="l" rtl="0">
               <a:spcBef>
                 <a:spcPts val="0"/>
               </a:spcBef>
@@ -1990,14 +2138,16 @@
               </a:spcAft>
               <a:buNone/>
             </a:pPr>
-            <a:r>
-              <a:t/>
-            </a:r>
             <a:endParaRPr/>
           </a:p>
         </p:txBody>
       </p:sp>
     </p:spTree>
+    <p:extLst>
+      <p:ext uri="{BB962C8B-B14F-4D97-AF65-F5344CB8AC3E}">
+        <p14:creationId xmlns:p14="http://schemas.microsoft.com/office/powerpoint/2010/main" val="228370609"/>
+      </p:ext>
+    </p:extLst>
   </p:cSld>
   <p:clrMapOvr>
     <a:masterClrMapping/>
@@ -2006,11 +2156,11 @@
 </file>
 
 <file path=ppt/notesSlides/notesSlide6.xml><?xml version="1.0" encoding="utf-8"?>
-<p:notes xmlns:a="http://schemas.openxmlformats.org/drawingml/2006/main" xmlns:r="http://schemas.openxmlformats.org/officeDocument/2006/relationships" xmlns:mc="http://schemas.openxmlformats.org/markup-compatibility/2006" xmlns:mv="urn:schemas-microsoft-com:mac:vml" xmlns:p="http://schemas.openxmlformats.org/presentationml/2006/main" xmlns:c="http://schemas.openxmlformats.org/drawingml/2006/chart" xmlns:dgm="http://schemas.openxmlformats.org/drawingml/2006/diagram" xmlns:o="urn:schemas-microsoft-com:office:office" xmlns:v="urn:schemas-microsoft-com:vml" xmlns:pvml="urn:schemas-microsoft-com:office:powerpoint" xmlns:com="http://schemas.openxmlformats.org/drawingml/2006/compatibility" xmlns:p14="http://schemas.microsoft.com/office/powerpoint/2010/main" xmlns:p15="http://schemas.microsoft.com/office/powerpoint/2012/main" xmlns:ahyp="http://schemas.microsoft.com/office/drawing/2018/hyperlinkcolor" showMasterPhAnim="0" showMasterSp="0">
+<p:notes xmlns:a="http://schemas.openxmlformats.org/drawingml/2006/main" xmlns:r="http://schemas.openxmlformats.org/officeDocument/2006/relationships" xmlns:p="http://schemas.openxmlformats.org/presentationml/2006/main" showMasterSp="0" showMasterPhAnim="0">
   <p:cSld>
     <p:spTree>
       <p:nvGrpSpPr>
-        <p:cNvPr id="158" name="Shape 158"/>
+        <p:cNvPr id="1" name="Shape 158"/>
         <p:cNvGrpSpPr/>
         <p:nvPr/>
       </p:nvGrpSpPr>
@@ -2025,20 +2175,26 @@
       <p:sp>
         <p:nvSpPr>
           <p:cNvPr id="159" name="Google Shape;159;g38c7b227b7f_0_148:notes"/>
-          <p:cNvSpPr/>
+          <p:cNvSpPr>
+            <a:spLocks noGrp="1" noRot="1" noChangeAspect="1"/>
+          </p:cNvSpPr>
           <p:nvPr>
-            <p:ph idx="2" type="sldImg"/>
+            <p:ph type="sldImg" idx="2"/>
           </p:nvPr>
         </p:nvSpPr>
         <p:spPr>
           <a:xfrm>
-            <a:off x="381300" y="685800"/>
+            <a:off x="381000" y="685800"/>
             <a:ext cx="6096000" cy="3429000"/>
           </a:xfrm>
           <a:custGeom>
-            <a:rect b="b" l="l" r="r" t="t"/>
+            <a:avLst/>
+            <a:gdLst/>
+            <a:ahLst/>
+            <a:cxnLst/>
+            <a:rect l="l" t="t" r="r" b="b"/>
             <a:pathLst>
-              <a:path extrusionOk="0" h="120000" w="120000">
+              <a:path w="120000" h="120000" extrusionOk="0">
                 <a:moveTo>
                   <a:pt x="0" y="0"/>
                 </a:moveTo>
@@ -2060,9 +2216,11 @@
       <p:sp>
         <p:nvSpPr>
           <p:cNvPr id="160" name="Google Shape;160;g38c7b227b7f_0_148:notes"/>
-          <p:cNvSpPr txBox="1"/>
+          <p:cNvSpPr txBox="1">
+            <a:spLocks noGrp="1"/>
+          </p:cNvSpPr>
           <p:nvPr>
-            <p:ph idx="1" type="body"/>
+            <p:ph type="body" idx="1"/>
           </p:nvPr>
         </p:nvSpPr>
         <p:spPr>
@@ -2075,12 +2233,12 @@
           </a:prstGeom>
         </p:spPr>
         <p:txBody>
-          <a:bodyPr anchorCtr="0" anchor="t" bIns="91425" lIns="91425" spcFirstLastPara="1" rIns="91425" wrap="square" tIns="91425">
+          <a:bodyPr spcFirstLastPara="1" wrap="square" lIns="91425" tIns="91425" rIns="91425" bIns="91425" anchor="t" anchorCtr="0">
             <a:noAutofit/>
           </a:bodyPr>
           <a:lstStyle/>
           <a:p>
-            <a:pPr indent="0" lvl="0" marL="0" rtl="0" algn="l">
+            <a:pPr marL="0" lvl="0" indent="0" algn="l" rtl="0">
               <a:spcBef>
                 <a:spcPts val="0"/>
               </a:spcBef>
@@ -2089,14 +2247,16 @@
               </a:spcAft>
               <a:buNone/>
             </a:pPr>
-            <a:r>
-              <a:t/>
-            </a:r>
             <a:endParaRPr/>
           </a:p>
         </p:txBody>
       </p:sp>
     </p:spTree>
+    <p:extLst>
+      <p:ext uri="{BB962C8B-B14F-4D97-AF65-F5344CB8AC3E}">
+        <p14:creationId xmlns:p14="http://schemas.microsoft.com/office/powerpoint/2010/main" val="2231844129"/>
+      </p:ext>
+    </p:extLst>
   </p:cSld>
   <p:clrMapOvr>
     <a:masterClrMapping/>
@@ -2105,11 +2265,11 @@
 </file>
 
 <file path=ppt/notesSlides/notesSlide7.xml><?xml version="1.0" encoding="utf-8"?>
-<p:notes xmlns:a="http://schemas.openxmlformats.org/drawingml/2006/main" xmlns:r="http://schemas.openxmlformats.org/officeDocument/2006/relationships" xmlns:mc="http://schemas.openxmlformats.org/markup-compatibility/2006" xmlns:mv="urn:schemas-microsoft-com:mac:vml" xmlns:p="http://schemas.openxmlformats.org/presentationml/2006/main" xmlns:c="http://schemas.openxmlformats.org/drawingml/2006/chart" xmlns:dgm="http://schemas.openxmlformats.org/drawingml/2006/diagram" xmlns:o="urn:schemas-microsoft-com:office:office" xmlns:v="urn:schemas-microsoft-com:vml" xmlns:pvml="urn:schemas-microsoft-com:office:powerpoint" xmlns:com="http://schemas.openxmlformats.org/drawingml/2006/compatibility" xmlns:p14="http://schemas.microsoft.com/office/powerpoint/2010/main" xmlns:p15="http://schemas.microsoft.com/office/powerpoint/2012/main" xmlns:ahyp="http://schemas.microsoft.com/office/drawing/2018/hyperlinkcolor" showMasterPhAnim="0" showMasterSp="0">
+<p:notes xmlns:a="http://schemas.openxmlformats.org/drawingml/2006/main" xmlns:r="http://schemas.openxmlformats.org/officeDocument/2006/relationships" xmlns:p="http://schemas.openxmlformats.org/presentationml/2006/main" showMasterSp="0" showMasterPhAnim="0">
   <p:cSld>
     <p:spTree>
       <p:nvGrpSpPr>
-        <p:cNvPr id="164" name="Shape 164"/>
+        <p:cNvPr id="1" name="Shape 164"/>
         <p:cNvGrpSpPr/>
         <p:nvPr/>
       </p:nvGrpSpPr>
@@ -2124,20 +2284,26 @@
       <p:sp>
         <p:nvSpPr>
           <p:cNvPr id="165" name="Google Shape;165;g38c7b227b7f_0_192:notes"/>
-          <p:cNvSpPr/>
+          <p:cNvSpPr>
+            <a:spLocks noGrp="1" noRot="1" noChangeAspect="1"/>
+          </p:cNvSpPr>
           <p:nvPr>
-            <p:ph idx="2" type="sldImg"/>
+            <p:ph type="sldImg" idx="2"/>
           </p:nvPr>
         </p:nvSpPr>
         <p:spPr>
           <a:xfrm>
-            <a:off x="381300" y="685800"/>
+            <a:off x="381000" y="685800"/>
             <a:ext cx="6096000" cy="3429000"/>
           </a:xfrm>
           <a:custGeom>
-            <a:rect b="b" l="l" r="r" t="t"/>
+            <a:avLst/>
+            <a:gdLst/>
+            <a:ahLst/>
+            <a:cxnLst/>
+            <a:rect l="l" t="t" r="r" b="b"/>
             <a:pathLst>
-              <a:path extrusionOk="0" h="120000" w="120000">
+              <a:path w="120000" h="120000" extrusionOk="0">
                 <a:moveTo>
                   <a:pt x="0" y="0"/>
                 </a:moveTo>
@@ -2159,9 +2325,11 @@
       <p:sp>
         <p:nvSpPr>
           <p:cNvPr id="166" name="Google Shape;166;g38c7b227b7f_0_192:notes"/>
-          <p:cNvSpPr txBox="1"/>
+          <p:cNvSpPr txBox="1">
+            <a:spLocks noGrp="1"/>
+          </p:cNvSpPr>
           <p:nvPr>
-            <p:ph idx="1" type="body"/>
+            <p:ph type="body" idx="1"/>
           </p:nvPr>
         </p:nvSpPr>
         <p:spPr>
@@ -2174,12 +2342,12 @@
           </a:prstGeom>
         </p:spPr>
         <p:txBody>
-          <a:bodyPr anchorCtr="0" anchor="t" bIns="91425" lIns="91425" spcFirstLastPara="1" rIns="91425" wrap="square" tIns="91425">
+          <a:bodyPr spcFirstLastPara="1" wrap="square" lIns="91425" tIns="91425" rIns="91425" bIns="91425" anchor="t" anchorCtr="0">
             <a:noAutofit/>
           </a:bodyPr>
           <a:lstStyle/>
           <a:p>
-            <a:pPr indent="0" lvl="0" marL="0" rtl="0" algn="l">
+            <a:pPr marL="0" lvl="0" indent="0" algn="l" rtl="0">
               <a:spcBef>
                 <a:spcPts val="0"/>
               </a:spcBef>
@@ -2188,14 +2356,16 @@
               </a:spcAft>
               <a:buNone/>
             </a:pPr>
-            <a:r>
-              <a:t/>
-            </a:r>
             <a:endParaRPr/>
           </a:p>
         </p:txBody>
       </p:sp>
     </p:spTree>
+    <p:extLst>
+      <p:ext uri="{BB962C8B-B14F-4D97-AF65-F5344CB8AC3E}">
+        <p14:creationId xmlns:p14="http://schemas.microsoft.com/office/powerpoint/2010/main" val="1217286225"/>
+      </p:ext>
+    </p:extLst>
   </p:cSld>
   <p:clrMapOvr>
     <a:masterClrMapping/>
@@ -2204,11 +2374,11 @@
 </file>
 
 <file path=ppt/notesSlides/notesSlide8.xml><?xml version="1.0" encoding="utf-8"?>
-<p:notes xmlns:a="http://schemas.openxmlformats.org/drawingml/2006/main" xmlns:r="http://schemas.openxmlformats.org/officeDocument/2006/relationships" xmlns:mc="http://schemas.openxmlformats.org/markup-compatibility/2006" xmlns:mv="urn:schemas-microsoft-com:mac:vml" xmlns:p="http://schemas.openxmlformats.org/presentationml/2006/main" xmlns:c="http://schemas.openxmlformats.org/drawingml/2006/chart" xmlns:dgm="http://schemas.openxmlformats.org/drawingml/2006/diagram" xmlns:o="urn:schemas-microsoft-com:office:office" xmlns:v="urn:schemas-microsoft-com:vml" xmlns:pvml="urn:schemas-microsoft-com:office:powerpoint" xmlns:com="http://schemas.openxmlformats.org/drawingml/2006/compatibility" xmlns:p14="http://schemas.microsoft.com/office/powerpoint/2010/main" xmlns:p15="http://schemas.microsoft.com/office/powerpoint/2012/main" xmlns:ahyp="http://schemas.microsoft.com/office/drawing/2018/hyperlinkcolor" showMasterPhAnim="0" showMasterSp="0">
+<p:notes xmlns:a="http://schemas.openxmlformats.org/drawingml/2006/main" xmlns:r="http://schemas.openxmlformats.org/officeDocument/2006/relationships" xmlns:p="http://schemas.openxmlformats.org/presentationml/2006/main" showMasterSp="0" showMasterPhAnim="0">
   <p:cSld>
     <p:spTree>
       <p:nvGrpSpPr>
-        <p:cNvPr id="170" name="Shape 170"/>
+        <p:cNvPr id="1" name="Shape 170"/>
         <p:cNvGrpSpPr/>
         <p:nvPr/>
       </p:nvGrpSpPr>
@@ -2223,20 +2393,26 @@
       <p:sp>
         <p:nvSpPr>
           <p:cNvPr id="171" name="Google Shape;171;g38c7b227b7f_0_153:notes"/>
-          <p:cNvSpPr/>
+          <p:cNvSpPr>
+            <a:spLocks noGrp="1" noRot="1" noChangeAspect="1"/>
+          </p:cNvSpPr>
           <p:nvPr>
-            <p:ph idx="2" type="sldImg"/>
+            <p:ph type="sldImg" idx="2"/>
           </p:nvPr>
         </p:nvSpPr>
         <p:spPr>
           <a:xfrm>
-            <a:off x="381300" y="685800"/>
+            <a:off x="381000" y="685800"/>
             <a:ext cx="6096000" cy="3429000"/>
           </a:xfrm>
           <a:custGeom>
-            <a:rect b="b" l="l" r="r" t="t"/>
+            <a:avLst/>
+            <a:gdLst/>
+            <a:ahLst/>
+            <a:cxnLst/>
+            <a:rect l="l" t="t" r="r" b="b"/>
             <a:pathLst>
-              <a:path extrusionOk="0" h="120000" w="120000">
+              <a:path w="120000" h="120000" extrusionOk="0">
                 <a:moveTo>
                   <a:pt x="0" y="0"/>
                 </a:moveTo>
@@ -2258,9 +2434,11 @@
       <p:sp>
         <p:nvSpPr>
           <p:cNvPr id="172" name="Google Shape;172;g38c7b227b7f_0_153:notes"/>
-          <p:cNvSpPr txBox="1"/>
+          <p:cNvSpPr txBox="1">
+            <a:spLocks noGrp="1"/>
+          </p:cNvSpPr>
           <p:nvPr>
-            <p:ph idx="1" type="body"/>
+            <p:ph type="body" idx="1"/>
           </p:nvPr>
         </p:nvSpPr>
         <p:spPr>
@@ -2273,12 +2451,12 @@
           </a:prstGeom>
         </p:spPr>
         <p:txBody>
-          <a:bodyPr anchorCtr="0" anchor="t" bIns="91425" lIns="91425" spcFirstLastPara="1" rIns="91425" wrap="square" tIns="91425">
+          <a:bodyPr spcFirstLastPara="1" wrap="square" lIns="91425" tIns="91425" rIns="91425" bIns="91425" anchor="t" anchorCtr="0">
             <a:noAutofit/>
           </a:bodyPr>
           <a:lstStyle/>
           <a:p>
-            <a:pPr indent="0" lvl="0" marL="0" rtl="0" algn="l">
+            <a:pPr marL="0" lvl="0" indent="0" algn="l" rtl="0">
               <a:spcBef>
                 <a:spcPts val="0"/>
               </a:spcBef>
@@ -2287,14 +2465,16 @@
               </a:spcAft>
               <a:buNone/>
             </a:pPr>
-            <a:r>
-              <a:t/>
-            </a:r>
             <a:endParaRPr/>
           </a:p>
         </p:txBody>
       </p:sp>
     </p:spTree>
+    <p:extLst>
+      <p:ext uri="{BB962C8B-B14F-4D97-AF65-F5344CB8AC3E}">
+        <p14:creationId xmlns:p14="http://schemas.microsoft.com/office/powerpoint/2010/main" val="2111273663"/>
+      </p:ext>
+    </p:extLst>
   </p:cSld>
   <p:clrMapOvr>
     <a:masterClrMapping/>
@@ -2303,11 +2483,11 @@
 </file>
 
 <file path=ppt/notesSlides/notesSlide9.xml><?xml version="1.0" encoding="utf-8"?>
-<p:notes xmlns:a="http://schemas.openxmlformats.org/drawingml/2006/main" xmlns:r="http://schemas.openxmlformats.org/officeDocument/2006/relationships" xmlns:mc="http://schemas.openxmlformats.org/markup-compatibility/2006" xmlns:mv="urn:schemas-microsoft-com:mac:vml" xmlns:p="http://schemas.openxmlformats.org/presentationml/2006/main" xmlns:c="http://schemas.openxmlformats.org/drawingml/2006/chart" xmlns:dgm="http://schemas.openxmlformats.org/drawingml/2006/diagram" xmlns:o="urn:schemas-microsoft-com:office:office" xmlns:v="urn:schemas-microsoft-com:vml" xmlns:pvml="urn:schemas-microsoft-com:office:powerpoint" xmlns:com="http://schemas.openxmlformats.org/drawingml/2006/compatibility" xmlns:p14="http://schemas.microsoft.com/office/powerpoint/2010/main" xmlns:p15="http://schemas.microsoft.com/office/powerpoint/2012/main" xmlns:ahyp="http://schemas.microsoft.com/office/drawing/2018/hyperlinkcolor" showMasterPhAnim="0" showMasterSp="0">
+<p:notes xmlns:a="http://schemas.openxmlformats.org/drawingml/2006/main" xmlns:r="http://schemas.openxmlformats.org/officeDocument/2006/relationships" xmlns:p="http://schemas.openxmlformats.org/presentationml/2006/main" showMasterSp="0" showMasterPhAnim="0">
   <p:cSld>
     <p:spTree>
       <p:nvGrpSpPr>
-        <p:cNvPr id="176" name="Shape 176"/>
+        <p:cNvPr id="1" name="Shape 176"/>
         <p:cNvGrpSpPr/>
         <p:nvPr/>
       </p:nvGrpSpPr>
@@ -2322,20 +2502,26 @@
       <p:sp>
         <p:nvSpPr>
           <p:cNvPr id="177" name="Google Shape;177;g38c7b227b7f_0_158:notes"/>
-          <p:cNvSpPr/>
+          <p:cNvSpPr>
+            <a:spLocks noGrp="1" noRot="1" noChangeAspect="1"/>
+          </p:cNvSpPr>
           <p:nvPr>
-            <p:ph idx="2" type="sldImg"/>
+            <p:ph type="sldImg" idx="2"/>
           </p:nvPr>
         </p:nvSpPr>
         <p:spPr>
           <a:xfrm>
-            <a:off x="381300" y="685800"/>
+            <a:off x="381000" y="685800"/>
             <a:ext cx="6096000" cy="3429000"/>
           </a:xfrm>
           <a:custGeom>
-            <a:rect b="b" l="l" r="r" t="t"/>
+            <a:avLst/>
+            <a:gdLst/>
+            <a:ahLst/>
+            <a:cxnLst/>
+            <a:rect l="l" t="t" r="r" b="b"/>
             <a:pathLst>
-              <a:path extrusionOk="0" h="120000" w="120000">
+              <a:path w="120000" h="120000" extrusionOk="0">
                 <a:moveTo>
                   <a:pt x="0" y="0"/>
                 </a:moveTo>
@@ -2357,9 +2543,11 @@
       <p:sp>
         <p:nvSpPr>
           <p:cNvPr id="178" name="Google Shape;178;g38c7b227b7f_0_158:notes"/>
-          <p:cNvSpPr txBox="1"/>
+          <p:cNvSpPr txBox="1">
+            <a:spLocks noGrp="1"/>
+          </p:cNvSpPr>
           <p:nvPr>
-            <p:ph idx="1" type="body"/>
+            <p:ph type="body" idx="1"/>
           </p:nvPr>
         </p:nvSpPr>
         <p:spPr>
@@ -2372,12 +2560,12 @@
           </a:prstGeom>
         </p:spPr>
         <p:txBody>
-          <a:bodyPr anchorCtr="0" anchor="t" bIns="91425" lIns="91425" spcFirstLastPara="1" rIns="91425" wrap="square" tIns="91425">
+          <a:bodyPr spcFirstLastPara="1" wrap="square" lIns="91425" tIns="91425" rIns="91425" bIns="91425" anchor="t" anchorCtr="0">
             <a:noAutofit/>
           </a:bodyPr>
           <a:lstStyle/>
           <a:p>
-            <a:pPr indent="0" lvl="0" marL="0" rtl="0" algn="l">
+            <a:pPr marL="0" lvl="0" indent="0" algn="l" rtl="0">
               <a:spcBef>
                 <a:spcPts val="0"/>
               </a:spcBef>
@@ -2386,14 +2574,16 @@
               </a:spcAft>
               <a:buNone/>
             </a:pPr>
-            <a:r>
-              <a:t/>
-            </a:r>
             <a:endParaRPr/>
           </a:p>
         </p:txBody>
       </p:sp>
     </p:spTree>
+    <p:extLst>
+      <p:ext uri="{BB962C8B-B14F-4D97-AF65-F5344CB8AC3E}">
+        <p14:creationId xmlns:p14="http://schemas.microsoft.com/office/powerpoint/2010/main" val="2280158142"/>
+      </p:ext>
+    </p:extLst>
   </p:cSld>
   <p:clrMapOvr>
     <a:masterClrMapping/>
@@ -2402,11 +2592,11 @@
 </file>
 
 <file path=ppt/slideLayouts/slideLayout1.xml><?xml version="1.0" encoding="utf-8"?>
-<p:sldLayout xmlns:a="http://schemas.openxmlformats.org/drawingml/2006/main" xmlns:r="http://schemas.openxmlformats.org/officeDocument/2006/relationships" xmlns:mc="http://schemas.openxmlformats.org/markup-compatibility/2006" xmlns:mv="urn:schemas-microsoft-com:mac:vml" xmlns:p="http://schemas.openxmlformats.org/presentationml/2006/main" xmlns:c="http://schemas.openxmlformats.org/drawingml/2006/chart" xmlns:dgm="http://schemas.openxmlformats.org/drawingml/2006/diagram" xmlns:o="urn:schemas-microsoft-com:office:office" xmlns:v="urn:schemas-microsoft-com:vml" xmlns:pvml="urn:schemas-microsoft-com:office:powerpoint" xmlns:com="http://schemas.openxmlformats.org/drawingml/2006/compatibility" xmlns:p14="http://schemas.microsoft.com/office/powerpoint/2010/main" xmlns:p15="http://schemas.microsoft.com/office/powerpoint/2012/main" xmlns:ahyp="http://schemas.microsoft.com/office/drawing/2018/hyperlinkcolor" matchingName="Title slide" type="title">
+<p:sldLayout xmlns:a="http://schemas.openxmlformats.org/drawingml/2006/main" xmlns:r="http://schemas.openxmlformats.org/officeDocument/2006/relationships" xmlns:p="http://schemas.openxmlformats.org/presentationml/2006/main" matchingName="Title slide" type="title">
   <p:cSld name="TITLE">
     <p:spTree>
       <p:nvGrpSpPr>
-        <p:cNvPr id="9" name="Shape 9"/>
+        <p:cNvPr id="1" name="Shape 9"/>
         <p:cNvGrpSpPr/>
         <p:nvPr/>
       </p:nvGrpSpPr>
@@ -2431,7 +2621,7 @@
           </a:xfrm>
           <a:prstGeom prst="diagStripe">
             <a:avLst>
-              <a:gd fmla="val 0" name="adj"/>
+              <a:gd name="adj" fmla="val 0"/>
             </a:avLst>
           </a:prstGeom>
           <a:solidFill>
@@ -2444,12 +2634,12 @@
           </a:ln>
         </p:spPr>
         <p:txBody>
-          <a:bodyPr anchorCtr="0" anchor="ctr" bIns="91425" lIns="91425" spcFirstLastPara="1" rIns="91425" wrap="square" tIns="91425">
+          <a:bodyPr spcFirstLastPara="1" wrap="square" lIns="91425" tIns="91425" rIns="91425" bIns="91425" anchor="ctr" anchorCtr="0">
             <a:noAutofit/>
           </a:bodyPr>
           <a:lstStyle/>
           <a:p>
-            <a:pPr indent="0" lvl="0" marL="0" rtl="0" algn="l">
+            <a:pPr marL="0" lvl="0" indent="0" algn="l" rtl="0">
               <a:spcBef>
                 <a:spcPts val="0"/>
               </a:spcBef>
@@ -2458,9 +2648,6 @@
               </a:spcAft>
               <a:buNone/>
             </a:pPr>
-            <a:r>
-              <a:t/>
-            </a:r>
             <a:endParaRPr/>
           </a:p>
         </p:txBody>
@@ -2492,7 +2679,7 @@
             </a:xfrm>
             <a:prstGeom prst="diagStripe">
               <a:avLst>
-                <a:gd fmla="val 50000" name="adj"/>
+                <a:gd name="adj" fmla="val 50000"/>
               </a:avLst>
             </a:prstGeom>
             <a:solidFill>
@@ -2505,12 +2692,12 @@
             </a:ln>
           </p:spPr>
           <p:txBody>
-            <a:bodyPr anchorCtr="0" anchor="ctr" bIns="91425" lIns="91425" spcFirstLastPara="1" rIns="91425" wrap="square" tIns="91425">
+            <a:bodyPr spcFirstLastPara="1" wrap="square" lIns="91425" tIns="91425" rIns="91425" bIns="91425" anchor="ctr" anchorCtr="0">
               <a:noAutofit/>
             </a:bodyPr>
             <a:lstStyle/>
             <a:p>
-              <a:pPr indent="0" lvl="0" marL="0" rtl="0" algn="l">
+              <a:pPr marL="0" lvl="0" indent="0" algn="l" rtl="0">
                 <a:spcBef>
                   <a:spcPts val="0"/>
                 </a:spcBef>
@@ -2519,9 +2706,6 @@
                 </a:spcAft>
                 <a:buNone/>
               </a:pPr>
-              <a:r>
-                <a:t/>
-              </a:r>
               <a:endParaRPr/>
             </a:p>
           </p:txBody>
@@ -2539,7 +2723,7 @@
             </a:xfrm>
             <a:prstGeom prst="diagStripe">
               <a:avLst>
-                <a:gd fmla="val 58774" name="adj"/>
+                <a:gd name="adj" fmla="val 58774"/>
               </a:avLst>
             </a:prstGeom>
             <a:solidFill>
@@ -2552,12 +2736,12 @@
             </a:ln>
           </p:spPr>
           <p:txBody>
-            <a:bodyPr anchorCtr="0" anchor="ctr" bIns="91425" lIns="91425" spcFirstLastPara="1" rIns="91425" wrap="square" tIns="91425">
+            <a:bodyPr spcFirstLastPara="1" wrap="square" lIns="91425" tIns="91425" rIns="91425" bIns="91425" anchor="ctr" anchorCtr="0">
               <a:noAutofit/>
             </a:bodyPr>
             <a:lstStyle/>
             <a:p>
-              <a:pPr indent="0" lvl="0" marL="0" rtl="0" algn="l">
+              <a:pPr marL="0" lvl="0" indent="0" algn="l" rtl="0">
                 <a:spcBef>
                   <a:spcPts val="0"/>
                 </a:spcBef>
@@ -2566,9 +2750,6 @@
                 </a:spcAft>
                 <a:buNone/>
               </a:pPr>
-              <a:r>
-                <a:t/>
-              </a:r>
               <a:endParaRPr/>
             </a:p>
           </p:txBody>
@@ -2586,7 +2767,7 @@
             </a:xfrm>
             <a:prstGeom prst="diagStripe">
               <a:avLst>
-                <a:gd fmla="val 50000" name="adj"/>
+                <a:gd name="adj" fmla="val 50000"/>
               </a:avLst>
             </a:prstGeom>
             <a:solidFill>
@@ -2597,12 +2778,12 @@
             </a:ln>
           </p:spPr>
           <p:txBody>
-            <a:bodyPr anchorCtr="0" anchor="ctr" bIns="91425" lIns="91425" spcFirstLastPara="1" rIns="91425" wrap="square" tIns="91425">
+            <a:bodyPr spcFirstLastPara="1" wrap="square" lIns="91425" tIns="91425" rIns="91425" bIns="91425" anchor="ctr" anchorCtr="0">
               <a:noAutofit/>
             </a:bodyPr>
             <a:lstStyle/>
             <a:p>
-              <a:pPr indent="0" lvl="0" marL="0" rtl="0" algn="l">
+              <a:pPr marL="0" lvl="0" indent="0" algn="l" rtl="0">
                 <a:spcBef>
                   <a:spcPts val="0"/>
                 </a:spcBef>
@@ -2611,9 +2792,6 @@
                 </a:spcAft>
                 <a:buNone/>
               </a:pPr>
-              <a:r>
-                <a:t/>
-              </a:r>
               <a:endParaRPr/>
             </a:p>
           </p:txBody>
@@ -2631,7 +2809,7 @@
             </a:xfrm>
             <a:prstGeom prst="diagStripe">
               <a:avLst>
-                <a:gd fmla="val 50000" name="adj"/>
+                <a:gd name="adj" fmla="val 50000"/>
               </a:avLst>
             </a:prstGeom>
             <a:solidFill>
@@ -2642,12 +2820,12 @@
             </a:ln>
           </p:spPr>
           <p:txBody>
-            <a:bodyPr anchorCtr="0" anchor="ctr" bIns="91425" lIns="91425" spcFirstLastPara="1" rIns="91425" wrap="square" tIns="91425">
+            <a:bodyPr spcFirstLastPara="1" wrap="square" lIns="91425" tIns="91425" rIns="91425" bIns="91425" anchor="ctr" anchorCtr="0">
               <a:noAutofit/>
             </a:bodyPr>
             <a:lstStyle/>
             <a:p>
-              <a:pPr indent="0" lvl="0" marL="0" rtl="0" algn="l">
+              <a:pPr marL="0" lvl="0" indent="0" algn="l" rtl="0">
                 <a:spcBef>
                   <a:spcPts val="0"/>
                 </a:spcBef>
@@ -2656,9 +2834,6 @@
                 </a:spcAft>
                 <a:buNone/>
               </a:pPr>
-              <a:r>
-                <a:t/>
-              </a:r>
               <a:endParaRPr/>
             </a:p>
           </p:txBody>
@@ -2667,7 +2842,9 @@
       <p:sp>
         <p:nvSpPr>
           <p:cNvPr id="16" name="Google Shape;16;p2"/>
-          <p:cNvSpPr txBox="1"/>
+          <p:cNvSpPr txBox="1">
+            <a:spLocks noGrp="1"/>
+          </p:cNvSpPr>
           <p:nvPr>
             <p:ph type="ctrTitle"/>
           </p:nvPr>
@@ -2682,7 +2859,7 @@
           </a:prstGeom>
         </p:spPr>
         <p:txBody>
-          <a:bodyPr anchorCtr="0" anchor="t" bIns="91425" lIns="91425" spcFirstLastPara="1" rIns="91425" wrap="square" tIns="91425">
+          <a:bodyPr spcFirstLastPara="1" wrap="square" lIns="91425" tIns="91425" rIns="91425" bIns="91425" anchor="t" anchorCtr="0">
             <a:normAutofit/>
           </a:bodyPr>
           <a:lstStyle>
@@ -2786,15 +2963,19 @@
               <a:defRPr sz="4000"/>
             </a:lvl9pPr>
           </a:lstStyle>
-          <a:p/>
+          <a:p>
+            <a:endParaRPr/>
+          </a:p>
         </p:txBody>
       </p:sp>
       <p:sp>
         <p:nvSpPr>
           <p:cNvPr id="17" name="Google Shape;17;p2"/>
-          <p:cNvSpPr txBox="1"/>
+          <p:cNvSpPr txBox="1">
+            <a:spLocks noGrp="1"/>
+          </p:cNvSpPr>
           <p:nvPr>
-            <p:ph idx="1" type="subTitle"/>
+            <p:ph type="subTitle" idx="1"/>
           </p:nvPr>
         </p:nvSpPr>
         <p:spPr>
@@ -2807,7 +2988,7 @@
           </a:prstGeom>
         </p:spPr>
         <p:txBody>
-          <a:bodyPr anchorCtr="0" anchor="t" bIns="91425" lIns="91425" spcFirstLastPara="1" rIns="91425" wrap="square" tIns="91425">
+          <a:bodyPr spcFirstLastPara="1" wrap="square" lIns="91425" tIns="91425" rIns="91425" bIns="91425" anchor="t" anchorCtr="0">
             <a:normAutofit/>
           </a:bodyPr>
           <a:lstStyle>
@@ -2938,15 +3119,19 @@
               <a:defRPr sz="1300"/>
             </a:lvl9pPr>
           </a:lstStyle>
-          <a:p/>
+          <a:p>
+            <a:endParaRPr/>
+          </a:p>
         </p:txBody>
       </p:sp>
       <p:sp>
         <p:nvSpPr>
           <p:cNvPr id="18" name="Google Shape;18;p2"/>
-          <p:cNvSpPr txBox="1"/>
+          <p:cNvSpPr txBox="1">
+            <a:spLocks noGrp="1"/>
+          </p:cNvSpPr>
           <p:nvPr>
-            <p:ph idx="12" type="sldNum"/>
+            <p:ph type="sldNum" idx="12"/>
           </p:nvPr>
         </p:nvSpPr>
         <p:spPr>
@@ -2959,7 +3144,7 @@
           </a:prstGeom>
         </p:spPr>
         <p:txBody>
-          <a:bodyPr anchorCtr="0" anchor="ctr" bIns="91425" lIns="91425" spcFirstLastPara="1" rIns="91425" wrap="square" tIns="91425">
+          <a:bodyPr spcFirstLastPara="1" wrap="square" lIns="91425" tIns="91425" rIns="91425" bIns="91425" anchor="ctr" anchorCtr="0">
             <a:normAutofit/>
           </a:bodyPr>
           <a:lstStyle>
@@ -3001,7 +3186,7 @@
             </a:lvl9pPr>
           </a:lstStyle>
           <a:p>
-            <a:pPr indent="0" lvl="0" marL="0" rtl="0" algn="r">
+            <a:pPr marL="0" lvl="0" indent="0" algn="r" rtl="0">
               <a:spcBef>
                 <a:spcPts val="0"/>
               </a:spcBef>
@@ -3012,7 +3197,7 @@
             </a:pPr>
             <a:fld id="{00000000-1234-1234-1234-123412341234}" type="slidenum">
               <a:rPr lang="pt-BR"/>
-              <a:t>‹#›</a:t>
+              <a:t>‹nº›</a:t>
             </a:fld>
             <a:endParaRPr/>
           </a:p>
@@ -3023,15 +3208,27 @@
   <p:clrMapOvr>
     <a:masterClrMapping/>
   </p:clrMapOvr>
+  <mc:AlternateContent xmlns:mc="http://schemas.openxmlformats.org/markup-compatibility/2006">
+    <mc:Choice xmlns:p14="http://schemas.microsoft.com/office/powerpoint/2010/main" Requires="p14">
+      <p:transition p14:dur="250">
+        <p:fade thruBlk="1"/>
+      </p:transition>
+    </mc:Choice>
+    <mc:Fallback>
+      <p:transition>
+        <p:fade thruBlk="1"/>
+      </p:transition>
+    </mc:Fallback>
+  </mc:AlternateContent>
 </p:sldLayout>
 </file>
 
 <file path=ppt/slideLayouts/slideLayout10.xml><?xml version="1.0" encoding="utf-8"?>
-<p:sldLayout xmlns:a="http://schemas.openxmlformats.org/drawingml/2006/main" xmlns:r="http://schemas.openxmlformats.org/officeDocument/2006/relationships" xmlns:mc="http://schemas.openxmlformats.org/markup-compatibility/2006" xmlns:mv="urn:schemas-microsoft-com:mac:vml" xmlns:p="http://schemas.openxmlformats.org/presentationml/2006/main" xmlns:c="http://schemas.openxmlformats.org/drawingml/2006/chart" xmlns:dgm="http://schemas.openxmlformats.org/drawingml/2006/diagram" xmlns:o="urn:schemas-microsoft-com:office:office" xmlns:v="urn:schemas-microsoft-com:vml" xmlns:pvml="urn:schemas-microsoft-com:office:powerpoint" xmlns:com="http://schemas.openxmlformats.org/drawingml/2006/compatibility" xmlns:p14="http://schemas.microsoft.com/office/powerpoint/2010/main" xmlns:p15="http://schemas.microsoft.com/office/powerpoint/2012/main" xmlns:ahyp="http://schemas.microsoft.com/office/drawing/2018/hyperlinkcolor" matchingName="Big number">
+<p:sldLayout xmlns:a="http://schemas.openxmlformats.org/drawingml/2006/main" xmlns:r="http://schemas.openxmlformats.org/officeDocument/2006/relationships" xmlns:p="http://schemas.openxmlformats.org/presentationml/2006/main" matchingName="Big number">
   <p:cSld name="BIG_NUMBER">
     <p:spTree>
       <p:nvGrpSpPr>
-        <p:cNvPr id="105" name="Shape 105"/>
+        <p:cNvPr id="1" name="Shape 105"/>
         <p:cNvGrpSpPr/>
         <p:nvPr/>
       </p:nvGrpSpPr>
@@ -3070,7 +3267,7 @@
             </a:xfrm>
             <a:prstGeom prst="diagStripe">
               <a:avLst>
-                <a:gd fmla="val 49469" name="adj"/>
+                <a:gd name="adj" fmla="val 49469"/>
               </a:avLst>
             </a:prstGeom>
             <a:solidFill>
@@ -3083,12 +3280,12 @@
             </a:ln>
           </p:spPr>
           <p:txBody>
-            <a:bodyPr anchorCtr="0" anchor="ctr" bIns="91425" lIns="91425" spcFirstLastPara="1" rIns="91425" wrap="square" tIns="91425">
+            <a:bodyPr spcFirstLastPara="1" wrap="square" lIns="91425" tIns="91425" rIns="91425" bIns="91425" anchor="ctr" anchorCtr="0">
               <a:noAutofit/>
             </a:bodyPr>
             <a:lstStyle/>
             <a:p>
-              <a:pPr indent="0" lvl="0" marL="0" rtl="0" algn="l">
+              <a:pPr marL="0" lvl="0" indent="0" algn="l" rtl="0">
                 <a:spcBef>
                   <a:spcPts val="0"/>
                 </a:spcBef>
@@ -3097,9 +3294,6 @@
                 </a:spcAft>
                 <a:buNone/>
               </a:pPr>
-              <a:r>
-                <a:t/>
-              </a:r>
               <a:endParaRPr/>
             </a:p>
           </p:txBody>
@@ -3117,7 +3311,7 @@
             </a:xfrm>
             <a:prstGeom prst="diagStripe">
               <a:avLst>
-                <a:gd fmla="val 0" name="adj"/>
+                <a:gd name="adj" fmla="val 0"/>
               </a:avLst>
             </a:prstGeom>
             <a:solidFill>
@@ -3130,12 +3324,12 @@
             </a:ln>
           </p:spPr>
           <p:txBody>
-            <a:bodyPr anchorCtr="0" anchor="ctr" bIns="91425" lIns="91425" spcFirstLastPara="1" rIns="91425" wrap="square" tIns="91425">
+            <a:bodyPr spcFirstLastPara="1" wrap="square" lIns="91425" tIns="91425" rIns="91425" bIns="91425" anchor="ctr" anchorCtr="0">
               <a:noAutofit/>
             </a:bodyPr>
             <a:lstStyle/>
             <a:p>
-              <a:pPr indent="0" lvl="0" marL="0" rtl="0" algn="l">
+              <a:pPr marL="0" lvl="0" indent="0" algn="l" rtl="0">
                 <a:spcBef>
                   <a:spcPts val="0"/>
                 </a:spcBef>
@@ -3144,9 +3338,6 @@
                 </a:spcAft>
                 <a:buNone/>
               </a:pPr>
-              <a:r>
-                <a:t/>
-              </a:r>
               <a:endParaRPr/>
             </a:p>
           </p:txBody>
@@ -3164,7 +3355,7 @@
             </a:xfrm>
             <a:prstGeom prst="diagStripe">
               <a:avLst>
-                <a:gd fmla="val 50000" name="adj"/>
+                <a:gd name="adj" fmla="val 50000"/>
               </a:avLst>
             </a:prstGeom>
             <a:solidFill>
@@ -3177,12 +3368,12 @@
             </a:ln>
           </p:spPr>
           <p:txBody>
-            <a:bodyPr anchorCtr="0" anchor="ctr" bIns="91425" lIns="91425" spcFirstLastPara="1" rIns="91425" wrap="square" tIns="91425">
+            <a:bodyPr spcFirstLastPara="1" wrap="square" lIns="91425" tIns="91425" rIns="91425" bIns="91425" anchor="ctr" anchorCtr="0">
               <a:noAutofit/>
             </a:bodyPr>
             <a:lstStyle/>
             <a:p>
-              <a:pPr indent="0" lvl="0" marL="0" rtl="0" algn="l">
+              <a:pPr marL="0" lvl="0" indent="0" algn="l" rtl="0">
                 <a:spcBef>
                   <a:spcPts val="0"/>
                 </a:spcBef>
@@ -3191,9 +3382,6 @@
                 </a:spcAft>
                 <a:buNone/>
               </a:pPr>
-              <a:r>
-                <a:t/>
-              </a:r>
               <a:endParaRPr/>
             </a:p>
           </p:txBody>
@@ -3211,7 +3399,7 @@
             </a:xfrm>
             <a:prstGeom prst="diagStripe">
               <a:avLst>
-                <a:gd fmla="val 50000" name="adj"/>
+                <a:gd name="adj" fmla="val 50000"/>
               </a:avLst>
             </a:prstGeom>
             <a:solidFill>
@@ -3224,12 +3412,12 @@
             </a:ln>
           </p:spPr>
           <p:txBody>
-            <a:bodyPr anchorCtr="0" anchor="ctr" bIns="91425" lIns="91425" spcFirstLastPara="1" rIns="91425" wrap="square" tIns="91425">
+            <a:bodyPr spcFirstLastPara="1" wrap="square" lIns="91425" tIns="91425" rIns="91425" bIns="91425" anchor="ctr" anchorCtr="0">
               <a:noAutofit/>
             </a:bodyPr>
             <a:lstStyle/>
             <a:p>
-              <a:pPr indent="0" lvl="0" marL="0" rtl="0" algn="l">
+              <a:pPr marL="0" lvl="0" indent="0" algn="l" rtl="0">
                 <a:spcBef>
                   <a:spcPts val="0"/>
                 </a:spcBef>
@@ -3238,9 +3426,6 @@
                 </a:spcAft>
                 <a:buNone/>
               </a:pPr>
-              <a:r>
-                <a:t/>
-              </a:r>
               <a:endParaRPr/>
             </a:p>
           </p:txBody>
@@ -3258,7 +3443,7 @@
             </a:xfrm>
             <a:prstGeom prst="diagStripe">
               <a:avLst>
-                <a:gd fmla="val 50000" name="adj"/>
+                <a:gd name="adj" fmla="val 50000"/>
               </a:avLst>
             </a:prstGeom>
             <a:solidFill>
@@ -3271,12 +3456,12 @@
             </a:ln>
           </p:spPr>
           <p:txBody>
-            <a:bodyPr anchorCtr="0" anchor="ctr" bIns="91425" lIns="91425" spcFirstLastPara="1" rIns="91425" wrap="square" tIns="91425">
+            <a:bodyPr spcFirstLastPara="1" wrap="square" lIns="91425" tIns="91425" rIns="91425" bIns="91425" anchor="ctr" anchorCtr="0">
               <a:noAutofit/>
             </a:bodyPr>
             <a:lstStyle/>
             <a:p>
-              <a:pPr indent="0" lvl="0" marL="0" rtl="0" algn="l">
+              <a:pPr marL="0" lvl="0" indent="0" algn="l" rtl="0">
                 <a:spcBef>
                   <a:spcPts val="0"/>
                 </a:spcBef>
@@ -3285,9 +3470,6 @@
                 </a:spcAft>
                 <a:buNone/>
               </a:pPr>
-              <a:r>
-                <a:t/>
-              </a:r>
               <a:endParaRPr/>
             </a:p>
           </p:txBody>
@@ -3305,7 +3487,7 @@
             </a:xfrm>
             <a:prstGeom prst="diagStripe">
               <a:avLst>
-                <a:gd fmla="val 50000" name="adj"/>
+                <a:gd name="adj" fmla="val 50000"/>
               </a:avLst>
             </a:prstGeom>
             <a:solidFill>
@@ -3318,12 +3500,12 @@
             </a:ln>
           </p:spPr>
           <p:txBody>
-            <a:bodyPr anchorCtr="0" anchor="ctr" bIns="91425" lIns="91425" spcFirstLastPara="1" rIns="91425" wrap="square" tIns="91425">
+            <a:bodyPr spcFirstLastPara="1" wrap="square" lIns="91425" tIns="91425" rIns="91425" bIns="91425" anchor="ctr" anchorCtr="0">
               <a:noAutofit/>
             </a:bodyPr>
             <a:lstStyle/>
             <a:p>
-              <a:pPr indent="0" lvl="0" marL="0" rtl="0" algn="l">
+              <a:pPr marL="0" lvl="0" indent="0" algn="l" rtl="0">
                 <a:spcBef>
                   <a:spcPts val="0"/>
                 </a:spcBef>
@@ -3332,9 +3514,6 @@
                 </a:spcAft>
                 <a:buNone/>
               </a:pPr>
-              <a:r>
-                <a:t/>
-              </a:r>
               <a:endParaRPr/>
             </a:p>
           </p:txBody>
@@ -3352,7 +3531,7 @@
             </a:xfrm>
             <a:prstGeom prst="diagStripe">
               <a:avLst>
-                <a:gd fmla="val 50000" name="adj"/>
+                <a:gd name="adj" fmla="val 50000"/>
               </a:avLst>
             </a:prstGeom>
             <a:solidFill>
@@ -3365,12 +3544,12 @@
             </a:ln>
           </p:spPr>
           <p:txBody>
-            <a:bodyPr anchorCtr="0" anchor="ctr" bIns="91425" lIns="91425" spcFirstLastPara="1" rIns="91425" wrap="square" tIns="91425">
+            <a:bodyPr spcFirstLastPara="1" wrap="square" lIns="91425" tIns="91425" rIns="91425" bIns="91425" anchor="ctr" anchorCtr="0">
               <a:noAutofit/>
             </a:bodyPr>
             <a:lstStyle/>
             <a:p>
-              <a:pPr indent="0" lvl="0" marL="0" rtl="0" algn="l">
+              <a:pPr marL="0" lvl="0" indent="0" algn="l" rtl="0">
                 <a:spcBef>
                   <a:spcPts val="0"/>
                 </a:spcBef>
@@ -3379,9 +3558,6 @@
                 </a:spcAft>
                 <a:buNone/>
               </a:pPr>
-              <a:r>
-                <a:t/>
-              </a:r>
               <a:endParaRPr/>
             </a:p>
           </p:txBody>
@@ -3399,7 +3575,7 @@
             </a:xfrm>
             <a:prstGeom prst="diagStripe">
               <a:avLst>
-                <a:gd fmla="val 50000" name="adj"/>
+                <a:gd name="adj" fmla="val 50000"/>
               </a:avLst>
             </a:prstGeom>
             <a:solidFill>
@@ -3410,12 +3586,12 @@
             </a:ln>
           </p:spPr>
           <p:txBody>
-            <a:bodyPr anchorCtr="0" anchor="ctr" bIns="91425" lIns="91425" spcFirstLastPara="1" rIns="91425" wrap="square" tIns="91425">
+            <a:bodyPr spcFirstLastPara="1" wrap="square" lIns="91425" tIns="91425" rIns="91425" bIns="91425" anchor="ctr" anchorCtr="0">
               <a:noAutofit/>
             </a:bodyPr>
             <a:lstStyle/>
             <a:p>
-              <a:pPr indent="0" lvl="0" marL="0" rtl="0" algn="l">
+              <a:pPr marL="0" lvl="0" indent="0" algn="l" rtl="0">
                 <a:spcBef>
                   <a:spcPts val="0"/>
                 </a:spcBef>
@@ -3424,9 +3600,6 @@
                 </a:spcAft>
                 <a:buNone/>
               </a:pPr>
-              <a:r>
-                <a:t/>
-              </a:r>
               <a:endParaRPr/>
             </a:p>
           </p:txBody>
@@ -3444,7 +3617,7 @@
             </a:xfrm>
             <a:prstGeom prst="diagStripe">
               <a:avLst>
-                <a:gd fmla="val 50000" name="adj"/>
+                <a:gd name="adj" fmla="val 50000"/>
               </a:avLst>
             </a:prstGeom>
             <a:solidFill>
@@ -3457,12 +3630,12 @@
             </a:ln>
           </p:spPr>
           <p:txBody>
-            <a:bodyPr anchorCtr="0" anchor="ctr" bIns="91425" lIns="91425" spcFirstLastPara="1" rIns="91425" wrap="square" tIns="91425">
+            <a:bodyPr spcFirstLastPara="1" wrap="square" lIns="91425" tIns="91425" rIns="91425" bIns="91425" anchor="ctr" anchorCtr="0">
               <a:noAutofit/>
             </a:bodyPr>
             <a:lstStyle/>
             <a:p>
-              <a:pPr indent="0" lvl="0" marL="0" rtl="0" algn="l">
+              <a:pPr marL="0" lvl="0" indent="0" algn="l" rtl="0">
                 <a:spcBef>
                   <a:spcPts val="0"/>
                 </a:spcBef>
@@ -3471,9 +3644,6 @@
                 </a:spcAft>
                 <a:buNone/>
               </a:pPr>
-              <a:r>
-                <a:t/>
-              </a:r>
               <a:endParaRPr/>
             </a:p>
           </p:txBody>
@@ -3491,7 +3661,7 @@
             </a:xfrm>
             <a:prstGeom prst="diagStripe">
               <a:avLst>
-                <a:gd fmla="val 50000" name="adj"/>
+                <a:gd name="adj" fmla="val 50000"/>
               </a:avLst>
             </a:prstGeom>
             <a:solidFill>
@@ -3504,12 +3674,12 @@
             </a:ln>
           </p:spPr>
           <p:txBody>
-            <a:bodyPr anchorCtr="0" anchor="ctr" bIns="91425" lIns="91425" spcFirstLastPara="1" rIns="91425" wrap="square" tIns="91425">
+            <a:bodyPr spcFirstLastPara="1" wrap="square" lIns="91425" tIns="91425" rIns="91425" bIns="91425" anchor="ctr" anchorCtr="0">
               <a:noAutofit/>
             </a:bodyPr>
             <a:lstStyle/>
             <a:p>
-              <a:pPr indent="0" lvl="0" marL="0" rtl="0" algn="l">
+              <a:pPr marL="0" lvl="0" indent="0" algn="l" rtl="0">
                 <a:spcBef>
                   <a:spcPts val="0"/>
                 </a:spcBef>
@@ -3518,9 +3688,6 @@
                 </a:spcAft>
                 <a:buNone/>
               </a:pPr>
-              <a:r>
-                <a:t/>
-              </a:r>
               <a:endParaRPr/>
             </a:p>
           </p:txBody>
@@ -3538,7 +3705,7 @@
             </a:xfrm>
             <a:prstGeom prst="diagStripe">
               <a:avLst>
-                <a:gd fmla="val 50000" name="adj"/>
+                <a:gd name="adj" fmla="val 50000"/>
               </a:avLst>
             </a:prstGeom>
             <a:solidFill>
@@ -3551,12 +3718,12 @@
             </a:ln>
           </p:spPr>
           <p:txBody>
-            <a:bodyPr anchorCtr="0" anchor="ctr" bIns="91425" lIns="91425" spcFirstLastPara="1" rIns="91425" wrap="square" tIns="91425">
+            <a:bodyPr spcFirstLastPara="1" wrap="square" lIns="91425" tIns="91425" rIns="91425" bIns="91425" anchor="ctr" anchorCtr="0">
               <a:noAutofit/>
             </a:bodyPr>
             <a:lstStyle/>
             <a:p>
-              <a:pPr indent="0" lvl="0" marL="0" rtl="0" algn="l">
+              <a:pPr marL="0" lvl="0" indent="0" algn="l" rtl="0">
                 <a:spcBef>
                   <a:spcPts val="0"/>
                 </a:spcBef>
@@ -3565,9 +3732,6 @@
                 </a:spcAft>
                 <a:buNone/>
               </a:pPr>
-              <a:r>
-                <a:t/>
-              </a:r>
               <a:endParaRPr/>
             </a:p>
           </p:txBody>
@@ -3585,7 +3749,7 @@
             </a:xfrm>
             <a:prstGeom prst="diagStripe">
               <a:avLst>
-                <a:gd fmla="val 50000" name="adj"/>
+                <a:gd name="adj" fmla="val 50000"/>
               </a:avLst>
             </a:prstGeom>
             <a:solidFill>
@@ -3598,12 +3762,12 @@
             </a:ln>
           </p:spPr>
           <p:txBody>
-            <a:bodyPr anchorCtr="0" anchor="ctr" bIns="91425" lIns="91425" spcFirstLastPara="1" rIns="91425" wrap="square" tIns="91425">
+            <a:bodyPr spcFirstLastPara="1" wrap="square" lIns="91425" tIns="91425" rIns="91425" bIns="91425" anchor="ctr" anchorCtr="0">
               <a:noAutofit/>
             </a:bodyPr>
             <a:lstStyle/>
             <a:p>
-              <a:pPr indent="0" lvl="0" marL="0" rtl="0" algn="l">
+              <a:pPr marL="0" lvl="0" indent="0" algn="l" rtl="0">
                 <a:spcBef>
                   <a:spcPts val="0"/>
                 </a:spcBef>
@@ -3612,9 +3776,6 @@
                 </a:spcAft>
                 <a:buNone/>
               </a:pPr>
-              <a:r>
-                <a:t/>
-              </a:r>
               <a:endParaRPr/>
             </a:p>
           </p:txBody>
@@ -3632,7 +3793,7 @@
             </a:xfrm>
             <a:prstGeom prst="diagStripe">
               <a:avLst>
-                <a:gd fmla="val 50000" name="adj"/>
+                <a:gd name="adj" fmla="val 50000"/>
               </a:avLst>
             </a:prstGeom>
             <a:solidFill>
@@ -3645,12 +3806,12 @@
             </a:ln>
           </p:spPr>
           <p:txBody>
-            <a:bodyPr anchorCtr="0" anchor="ctr" bIns="91425" lIns="91425" spcFirstLastPara="1" rIns="91425" wrap="square" tIns="91425">
+            <a:bodyPr spcFirstLastPara="1" wrap="square" lIns="91425" tIns="91425" rIns="91425" bIns="91425" anchor="ctr" anchorCtr="0">
               <a:noAutofit/>
             </a:bodyPr>
             <a:lstStyle/>
             <a:p>
-              <a:pPr indent="0" lvl="0" marL="0" rtl="0" algn="l">
+              <a:pPr marL="0" lvl="0" indent="0" algn="l" rtl="0">
                 <a:spcBef>
                   <a:spcPts val="0"/>
                 </a:spcBef>
@@ -3659,9 +3820,6 @@
                 </a:spcAft>
                 <a:buNone/>
               </a:pPr>
-              <a:r>
-                <a:t/>
-              </a:r>
               <a:endParaRPr/>
             </a:p>
           </p:txBody>
@@ -3679,7 +3837,7 @@
             </a:xfrm>
             <a:prstGeom prst="diagStripe">
               <a:avLst>
-                <a:gd fmla="val 50000" name="adj"/>
+                <a:gd name="adj" fmla="val 50000"/>
               </a:avLst>
             </a:prstGeom>
             <a:solidFill>
@@ -3690,12 +3848,12 @@
             </a:ln>
           </p:spPr>
           <p:txBody>
-            <a:bodyPr anchorCtr="0" anchor="ctr" bIns="91425" lIns="91425" spcFirstLastPara="1" rIns="91425" wrap="square" tIns="91425">
+            <a:bodyPr spcFirstLastPara="1" wrap="square" lIns="91425" tIns="91425" rIns="91425" bIns="91425" anchor="ctr" anchorCtr="0">
               <a:noAutofit/>
             </a:bodyPr>
             <a:lstStyle/>
             <a:p>
-              <a:pPr indent="0" lvl="0" marL="0" rtl="0" algn="l">
+              <a:pPr marL="0" lvl="0" indent="0" algn="l" rtl="0">
                 <a:spcBef>
                   <a:spcPts val="0"/>
                 </a:spcBef>
@@ -3704,9 +3862,6 @@
                 </a:spcAft>
                 <a:buNone/>
               </a:pPr>
-              <a:r>
-                <a:t/>
-              </a:r>
               <a:endParaRPr/>
             </a:p>
           </p:txBody>
@@ -3724,7 +3879,7 @@
             </a:xfrm>
             <a:prstGeom prst="diagStripe">
               <a:avLst>
-                <a:gd fmla="val 50000" name="adj"/>
+                <a:gd name="adj" fmla="val 50000"/>
               </a:avLst>
             </a:prstGeom>
             <a:solidFill>
@@ -3737,12 +3892,12 @@
             </a:ln>
           </p:spPr>
           <p:txBody>
-            <a:bodyPr anchorCtr="0" anchor="ctr" bIns="91425" lIns="91425" spcFirstLastPara="1" rIns="91425" wrap="square" tIns="91425">
+            <a:bodyPr spcFirstLastPara="1" wrap="square" lIns="91425" tIns="91425" rIns="91425" bIns="91425" anchor="ctr" anchorCtr="0">
               <a:noAutofit/>
             </a:bodyPr>
             <a:lstStyle/>
             <a:p>
-              <a:pPr indent="0" lvl="0" marL="0" rtl="0" algn="l">
+              <a:pPr marL="0" lvl="0" indent="0" algn="l" rtl="0">
                 <a:spcBef>
                   <a:spcPts val="0"/>
                 </a:spcBef>
@@ -3751,9 +3906,6 @@
                 </a:spcAft>
                 <a:buNone/>
               </a:pPr>
-              <a:r>
-                <a:t/>
-              </a:r>
               <a:endParaRPr/>
             </a:p>
           </p:txBody>
@@ -3771,7 +3923,7 @@
             </a:xfrm>
             <a:prstGeom prst="diagStripe">
               <a:avLst>
-                <a:gd fmla="val 50000" name="adj"/>
+                <a:gd name="adj" fmla="val 50000"/>
               </a:avLst>
             </a:prstGeom>
             <a:solidFill>
@@ -3784,12 +3936,12 @@
             </a:ln>
           </p:spPr>
           <p:txBody>
-            <a:bodyPr anchorCtr="0" anchor="ctr" bIns="91425" lIns="91425" spcFirstLastPara="1" rIns="91425" wrap="square" tIns="91425">
+            <a:bodyPr spcFirstLastPara="1" wrap="square" lIns="91425" tIns="91425" rIns="91425" bIns="91425" anchor="ctr" anchorCtr="0">
               <a:noAutofit/>
             </a:bodyPr>
             <a:lstStyle/>
             <a:p>
-              <a:pPr indent="0" lvl="0" marL="0" rtl="0" algn="l">
+              <a:pPr marL="0" lvl="0" indent="0" algn="l" rtl="0">
                 <a:spcBef>
                   <a:spcPts val="0"/>
                 </a:spcBef>
@@ -3798,9 +3950,6 @@
                 </a:spcAft>
                 <a:buNone/>
               </a:pPr>
-              <a:r>
-                <a:t/>
-              </a:r>
               <a:endParaRPr/>
             </a:p>
           </p:txBody>
@@ -3818,7 +3967,7 @@
             </a:xfrm>
             <a:prstGeom prst="diagStripe">
               <a:avLst>
-                <a:gd fmla="val 50000" name="adj"/>
+                <a:gd name="adj" fmla="val 50000"/>
               </a:avLst>
             </a:prstGeom>
             <a:solidFill>
@@ -3831,12 +3980,12 @@
             </a:ln>
           </p:spPr>
           <p:txBody>
-            <a:bodyPr anchorCtr="0" anchor="ctr" bIns="91425" lIns="91425" spcFirstLastPara="1" rIns="91425" wrap="square" tIns="91425">
+            <a:bodyPr spcFirstLastPara="1" wrap="square" lIns="91425" tIns="91425" rIns="91425" bIns="91425" anchor="ctr" anchorCtr="0">
               <a:noAutofit/>
             </a:bodyPr>
             <a:lstStyle/>
             <a:p>
-              <a:pPr indent="0" lvl="0" marL="0" rtl="0" algn="l">
+              <a:pPr marL="0" lvl="0" indent="0" algn="l" rtl="0">
                 <a:spcBef>
                   <a:spcPts val="0"/>
                 </a:spcBef>
@@ -3845,9 +3994,6 @@
                 </a:spcAft>
                 <a:buNone/>
               </a:pPr>
-              <a:r>
-                <a:t/>
-              </a:r>
               <a:endParaRPr/>
             </a:p>
           </p:txBody>
@@ -3865,7 +4011,7 @@
             </a:xfrm>
             <a:prstGeom prst="diagStripe">
               <a:avLst>
-                <a:gd fmla="val 50000" name="adj"/>
+                <a:gd name="adj" fmla="val 50000"/>
               </a:avLst>
             </a:prstGeom>
             <a:solidFill>
@@ -3878,12 +4024,12 @@
             </a:ln>
           </p:spPr>
           <p:txBody>
-            <a:bodyPr anchorCtr="0" anchor="ctr" bIns="91425" lIns="91425" spcFirstLastPara="1" rIns="91425" wrap="square" tIns="91425">
+            <a:bodyPr spcFirstLastPara="1" wrap="square" lIns="91425" tIns="91425" rIns="91425" bIns="91425" anchor="ctr" anchorCtr="0">
               <a:noAutofit/>
             </a:bodyPr>
             <a:lstStyle/>
             <a:p>
-              <a:pPr indent="0" lvl="0" marL="0" rtl="0" algn="l">
+              <a:pPr marL="0" lvl="0" indent="0" algn="l" rtl="0">
                 <a:spcBef>
                   <a:spcPts val="0"/>
                 </a:spcBef>
@@ -3892,9 +4038,6 @@
                 </a:spcAft>
                 <a:buNone/>
               </a:pPr>
-              <a:r>
-                <a:t/>
-              </a:r>
               <a:endParaRPr/>
             </a:p>
           </p:txBody>
@@ -3903,9 +4046,11 @@
       <p:sp>
         <p:nvSpPr>
           <p:cNvPr id="125" name="Google Shape;125;p11"/>
-          <p:cNvSpPr txBox="1"/>
+          <p:cNvSpPr txBox="1">
+            <a:spLocks noGrp="1"/>
+          </p:cNvSpPr>
           <p:nvPr>
-            <p:ph hasCustomPrompt="1" type="title"/>
+            <p:ph type="title" hasCustomPrompt="1"/>
           </p:nvPr>
         </p:nvSpPr>
         <p:spPr>
@@ -3918,7 +4063,7 @@
           </a:prstGeom>
         </p:spPr>
         <p:txBody>
-          <a:bodyPr anchorCtr="0" anchor="t" bIns="91425" lIns="91425" spcFirstLastPara="1" rIns="91425" wrap="square" tIns="91425">
+          <a:bodyPr spcFirstLastPara="1" wrap="square" lIns="91425" tIns="91425" rIns="91425" bIns="91425" anchor="t" anchorCtr="0">
             <a:normAutofit/>
           </a:bodyPr>
           <a:lstStyle>
@@ -4032,9 +4177,11 @@
       <p:sp>
         <p:nvSpPr>
           <p:cNvPr id="126" name="Google Shape;126;p11"/>
-          <p:cNvSpPr txBox="1"/>
+          <p:cNvSpPr txBox="1">
+            <a:spLocks noGrp="1"/>
+          </p:cNvSpPr>
           <p:nvPr>
-            <p:ph idx="1" type="body"/>
+            <p:ph type="body" idx="1"/>
           </p:nvPr>
         </p:nvSpPr>
         <p:spPr>
@@ -4047,11 +4194,11 @@
           </a:prstGeom>
         </p:spPr>
         <p:txBody>
-          <a:bodyPr anchorCtr="0" anchor="t" bIns="91425" lIns="91425" spcFirstLastPara="1" rIns="91425" wrap="square" tIns="91425">
+          <a:bodyPr spcFirstLastPara="1" wrap="square" lIns="91425" tIns="91425" rIns="91425" bIns="91425" anchor="t" anchorCtr="0">
             <a:normAutofit/>
           </a:bodyPr>
           <a:lstStyle>
-            <a:lvl1pPr indent="-311150" lvl="0" marL="457200">
+            <a:lvl1pPr marL="457200" lvl="0" indent="-311150">
               <a:spcBef>
                 <a:spcPts val="0"/>
               </a:spcBef>
@@ -4062,7 +4209,7 @@
               <a:buChar char="●"/>
               <a:defRPr/>
             </a:lvl1pPr>
-            <a:lvl2pPr indent="-298450" lvl="1" marL="914400">
+            <a:lvl2pPr marL="914400" lvl="1" indent="-298450">
               <a:spcBef>
                 <a:spcPts val="0"/>
               </a:spcBef>
@@ -4073,7 +4220,7 @@
               <a:buChar char="○"/>
               <a:defRPr/>
             </a:lvl2pPr>
-            <a:lvl3pPr indent="-298450" lvl="2" marL="1371600">
+            <a:lvl3pPr marL="1371600" lvl="2" indent="-298450">
               <a:spcBef>
                 <a:spcPts val="0"/>
               </a:spcBef>
@@ -4084,7 +4231,7 @@
               <a:buChar char="■"/>
               <a:defRPr/>
             </a:lvl3pPr>
-            <a:lvl4pPr indent="-298450" lvl="3" marL="1828800">
+            <a:lvl4pPr marL="1828800" lvl="3" indent="-298450">
               <a:spcBef>
                 <a:spcPts val="0"/>
               </a:spcBef>
@@ -4095,7 +4242,7 @@
               <a:buChar char="●"/>
               <a:defRPr/>
             </a:lvl4pPr>
-            <a:lvl5pPr indent="-298450" lvl="4" marL="2286000">
+            <a:lvl5pPr marL="2286000" lvl="4" indent="-298450">
               <a:spcBef>
                 <a:spcPts val="0"/>
               </a:spcBef>
@@ -4106,7 +4253,7 @@
               <a:buChar char="○"/>
               <a:defRPr/>
             </a:lvl5pPr>
-            <a:lvl6pPr indent="-298450" lvl="5" marL="2743200">
+            <a:lvl6pPr marL="2743200" lvl="5" indent="-298450">
               <a:spcBef>
                 <a:spcPts val="0"/>
               </a:spcBef>
@@ -4117,7 +4264,7 @@
               <a:buChar char="■"/>
               <a:defRPr/>
             </a:lvl6pPr>
-            <a:lvl7pPr indent="-298450" lvl="6" marL="3200400">
+            <a:lvl7pPr marL="3200400" lvl="6" indent="-298450">
               <a:spcBef>
                 <a:spcPts val="0"/>
               </a:spcBef>
@@ -4128,7 +4275,7 @@
               <a:buChar char="●"/>
               <a:defRPr/>
             </a:lvl7pPr>
-            <a:lvl8pPr indent="-298450" lvl="7" marL="3657600">
+            <a:lvl8pPr marL="3657600" lvl="7" indent="-298450">
               <a:spcBef>
                 <a:spcPts val="0"/>
               </a:spcBef>
@@ -4139,7 +4286,7 @@
               <a:buChar char="○"/>
               <a:defRPr/>
             </a:lvl8pPr>
-            <a:lvl9pPr indent="-298450" lvl="8" marL="4114800">
+            <a:lvl9pPr marL="4114800" lvl="8" indent="-298450">
               <a:spcBef>
                 <a:spcPts val="0"/>
               </a:spcBef>
@@ -4151,15 +4298,19 @@
               <a:defRPr/>
             </a:lvl9pPr>
           </a:lstStyle>
-          <a:p/>
+          <a:p>
+            <a:endParaRPr/>
+          </a:p>
         </p:txBody>
       </p:sp>
       <p:sp>
         <p:nvSpPr>
           <p:cNvPr id="127" name="Google Shape;127;p11"/>
-          <p:cNvSpPr txBox="1"/>
+          <p:cNvSpPr txBox="1">
+            <a:spLocks noGrp="1"/>
+          </p:cNvSpPr>
           <p:nvPr>
-            <p:ph idx="12" type="sldNum"/>
+            <p:ph type="sldNum" idx="12"/>
           </p:nvPr>
         </p:nvSpPr>
         <p:spPr>
@@ -4172,7 +4323,7 @@
           </a:prstGeom>
         </p:spPr>
         <p:txBody>
-          <a:bodyPr anchorCtr="0" anchor="ctr" bIns="91425" lIns="91425" spcFirstLastPara="1" rIns="91425" wrap="square" tIns="91425">
+          <a:bodyPr spcFirstLastPara="1" wrap="square" lIns="91425" tIns="91425" rIns="91425" bIns="91425" anchor="ctr" anchorCtr="0">
             <a:normAutofit/>
           </a:bodyPr>
           <a:lstStyle>
@@ -4214,7 +4365,7 @@
             </a:lvl9pPr>
           </a:lstStyle>
           <a:p>
-            <a:pPr indent="0" lvl="0" marL="0" rtl="0" algn="r">
+            <a:pPr marL="0" lvl="0" indent="0" algn="r" rtl="0">
               <a:spcBef>
                 <a:spcPts val="0"/>
               </a:spcBef>
@@ -4225,7 +4376,7 @@
             </a:pPr>
             <a:fld id="{00000000-1234-1234-1234-123412341234}" type="slidenum">
               <a:rPr lang="pt-BR"/>
-              <a:t>‹#›</a:t>
+              <a:t>‹nº›</a:t>
             </a:fld>
             <a:endParaRPr/>
           </a:p>
@@ -4236,15 +4387,27 @@
   <p:clrMapOvr>
     <a:masterClrMapping/>
   </p:clrMapOvr>
+  <mc:AlternateContent xmlns:mc="http://schemas.openxmlformats.org/markup-compatibility/2006">
+    <mc:Choice xmlns:p14="http://schemas.microsoft.com/office/powerpoint/2010/main" Requires="p14">
+      <p:transition p14:dur="250">
+        <p:fade thruBlk="1"/>
+      </p:transition>
+    </mc:Choice>
+    <mc:Fallback>
+      <p:transition>
+        <p:fade thruBlk="1"/>
+      </p:transition>
+    </mc:Fallback>
+  </mc:AlternateContent>
 </p:sldLayout>
 </file>
 
 <file path=ppt/slideLayouts/slideLayout11.xml><?xml version="1.0" encoding="utf-8"?>
-<p:sldLayout xmlns:a="http://schemas.openxmlformats.org/drawingml/2006/main" xmlns:r="http://schemas.openxmlformats.org/officeDocument/2006/relationships" xmlns:mc="http://schemas.openxmlformats.org/markup-compatibility/2006" xmlns:mv="urn:schemas-microsoft-com:mac:vml" xmlns:p="http://schemas.openxmlformats.org/presentationml/2006/main" xmlns:c="http://schemas.openxmlformats.org/drawingml/2006/chart" xmlns:dgm="http://schemas.openxmlformats.org/drawingml/2006/diagram" xmlns:o="urn:schemas-microsoft-com:office:office" xmlns:v="urn:schemas-microsoft-com:vml" xmlns:pvml="urn:schemas-microsoft-com:office:powerpoint" xmlns:com="http://schemas.openxmlformats.org/drawingml/2006/compatibility" xmlns:p14="http://schemas.microsoft.com/office/powerpoint/2010/main" xmlns:p15="http://schemas.microsoft.com/office/powerpoint/2012/main" xmlns:ahyp="http://schemas.microsoft.com/office/drawing/2018/hyperlinkcolor" matchingName="Blank" type="blank">
+<p:sldLayout xmlns:a="http://schemas.openxmlformats.org/drawingml/2006/main" xmlns:r="http://schemas.openxmlformats.org/officeDocument/2006/relationships" xmlns:p="http://schemas.openxmlformats.org/presentationml/2006/main" matchingName="Blank" type="blank">
   <p:cSld name="BLANK">
     <p:spTree>
       <p:nvGrpSpPr>
-        <p:cNvPr id="128" name="Shape 128"/>
+        <p:cNvPr id="1" name="Shape 128"/>
         <p:cNvGrpSpPr/>
         <p:nvPr/>
       </p:nvGrpSpPr>
@@ -4259,9 +4422,11 @@
       <p:sp>
         <p:nvSpPr>
           <p:cNvPr id="129" name="Google Shape;129;p12"/>
-          <p:cNvSpPr txBox="1"/>
+          <p:cNvSpPr txBox="1">
+            <a:spLocks noGrp="1"/>
+          </p:cNvSpPr>
           <p:nvPr>
-            <p:ph idx="12" type="sldNum"/>
+            <p:ph type="sldNum" idx="12"/>
           </p:nvPr>
         </p:nvSpPr>
         <p:spPr>
@@ -4274,7 +4439,7 @@
           </a:prstGeom>
         </p:spPr>
         <p:txBody>
-          <a:bodyPr anchorCtr="0" anchor="ctr" bIns="91425" lIns="91425" spcFirstLastPara="1" rIns="91425" wrap="square" tIns="91425">
+          <a:bodyPr spcFirstLastPara="1" wrap="square" lIns="91425" tIns="91425" rIns="91425" bIns="91425" anchor="ctr" anchorCtr="0">
             <a:normAutofit/>
           </a:bodyPr>
           <a:lstStyle>
@@ -4316,7 +4481,7 @@
             </a:lvl9pPr>
           </a:lstStyle>
           <a:p>
-            <a:pPr indent="0" lvl="0" marL="0" rtl="0" algn="r">
+            <a:pPr marL="0" lvl="0" indent="0" algn="r" rtl="0">
               <a:spcBef>
                 <a:spcPts val="0"/>
               </a:spcBef>
@@ -4327,7 +4492,7 @@
             </a:pPr>
             <a:fld id="{00000000-1234-1234-1234-123412341234}" type="slidenum">
               <a:rPr lang="pt-BR"/>
-              <a:t>‹#›</a:t>
+              <a:t>‹nº›</a:t>
             </a:fld>
             <a:endParaRPr/>
           </a:p>
@@ -4338,15 +4503,27 @@
   <p:clrMapOvr>
     <a:masterClrMapping/>
   </p:clrMapOvr>
+  <mc:AlternateContent xmlns:mc="http://schemas.openxmlformats.org/markup-compatibility/2006">
+    <mc:Choice xmlns:p14="http://schemas.microsoft.com/office/powerpoint/2010/main" Requires="p14">
+      <p:transition p14:dur="250">
+        <p:fade thruBlk="1"/>
+      </p:transition>
+    </mc:Choice>
+    <mc:Fallback>
+      <p:transition>
+        <p:fade thruBlk="1"/>
+      </p:transition>
+    </mc:Fallback>
+  </mc:AlternateContent>
 </p:sldLayout>
 </file>
 
 <file path=ppt/slideLayouts/slideLayout2.xml><?xml version="1.0" encoding="utf-8"?>
-<p:sldLayout xmlns:a="http://schemas.openxmlformats.org/drawingml/2006/main" xmlns:r="http://schemas.openxmlformats.org/officeDocument/2006/relationships" xmlns:mc="http://schemas.openxmlformats.org/markup-compatibility/2006" xmlns:mv="urn:schemas-microsoft-com:mac:vml" xmlns:p="http://schemas.openxmlformats.org/presentationml/2006/main" xmlns:c="http://schemas.openxmlformats.org/drawingml/2006/chart" xmlns:dgm="http://schemas.openxmlformats.org/drawingml/2006/diagram" xmlns:o="urn:schemas-microsoft-com:office:office" xmlns:v="urn:schemas-microsoft-com:vml" xmlns:pvml="urn:schemas-microsoft-com:office:powerpoint" xmlns:com="http://schemas.openxmlformats.org/drawingml/2006/compatibility" xmlns:p14="http://schemas.microsoft.com/office/powerpoint/2010/main" xmlns:p15="http://schemas.microsoft.com/office/powerpoint/2012/main" xmlns:ahyp="http://schemas.microsoft.com/office/drawing/2018/hyperlinkcolor" matchingName="Section header" type="secHead">
+<p:sldLayout xmlns:a="http://schemas.openxmlformats.org/drawingml/2006/main" xmlns:r="http://schemas.openxmlformats.org/officeDocument/2006/relationships" xmlns:p="http://schemas.openxmlformats.org/presentationml/2006/main" matchingName="Section header" type="secHead">
   <p:cSld name="SECTION_HEADER">
     <p:spTree>
       <p:nvGrpSpPr>
-        <p:cNvPr id="19" name="Shape 19"/>
+        <p:cNvPr id="1" name="Shape 19"/>
         <p:cNvGrpSpPr/>
         <p:nvPr/>
       </p:nvGrpSpPr>
@@ -4385,7 +4562,7 @@
             </a:xfrm>
             <a:prstGeom prst="diagStripe">
               <a:avLst>
-                <a:gd fmla="val 49469" name="adj"/>
+                <a:gd name="adj" fmla="val 49469"/>
               </a:avLst>
             </a:prstGeom>
             <a:solidFill>
@@ -4398,12 +4575,12 @@
             </a:ln>
           </p:spPr>
           <p:txBody>
-            <a:bodyPr anchorCtr="0" anchor="ctr" bIns="91425" lIns="91425" spcFirstLastPara="1" rIns="91425" wrap="square" tIns="91425">
+            <a:bodyPr spcFirstLastPara="1" wrap="square" lIns="91425" tIns="91425" rIns="91425" bIns="91425" anchor="ctr" anchorCtr="0">
               <a:noAutofit/>
             </a:bodyPr>
             <a:lstStyle/>
             <a:p>
-              <a:pPr indent="0" lvl="0" marL="0" rtl="0" algn="l">
+              <a:pPr marL="0" lvl="0" indent="0" algn="l" rtl="0">
                 <a:spcBef>
                   <a:spcPts val="0"/>
                 </a:spcBef>
@@ -4412,9 +4589,6 @@
                 </a:spcAft>
                 <a:buNone/>
               </a:pPr>
-              <a:r>
-                <a:t/>
-              </a:r>
               <a:endParaRPr/>
             </a:p>
           </p:txBody>
@@ -4432,7 +4606,7 @@
             </a:xfrm>
             <a:prstGeom prst="diagStripe">
               <a:avLst>
-                <a:gd fmla="val 0" name="adj"/>
+                <a:gd name="adj" fmla="val 0"/>
               </a:avLst>
             </a:prstGeom>
             <a:solidFill>
@@ -4445,12 +4619,12 @@
             </a:ln>
           </p:spPr>
           <p:txBody>
-            <a:bodyPr anchorCtr="0" anchor="ctr" bIns="91425" lIns="91425" spcFirstLastPara="1" rIns="91425" wrap="square" tIns="91425">
+            <a:bodyPr spcFirstLastPara="1" wrap="square" lIns="91425" tIns="91425" rIns="91425" bIns="91425" anchor="ctr" anchorCtr="0">
               <a:noAutofit/>
             </a:bodyPr>
             <a:lstStyle/>
             <a:p>
-              <a:pPr indent="0" lvl="0" marL="0" rtl="0" algn="l">
+              <a:pPr marL="0" lvl="0" indent="0" algn="l" rtl="0">
                 <a:spcBef>
                   <a:spcPts val="0"/>
                 </a:spcBef>
@@ -4459,9 +4633,6 @@
                 </a:spcAft>
                 <a:buNone/>
               </a:pPr>
-              <a:r>
-                <a:t/>
-              </a:r>
               <a:endParaRPr/>
             </a:p>
           </p:txBody>
@@ -4479,7 +4650,7 @@
             </a:xfrm>
             <a:prstGeom prst="diagStripe">
               <a:avLst>
-                <a:gd fmla="val 50000" name="adj"/>
+                <a:gd name="adj" fmla="val 50000"/>
               </a:avLst>
             </a:prstGeom>
             <a:solidFill>
@@ -4492,12 +4663,12 @@
             </a:ln>
           </p:spPr>
           <p:txBody>
-            <a:bodyPr anchorCtr="0" anchor="ctr" bIns="91425" lIns="91425" spcFirstLastPara="1" rIns="91425" wrap="square" tIns="91425">
+            <a:bodyPr spcFirstLastPara="1" wrap="square" lIns="91425" tIns="91425" rIns="91425" bIns="91425" anchor="ctr" anchorCtr="0">
               <a:noAutofit/>
             </a:bodyPr>
             <a:lstStyle/>
             <a:p>
-              <a:pPr indent="0" lvl="0" marL="0" rtl="0" algn="l">
+              <a:pPr marL="0" lvl="0" indent="0" algn="l" rtl="0">
                 <a:spcBef>
                   <a:spcPts val="0"/>
                 </a:spcBef>
@@ -4506,9 +4677,6 @@
                 </a:spcAft>
                 <a:buNone/>
               </a:pPr>
-              <a:r>
-                <a:t/>
-              </a:r>
               <a:endParaRPr/>
             </a:p>
           </p:txBody>
@@ -4526,7 +4694,7 @@
             </a:xfrm>
             <a:prstGeom prst="diagStripe">
               <a:avLst>
-                <a:gd fmla="val 50000" name="adj"/>
+                <a:gd name="adj" fmla="val 50000"/>
               </a:avLst>
             </a:prstGeom>
             <a:solidFill>
@@ -4539,12 +4707,12 @@
             </a:ln>
           </p:spPr>
           <p:txBody>
-            <a:bodyPr anchorCtr="0" anchor="ctr" bIns="91425" lIns="91425" spcFirstLastPara="1" rIns="91425" wrap="square" tIns="91425">
+            <a:bodyPr spcFirstLastPara="1" wrap="square" lIns="91425" tIns="91425" rIns="91425" bIns="91425" anchor="ctr" anchorCtr="0">
               <a:noAutofit/>
             </a:bodyPr>
             <a:lstStyle/>
             <a:p>
-              <a:pPr indent="0" lvl="0" marL="0" rtl="0" algn="l">
+              <a:pPr marL="0" lvl="0" indent="0" algn="l" rtl="0">
                 <a:spcBef>
                   <a:spcPts val="0"/>
                 </a:spcBef>
@@ -4553,9 +4721,6 @@
                 </a:spcAft>
                 <a:buNone/>
               </a:pPr>
-              <a:r>
-                <a:t/>
-              </a:r>
               <a:endParaRPr/>
             </a:p>
           </p:txBody>
@@ -4573,7 +4738,7 @@
             </a:xfrm>
             <a:prstGeom prst="diagStripe">
               <a:avLst>
-                <a:gd fmla="val 50000" name="adj"/>
+                <a:gd name="adj" fmla="val 50000"/>
               </a:avLst>
             </a:prstGeom>
             <a:solidFill>
@@ -4586,12 +4751,12 @@
             </a:ln>
           </p:spPr>
           <p:txBody>
-            <a:bodyPr anchorCtr="0" anchor="ctr" bIns="91425" lIns="91425" spcFirstLastPara="1" rIns="91425" wrap="square" tIns="91425">
+            <a:bodyPr spcFirstLastPara="1" wrap="square" lIns="91425" tIns="91425" rIns="91425" bIns="91425" anchor="ctr" anchorCtr="0">
               <a:noAutofit/>
             </a:bodyPr>
             <a:lstStyle/>
             <a:p>
-              <a:pPr indent="0" lvl="0" marL="0" rtl="0" algn="l">
+              <a:pPr marL="0" lvl="0" indent="0" algn="l" rtl="0">
                 <a:spcBef>
                   <a:spcPts val="0"/>
                 </a:spcBef>
@@ -4600,9 +4765,6 @@
                 </a:spcAft>
                 <a:buNone/>
               </a:pPr>
-              <a:r>
-                <a:t/>
-              </a:r>
               <a:endParaRPr/>
             </a:p>
           </p:txBody>
@@ -4620,7 +4782,7 @@
             </a:xfrm>
             <a:prstGeom prst="diagStripe">
               <a:avLst>
-                <a:gd fmla="val 50000" name="adj"/>
+                <a:gd name="adj" fmla="val 50000"/>
               </a:avLst>
             </a:prstGeom>
             <a:solidFill>
@@ -4633,12 +4795,12 @@
             </a:ln>
           </p:spPr>
           <p:txBody>
-            <a:bodyPr anchorCtr="0" anchor="ctr" bIns="91425" lIns="91425" spcFirstLastPara="1" rIns="91425" wrap="square" tIns="91425">
+            <a:bodyPr spcFirstLastPara="1" wrap="square" lIns="91425" tIns="91425" rIns="91425" bIns="91425" anchor="ctr" anchorCtr="0">
               <a:noAutofit/>
             </a:bodyPr>
             <a:lstStyle/>
             <a:p>
-              <a:pPr indent="0" lvl="0" marL="0" rtl="0" algn="l">
+              <a:pPr marL="0" lvl="0" indent="0" algn="l" rtl="0">
                 <a:spcBef>
                   <a:spcPts val="0"/>
                 </a:spcBef>
@@ -4647,9 +4809,6 @@
                 </a:spcAft>
                 <a:buNone/>
               </a:pPr>
-              <a:r>
-                <a:t/>
-              </a:r>
               <a:endParaRPr/>
             </a:p>
           </p:txBody>
@@ -4667,7 +4826,7 @@
             </a:xfrm>
             <a:prstGeom prst="diagStripe">
               <a:avLst>
-                <a:gd fmla="val 50000" name="adj"/>
+                <a:gd name="adj" fmla="val 50000"/>
               </a:avLst>
             </a:prstGeom>
             <a:solidFill>
@@ -4680,12 +4839,12 @@
             </a:ln>
           </p:spPr>
           <p:txBody>
-            <a:bodyPr anchorCtr="0" anchor="ctr" bIns="91425" lIns="91425" spcFirstLastPara="1" rIns="91425" wrap="square" tIns="91425">
+            <a:bodyPr spcFirstLastPara="1" wrap="square" lIns="91425" tIns="91425" rIns="91425" bIns="91425" anchor="ctr" anchorCtr="0">
               <a:noAutofit/>
             </a:bodyPr>
             <a:lstStyle/>
             <a:p>
-              <a:pPr indent="0" lvl="0" marL="0" rtl="0" algn="l">
+              <a:pPr marL="0" lvl="0" indent="0" algn="l" rtl="0">
                 <a:spcBef>
                   <a:spcPts val="0"/>
                 </a:spcBef>
@@ -4694,9 +4853,6 @@
                 </a:spcAft>
                 <a:buNone/>
               </a:pPr>
-              <a:r>
-                <a:t/>
-              </a:r>
               <a:endParaRPr/>
             </a:p>
           </p:txBody>
@@ -4714,7 +4870,7 @@
             </a:xfrm>
             <a:prstGeom prst="diagStripe">
               <a:avLst>
-                <a:gd fmla="val 50000" name="adj"/>
+                <a:gd name="adj" fmla="val 50000"/>
               </a:avLst>
             </a:prstGeom>
             <a:solidFill>
@@ -4725,12 +4881,12 @@
             </a:ln>
           </p:spPr>
           <p:txBody>
-            <a:bodyPr anchorCtr="0" anchor="ctr" bIns="91425" lIns="91425" spcFirstLastPara="1" rIns="91425" wrap="square" tIns="91425">
+            <a:bodyPr spcFirstLastPara="1" wrap="square" lIns="91425" tIns="91425" rIns="91425" bIns="91425" anchor="ctr" anchorCtr="0">
               <a:noAutofit/>
             </a:bodyPr>
             <a:lstStyle/>
             <a:p>
-              <a:pPr indent="0" lvl="0" marL="0" rtl="0" algn="l">
+              <a:pPr marL="0" lvl="0" indent="0" algn="l" rtl="0">
                 <a:spcBef>
                   <a:spcPts val="0"/>
                 </a:spcBef>
@@ -4739,9 +4895,6 @@
                 </a:spcAft>
                 <a:buNone/>
               </a:pPr>
-              <a:r>
-                <a:t/>
-              </a:r>
               <a:endParaRPr/>
             </a:p>
           </p:txBody>
@@ -4759,7 +4912,7 @@
             </a:xfrm>
             <a:prstGeom prst="diagStripe">
               <a:avLst>
-                <a:gd fmla="val 50000" name="adj"/>
+                <a:gd name="adj" fmla="val 50000"/>
               </a:avLst>
             </a:prstGeom>
             <a:solidFill>
@@ -4772,12 +4925,12 @@
             </a:ln>
           </p:spPr>
           <p:txBody>
-            <a:bodyPr anchorCtr="0" anchor="ctr" bIns="91425" lIns="91425" spcFirstLastPara="1" rIns="91425" wrap="square" tIns="91425">
+            <a:bodyPr spcFirstLastPara="1" wrap="square" lIns="91425" tIns="91425" rIns="91425" bIns="91425" anchor="ctr" anchorCtr="0">
               <a:noAutofit/>
             </a:bodyPr>
             <a:lstStyle/>
             <a:p>
-              <a:pPr indent="0" lvl="0" marL="0" rtl="0" algn="l">
+              <a:pPr marL="0" lvl="0" indent="0" algn="l" rtl="0">
                 <a:spcBef>
                   <a:spcPts val="0"/>
                 </a:spcBef>
@@ -4786,9 +4939,6 @@
                 </a:spcAft>
                 <a:buNone/>
               </a:pPr>
-              <a:r>
-                <a:t/>
-              </a:r>
               <a:endParaRPr/>
             </a:p>
           </p:txBody>
@@ -4806,7 +4956,7 @@
             </a:xfrm>
             <a:prstGeom prst="diagStripe">
               <a:avLst>
-                <a:gd fmla="val 50000" name="adj"/>
+                <a:gd name="adj" fmla="val 50000"/>
               </a:avLst>
             </a:prstGeom>
             <a:solidFill>
@@ -4819,12 +4969,12 @@
             </a:ln>
           </p:spPr>
           <p:txBody>
-            <a:bodyPr anchorCtr="0" anchor="ctr" bIns="91425" lIns="91425" spcFirstLastPara="1" rIns="91425" wrap="square" tIns="91425">
+            <a:bodyPr spcFirstLastPara="1" wrap="square" lIns="91425" tIns="91425" rIns="91425" bIns="91425" anchor="ctr" anchorCtr="0">
               <a:noAutofit/>
             </a:bodyPr>
             <a:lstStyle/>
             <a:p>
-              <a:pPr indent="0" lvl="0" marL="0" rtl="0" algn="l">
+              <a:pPr marL="0" lvl="0" indent="0" algn="l" rtl="0">
                 <a:spcBef>
                   <a:spcPts val="0"/>
                 </a:spcBef>
@@ -4833,9 +4983,6 @@
                 </a:spcAft>
                 <a:buNone/>
               </a:pPr>
-              <a:r>
-                <a:t/>
-              </a:r>
               <a:endParaRPr/>
             </a:p>
           </p:txBody>
@@ -4853,7 +5000,7 @@
             </a:xfrm>
             <a:prstGeom prst="diagStripe">
               <a:avLst>
-                <a:gd fmla="val 50000" name="adj"/>
+                <a:gd name="adj" fmla="val 50000"/>
               </a:avLst>
             </a:prstGeom>
             <a:solidFill>
@@ -4866,12 +5013,12 @@
             </a:ln>
           </p:spPr>
           <p:txBody>
-            <a:bodyPr anchorCtr="0" anchor="ctr" bIns="91425" lIns="91425" spcFirstLastPara="1" rIns="91425" wrap="square" tIns="91425">
+            <a:bodyPr spcFirstLastPara="1" wrap="square" lIns="91425" tIns="91425" rIns="91425" bIns="91425" anchor="ctr" anchorCtr="0">
               <a:noAutofit/>
             </a:bodyPr>
             <a:lstStyle/>
             <a:p>
-              <a:pPr indent="0" lvl="0" marL="0" rtl="0" algn="l">
+              <a:pPr marL="0" lvl="0" indent="0" algn="l" rtl="0">
                 <a:spcBef>
                   <a:spcPts val="0"/>
                 </a:spcBef>
@@ -4880,9 +5027,6 @@
                 </a:spcAft>
                 <a:buNone/>
               </a:pPr>
-              <a:r>
-                <a:t/>
-              </a:r>
               <a:endParaRPr/>
             </a:p>
           </p:txBody>
@@ -4900,7 +5044,7 @@
             </a:xfrm>
             <a:prstGeom prst="diagStripe">
               <a:avLst>
-                <a:gd fmla="val 50000" name="adj"/>
+                <a:gd name="adj" fmla="val 50000"/>
               </a:avLst>
             </a:prstGeom>
             <a:solidFill>
@@ -4913,12 +5057,12 @@
             </a:ln>
           </p:spPr>
           <p:txBody>
-            <a:bodyPr anchorCtr="0" anchor="ctr" bIns="91425" lIns="91425" spcFirstLastPara="1" rIns="91425" wrap="square" tIns="91425">
+            <a:bodyPr spcFirstLastPara="1" wrap="square" lIns="91425" tIns="91425" rIns="91425" bIns="91425" anchor="ctr" anchorCtr="0">
               <a:noAutofit/>
             </a:bodyPr>
             <a:lstStyle/>
             <a:p>
-              <a:pPr indent="0" lvl="0" marL="0" rtl="0" algn="l">
+              <a:pPr marL="0" lvl="0" indent="0" algn="l" rtl="0">
                 <a:spcBef>
                   <a:spcPts val="0"/>
                 </a:spcBef>
@@ -4927,9 +5071,6 @@
                 </a:spcAft>
                 <a:buNone/>
               </a:pPr>
-              <a:r>
-                <a:t/>
-              </a:r>
               <a:endParaRPr/>
             </a:p>
           </p:txBody>
@@ -4947,7 +5088,7 @@
             </a:xfrm>
             <a:prstGeom prst="diagStripe">
               <a:avLst>
-                <a:gd fmla="val 50000" name="adj"/>
+                <a:gd name="adj" fmla="val 50000"/>
               </a:avLst>
             </a:prstGeom>
             <a:solidFill>
@@ -4960,12 +5101,12 @@
             </a:ln>
           </p:spPr>
           <p:txBody>
-            <a:bodyPr anchorCtr="0" anchor="ctr" bIns="91425" lIns="91425" spcFirstLastPara="1" rIns="91425" wrap="square" tIns="91425">
+            <a:bodyPr spcFirstLastPara="1" wrap="square" lIns="91425" tIns="91425" rIns="91425" bIns="91425" anchor="ctr" anchorCtr="0">
               <a:noAutofit/>
             </a:bodyPr>
             <a:lstStyle/>
             <a:p>
-              <a:pPr indent="0" lvl="0" marL="0" rtl="0" algn="l">
+              <a:pPr marL="0" lvl="0" indent="0" algn="l" rtl="0">
                 <a:spcBef>
                   <a:spcPts val="0"/>
                 </a:spcBef>
@@ -4974,9 +5115,6 @@
                 </a:spcAft>
                 <a:buNone/>
               </a:pPr>
-              <a:r>
-                <a:t/>
-              </a:r>
               <a:endParaRPr/>
             </a:p>
           </p:txBody>
@@ -4994,7 +5132,7 @@
             </a:xfrm>
             <a:prstGeom prst="diagStripe">
               <a:avLst>
-                <a:gd fmla="val 50000" name="adj"/>
+                <a:gd name="adj" fmla="val 50000"/>
               </a:avLst>
             </a:prstGeom>
             <a:solidFill>
@@ -5005,12 +5143,12 @@
             </a:ln>
           </p:spPr>
           <p:txBody>
-            <a:bodyPr anchorCtr="0" anchor="ctr" bIns="91425" lIns="91425" spcFirstLastPara="1" rIns="91425" wrap="square" tIns="91425">
+            <a:bodyPr spcFirstLastPara="1" wrap="square" lIns="91425" tIns="91425" rIns="91425" bIns="91425" anchor="ctr" anchorCtr="0">
               <a:noAutofit/>
             </a:bodyPr>
             <a:lstStyle/>
             <a:p>
-              <a:pPr indent="0" lvl="0" marL="0" rtl="0" algn="l">
+              <a:pPr marL="0" lvl="0" indent="0" algn="l" rtl="0">
                 <a:spcBef>
                   <a:spcPts val="0"/>
                 </a:spcBef>
@@ -5019,9 +5157,6 @@
                 </a:spcAft>
                 <a:buNone/>
               </a:pPr>
-              <a:r>
-                <a:t/>
-              </a:r>
               <a:endParaRPr/>
             </a:p>
           </p:txBody>
@@ -5039,7 +5174,7 @@
             </a:xfrm>
             <a:prstGeom prst="diagStripe">
               <a:avLst>
-                <a:gd fmla="val 50000" name="adj"/>
+                <a:gd name="adj" fmla="val 50000"/>
               </a:avLst>
             </a:prstGeom>
             <a:solidFill>
@@ -5052,12 +5187,12 @@
             </a:ln>
           </p:spPr>
           <p:txBody>
-            <a:bodyPr anchorCtr="0" anchor="ctr" bIns="91425" lIns="91425" spcFirstLastPara="1" rIns="91425" wrap="square" tIns="91425">
+            <a:bodyPr spcFirstLastPara="1" wrap="square" lIns="91425" tIns="91425" rIns="91425" bIns="91425" anchor="ctr" anchorCtr="0">
               <a:noAutofit/>
             </a:bodyPr>
             <a:lstStyle/>
             <a:p>
-              <a:pPr indent="0" lvl="0" marL="0" rtl="0" algn="l">
+              <a:pPr marL="0" lvl="0" indent="0" algn="l" rtl="0">
                 <a:spcBef>
                   <a:spcPts val="0"/>
                 </a:spcBef>
@@ -5066,9 +5201,6 @@
                 </a:spcAft>
                 <a:buNone/>
               </a:pPr>
-              <a:r>
-                <a:t/>
-              </a:r>
               <a:endParaRPr/>
             </a:p>
           </p:txBody>
@@ -5086,7 +5218,7 @@
             </a:xfrm>
             <a:prstGeom prst="diagStripe">
               <a:avLst>
-                <a:gd fmla="val 50000" name="adj"/>
+                <a:gd name="adj" fmla="val 50000"/>
               </a:avLst>
             </a:prstGeom>
             <a:solidFill>
@@ -5099,12 +5231,12 @@
             </a:ln>
           </p:spPr>
           <p:txBody>
-            <a:bodyPr anchorCtr="0" anchor="ctr" bIns="91425" lIns="91425" spcFirstLastPara="1" rIns="91425" wrap="square" tIns="91425">
+            <a:bodyPr spcFirstLastPara="1" wrap="square" lIns="91425" tIns="91425" rIns="91425" bIns="91425" anchor="ctr" anchorCtr="0">
               <a:noAutofit/>
             </a:bodyPr>
             <a:lstStyle/>
             <a:p>
-              <a:pPr indent="0" lvl="0" marL="0" rtl="0" algn="l">
+              <a:pPr marL="0" lvl="0" indent="0" algn="l" rtl="0">
                 <a:spcBef>
                   <a:spcPts val="0"/>
                 </a:spcBef>
@@ -5113,9 +5245,6 @@
                 </a:spcAft>
                 <a:buNone/>
               </a:pPr>
-              <a:r>
-                <a:t/>
-              </a:r>
               <a:endParaRPr/>
             </a:p>
           </p:txBody>
@@ -5133,7 +5262,7 @@
             </a:xfrm>
             <a:prstGeom prst="diagStripe">
               <a:avLst>
-                <a:gd fmla="val 50000" name="adj"/>
+                <a:gd name="adj" fmla="val 50000"/>
               </a:avLst>
             </a:prstGeom>
             <a:solidFill>
@@ -5146,12 +5275,12 @@
             </a:ln>
           </p:spPr>
           <p:txBody>
-            <a:bodyPr anchorCtr="0" anchor="ctr" bIns="91425" lIns="91425" spcFirstLastPara="1" rIns="91425" wrap="square" tIns="91425">
+            <a:bodyPr spcFirstLastPara="1" wrap="square" lIns="91425" tIns="91425" rIns="91425" bIns="91425" anchor="ctr" anchorCtr="0">
               <a:noAutofit/>
             </a:bodyPr>
             <a:lstStyle/>
             <a:p>
-              <a:pPr indent="0" lvl="0" marL="0" rtl="0" algn="l">
+              <a:pPr marL="0" lvl="0" indent="0" algn="l" rtl="0">
                 <a:spcBef>
                   <a:spcPts val="0"/>
                 </a:spcBef>
@@ -5160,9 +5289,6 @@
                 </a:spcAft>
                 <a:buNone/>
               </a:pPr>
-              <a:r>
-                <a:t/>
-              </a:r>
               <a:endParaRPr/>
             </a:p>
           </p:txBody>
@@ -5180,7 +5306,7 @@
             </a:xfrm>
             <a:prstGeom prst="diagStripe">
               <a:avLst>
-                <a:gd fmla="val 50000" name="adj"/>
+                <a:gd name="adj" fmla="val 50000"/>
               </a:avLst>
             </a:prstGeom>
             <a:solidFill>
@@ -5193,12 +5319,12 @@
             </a:ln>
           </p:spPr>
           <p:txBody>
-            <a:bodyPr anchorCtr="0" anchor="ctr" bIns="91425" lIns="91425" spcFirstLastPara="1" rIns="91425" wrap="square" tIns="91425">
+            <a:bodyPr spcFirstLastPara="1" wrap="square" lIns="91425" tIns="91425" rIns="91425" bIns="91425" anchor="ctr" anchorCtr="0">
               <a:noAutofit/>
             </a:bodyPr>
             <a:lstStyle/>
             <a:p>
-              <a:pPr indent="0" lvl="0" marL="0" rtl="0" algn="l">
+              <a:pPr marL="0" lvl="0" indent="0" algn="l" rtl="0">
                 <a:spcBef>
                   <a:spcPts val="0"/>
                 </a:spcBef>
@@ -5207,9 +5333,6 @@
                 </a:spcAft>
                 <a:buNone/>
               </a:pPr>
-              <a:r>
-                <a:t/>
-              </a:r>
               <a:endParaRPr/>
             </a:p>
           </p:txBody>
@@ -5218,7 +5341,9 @@
       <p:sp>
         <p:nvSpPr>
           <p:cNvPr id="39" name="Google Shape;39;p3"/>
-          <p:cNvSpPr txBox="1"/>
+          <p:cNvSpPr txBox="1">
+            <a:spLocks noGrp="1"/>
+          </p:cNvSpPr>
           <p:nvPr>
             <p:ph type="title"/>
           </p:nvPr>
@@ -5233,7 +5358,7 @@
           </a:prstGeom>
         </p:spPr>
         <p:txBody>
-          <a:bodyPr anchorCtr="0" anchor="ctr" bIns="91425" lIns="91425" spcFirstLastPara="1" rIns="91425" wrap="square" tIns="91425">
+          <a:bodyPr spcFirstLastPara="1" wrap="square" lIns="91425" tIns="91425" rIns="91425" bIns="91425" anchor="ctr" anchorCtr="0">
             <a:normAutofit/>
           </a:bodyPr>
           <a:lstStyle>
@@ -5337,15 +5462,19 @@
               <a:defRPr/>
             </a:lvl9pPr>
           </a:lstStyle>
-          <a:p/>
+          <a:p>
+            <a:endParaRPr/>
+          </a:p>
         </p:txBody>
       </p:sp>
       <p:sp>
         <p:nvSpPr>
           <p:cNvPr id="40" name="Google Shape;40;p3"/>
-          <p:cNvSpPr txBox="1"/>
+          <p:cNvSpPr txBox="1">
+            <a:spLocks noGrp="1"/>
+          </p:cNvSpPr>
           <p:nvPr>
-            <p:ph idx="12" type="sldNum"/>
+            <p:ph type="sldNum" idx="12"/>
           </p:nvPr>
         </p:nvSpPr>
         <p:spPr>
@@ -5358,7 +5487,7 @@
           </a:prstGeom>
         </p:spPr>
         <p:txBody>
-          <a:bodyPr anchorCtr="0" anchor="ctr" bIns="91425" lIns="91425" spcFirstLastPara="1" rIns="91425" wrap="square" tIns="91425">
+          <a:bodyPr spcFirstLastPara="1" wrap="square" lIns="91425" tIns="91425" rIns="91425" bIns="91425" anchor="ctr" anchorCtr="0">
             <a:normAutofit/>
           </a:bodyPr>
           <a:lstStyle>
@@ -5400,7 +5529,7 @@
             </a:lvl9pPr>
           </a:lstStyle>
           <a:p>
-            <a:pPr indent="0" lvl="0" marL="0" rtl="0" algn="r">
+            <a:pPr marL="0" lvl="0" indent="0" algn="r" rtl="0">
               <a:spcBef>
                 <a:spcPts val="0"/>
               </a:spcBef>
@@ -5411,7 +5540,7 @@
             </a:pPr>
             <a:fld id="{00000000-1234-1234-1234-123412341234}" type="slidenum">
               <a:rPr lang="pt-BR"/>
-              <a:t>‹#›</a:t>
+              <a:t>‹nº›</a:t>
             </a:fld>
             <a:endParaRPr/>
           </a:p>
@@ -5422,15 +5551,27 @@
   <p:clrMapOvr>
     <a:masterClrMapping/>
   </p:clrMapOvr>
+  <mc:AlternateContent xmlns:mc="http://schemas.openxmlformats.org/markup-compatibility/2006">
+    <mc:Choice xmlns:p14="http://schemas.microsoft.com/office/powerpoint/2010/main" Requires="p14">
+      <p:transition p14:dur="250">
+        <p:fade thruBlk="1"/>
+      </p:transition>
+    </mc:Choice>
+    <mc:Fallback>
+      <p:transition>
+        <p:fade thruBlk="1"/>
+      </p:transition>
+    </mc:Fallback>
+  </mc:AlternateContent>
 </p:sldLayout>
 </file>
 
 <file path=ppt/slideLayouts/slideLayout3.xml><?xml version="1.0" encoding="utf-8"?>
-<p:sldLayout xmlns:a="http://schemas.openxmlformats.org/drawingml/2006/main" xmlns:r="http://schemas.openxmlformats.org/officeDocument/2006/relationships" xmlns:mc="http://schemas.openxmlformats.org/markup-compatibility/2006" xmlns:mv="urn:schemas-microsoft-com:mac:vml" xmlns:p="http://schemas.openxmlformats.org/presentationml/2006/main" xmlns:c="http://schemas.openxmlformats.org/drawingml/2006/chart" xmlns:dgm="http://schemas.openxmlformats.org/drawingml/2006/diagram" xmlns:o="urn:schemas-microsoft-com:office:office" xmlns:v="urn:schemas-microsoft-com:vml" xmlns:pvml="urn:schemas-microsoft-com:office:powerpoint" xmlns:com="http://schemas.openxmlformats.org/drawingml/2006/compatibility" xmlns:p14="http://schemas.microsoft.com/office/powerpoint/2010/main" xmlns:p15="http://schemas.microsoft.com/office/powerpoint/2012/main" xmlns:ahyp="http://schemas.microsoft.com/office/drawing/2018/hyperlinkcolor" matchingName="Title and body" type="tx">
+<p:sldLayout xmlns:a="http://schemas.openxmlformats.org/drawingml/2006/main" xmlns:r="http://schemas.openxmlformats.org/officeDocument/2006/relationships" xmlns:p="http://schemas.openxmlformats.org/presentationml/2006/main" matchingName="Title and body" type="tx">
   <p:cSld name="TITLE_AND_BODY">
     <p:spTree>
       <p:nvGrpSpPr>
-        <p:cNvPr id="41" name="Shape 41"/>
+        <p:cNvPr id="1" name="Shape 41"/>
         <p:cNvGrpSpPr/>
         <p:nvPr/>
       </p:nvGrpSpPr>
@@ -5469,7 +5610,7 @@
             </a:xfrm>
             <a:prstGeom prst="diagStripe">
               <a:avLst>
-                <a:gd fmla="val 50000" name="adj"/>
+                <a:gd name="adj" fmla="val 50000"/>
               </a:avLst>
             </a:prstGeom>
             <a:solidFill>
@@ -5480,12 +5621,12 @@
             </a:ln>
           </p:spPr>
           <p:txBody>
-            <a:bodyPr anchorCtr="0" anchor="ctr" bIns="91425" lIns="91425" spcFirstLastPara="1" rIns="91425" wrap="square" tIns="91425">
+            <a:bodyPr spcFirstLastPara="1" wrap="square" lIns="91425" tIns="91425" rIns="91425" bIns="91425" anchor="ctr" anchorCtr="0">
               <a:noAutofit/>
             </a:bodyPr>
             <a:lstStyle/>
             <a:p>
-              <a:pPr indent="0" lvl="0" marL="0" rtl="0" algn="l">
+              <a:pPr marL="0" lvl="0" indent="0" algn="l" rtl="0">
                 <a:spcBef>
                   <a:spcPts val="0"/>
                 </a:spcBef>
@@ -5494,9 +5635,6 @@
                 </a:spcAft>
                 <a:buNone/>
               </a:pPr>
-              <a:r>
-                <a:t/>
-              </a:r>
               <a:endParaRPr/>
             </a:p>
           </p:txBody>
@@ -5514,7 +5652,7 @@
             </a:xfrm>
             <a:prstGeom prst="diagStripe">
               <a:avLst>
-                <a:gd fmla="val 50000" name="adj"/>
+                <a:gd name="adj" fmla="val 50000"/>
               </a:avLst>
             </a:prstGeom>
             <a:solidFill>
@@ -5525,12 +5663,12 @@
             </a:ln>
           </p:spPr>
           <p:txBody>
-            <a:bodyPr anchorCtr="0" anchor="ctr" bIns="91425" lIns="91425" spcFirstLastPara="1" rIns="91425" wrap="square" tIns="91425">
+            <a:bodyPr spcFirstLastPara="1" wrap="square" lIns="91425" tIns="91425" rIns="91425" bIns="91425" anchor="ctr" anchorCtr="0">
               <a:noAutofit/>
             </a:bodyPr>
             <a:lstStyle/>
             <a:p>
-              <a:pPr indent="0" lvl="0" marL="0" rtl="0" algn="l">
+              <a:pPr marL="0" lvl="0" indent="0" algn="l" rtl="0">
                 <a:spcBef>
                   <a:spcPts val="0"/>
                 </a:spcBef>
@@ -5539,9 +5677,6 @@
                 </a:spcAft>
                 <a:buNone/>
               </a:pPr>
-              <a:r>
-                <a:t/>
-              </a:r>
               <a:endParaRPr/>
             </a:p>
           </p:txBody>
@@ -5550,7 +5685,9 @@
       <p:sp>
         <p:nvSpPr>
           <p:cNvPr id="45" name="Google Shape;45;p4"/>
-          <p:cNvSpPr txBox="1"/>
+          <p:cNvSpPr txBox="1">
+            <a:spLocks noGrp="1"/>
+          </p:cNvSpPr>
           <p:nvPr>
             <p:ph type="title"/>
           </p:nvPr>
@@ -5565,7 +5702,7 @@
           </a:prstGeom>
         </p:spPr>
         <p:txBody>
-          <a:bodyPr anchorCtr="0" anchor="t" bIns="91425" lIns="91425" spcFirstLastPara="1" rIns="91425" wrap="square" tIns="91425">
+          <a:bodyPr spcFirstLastPara="1" wrap="square" lIns="91425" tIns="91425" rIns="91425" bIns="91425" anchor="t" anchorCtr="0">
             <a:normAutofit/>
           </a:bodyPr>
           <a:lstStyle>
@@ -5669,15 +5806,19 @@
               <a:defRPr sz="2400"/>
             </a:lvl9pPr>
           </a:lstStyle>
-          <a:p/>
+          <a:p>
+            <a:endParaRPr/>
+          </a:p>
         </p:txBody>
       </p:sp>
       <p:sp>
         <p:nvSpPr>
           <p:cNvPr id="46" name="Google Shape;46;p4"/>
-          <p:cNvSpPr txBox="1"/>
+          <p:cNvSpPr txBox="1">
+            <a:spLocks noGrp="1"/>
+          </p:cNvSpPr>
           <p:nvPr>
-            <p:ph idx="1" type="body"/>
+            <p:ph type="body" idx="1"/>
           </p:nvPr>
         </p:nvSpPr>
         <p:spPr>
@@ -5690,11 +5831,11 @@
           </a:prstGeom>
         </p:spPr>
         <p:txBody>
-          <a:bodyPr anchorCtr="0" anchor="t" bIns="91425" lIns="91425" spcFirstLastPara="1" rIns="91425" wrap="square" tIns="91425">
+          <a:bodyPr spcFirstLastPara="1" wrap="square" lIns="91425" tIns="91425" rIns="91425" bIns="91425" anchor="t" anchorCtr="0">
             <a:normAutofit/>
           </a:bodyPr>
           <a:lstStyle>
-            <a:lvl1pPr indent="-311150" lvl="0" marL="457200">
+            <a:lvl1pPr marL="457200" lvl="0" indent="-311150">
               <a:spcBef>
                 <a:spcPts val="0"/>
               </a:spcBef>
@@ -5705,7 +5846,7 @@
               <a:buChar char="●"/>
               <a:defRPr/>
             </a:lvl1pPr>
-            <a:lvl2pPr indent="-298450" lvl="1" marL="914400">
+            <a:lvl2pPr marL="914400" lvl="1" indent="-298450">
               <a:spcBef>
                 <a:spcPts val="0"/>
               </a:spcBef>
@@ -5716,7 +5857,7 @@
               <a:buChar char="○"/>
               <a:defRPr/>
             </a:lvl2pPr>
-            <a:lvl3pPr indent="-298450" lvl="2" marL="1371600">
+            <a:lvl3pPr marL="1371600" lvl="2" indent="-298450">
               <a:spcBef>
                 <a:spcPts val="0"/>
               </a:spcBef>
@@ -5727,7 +5868,7 @@
               <a:buChar char="■"/>
               <a:defRPr/>
             </a:lvl3pPr>
-            <a:lvl4pPr indent="-298450" lvl="3" marL="1828800">
+            <a:lvl4pPr marL="1828800" lvl="3" indent="-298450">
               <a:spcBef>
                 <a:spcPts val="0"/>
               </a:spcBef>
@@ -5738,7 +5879,7 @@
               <a:buChar char="●"/>
               <a:defRPr/>
             </a:lvl4pPr>
-            <a:lvl5pPr indent="-298450" lvl="4" marL="2286000">
+            <a:lvl5pPr marL="2286000" lvl="4" indent="-298450">
               <a:spcBef>
                 <a:spcPts val="0"/>
               </a:spcBef>
@@ -5749,7 +5890,7 @@
               <a:buChar char="○"/>
               <a:defRPr/>
             </a:lvl5pPr>
-            <a:lvl6pPr indent="-298450" lvl="5" marL="2743200">
+            <a:lvl6pPr marL="2743200" lvl="5" indent="-298450">
               <a:spcBef>
                 <a:spcPts val="0"/>
               </a:spcBef>
@@ -5760,7 +5901,7 @@
               <a:buChar char="■"/>
               <a:defRPr/>
             </a:lvl6pPr>
-            <a:lvl7pPr indent="-298450" lvl="6" marL="3200400">
+            <a:lvl7pPr marL="3200400" lvl="6" indent="-298450">
               <a:spcBef>
                 <a:spcPts val="0"/>
               </a:spcBef>
@@ -5771,7 +5912,7 @@
               <a:buChar char="●"/>
               <a:defRPr/>
             </a:lvl7pPr>
-            <a:lvl8pPr indent="-298450" lvl="7" marL="3657600">
+            <a:lvl8pPr marL="3657600" lvl="7" indent="-298450">
               <a:spcBef>
                 <a:spcPts val="0"/>
               </a:spcBef>
@@ -5782,7 +5923,7 @@
               <a:buChar char="○"/>
               <a:defRPr/>
             </a:lvl8pPr>
-            <a:lvl9pPr indent="-298450" lvl="8" marL="4114800">
+            <a:lvl9pPr marL="4114800" lvl="8" indent="-298450">
               <a:spcBef>
                 <a:spcPts val="0"/>
               </a:spcBef>
@@ -5794,15 +5935,19 @@
               <a:defRPr/>
             </a:lvl9pPr>
           </a:lstStyle>
-          <a:p/>
+          <a:p>
+            <a:endParaRPr/>
+          </a:p>
         </p:txBody>
       </p:sp>
       <p:sp>
         <p:nvSpPr>
           <p:cNvPr id="47" name="Google Shape;47;p4"/>
-          <p:cNvSpPr txBox="1"/>
+          <p:cNvSpPr txBox="1">
+            <a:spLocks noGrp="1"/>
+          </p:cNvSpPr>
           <p:nvPr>
-            <p:ph idx="12" type="sldNum"/>
+            <p:ph type="sldNum" idx="12"/>
           </p:nvPr>
         </p:nvSpPr>
         <p:spPr>
@@ -5815,7 +5960,7 @@
           </a:prstGeom>
         </p:spPr>
         <p:txBody>
-          <a:bodyPr anchorCtr="0" anchor="ctr" bIns="91425" lIns="91425" spcFirstLastPara="1" rIns="91425" wrap="square" tIns="91425">
+          <a:bodyPr spcFirstLastPara="1" wrap="square" lIns="91425" tIns="91425" rIns="91425" bIns="91425" anchor="ctr" anchorCtr="0">
             <a:normAutofit/>
           </a:bodyPr>
           <a:lstStyle>
@@ -5857,7 +6002,7 @@
             </a:lvl9pPr>
           </a:lstStyle>
           <a:p>
-            <a:pPr indent="0" lvl="0" marL="0" rtl="0" algn="r">
+            <a:pPr marL="0" lvl="0" indent="0" algn="r" rtl="0">
               <a:spcBef>
                 <a:spcPts val="0"/>
               </a:spcBef>
@@ -5868,7 +6013,7 @@
             </a:pPr>
             <a:fld id="{00000000-1234-1234-1234-123412341234}" type="slidenum">
               <a:rPr lang="pt-BR"/>
-              <a:t>‹#›</a:t>
+              <a:t>‹nº›</a:t>
             </a:fld>
             <a:endParaRPr/>
           </a:p>
@@ -5879,15 +6024,27 @@
   <p:clrMapOvr>
     <a:masterClrMapping/>
   </p:clrMapOvr>
+  <mc:AlternateContent xmlns:mc="http://schemas.openxmlformats.org/markup-compatibility/2006">
+    <mc:Choice xmlns:p14="http://schemas.microsoft.com/office/powerpoint/2010/main" Requires="p14">
+      <p:transition p14:dur="250">
+        <p:fade thruBlk="1"/>
+      </p:transition>
+    </mc:Choice>
+    <mc:Fallback>
+      <p:transition>
+        <p:fade thruBlk="1"/>
+      </p:transition>
+    </mc:Fallback>
+  </mc:AlternateContent>
 </p:sldLayout>
 </file>
 
 <file path=ppt/slideLayouts/slideLayout4.xml><?xml version="1.0" encoding="utf-8"?>
-<p:sldLayout xmlns:a="http://schemas.openxmlformats.org/drawingml/2006/main" xmlns:r="http://schemas.openxmlformats.org/officeDocument/2006/relationships" xmlns:mc="http://schemas.openxmlformats.org/markup-compatibility/2006" xmlns:mv="urn:schemas-microsoft-com:mac:vml" xmlns:p="http://schemas.openxmlformats.org/presentationml/2006/main" xmlns:c="http://schemas.openxmlformats.org/drawingml/2006/chart" xmlns:dgm="http://schemas.openxmlformats.org/drawingml/2006/diagram" xmlns:o="urn:schemas-microsoft-com:office:office" xmlns:v="urn:schemas-microsoft-com:vml" xmlns:pvml="urn:schemas-microsoft-com:office:powerpoint" xmlns:com="http://schemas.openxmlformats.org/drawingml/2006/compatibility" xmlns:p14="http://schemas.microsoft.com/office/powerpoint/2010/main" xmlns:p15="http://schemas.microsoft.com/office/powerpoint/2012/main" xmlns:ahyp="http://schemas.microsoft.com/office/drawing/2018/hyperlinkcolor" matchingName="Title and two columns" type="twoColTx">
+<p:sldLayout xmlns:a="http://schemas.openxmlformats.org/drawingml/2006/main" xmlns:r="http://schemas.openxmlformats.org/officeDocument/2006/relationships" xmlns:p="http://schemas.openxmlformats.org/presentationml/2006/main" matchingName="Title and two columns" type="twoColTx">
   <p:cSld name="TITLE_AND_TWO_COLUMNS">
     <p:spTree>
       <p:nvGrpSpPr>
-        <p:cNvPr id="48" name="Shape 48"/>
+        <p:cNvPr id="1" name="Shape 48"/>
         <p:cNvGrpSpPr/>
         <p:nvPr/>
       </p:nvGrpSpPr>
@@ -5926,7 +6083,7 @@
             </a:xfrm>
             <a:prstGeom prst="diagStripe">
               <a:avLst>
-                <a:gd fmla="val 50000" name="adj"/>
+                <a:gd name="adj" fmla="val 50000"/>
               </a:avLst>
             </a:prstGeom>
             <a:solidFill>
@@ -5937,12 +6094,12 @@
             </a:ln>
           </p:spPr>
           <p:txBody>
-            <a:bodyPr anchorCtr="0" anchor="ctr" bIns="91425" lIns="91425" spcFirstLastPara="1" rIns="91425" wrap="square" tIns="91425">
+            <a:bodyPr spcFirstLastPara="1" wrap="square" lIns="91425" tIns="91425" rIns="91425" bIns="91425" anchor="ctr" anchorCtr="0">
               <a:noAutofit/>
             </a:bodyPr>
             <a:lstStyle/>
             <a:p>
-              <a:pPr indent="0" lvl="0" marL="0" rtl="0" algn="l">
+              <a:pPr marL="0" lvl="0" indent="0" algn="l" rtl="0">
                 <a:spcBef>
                   <a:spcPts val="0"/>
                 </a:spcBef>
@@ -5951,9 +6108,6 @@
                 </a:spcAft>
                 <a:buNone/>
               </a:pPr>
-              <a:r>
-                <a:t/>
-              </a:r>
               <a:endParaRPr/>
             </a:p>
           </p:txBody>
@@ -5971,7 +6125,7 @@
             </a:xfrm>
             <a:prstGeom prst="diagStripe">
               <a:avLst>
-                <a:gd fmla="val 50000" name="adj"/>
+                <a:gd name="adj" fmla="val 50000"/>
               </a:avLst>
             </a:prstGeom>
             <a:solidFill>
@@ -5982,12 +6136,12 @@
             </a:ln>
           </p:spPr>
           <p:txBody>
-            <a:bodyPr anchorCtr="0" anchor="ctr" bIns="91425" lIns="91425" spcFirstLastPara="1" rIns="91425" wrap="square" tIns="91425">
+            <a:bodyPr spcFirstLastPara="1" wrap="square" lIns="91425" tIns="91425" rIns="91425" bIns="91425" anchor="ctr" anchorCtr="0">
               <a:noAutofit/>
             </a:bodyPr>
             <a:lstStyle/>
             <a:p>
-              <a:pPr indent="0" lvl="0" marL="0" rtl="0" algn="l">
+              <a:pPr marL="0" lvl="0" indent="0" algn="l" rtl="0">
                 <a:spcBef>
                   <a:spcPts val="0"/>
                 </a:spcBef>
@@ -5996,9 +6150,6 @@
                 </a:spcAft>
                 <a:buNone/>
               </a:pPr>
-              <a:r>
-                <a:t/>
-              </a:r>
               <a:endParaRPr/>
             </a:p>
           </p:txBody>
@@ -6007,7 +6158,9 @@
       <p:sp>
         <p:nvSpPr>
           <p:cNvPr id="52" name="Google Shape;52;p5"/>
-          <p:cNvSpPr txBox="1"/>
+          <p:cNvSpPr txBox="1">
+            <a:spLocks noGrp="1"/>
+          </p:cNvSpPr>
           <p:nvPr>
             <p:ph type="title"/>
           </p:nvPr>
@@ -6022,7 +6175,7 @@
           </a:prstGeom>
         </p:spPr>
         <p:txBody>
-          <a:bodyPr anchorCtr="0" anchor="t" bIns="91425" lIns="91425" spcFirstLastPara="1" rIns="91425" wrap="square" tIns="91425">
+          <a:bodyPr spcFirstLastPara="1" wrap="square" lIns="91425" tIns="91425" rIns="91425" bIns="91425" anchor="t" anchorCtr="0">
             <a:normAutofit/>
           </a:bodyPr>
           <a:lstStyle>
@@ -6126,15 +6279,19 @@
               <a:defRPr sz="2400"/>
             </a:lvl9pPr>
           </a:lstStyle>
-          <a:p/>
+          <a:p>
+            <a:endParaRPr/>
+          </a:p>
         </p:txBody>
       </p:sp>
       <p:sp>
         <p:nvSpPr>
           <p:cNvPr id="53" name="Google Shape;53;p5"/>
-          <p:cNvSpPr txBox="1"/>
+          <p:cNvSpPr txBox="1">
+            <a:spLocks noGrp="1"/>
+          </p:cNvSpPr>
           <p:nvPr>
-            <p:ph idx="1" type="body"/>
+            <p:ph type="body" idx="1"/>
           </p:nvPr>
         </p:nvSpPr>
         <p:spPr>
@@ -6147,11 +6304,11 @@
           </a:prstGeom>
         </p:spPr>
         <p:txBody>
-          <a:bodyPr anchorCtr="0" anchor="t" bIns="91425" lIns="91425" spcFirstLastPara="1" rIns="91425" wrap="square" tIns="91425">
+          <a:bodyPr spcFirstLastPara="1" wrap="square" lIns="91425" tIns="91425" rIns="91425" bIns="91425" anchor="t" anchorCtr="0">
             <a:normAutofit/>
           </a:bodyPr>
           <a:lstStyle>
-            <a:lvl1pPr indent="-311150" lvl="0" marL="457200">
+            <a:lvl1pPr marL="457200" lvl="0" indent="-311150">
               <a:spcBef>
                 <a:spcPts val="0"/>
               </a:spcBef>
@@ -6162,7 +6319,7 @@
               <a:buChar char="●"/>
               <a:defRPr/>
             </a:lvl1pPr>
-            <a:lvl2pPr indent="-298450" lvl="1" marL="914400">
+            <a:lvl2pPr marL="914400" lvl="1" indent="-298450">
               <a:spcBef>
                 <a:spcPts val="0"/>
               </a:spcBef>
@@ -6173,7 +6330,7 @@
               <a:buChar char="○"/>
               <a:defRPr/>
             </a:lvl2pPr>
-            <a:lvl3pPr indent="-298450" lvl="2" marL="1371600">
+            <a:lvl3pPr marL="1371600" lvl="2" indent="-298450">
               <a:spcBef>
                 <a:spcPts val="0"/>
               </a:spcBef>
@@ -6184,7 +6341,7 @@
               <a:buChar char="■"/>
               <a:defRPr/>
             </a:lvl3pPr>
-            <a:lvl4pPr indent="-298450" lvl="3" marL="1828800">
+            <a:lvl4pPr marL="1828800" lvl="3" indent="-298450">
               <a:spcBef>
                 <a:spcPts val="0"/>
               </a:spcBef>
@@ -6195,7 +6352,7 @@
               <a:buChar char="●"/>
               <a:defRPr/>
             </a:lvl4pPr>
-            <a:lvl5pPr indent="-298450" lvl="4" marL="2286000">
+            <a:lvl5pPr marL="2286000" lvl="4" indent="-298450">
               <a:spcBef>
                 <a:spcPts val="0"/>
               </a:spcBef>
@@ -6206,7 +6363,7 @@
               <a:buChar char="○"/>
               <a:defRPr/>
             </a:lvl5pPr>
-            <a:lvl6pPr indent="-298450" lvl="5" marL="2743200">
+            <a:lvl6pPr marL="2743200" lvl="5" indent="-298450">
               <a:spcBef>
                 <a:spcPts val="0"/>
               </a:spcBef>
@@ -6217,7 +6374,7 @@
               <a:buChar char="■"/>
               <a:defRPr/>
             </a:lvl6pPr>
-            <a:lvl7pPr indent="-298450" lvl="6" marL="3200400">
+            <a:lvl7pPr marL="3200400" lvl="6" indent="-298450">
               <a:spcBef>
                 <a:spcPts val="0"/>
               </a:spcBef>
@@ -6228,7 +6385,7 @@
               <a:buChar char="●"/>
               <a:defRPr/>
             </a:lvl7pPr>
-            <a:lvl8pPr indent="-298450" lvl="7" marL="3657600">
+            <a:lvl8pPr marL="3657600" lvl="7" indent="-298450">
               <a:spcBef>
                 <a:spcPts val="0"/>
               </a:spcBef>
@@ -6239,7 +6396,7 @@
               <a:buChar char="○"/>
               <a:defRPr/>
             </a:lvl8pPr>
-            <a:lvl9pPr indent="-298450" lvl="8" marL="4114800">
+            <a:lvl9pPr marL="4114800" lvl="8" indent="-298450">
               <a:spcBef>
                 <a:spcPts val="0"/>
               </a:spcBef>
@@ -6251,15 +6408,19 @@
               <a:defRPr/>
             </a:lvl9pPr>
           </a:lstStyle>
-          <a:p/>
+          <a:p>
+            <a:endParaRPr/>
+          </a:p>
         </p:txBody>
       </p:sp>
       <p:sp>
         <p:nvSpPr>
           <p:cNvPr id="54" name="Google Shape;54;p5"/>
-          <p:cNvSpPr txBox="1"/>
+          <p:cNvSpPr txBox="1">
+            <a:spLocks noGrp="1"/>
+          </p:cNvSpPr>
           <p:nvPr>
-            <p:ph idx="2" type="body"/>
+            <p:ph type="body" idx="2"/>
           </p:nvPr>
         </p:nvSpPr>
         <p:spPr>
@@ -6272,11 +6433,11 @@
           </a:prstGeom>
         </p:spPr>
         <p:txBody>
-          <a:bodyPr anchorCtr="0" anchor="t" bIns="91425" lIns="91425" spcFirstLastPara="1" rIns="91425" wrap="square" tIns="91425">
+          <a:bodyPr spcFirstLastPara="1" wrap="square" lIns="91425" tIns="91425" rIns="91425" bIns="91425" anchor="t" anchorCtr="0">
             <a:normAutofit/>
           </a:bodyPr>
           <a:lstStyle>
-            <a:lvl1pPr indent="-311150" lvl="0" marL="457200">
+            <a:lvl1pPr marL="457200" lvl="0" indent="-311150">
               <a:spcBef>
                 <a:spcPts val="0"/>
               </a:spcBef>
@@ -6287,7 +6448,7 @@
               <a:buChar char="●"/>
               <a:defRPr/>
             </a:lvl1pPr>
-            <a:lvl2pPr indent="-298450" lvl="1" marL="914400">
+            <a:lvl2pPr marL="914400" lvl="1" indent="-298450">
               <a:spcBef>
                 <a:spcPts val="0"/>
               </a:spcBef>
@@ -6298,7 +6459,7 @@
               <a:buChar char="○"/>
               <a:defRPr/>
             </a:lvl2pPr>
-            <a:lvl3pPr indent="-298450" lvl="2" marL="1371600">
+            <a:lvl3pPr marL="1371600" lvl="2" indent="-298450">
               <a:spcBef>
                 <a:spcPts val="0"/>
               </a:spcBef>
@@ -6309,7 +6470,7 @@
               <a:buChar char="■"/>
               <a:defRPr/>
             </a:lvl3pPr>
-            <a:lvl4pPr indent="-298450" lvl="3" marL="1828800">
+            <a:lvl4pPr marL="1828800" lvl="3" indent="-298450">
               <a:spcBef>
                 <a:spcPts val="0"/>
               </a:spcBef>
@@ -6320,7 +6481,7 @@
               <a:buChar char="●"/>
               <a:defRPr/>
             </a:lvl4pPr>
-            <a:lvl5pPr indent="-298450" lvl="4" marL="2286000">
+            <a:lvl5pPr marL="2286000" lvl="4" indent="-298450">
               <a:spcBef>
                 <a:spcPts val="0"/>
               </a:spcBef>
@@ -6331,7 +6492,7 @@
               <a:buChar char="○"/>
               <a:defRPr/>
             </a:lvl5pPr>
-            <a:lvl6pPr indent="-298450" lvl="5" marL="2743200">
+            <a:lvl6pPr marL="2743200" lvl="5" indent="-298450">
               <a:spcBef>
                 <a:spcPts val="0"/>
               </a:spcBef>
@@ -6342,7 +6503,7 @@
               <a:buChar char="■"/>
               <a:defRPr/>
             </a:lvl6pPr>
-            <a:lvl7pPr indent="-298450" lvl="6" marL="3200400">
+            <a:lvl7pPr marL="3200400" lvl="6" indent="-298450">
               <a:spcBef>
                 <a:spcPts val="0"/>
               </a:spcBef>
@@ -6353,7 +6514,7 @@
               <a:buChar char="●"/>
               <a:defRPr/>
             </a:lvl7pPr>
-            <a:lvl8pPr indent="-298450" lvl="7" marL="3657600">
+            <a:lvl8pPr marL="3657600" lvl="7" indent="-298450">
               <a:spcBef>
                 <a:spcPts val="0"/>
               </a:spcBef>
@@ -6364,7 +6525,7 @@
               <a:buChar char="○"/>
               <a:defRPr/>
             </a:lvl8pPr>
-            <a:lvl9pPr indent="-298450" lvl="8" marL="4114800">
+            <a:lvl9pPr marL="4114800" lvl="8" indent="-298450">
               <a:spcBef>
                 <a:spcPts val="0"/>
               </a:spcBef>
@@ -6376,15 +6537,19 @@
               <a:defRPr/>
             </a:lvl9pPr>
           </a:lstStyle>
-          <a:p/>
+          <a:p>
+            <a:endParaRPr/>
+          </a:p>
         </p:txBody>
       </p:sp>
       <p:sp>
         <p:nvSpPr>
           <p:cNvPr id="55" name="Google Shape;55;p5"/>
-          <p:cNvSpPr txBox="1"/>
+          <p:cNvSpPr txBox="1">
+            <a:spLocks noGrp="1"/>
+          </p:cNvSpPr>
           <p:nvPr>
-            <p:ph idx="12" type="sldNum"/>
+            <p:ph type="sldNum" idx="12"/>
           </p:nvPr>
         </p:nvSpPr>
         <p:spPr>
@@ -6397,7 +6562,7 @@
           </a:prstGeom>
         </p:spPr>
         <p:txBody>
-          <a:bodyPr anchorCtr="0" anchor="ctr" bIns="91425" lIns="91425" spcFirstLastPara="1" rIns="91425" wrap="square" tIns="91425">
+          <a:bodyPr spcFirstLastPara="1" wrap="square" lIns="91425" tIns="91425" rIns="91425" bIns="91425" anchor="ctr" anchorCtr="0">
             <a:normAutofit/>
           </a:bodyPr>
           <a:lstStyle>
@@ -6439,7 +6604,7 @@
             </a:lvl9pPr>
           </a:lstStyle>
           <a:p>
-            <a:pPr indent="0" lvl="0" marL="0" rtl="0" algn="r">
+            <a:pPr marL="0" lvl="0" indent="0" algn="r" rtl="0">
               <a:spcBef>
                 <a:spcPts val="0"/>
               </a:spcBef>
@@ -6450,7 +6615,7 @@
             </a:pPr>
             <a:fld id="{00000000-1234-1234-1234-123412341234}" type="slidenum">
               <a:rPr lang="pt-BR"/>
-              <a:t>‹#›</a:t>
+              <a:t>‹nº›</a:t>
             </a:fld>
             <a:endParaRPr/>
           </a:p>
@@ -6461,15 +6626,27 @@
   <p:clrMapOvr>
     <a:masterClrMapping/>
   </p:clrMapOvr>
+  <mc:AlternateContent xmlns:mc="http://schemas.openxmlformats.org/markup-compatibility/2006">
+    <mc:Choice xmlns:p14="http://schemas.microsoft.com/office/powerpoint/2010/main" Requires="p14">
+      <p:transition p14:dur="250">
+        <p:fade thruBlk="1"/>
+      </p:transition>
+    </mc:Choice>
+    <mc:Fallback>
+      <p:transition>
+        <p:fade thruBlk="1"/>
+      </p:transition>
+    </mc:Fallback>
+  </mc:AlternateContent>
 </p:sldLayout>
 </file>
 
 <file path=ppt/slideLayouts/slideLayout5.xml><?xml version="1.0" encoding="utf-8"?>
-<p:sldLayout xmlns:a="http://schemas.openxmlformats.org/drawingml/2006/main" xmlns:r="http://schemas.openxmlformats.org/officeDocument/2006/relationships" xmlns:mc="http://schemas.openxmlformats.org/markup-compatibility/2006" xmlns:mv="urn:schemas-microsoft-com:mac:vml" xmlns:p="http://schemas.openxmlformats.org/presentationml/2006/main" xmlns:c="http://schemas.openxmlformats.org/drawingml/2006/chart" xmlns:dgm="http://schemas.openxmlformats.org/drawingml/2006/diagram" xmlns:o="urn:schemas-microsoft-com:office:office" xmlns:v="urn:schemas-microsoft-com:vml" xmlns:pvml="urn:schemas-microsoft-com:office:powerpoint" xmlns:com="http://schemas.openxmlformats.org/drawingml/2006/compatibility" xmlns:p14="http://schemas.microsoft.com/office/powerpoint/2010/main" xmlns:p15="http://schemas.microsoft.com/office/powerpoint/2012/main" xmlns:ahyp="http://schemas.microsoft.com/office/drawing/2018/hyperlinkcolor" matchingName="Title only" type="titleOnly">
+<p:sldLayout xmlns:a="http://schemas.openxmlformats.org/drawingml/2006/main" xmlns:r="http://schemas.openxmlformats.org/officeDocument/2006/relationships" xmlns:p="http://schemas.openxmlformats.org/presentationml/2006/main" matchingName="Title only" type="titleOnly">
   <p:cSld name="TITLE_ONLY">
     <p:spTree>
       <p:nvGrpSpPr>
-        <p:cNvPr id="56" name="Shape 56"/>
+        <p:cNvPr id="1" name="Shape 56"/>
         <p:cNvGrpSpPr/>
         <p:nvPr/>
       </p:nvGrpSpPr>
@@ -6508,7 +6685,7 @@
             </a:xfrm>
             <a:prstGeom prst="diagStripe">
               <a:avLst>
-                <a:gd fmla="val 50000" name="adj"/>
+                <a:gd name="adj" fmla="val 50000"/>
               </a:avLst>
             </a:prstGeom>
             <a:solidFill>
@@ -6519,12 +6696,12 @@
             </a:ln>
           </p:spPr>
           <p:txBody>
-            <a:bodyPr anchorCtr="0" anchor="ctr" bIns="91425" lIns="91425" spcFirstLastPara="1" rIns="91425" wrap="square" tIns="91425">
+            <a:bodyPr spcFirstLastPara="1" wrap="square" lIns="91425" tIns="91425" rIns="91425" bIns="91425" anchor="ctr" anchorCtr="0">
               <a:noAutofit/>
             </a:bodyPr>
             <a:lstStyle/>
             <a:p>
-              <a:pPr indent="0" lvl="0" marL="0" rtl="0" algn="l">
+              <a:pPr marL="0" lvl="0" indent="0" algn="l" rtl="0">
                 <a:spcBef>
                   <a:spcPts val="0"/>
                 </a:spcBef>
@@ -6533,9 +6710,6 @@
                 </a:spcAft>
                 <a:buNone/>
               </a:pPr>
-              <a:r>
-                <a:t/>
-              </a:r>
               <a:endParaRPr/>
             </a:p>
           </p:txBody>
@@ -6553,7 +6727,7 @@
             </a:xfrm>
             <a:prstGeom prst="diagStripe">
               <a:avLst>
-                <a:gd fmla="val 50000" name="adj"/>
+                <a:gd name="adj" fmla="val 50000"/>
               </a:avLst>
             </a:prstGeom>
             <a:solidFill>
@@ -6564,12 +6738,12 @@
             </a:ln>
           </p:spPr>
           <p:txBody>
-            <a:bodyPr anchorCtr="0" anchor="ctr" bIns="91425" lIns="91425" spcFirstLastPara="1" rIns="91425" wrap="square" tIns="91425">
+            <a:bodyPr spcFirstLastPara="1" wrap="square" lIns="91425" tIns="91425" rIns="91425" bIns="91425" anchor="ctr" anchorCtr="0">
               <a:noAutofit/>
             </a:bodyPr>
             <a:lstStyle/>
             <a:p>
-              <a:pPr indent="0" lvl="0" marL="0" rtl="0" algn="l">
+              <a:pPr marL="0" lvl="0" indent="0" algn="l" rtl="0">
                 <a:spcBef>
                   <a:spcPts val="0"/>
                 </a:spcBef>
@@ -6578,9 +6752,6 @@
                 </a:spcAft>
                 <a:buNone/>
               </a:pPr>
-              <a:r>
-                <a:t/>
-              </a:r>
               <a:endParaRPr/>
             </a:p>
           </p:txBody>
@@ -6589,7 +6760,9 @@
       <p:sp>
         <p:nvSpPr>
           <p:cNvPr id="60" name="Google Shape;60;p6"/>
-          <p:cNvSpPr txBox="1"/>
+          <p:cNvSpPr txBox="1">
+            <a:spLocks noGrp="1"/>
+          </p:cNvSpPr>
           <p:nvPr>
             <p:ph type="title"/>
           </p:nvPr>
@@ -6604,7 +6777,7 @@
           </a:prstGeom>
         </p:spPr>
         <p:txBody>
-          <a:bodyPr anchorCtr="0" anchor="t" bIns="91425" lIns="91425" spcFirstLastPara="1" rIns="91425" wrap="square" tIns="91425">
+          <a:bodyPr spcFirstLastPara="1" wrap="square" lIns="91425" tIns="91425" rIns="91425" bIns="91425" anchor="t" anchorCtr="0">
             <a:normAutofit/>
           </a:bodyPr>
           <a:lstStyle>
@@ -6708,15 +6881,19 @@
               <a:defRPr sz="2400"/>
             </a:lvl9pPr>
           </a:lstStyle>
-          <a:p/>
+          <a:p>
+            <a:endParaRPr/>
+          </a:p>
         </p:txBody>
       </p:sp>
       <p:sp>
         <p:nvSpPr>
           <p:cNvPr id="61" name="Google Shape;61;p6"/>
-          <p:cNvSpPr txBox="1"/>
+          <p:cNvSpPr txBox="1">
+            <a:spLocks noGrp="1"/>
+          </p:cNvSpPr>
           <p:nvPr>
-            <p:ph idx="12" type="sldNum"/>
+            <p:ph type="sldNum" idx="12"/>
           </p:nvPr>
         </p:nvSpPr>
         <p:spPr>
@@ -6729,7 +6906,7 @@
           </a:prstGeom>
         </p:spPr>
         <p:txBody>
-          <a:bodyPr anchorCtr="0" anchor="ctr" bIns="91425" lIns="91425" spcFirstLastPara="1" rIns="91425" wrap="square" tIns="91425">
+          <a:bodyPr spcFirstLastPara="1" wrap="square" lIns="91425" tIns="91425" rIns="91425" bIns="91425" anchor="ctr" anchorCtr="0">
             <a:normAutofit/>
           </a:bodyPr>
           <a:lstStyle>
@@ -6771,7 +6948,7 @@
             </a:lvl9pPr>
           </a:lstStyle>
           <a:p>
-            <a:pPr indent="0" lvl="0" marL="0" rtl="0" algn="r">
+            <a:pPr marL="0" lvl="0" indent="0" algn="r" rtl="0">
               <a:spcBef>
                 <a:spcPts val="0"/>
               </a:spcBef>
@@ -6782,7 +6959,7 @@
             </a:pPr>
             <a:fld id="{00000000-1234-1234-1234-123412341234}" type="slidenum">
               <a:rPr lang="pt-BR"/>
-              <a:t>‹#›</a:t>
+              <a:t>‹nº›</a:t>
             </a:fld>
             <a:endParaRPr/>
           </a:p>
@@ -6793,15 +6970,27 @@
   <p:clrMapOvr>
     <a:masterClrMapping/>
   </p:clrMapOvr>
+  <mc:AlternateContent xmlns:mc="http://schemas.openxmlformats.org/markup-compatibility/2006">
+    <mc:Choice xmlns:p14="http://schemas.microsoft.com/office/powerpoint/2010/main" Requires="p14">
+      <p:transition p14:dur="250">
+        <p:fade thruBlk="1"/>
+      </p:transition>
+    </mc:Choice>
+    <mc:Fallback>
+      <p:transition>
+        <p:fade thruBlk="1"/>
+      </p:transition>
+    </mc:Fallback>
+  </mc:AlternateContent>
 </p:sldLayout>
 </file>
 
 <file path=ppt/slideLayouts/slideLayout6.xml><?xml version="1.0" encoding="utf-8"?>
-<p:sldLayout xmlns:a="http://schemas.openxmlformats.org/drawingml/2006/main" xmlns:r="http://schemas.openxmlformats.org/officeDocument/2006/relationships" xmlns:mc="http://schemas.openxmlformats.org/markup-compatibility/2006" xmlns:mv="urn:schemas-microsoft-com:mac:vml" xmlns:p="http://schemas.openxmlformats.org/presentationml/2006/main" xmlns:c="http://schemas.openxmlformats.org/drawingml/2006/chart" xmlns:dgm="http://schemas.openxmlformats.org/drawingml/2006/diagram" xmlns:o="urn:schemas-microsoft-com:office:office" xmlns:v="urn:schemas-microsoft-com:vml" xmlns:pvml="urn:schemas-microsoft-com:office:powerpoint" xmlns:com="http://schemas.openxmlformats.org/drawingml/2006/compatibility" xmlns:p14="http://schemas.microsoft.com/office/powerpoint/2010/main" xmlns:p15="http://schemas.microsoft.com/office/powerpoint/2012/main" xmlns:ahyp="http://schemas.microsoft.com/office/drawing/2018/hyperlinkcolor" matchingName="One column text">
+<p:sldLayout xmlns:a="http://schemas.openxmlformats.org/drawingml/2006/main" xmlns:r="http://schemas.openxmlformats.org/officeDocument/2006/relationships" xmlns:p="http://schemas.openxmlformats.org/presentationml/2006/main" matchingName="One column text">
   <p:cSld name="ONE_COLUMN_TEXT">
     <p:spTree>
       <p:nvGrpSpPr>
-        <p:cNvPr id="62" name="Shape 62"/>
+        <p:cNvPr id="1" name="Shape 62"/>
         <p:cNvGrpSpPr/>
         <p:nvPr/>
       </p:nvGrpSpPr>
@@ -6840,7 +7029,7 @@
             </a:xfrm>
             <a:prstGeom prst="diagStripe">
               <a:avLst>
-                <a:gd fmla="val 50000" name="adj"/>
+                <a:gd name="adj" fmla="val 50000"/>
               </a:avLst>
             </a:prstGeom>
             <a:solidFill>
@@ -6851,12 +7040,12 @@
             </a:ln>
           </p:spPr>
           <p:txBody>
-            <a:bodyPr anchorCtr="0" anchor="ctr" bIns="91425" lIns="91425" spcFirstLastPara="1" rIns="91425" wrap="square" tIns="91425">
+            <a:bodyPr spcFirstLastPara="1" wrap="square" lIns="91425" tIns="91425" rIns="91425" bIns="91425" anchor="ctr" anchorCtr="0">
               <a:noAutofit/>
             </a:bodyPr>
             <a:lstStyle/>
             <a:p>
-              <a:pPr indent="0" lvl="0" marL="0" rtl="0" algn="l">
+              <a:pPr marL="0" lvl="0" indent="0" algn="l" rtl="0">
                 <a:spcBef>
                   <a:spcPts val="0"/>
                 </a:spcBef>
@@ -6865,9 +7054,6 @@
                 </a:spcAft>
                 <a:buNone/>
               </a:pPr>
-              <a:r>
-                <a:t/>
-              </a:r>
               <a:endParaRPr/>
             </a:p>
           </p:txBody>
@@ -6885,7 +7071,7 @@
             </a:xfrm>
             <a:prstGeom prst="diagStripe">
               <a:avLst>
-                <a:gd fmla="val 50000" name="adj"/>
+                <a:gd name="adj" fmla="val 50000"/>
               </a:avLst>
             </a:prstGeom>
             <a:solidFill>
@@ -6896,12 +7082,12 @@
             </a:ln>
           </p:spPr>
           <p:txBody>
-            <a:bodyPr anchorCtr="0" anchor="ctr" bIns="91425" lIns="91425" spcFirstLastPara="1" rIns="91425" wrap="square" tIns="91425">
+            <a:bodyPr spcFirstLastPara="1" wrap="square" lIns="91425" tIns="91425" rIns="91425" bIns="91425" anchor="ctr" anchorCtr="0">
               <a:noAutofit/>
             </a:bodyPr>
             <a:lstStyle/>
             <a:p>
-              <a:pPr indent="0" lvl="0" marL="0" rtl="0" algn="l">
+              <a:pPr marL="0" lvl="0" indent="0" algn="l" rtl="0">
                 <a:spcBef>
                   <a:spcPts val="0"/>
                 </a:spcBef>
@@ -6910,9 +7096,6 @@
                 </a:spcAft>
                 <a:buNone/>
               </a:pPr>
-              <a:r>
-                <a:t/>
-              </a:r>
               <a:endParaRPr/>
             </a:p>
           </p:txBody>
@@ -6921,7 +7104,9 @@
       <p:sp>
         <p:nvSpPr>
           <p:cNvPr id="66" name="Google Shape;66;p7"/>
-          <p:cNvSpPr txBox="1"/>
+          <p:cNvSpPr txBox="1">
+            <a:spLocks noGrp="1"/>
+          </p:cNvSpPr>
           <p:nvPr>
             <p:ph type="title"/>
           </p:nvPr>
@@ -6936,7 +7121,7 @@
           </a:prstGeom>
         </p:spPr>
         <p:txBody>
-          <a:bodyPr anchorCtr="0" anchor="t" bIns="91425" lIns="91425" spcFirstLastPara="1" rIns="91425" wrap="square" tIns="91425">
+          <a:bodyPr spcFirstLastPara="1" wrap="square" lIns="91425" tIns="91425" rIns="91425" bIns="91425" anchor="t" anchorCtr="0">
             <a:normAutofit/>
           </a:bodyPr>
           <a:lstStyle>
@@ -7040,15 +7225,19 @@
               <a:defRPr sz="2400"/>
             </a:lvl9pPr>
           </a:lstStyle>
-          <a:p/>
+          <a:p>
+            <a:endParaRPr/>
+          </a:p>
         </p:txBody>
       </p:sp>
       <p:sp>
         <p:nvSpPr>
           <p:cNvPr id="67" name="Google Shape;67;p7"/>
-          <p:cNvSpPr txBox="1"/>
+          <p:cNvSpPr txBox="1">
+            <a:spLocks noGrp="1"/>
+          </p:cNvSpPr>
           <p:nvPr>
-            <p:ph idx="1" type="body"/>
+            <p:ph type="body" idx="1"/>
           </p:nvPr>
         </p:nvSpPr>
         <p:spPr>
@@ -7061,11 +7250,11 @@
           </a:prstGeom>
         </p:spPr>
         <p:txBody>
-          <a:bodyPr anchorCtr="0" anchor="t" bIns="91425" lIns="91425" spcFirstLastPara="1" rIns="91425" wrap="square" tIns="91425">
+          <a:bodyPr spcFirstLastPara="1" wrap="square" lIns="91425" tIns="91425" rIns="91425" bIns="91425" anchor="t" anchorCtr="0">
             <a:normAutofit/>
           </a:bodyPr>
           <a:lstStyle>
-            <a:lvl1pPr indent="-311150" lvl="0" marL="457200">
+            <a:lvl1pPr marL="457200" lvl="0" indent="-311150">
               <a:spcBef>
                 <a:spcPts val="0"/>
               </a:spcBef>
@@ -7076,7 +7265,7 @@
               <a:buChar char="●"/>
               <a:defRPr/>
             </a:lvl1pPr>
-            <a:lvl2pPr indent="-298450" lvl="1" marL="914400">
+            <a:lvl2pPr marL="914400" lvl="1" indent="-298450">
               <a:spcBef>
                 <a:spcPts val="0"/>
               </a:spcBef>
@@ -7087,7 +7276,7 @@
               <a:buChar char="○"/>
               <a:defRPr/>
             </a:lvl2pPr>
-            <a:lvl3pPr indent="-298450" lvl="2" marL="1371600">
+            <a:lvl3pPr marL="1371600" lvl="2" indent="-298450">
               <a:spcBef>
                 <a:spcPts val="0"/>
               </a:spcBef>
@@ -7098,7 +7287,7 @@
               <a:buChar char="■"/>
               <a:defRPr/>
             </a:lvl3pPr>
-            <a:lvl4pPr indent="-298450" lvl="3" marL="1828800">
+            <a:lvl4pPr marL="1828800" lvl="3" indent="-298450">
               <a:spcBef>
                 <a:spcPts val="0"/>
               </a:spcBef>
@@ -7109,7 +7298,7 @@
               <a:buChar char="●"/>
               <a:defRPr/>
             </a:lvl4pPr>
-            <a:lvl5pPr indent="-298450" lvl="4" marL="2286000">
+            <a:lvl5pPr marL="2286000" lvl="4" indent="-298450">
               <a:spcBef>
                 <a:spcPts val="0"/>
               </a:spcBef>
@@ -7120,7 +7309,7 @@
               <a:buChar char="○"/>
               <a:defRPr/>
             </a:lvl5pPr>
-            <a:lvl6pPr indent="-298450" lvl="5" marL="2743200">
+            <a:lvl6pPr marL="2743200" lvl="5" indent="-298450">
               <a:spcBef>
                 <a:spcPts val="0"/>
               </a:spcBef>
@@ -7131,7 +7320,7 @@
               <a:buChar char="■"/>
               <a:defRPr/>
             </a:lvl6pPr>
-            <a:lvl7pPr indent="-298450" lvl="6" marL="3200400">
+            <a:lvl7pPr marL="3200400" lvl="6" indent="-298450">
               <a:spcBef>
                 <a:spcPts val="0"/>
               </a:spcBef>
@@ -7142,7 +7331,7 @@
               <a:buChar char="●"/>
               <a:defRPr/>
             </a:lvl7pPr>
-            <a:lvl8pPr indent="-298450" lvl="7" marL="3657600">
+            <a:lvl8pPr marL="3657600" lvl="7" indent="-298450">
               <a:spcBef>
                 <a:spcPts val="0"/>
               </a:spcBef>
@@ -7153,7 +7342,7 @@
               <a:buChar char="○"/>
               <a:defRPr/>
             </a:lvl8pPr>
-            <a:lvl9pPr indent="-298450" lvl="8" marL="4114800">
+            <a:lvl9pPr marL="4114800" lvl="8" indent="-298450">
               <a:spcBef>
                 <a:spcPts val="0"/>
               </a:spcBef>
@@ -7165,15 +7354,19 @@
               <a:defRPr/>
             </a:lvl9pPr>
           </a:lstStyle>
-          <a:p/>
+          <a:p>
+            <a:endParaRPr/>
+          </a:p>
         </p:txBody>
       </p:sp>
       <p:sp>
         <p:nvSpPr>
           <p:cNvPr id="68" name="Google Shape;68;p7"/>
-          <p:cNvSpPr txBox="1"/>
+          <p:cNvSpPr txBox="1">
+            <a:spLocks noGrp="1"/>
+          </p:cNvSpPr>
           <p:nvPr>
-            <p:ph idx="12" type="sldNum"/>
+            <p:ph type="sldNum" idx="12"/>
           </p:nvPr>
         </p:nvSpPr>
         <p:spPr>
@@ -7186,7 +7379,7 @@
           </a:prstGeom>
         </p:spPr>
         <p:txBody>
-          <a:bodyPr anchorCtr="0" anchor="ctr" bIns="91425" lIns="91425" spcFirstLastPara="1" rIns="91425" wrap="square" tIns="91425">
+          <a:bodyPr spcFirstLastPara="1" wrap="square" lIns="91425" tIns="91425" rIns="91425" bIns="91425" anchor="ctr" anchorCtr="0">
             <a:normAutofit/>
           </a:bodyPr>
           <a:lstStyle>
@@ -7228,7 +7421,7 @@
             </a:lvl9pPr>
           </a:lstStyle>
           <a:p>
-            <a:pPr indent="0" lvl="0" marL="0" rtl="0" algn="r">
+            <a:pPr marL="0" lvl="0" indent="0" algn="r" rtl="0">
               <a:spcBef>
                 <a:spcPts val="0"/>
               </a:spcBef>
@@ -7239,7 +7432,7 @@
             </a:pPr>
             <a:fld id="{00000000-1234-1234-1234-123412341234}" type="slidenum">
               <a:rPr lang="pt-BR"/>
-              <a:t>‹#›</a:t>
+              <a:t>‹nº›</a:t>
             </a:fld>
             <a:endParaRPr/>
           </a:p>
@@ -7250,15 +7443,27 @@
   <p:clrMapOvr>
     <a:masterClrMapping/>
   </p:clrMapOvr>
+  <mc:AlternateContent xmlns:mc="http://schemas.openxmlformats.org/markup-compatibility/2006">
+    <mc:Choice xmlns:p14="http://schemas.microsoft.com/office/powerpoint/2010/main" Requires="p14">
+      <p:transition p14:dur="250">
+        <p:fade thruBlk="1"/>
+      </p:transition>
+    </mc:Choice>
+    <mc:Fallback>
+      <p:transition>
+        <p:fade thruBlk="1"/>
+      </p:transition>
+    </mc:Fallback>
+  </mc:AlternateContent>
 </p:sldLayout>
 </file>
 
 <file path=ppt/slideLayouts/slideLayout7.xml><?xml version="1.0" encoding="utf-8"?>
-<p:sldLayout xmlns:a="http://schemas.openxmlformats.org/drawingml/2006/main" xmlns:r="http://schemas.openxmlformats.org/officeDocument/2006/relationships" xmlns:mc="http://schemas.openxmlformats.org/markup-compatibility/2006" xmlns:mv="urn:schemas-microsoft-com:mac:vml" xmlns:p="http://schemas.openxmlformats.org/presentationml/2006/main" xmlns:c="http://schemas.openxmlformats.org/drawingml/2006/chart" xmlns:dgm="http://schemas.openxmlformats.org/drawingml/2006/diagram" xmlns:o="urn:schemas-microsoft-com:office:office" xmlns:v="urn:schemas-microsoft-com:vml" xmlns:pvml="urn:schemas-microsoft-com:office:powerpoint" xmlns:com="http://schemas.openxmlformats.org/drawingml/2006/compatibility" xmlns:p14="http://schemas.microsoft.com/office/powerpoint/2010/main" xmlns:p15="http://schemas.microsoft.com/office/powerpoint/2012/main" xmlns:ahyp="http://schemas.microsoft.com/office/drawing/2018/hyperlinkcolor" matchingName="Main point">
+<p:sldLayout xmlns:a="http://schemas.openxmlformats.org/drawingml/2006/main" xmlns:r="http://schemas.openxmlformats.org/officeDocument/2006/relationships" xmlns:p="http://schemas.openxmlformats.org/presentationml/2006/main" matchingName="Main point">
   <p:cSld name="MAIN_POINT">
     <p:spTree>
       <p:nvGrpSpPr>
-        <p:cNvPr id="69" name="Shape 69"/>
+        <p:cNvPr id="1" name="Shape 69"/>
         <p:cNvGrpSpPr/>
         <p:nvPr/>
       </p:nvGrpSpPr>
@@ -7297,7 +7502,7 @@
             </a:xfrm>
             <a:prstGeom prst="diagStripe">
               <a:avLst>
-                <a:gd fmla="val 49469" name="adj"/>
+                <a:gd name="adj" fmla="val 49469"/>
               </a:avLst>
             </a:prstGeom>
             <a:solidFill>
@@ -7310,12 +7515,12 @@
             </a:ln>
           </p:spPr>
           <p:txBody>
-            <a:bodyPr anchorCtr="0" anchor="ctr" bIns="91425" lIns="91425" spcFirstLastPara="1" rIns="91425" wrap="square" tIns="91425">
+            <a:bodyPr spcFirstLastPara="1" wrap="square" lIns="91425" tIns="91425" rIns="91425" bIns="91425" anchor="ctr" anchorCtr="0">
               <a:noAutofit/>
             </a:bodyPr>
             <a:lstStyle/>
             <a:p>
-              <a:pPr indent="0" lvl="0" marL="0" rtl="0" algn="l">
+              <a:pPr marL="0" lvl="0" indent="0" algn="l" rtl="0">
                 <a:spcBef>
                   <a:spcPts val="0"/>
                 </a:spcBef>
@@ -7324,9 +7529,6 @@
                 </a:spcAft>
                 <a:buNone/>
               </a:pPr>
-              <a:r>
-                <a:t/>
-              </a:r>
               <a:endParaRPr/>
             </a:p>
           </p:txBody>
@@ -7344,7 +7546,7 @@
             </a:xfrm>
             <a:prstGeom prst="diagStripe">
               <a:avLst>
-                <a:gd fmla="val 0" name="adj"/>
+                <a:gd name="adj" fmla="val 0"/>
               </a:avLst>
             </a:prstGeom>
             <a:solidFill>
@@ -7357,12 +7559,12 @@
             </a:ln>
           </p:spPr>
           <p:txBody>
-            <a:bodyPr anchorCtr="0" anchor="ctr" bIns="91425" lIns="91425" spcFirstLastPara="1" rIns="91425" wrap="square" tIns="91425">
+            <a:bodyPr spcFirstLastPara="1" wrap="square" lIns="91425" tIns="91425" rIns="91425" bIns="91425" anchor="ctr" anchorCtr="0">
               <a:noAutofit/>
             </a:bodyPr>
             <a:lstStyle/>
             <a:p>
-              <a:pPr indent="0" lvl="0" marL="0" rtl="0" algn="l">
+              <a:pPr marL="0" lvl="0" indent="0" algn="l" rtl="0">
                 <a:spcBef>
                   <a:spcPts val="0"/>
                 </a:spcBef>
@@ -7371,9 +7573,6 @@
                 </a:spcAft>
                 <a:buNone/>
               </a:pPr>
-              <a:r>
-                <a:t/>
-              </a:r>
               <a:endParaRPr/>
             </a:p>
           </p:txBody>
@@ -7391,7 +7590,7 @@
             </a:xfrm>
             <a:prstGeom prst="diagStripe">
               <a:avLst>
-                <a:gd fmla="val 50000" name="adj"/>
+                <a:gd name="adj" fmla="val 50000"/>
               </a:avLst>
             </a:prstGeom>
             <a:solidFill>
@@ -7404,12 +7603,12 @@
             </a:ln>
           </p:spPr>
           <p:txBody>
-            <a:bodyPr anchorCtr="0" anchor="ctr" bIns="91425" lIns="91425" spcFirstLastPara="1" rIns="91425" wrap="square" tIns="91425">
+            <a:bodyPr spcFirstLastPara="1" wrap="square" lIns="91425" tIns="91425" rIns="91425" bIns="91425" anchor="ctr" anchorCtr="0">
               <a:noAutofit/>
             </a:bodyPr>
             <a:lstStyle/>
             <a:p>
-              <a:pPr indent="0" lvl="0" marL="0" rtl="0" algn="l">
+              <a:pPr marL="0" lvl="0" indent="0" algn="l" rtl="0">
                 <a:spcBef>
                   <a:spcPts val="0"/>
                 </a:spcBef>
@@ -7418,9 +7617,6 @@
                 </a:spcAft>
                 <a:buNone/>
               </a:pPr>
-              <a:r>
-                <a:t/>
-              </a:r>
               <a:endParaRPr/>
             </a:p>
           </p:txBody>
@@ -7438,7 +7634,7 @@
             </a:xfrm>
             <a:prstGeom prst="diagStripe">
               <a:avLst>
-                <a:gd fmla="val 50000" name="adj"/>
+                <a:gd name="adj" fmla="val 50000"/>
               </a:avLst>
             </a:prstGeom>
             <a:solidFill>
@@ -7451,12 +7647,12 @@
             </a:ln>
           </p:spPr>
           <p:txBody>
-            <a:bodyPr anchorCtr="0" anchor="ctr" bIns="91425" lIns="91425" spcFirstLastPara="1" rIns="91425" wrap="square" tIns="91425">
+            <a:bodyPr spcFirstLastPara="1" wrap="square" lIns="91425" tIns="91425" rIns="91425" bIns="91425" anchor="ctr" anchorCtr="0">
               <a:noAutofit/>
             </a:bodyPr>
             <a:lstStyle/>
             <a:p>
-              <a:pPr indent="0" lvl="0" marL="0" rtl="0" algn="l">
+              <a:pPr marL="0" lvl="0" indent="0" algn="l" rtl="0">
                 <a:spcBef>
                   <a:spcPts val="0"/>
                 </a:spcBef>
@@ -7465,9 +7661,6 @@
                 </a:spcAft>
                 <a:buNone/>
               </a:pPr>
-              <a:r>
-                <a:t/>
-              </a:r>
               <a:endParaRPr/>
             </a:p>
           </p:txBody>
@@ -7485,7 +7678,7 @@
             </a:xfrm>
             <a:prstGeom prst="diagStripe">
               <a:avLst>
-                <a:gd fmla="val 50000" name="adj"/>
+                <a:gd name="adj" fmla="val 50000"/>
               </a:avLst>
             </a:prstGeom>
             <a:solidFill>
@@ -7498,12 +7691,12 @@
             </a:ln>
           </p:spPr>
           <p:txBody>
-            <a:bodyPr anchorCtr="0" anchor="ctr" bIns="91425" lIns="91425" spcFirstLastPara="1" rIns="91425" wrap="square" tIns="91425">
+            <a:bodyPr spcFirstLastPara="1" wrap="square" lIns="91425" tIns="91425" rIns="91425" bIns="91425" anchor="ctr" anchorCtr="0">
               <a:noAutofit/>
             </a:bodyPr>
             <a:lstStyle/>
             <a:p>
-              <a:pPr indent="0" lvl="0" marL="0" rtl="0" algn="l">
+              <a:pPr marL="0" lvl="0" indent="0" algn="l" rtl="0">
                 <a:spcBef>
                   <a:spcPts val="0"/>
                 </a:spcBef>
@@ -7512,9 +7705,6 @@
                 </a:spcAft>
                 <a:buNone/>
               </a:pPr>
-              <a:r>
-                <a:t/>
-              </a:r>
               <a:endParaRPr/>
             </a:p>
           </p:txBody>
@@ -7532,7 +7722,7 @@
             </a:xfrm>
             <a:prstGeom prst="diagStripe">
               <a:avLst>
-                <a:gd fmla="val 50000" name="adj"/>
+                <a:gd name="adj" fmla="val 50000"/>
               </a:avLst>
             </a:prstGeom>
             <a:solidFill>
@@ -7545,12 +7735,12 @@
             </a:ln>
           </p:spPr>
           <p:txBody>
-            <a:bodyPr anchorCtr="0" anchor="ctr" bIns="91425" lIns="91425" spcFirstLastPara="1" rIns="91425" wrap="square" tIns="91425">
+            <a:bodyPr spcFirstLastPara="1" wrap="square" lIns="91425" tIns="91425" rIns="91425" bIns="91425" anchor="ctr" anchorCtr="0">
               <a:noAutofit/>
             </a:bodyPr>
             <a:lstStyle/>
             <a:p>
-              <a:pPr indent="0" lvl="0" marL="0" rtl="0" algn="l">
+              <a:pPr marL="0" lvl="0" indent="0" algn="l" rtl="0">
                 <a:spcBef>
                   <a:spcPts val="0"/>
                 </a:spcBef>
@@ -7559,9 +7749,6 @@
                 </a:spcAft>
                 <a:buNone/>
               </a:pPr>
-              <a:r>
-                <a:t/>
-              </a:r>
               <a:endParaRPr/>
             </a:p>
           </p:txBody>
@@ -7579,7 +7766,7 @@
             </a:xfrm>
             <a:prstGeom prst="diagStripe">
               <a:avLst>
-                <a:gd fmla="val 50000" name="adj"/>
+                <a:gd name="adj" fmla="val 50000"/>
               </a:avLst>
             </a:prstGeom>
             <a:solidFill>
@@ -7592,12 +7779,12 @@
             </a:ln>
           </p:spPr>
           <p:txBody>
-            <a:bodyPr anchorCtr="0" anchor="ctr" bIns="91425" lIns="91425" spcFirstLastPara="1" rIns="91425" wrap="square" tIns="91425">
+            <a:bodyPr spcFirstLastPara="1" wrap="square" lIns="91425" tIns="91425" rIns="91425" bIns="91425" anchor="ctr" anchorCtr="0">
               <a:noAutofit/>
             </a:bodyPr>
             <a:lstStyle/>
             <a:p>
-              <a:pPr indent="0" lvl="0" marL="0" rtl="0" algn="l">
+              <a:pPr marL="0" lvl="0" indent="0" algn="l" rtl="0">
                 <a:spcBef>
                   <a:spcPts val="0"/>
                 </a:spcBef>
@@ -7606,9 +7793,6 @@
                 </a:spcAft>
                 <a:buNone/>
               </a:pPr>
-              <a:r>
-                <a:t/>
-              </a:r>
               <a:endParaRPr/>
             </a:p>
           </p:txBody>
@@ -7626,7 +7810,7 @@
             </a:xfrm>
             <a:prstGeom prst="diagStripe">
               <a:avLst>
-                <a:gd fmla="val 50000" name="adj"/>
+                <a:gd name="adj" fmla="val 50000"/>
               </a:avLst>
             </a:prstGeom>
             <a:solidFill>
@@ -7637,12 +7821,12 @@
             </a:ln>
           </p:spPr>
           <p:txBody>
-            <a:bodyPr anchorCtr="0" anchor="ctr" bIns="91425" lIns="91425" spcFirstLastPara="1" rIns="91425" wrap="square" tIns="91425">
+            <a:bodyPr spcFirstLastPara="1" wrap="square" lIns="91425" tIns="91425" rIns="91425" bIns="91425" anchor="ctr" anchorCtr="0">
               <a:noAutofit/>
             </a:bodyPr>
             <a:lstStyle/>
             <a:p>
-              <a:pPr indent="0" lvl="0" marL="0" rtl="0" algn="l">
+              <a:pPr marL="0" lvl="0" indent="0" algn="l" rtl="0">
                 <a:spcBef>
                   <a:spcPts val="0"/>
                 </a:spcBef>
@@ -7651,9 +7835,6 @@
                 </a:spcAft>
                 <a:buNone/>
               </a:pPr>
-              <a:r>
-                <a:t/>
-              </a:r>
               <a:endParaRPr/>
             </a:p>
           </p:txBody>
@@ -7671,7 +7852,7 @@
             </a:xfrm>
             <a:prstGeom prst="diagStripe">
               <a:avLst>
-                <a:gd fmla="val 50000" name="adj"/>
+                <a:gd name="adj" fmla="val 50000"/>
               </a:avLst>
             </a:prstGeom>
             <a:solidFill>
@@ -7684,12 +7865,12 @@
             </a:ln>
           </p:spPr>
           <p:txBody>
-            <a:bodyPr anchorCtr="0" anchor="ctr" bIns="91425" lIns="91425" spcFirstLastPara="1" rIns="91425" wrap="square" tIns="91425">
+            <a:bodyPr spcFirstLastPara="1" wrap="square" lIns="91425" tIns="91425" rIns="91425" bIns="91425" anchor="ctr" anchorCtr="0">
               <a:noAutofit/>
             </a:bodyPr>
             <a:lstStyle/>
             <a:p>
-              <a:pPr indent="0" lvl="0" marL="0" rtl="0" algn="l">
+              <a:pPr marL="0" lvl="0" indent="0" algn="l" rtl="0">
                 <a:spcBef>
                   <a:spcPts val="0"/>
                 </a:spcBef>
@@ -7698,9 +7879,6 @@
                 </a:spcAft>
                 <a:buNone/>
               </a:pPr>
-              <a:r>
-                <a:t/>
-              </a:r>
               <a:endParaRPr/>
             </a:p>
           </p:txBody>
@@ -7718,7 +7896,7 @@
             </a:xfrm>
             <a:prstGeom prst="diagStripe">
               <a:avLst>
-                <a:gd fmla="val 50000" name="adj"/>
+                <a:gd name="adj" fmla="val 50000"/>
               </a:avLst>
             </a:prstGeom>
             <a:solidFill>
@@ -7731,12 +7909,12 @@
             </a:ln>
           </p:spPr>
           <p:txBody>
-            <a:bodyPr anchorCtr="0" anchor="ctr" bIns="91425" lIns="91425" spcFirstLastPara="1" rIns="91425" wrap="square" tIns="91425">
+            <a:bodyPr spcFirstLastPara="1" wrap="square" lIns="91425" tIns="91425" rIns="91425" bIns="91425" anchor="ctr" anchorCtr="0">
               <a:noAutofit/>
             </a:bodyPr>
             <a:lstStyle/>
             <a:p>
-              <a:pPr indent="0" lvl="0" marL="0" rtl="0" algn="l">
+              <a:pPr marL="0" lvl="0" indent="0" algn="l" rtl="0">
                 <a:spcBef>
                   <a:spcPts val="0"/>
                 </a:spcBef>
@@ -7745,9 +7923,6 @@
                 </a:spcAft>
                 <a:buNone/>
               </a:pPr>
-              <a:r>
-                <a:t/>
-              </a:r>
               <a:endParaRPr/>
             </a:p>
           </p:txBody>
@@ -7765,7 +7940,7 @@
             </a:xfrm>
             <a:prstGeom prst="diagStripe">
               <a:avLst>
-                <a:gd fmla="val 50000" name="adj"/>
+                <a:gd name="adj" fmla="val 50000"/>
               </a:avLst>
             </a:prstGeom>
             <a:solidFill>
@@ -7778,12 +7953,12 @@
             </a:ln>
           </p:spPr>
           <p:txBody>
-            <a:bodyPr anchorCtr="0" anchor="ctr" bIns="91425" lIns="91425" spcFirstLastPara="1" rIns="91425" wrap="square" tIns="91425">
+            <a:bodyPr spcFirstLastPara="1" wrap="square" lIns="91425" tIns="91425" rIns="91425" bIns="91425" anchor="ctr" anchorCtr="0">
               <a:noAutofit/>
             </a:bodyPr>
             <a:lstStyle/>
             <a:p>
-              <a:pPr indent="0" lvl="0" marL="0" rtl="0" algn="l">
+              <a:pPr marL="0" lvl="0" indent="0" algn="l" rtl="0">
                 <a:spcBef>
                   <a:spcPts val="0"/>
                 </a:spcBef>
@@ -7792,9 +7967,6 @@
                 </a:spcAft>
                 <a:buNone/>
               </a:pPr>
-              <a:r>
-                <a:t/>
-              </a:r>
               <a:endParaRPr/>
             </a:p>
           </p:txBody>
@@ -7812,7 +7984,7 @@
             </a:xfrm>
             <a:prstGeom prst="diagStripe">
               <a:avLst>
-                <a:gd fmla="val 50000" name="adj"/>
+                <a:gd name="adj" fmla="val 50000"/>
               </a:avLst>
             </a:prstGeom>
             <a:solidFill>
@@ -7825,12 +7997,12 @@
             </a:ln>
           </p:spPr>
           <p:txBody>
-            <a:bodyPr anchorCtr="0" anchor="ctr" bIns="91425" lIns="91425" spcFirstLastPara="1" rIns="91425" wrap="square" tIns="91425">
+            <a:bodyPr spcFirstLastPara="1" wrap="square" lIns="91425" tIns="91425" rIns="91425" bIns="91425" anchor="ctr" anchorCtr="0">
               <a:noAutofit/>
             </a:bodyPr>
             <a:lstStyle/>
             <a:p>
-              <a:pPr indent="0" lvl="0" marL="0" rtl="0" algn="l">
+              <a:pPr marL="0" lvl="0" indent="0" algn="l" rtl="0">
                 <a:spcBef>
                   <a:spcPts val="0"/>
                 </a:spcBef>
@@ -7839,9 +8011,6 @@
                 </a:spcAft>
                 <a:buNone/>
               </a:pPr>
-              <a:r>
-                <a:t/>
-              </a:r>
               <a:endParaRPr/>
             </a:p>
           </p:txBody>
@@ -7859,7 +8028,7 @@
             </a:xfrm>
             <a:prstGeom prst="diagStripe">
               <a:avLst>
-                <a:gd fmla="val 50000" name="adj"/>
+                <a:gd name="adj" fmla="val 50000"/>
               </a:avLst>
             </a:prstGeom>
             <a:solidFill>
@@ -7872,12 +8041,12 @@
             </a:ln>
           </p:spPr>
           <p:txBody>
-            <a:bodyPr anchorCtr="0" anchor="ctr" bIns="91425" lIns="91425" spcFirstLastPara="1" rIns="91425" wrap="square" tIns="91425">
+            <a:bodyPr spcFirstLastPara="1" wrap="square" lIns="91425" tIns="91425" rIns="91425" bIns="91425" anchor="ctr" anchorCtr="0">
               <a:noAutofit/>
             </a:bodyPr>
             <a:lstStyle/>
             <a:p>
-              <a:pPr indent="0" lvl="0" marL="0" rtl="0" algn="l">
+              <a:pPr marL="0" lvl="0" indent="0" algn="l" rtl="0">
                 <a:spcBef>
                   <a:spcPts val="0"/>
                 </a:spcBef>
@@ -7886,9 +8055,6 @@
                 </a:spcAft>
                 <a:buNone/>
               </a:pPr>
-              <a:r>
-                <a:t/>
-              </a:r>
               <a:endParaRPr/>
             </a:p>
           </p:txBody>
@@ -7906,7 +8072,7 @@
             </a:xfrm>
             <a:prstGeom prst="diagStripe">
               <a:avLst>
-                <a:gd fmla="val 50000" name="adj"/>
+                <a:gd name="adj" fmla="val 50000"/>
               </a:avLst>
             </a:prstGeom>
             <a:solidFill>
@@ -7917,12 +8083,12 @@
             </a:ln>
           </p:spPr>
           <p:txBody>
-            <a:bodyPr anchorCtr="0" anchor="ctr" bIns="91425" lIns="91425" spcFirstLastPara="1" rIns="91425" wrap="square" tIns="91425">
+            <a:bodyPr spcFirstLastPara="1" wrap="square" lIns="91425" tIns="91425" rIns="91425" bIns="91425" anchor="ctr" anchorCtr="0">
               <a:noAutofit/>
             </a:bodyPr>
             <a:lstStyle/>
             <a:p>
-              <a:pPr indent="0" lvl="0" marL="0" rtl="0" algn="l">
+              <a:pPr marL="0" lvl="0" indent="0" algn="l" rtl="0">
                 <a:spcBef>
                   <a:spcPts val="0"/>
                 </a:spcBef>
@@ -7931,9 +8097,6 @@
                 </a:spcAft>
                 <a:buNone/>
               </a:pPr>
-              <a:r>
-                <a:t/>
-              </a:r>
               <a:endParaRPr/>
             </a:p>
           </p:txBody>
@@ -7951,7 +8114,7 @@
             </a:xfrm>
             <a:prstGeom prst="diagStripe">
               <a:avLst>
-                <a:gd fmla="val 50000" name="adj"/>
+                <a:gd name="adj" fmla="val 50000"/>
               </a:avLst>
             </a:prstGeom>
             <a:solidFill>
@@ -7964,12 +8127,12 @@
             </a:ln>
           </p:spPr>
           <p:txBody>
-            <a:bodyPr anchorCtr="0" anchor="ctr" bIns="91425" lIns="91425" spcFirstLastPara="1" rIns="91425" wrap="square" tIns="91425">
+            <a:bodyPr spcFirstLastPara="1" wrap="square" lIns="91425" tIns="91425" rIns="91425" bIns="91425" anchor="ctr" anchorCtr="0">
               <a:noAutofit/>
             </a:bodyPr>
             <a:lstStyle/>
             <a:p>
-              <a:pPr indent="0" lvl="0" marL="0" rtl="0" algn="l">
+              <a:pPr marL="0" lvl="0" indent="0" algn="l" rtl="0">
                 <a:spcBef>
                   <a:spcPts val="0"/>
                 </a:spcBef>
@@ -7978,9 +8141,6 @@
                 </a:spcAft>
                 <a:buNone/>
               </a:pPr>
-              <a:r>
-                <a:t/>
-              </a:r>
               <a:endParaRPr/>
             </a:p>
           </p:txBody>
@@ -7998,7 +8158,7 @@
             </a:xfrm>
             <a:prstGeom prst="diagStripe">
               <a:avLst>
-                <a:gd fmla="val 50000" name="adj"/>
+                <a:gd name="adj" fmla="val 50000"/>
               </a:avLst>
             </a:prstGeom>
             <a:solidFill>
@@ -8011,12 +8171,12 @@
             </a:ln>
           </p:spPr>
           <p:txBody>
-            <a:bodyPr anchorCtr="0" anchor="ctr" bIns="91425" lIns="91425" spcFirstLastPara="1" rIns="91425" wrap="square" tIns="91425">
+            <a:bodyPr spcFirstLastPara="1" wrap="square" lIns="91425" tIns="91425" rIns="91425" bIns="91425" anchor="ctr" anchorCtr="0">
               <a:noAutofit/>
             </a:bodyPr>
             <a:lstStyle/>
             <a:p>
-              <a:pPr indent="0" lvl="0" marL="0" rtl="0" algn="l">
+              <a:pPr marL="0" lvl="0" indent="0" algn="l" rtl="0">
                 <a:spcBef>
                   <a:spcPts val="0"/>
                 </a:spcBef>
@@ -8025,9 +8185,6 @@
                 </a:spcAft>
                 <a:buNone/>
               </a:pPr>
-              <a:r>
-                <a:t/>
-              </a:r>
               <a:endParaRPr/>
             </a:p>
           </p:txBody>
@@ -8045,7 +8202,7 @@
             </a:xfrm>
             <a:prstGeom prst="diagStripe">
               <a:avLst>
-                <a:gd fmla="val 50000" name="adj"/>
+                <a:gd name="adj" fmla="val 50000"/>
               </a:avLst>
             </a:prstGeom>
             <a:solidFill>
@@ -8058,12 +8215,12 @@
             </a:ln>
           </p:spPr>
           <p:txBody>
-            <a:bodyPr anchorCtr="0" anchor="ctr" bIns="91425" lIns="91425" spcFirstLastPara="1" rIns="91425" wrap="square" tIns="91425">
+            <a:bodyPr spcFirstLastPara="1" wrap="square" lIns="91425" tIns="91425" rIns="91425" bIns="91425" anchor="ctr" anchorCtr="0">
               <a:noAutofit/>
             </a:bodyPr>
             <a:lstStyle/>
             <a:p>
-              <a:pPr indent="0" lvl="0" marL="0" rtl="0" algn="l">
+              <a:pPr marL="0" lvl="0" indent="0" algn="l" rtl="0">
                 <a:spcBef>
                   <a:spcPts val="0"/>
                 </a:spcBef>
@@ -8072,9 +8229,6 @@
                 </a:spcAft>
                 <a:buNone/>
               </a:pPr>
-              <a:r>
-                <a:t/>
-              </a:r>
               <a:endParaRPr/>
             </a:p>
           </p:txBody>
@@ -8092,7 +8246,7 @@
             </a:xfrm>
             <a:prstGeom prst="diagStripe">
               <a:avLst>
-                <a:gd fmla="val 50000" name="adj"/>
+                <a:gd name="adj" fmla="val 50000"/>
               </a:avLst>
             </a:prstGeom>
             <a:solidFill>
@@ -8105,12 +8259,12 @@
             </a:ln>
           </p:spPr>
           <p:txBody>
-            <a:bodyPr anchorCtr="0" anchor="ctr" bIns="91425" lIns="91425" spcFirstLastPara="1" rIns="91425" wrap="square" tIns="91425">
+            <a:bodyPr spcFirstLastPara="1" wrap="square" lIns="91425" tIns="91425" rIns="91425" bIns="91425" anchor="ctr" anchorCtr="0">
               <a:noAutofit/>
             </a:bodyPr>
             <a:lstStyle/>
             <a:p>
-              <a:pPr indent="0" lvl="0" marL="0" rtl="0" algn="l">
+              <a:pPr marL="0" lvl="0" indent="0" algn="l" rtl="0">
                 <a:spcBef>
                   <a:spcPts val="0"/>
                 </a:spcBef>
@@ -8119,9 +8273,6 @@
                 </a:spcAft>
                 <a:buNone/>
               </a:pPr>
-              <a:r>
-                <a:t/>
-              </a:r>
               <a:endParaRPr/>
             </a:p>
           </p:txBody>
@@ -8130,7 +8281,9 @@
       <p:sp>
         <p:nvSpPr>
           <p:cNvPr id="89" name="Google Shape;89;p8"/>
-          <p:cNvSpPr txBox="1"/>
+          <p:cNvSpPr txBox="1">
+            <a:spLocks noGrp="1"/>
+          </p:cNvSpPr>
           <p:nvPr>
             <p:ph type="title"/>
           </p:nvPr>
@@ -8145,7 +8298,7 @@
           </a:prstGeom>
         </p:spPr>
         <p:txBody>
-          <a:bodyPr anchorCtr="0" anchor="ctr" bIns="91425" lIns="91425" spcFirstLastPara="1" rIns="91425" wrap="square" tIns="91425">
+          <a:bodyPr spcFirstLastPara="1" wrap="square" lIns="91425" tIns="91425" rIns="91425" bIns="91425" anchor="ctr" anchorCtr="0">
             <a:normAutofit/>
           </a:bodyPr>
           <a:lstStyle>
@@ -8249,15 +8402,19 @@
               <a:defRPr/>
             </a:lvl9pPr>
           </a:lstStyle>
-          <a:p/>
+          <a:p>
+            <a:endParaRPr/>
+          </a:p>
         </p:txBody>
       </p:sp>
       <p:sp>
         <p:nvSpPr>
           <p:cNvPr id="90" name="Google Shape;90;p8"/>
-          <p:cNvSpPr txBox="1"/>
+          <p:cNvSpPr txBox="1">
+            <a:spLocks noGrp="1"/>
+          </p:cNvSpPr>
           <p:nvPr>
-            <p:ph idx="12" type="sldNum"/>
+            <p:ph type="sldNum" idx="12"/>
           </p:nvPr>
         </p:nvSpPr>
         <p:spPr>
@@ -8270,7 +8427,7 @@
           </a:prstGeom>
         </p:spPr>
         <p:txBody>
-          <a:bodyPr anchorCtr="0" anchor="ctr" bIns="91425" lIns="91425" spcFirstLastPara="1" rIns="91425" wrap="square" tIns="91425">
+          <a:bodyPr spcFirstLastPara="1" wrap="square" lIns="91425" tIns="91425" rIns="91425" bIns="91425" anchor="ctr" anchorCtr="0">
             <a:normAutofit/>
           </a:bodyPr>
           <a:lstStyle>
@@ -8312,7 +8469,7 @@
             </a:lvl9pPr>
           </a:lstStyle>
           <a:p>
-            <a:pPr indent="0" lvl="0" marL="0" rtl="0" algn="r">
+            <a:pPr marL="0" lvl="0" indent="0" algn="r" rtl="0">
               <a:spcBef>
                 <a:spcPts val="0"/>
               </a:spcBef>
@@ -8323,7 +8480,7 @@
             </a:pPr>
             <a:fld id="{00000000-1234-1234-1234-123412341234}" type="slidenum">
               <a:rPr lang="pt-BR"/>
-              <a:t>‹#›</a:t>
+              <a:t>‹nº›</a:t>
             </a:fld>
             <a:endParaRPr/>
           </a:p>
@@ -8334,15 +8491,27 @@
   <p:clrMapOvr>
     <a:masterClrMapping/>
   </p:clrMapOvr>
+  <mc:AlternateContent xmlns:mc="http://schemas.openxmlformats.org/markup-compatibility/2006">
+    <mc:Choice xmlns:p14="http://schemas.microsoft.com/office/powerpoint/2010/main" Requires="p14">
+      <p:transition p14:dur="250">
+        <p:fade thruBlk="1"/>
+      </p:transition>
+    </mc:Choice>
+    <mc:Fallback>
+      <p:transition>
+        <p:fade thruBlk="1"/>
+      </p:transition>
+    </mc:Fallback>
+  </mc:AlternateContent>
 </p:sldLayout>
 </file>
 
 <file path=ppt/slideLayouts/slideLayout8.xml><?xml version="1.0" encoding="utf-8"?>
-<p:sldLayout xmlns:a="http://schemas.openxmlformats.org/drawingml/2006/main" xmlns:r="http://schemas.openxmlformats.org/officeDocument/2006/relationships" xmlns:mc="http://schemas.openxmlformats.org/markup-compatibility/2006" xmlns:mv="urn:schemas-microsoft-com:mac:vml" xmlns:p="http://schemas.openxmlformats.org/presentationml/2006/main" xmlns:c="http://schemas.openxmlformats.org/drawingml/2006/chart" xmlns:dgm="http://schemas.openxmlformats.org/drawingml/2006/diagram" xmlns:o="urn:schemas-microsoft-com:office:office" xmlns:v="urn:schemas-microsoft-com:vml" xmlns:pvml="urn:schemas-microsoft-com:office:powerpoint" xmlns:com="http://schemas.openxmlformats.org/drawingml/2006/compatibility" xmlns:p14="http://schemas.microsoft.com/office/powerpoint/2010/main" xmlns:p15="http://schemas.microsoft.com/office/powerpoint/2012/main" xmlns:ahyp="http://schemas.microsoft.com/office/drawing/2018/hyperlinkcolor" matchingName="Section title and description">
+<p:sldLayout xmlns:a="http://schemas.openxmlformats.org/drawingml/2006/main" xmlns:r="http://schemas.openxmlformats.org/officeDocument/2006/relationships" xmlns:p="http://schemas.openxmlformats.org/presentationml/2006/main" matchingName="Section title and description">
   <p:cSld name="SECTION_TITLE_AND_DESCRIPTION">
     <p:spTree>
       <p:nvGrpSpPr>
-        <p:cNvPr id="91" name="Shape 91"/>
+        <p:cNvPr id="1" name="Shape 91"/>
         <p:cNvGrpSpPr/>
         <p:nvPr/>
       </p:nvGrpSpPr>
@@ -8381,7 +8550,7 @@
             </a:xfrm>
             <a:prstGeom prst="diagStripe">
               <a:avLst>
-                <a:gd fmla="val 50000" name="adj"/>
+                <a:gd name="adj" fmla="val 50000"/>
               </a:avLst>
             </a:prstGeom>
             <a:solidFill>
@@ -8392,12 +8561,12 @@
             </a:ln>
           </p:spPr>
           <p:txBody>
-            <a:bodyPr anchorCtr="0" anchor="ctr" bIns="91425" lIns="91425" spcFirstLastPara="1" rIns="91425" wrap="square" tIns="91425">
+            <a:bodyPr spcFirstLastPara="1" wrap="square" lIns="91425" tIns="91425" rIns="91425" bIns="91425" anchor="ctr" anchorCtr="0">
               <a:noAutofit/>
             </a:bodyPr>
             <a:lstStyle/>
             <a:p>
-              <a:pPr indent="0" lvl="0" marL="0" rtl="0" algn="l">
+              <a:pPr marL="0" lvl="0" indent="0" algn="l" rtl="0">
                 <a:spcBef>
                   <a:spcPts val="0"/>
                 </a:spcBef>
@@ -8406,9 +8575,6 @@
                 </a:spcAft>
                 <a:buNone/>
               </a:pPr>
-              <a:r>
-                <a:t/>
-              </a:r>
               <a:endParaRPr/>
             </a:p>
           </p:txBody>
@@ -8426,7 +8592,7 @@
             </a:xfrm>
             <a:prstGeom prst="diagStripe">
               <a:avLst>
-                <a:gd fmla="val 50000" name="adj"/>
+                <a:gd name="adj" fmla="val 50000"/>
               </a:avLst>
             </a:prstGeom>
             <a:solidFill>
@@ -8437,12 +8603,12 @@
             </a:ln>
           </p:spPr>
           <p:txBody>
-            <a:bodyPr anchorCtr="0" anchor="ctr" bIns="91425" lIns="91425" spcFirstLastPara="1" rIns="91425" wrap="square" tIns="91425">
+            <a:bodyPr spcFirstLastPara="1" wrap="square" lIns="91425" tIns="91425" rIns="91425" bIns="91425" anchor="ctr" anchorCtr="0">
               <a:noAutofit/>
             </a:bodyPr>
             <a:lstStyle/>
             <a:p>
-              <a:pPr indent="0" lvl="0" marL="0" rtl="0" algn="l">
+              <a:pPr marL="0" lvl="0" indent="0" algn="l" rtl="0">
                 <a:spcBef>
                   <a:spcPts val="0"/>
                 </a:spcBef>
@@ -8451,9 +8617,6 @@
                 </a:spcAft>
                 <a:buNone/>
               </a:pPr>
-              <a:r>
-                <a:t/>
-              </a:r>
               <a:endParaRPr/>
             </a:p>
           </p:txBody>
@@ -8462,7 +8625,9 @@
       <p:sp>
         <p:nvSpPr>
           <p:cNvPr id="95" name="Google Shape;95;p9"/>
-          <p:cNvSpPr txBox="1"/>
+          <p:cNvSpPr txBox="1">
+            <a:spLocks noGrp="1"/>
+          </p:cNvSpPr>
           <p:nvPr>
             <p:ph type="title"/>
           </p:nvPr>
@@ -8477,7 +8642,7 @@
           </a:prstGeom>
         </p:spPr>
         <p:txBody>
-          <a:bodyPr anchorCtr="0" anchor="t" bIns="91425" lIns="91425" spcFirstLastPara="1" rIns="91425" wrap="square" tIns="91425">
+          <a:bodyPr spcFirstLastPara="1" wrap="square" lIns="91425" tIns="91425" rIns="91425" bIns="91425" anchor="t" anchorCtr="0">
             <a:normAutofit/>
           </a:bodyPr>
           <a:lstStyle>
@@ -8581,15 +8746,19 @@
               <a:defRPr sz="2400"/>
             </a:lvl9pPr>
           </a:lstStyle>
-          <a:p/>
+          <a:p>
+            <a:endParaRPr/>
+          </a:p>
         </p:txBody>
       </p:sp>
       <p:sp>
         <p:nvSpPr>
           <p:cNvPr id="96" name="Google Shape;96;p9"/>
-          <p:cNvSpPr txBox="1"/>
+          <p:cNvSpPr txBox="1">
+            <a:spLocks noGrp="1"/>
+          </p:cNvSpPr>
           <p:nvPr>
-            <p:ph idx="1" type="subTitle"/>
+            <p:ph type="subTitle" idx="1"/>
           </p:nvPr>
         </p:nvSpPr>
         <p:spPr>
@@ -8602,7 +8771,7 @@
           </a:prstGeom>
         </p:spPr>
         <p:txBody>
-          <a:bodyPr anchorCtr="0" anchor="t" bIns="91425" lIns="91425" spcFirstLastPara="1" rIns="91425" wrap="square" tIns="91425">
+          <a:bodyPr spcFirstLastPara="1" wrap="square" lIns="91425" tIns="91425" rIns="91425" bIns="91425" anchor="t" anchorCtr="0">
             <a:normAutofit/>
           </a:bodyPr>
           <a:lstStyle>
@@ -8733,15 +8902,19 @@
               <a:defRPr sz="1300"/>
             </a:lvl9pPr>
           </a:lstStyle>
-          <a:p/>
+          <a:p>
+            <a:endParaRPr/>
+          </a:p>
         </p:txBody>
       </p:sp>
       <p:sp>
         <p:nvSpPr>
           <p:cNvPr id="97" name="Google Shape;97;p9"/>
-          <p:cNvSpPr txBox="1"/>
+          <p:cNvSpPr txBox="1">
+            <a:spLocks noGrp="1"/>
+          </p:cNvSpPr>
           <p:nvPr>
-            <p:ph idx="2" type="body"/>
+            <p:ph type="body" idx="2"/>
           </p:nvPr>
         </p:nvSpPr>
         <p:spPr>
@@ -8754,11 +8927,11 @@
           </a:prstGeom>
         </p:spPr>
         <p:txBody>
-          <a:bodyPr anchorCtr="0" anchor="t" bIns="91425" lIns="91425" spcFirstLastPara="1" rIns="91425" wrap="square" tIns="91425">
+          <a:bodyPr spcFirstLastPara="1" wrap="square" lIns="91425" tIns="91425" rIns="91425" bIns="91425" anchor="t" anchorCtr="0">
             <a:normAutofit/>
           </a:bodyPr>
           <a:lstStyle>
-            <a:lvl1pPr indent="-311150" lvl="0" marL="457200">
+            <a:lvl1pPr marL="457200" lvl="0" indent="-311150">
               <a:spcBef>
                 <a:spcPts val="0"/>
               </a:spcBef>
@@ -8769,7 +8942,7 @@
               <a:buChar char="●"/>
               <a:defRPr/>
             </a:lvl1pPr>
-            <a:lvl2pPr indent="-298450" lvl="1" marL="914400">
+            <a:lvl2pPr marL="914400" lvl="1" indent="-298450">
               <a:spcBef>
                 <a:spcPts val="0"/>
               </a:spcBef>
@@ -8780,7 +8953,7 @@
               <a:buChar char="○"/>
               <a:defRPr/>
             </a:lvl2pPr>
-            <a:lvl3pPr indent="-298450" lvl="2" marL="1371600">
+            <a:lvl3pPr marL="1371600" lvl="2" indent="-298450">
               <a:spcBef>
                 <a:spcPts val="0"/>
               </a:spcBef>
@@ -8791,7 +8964,7 @@
               <a:buChar char="■"/>
               <a:defRPr/>
             </a:lvl3pPr>
-            <a:lvl4pPr indent="-298450" lvl="3" marL="1828800">
+            <a:lvl4pPr marL="1828800" lvl="3" indent="-298450">
               <a:spcBef>
                 <a:spcPts val="0"/>
               </a:spcBef>
@@ -8802,7 +8975,7 @@
               <a:buChar char="●"/>
               <a:defRPr/>
             </a:lvl4pPr>
-            <a:lvl5pPr indent="-298450" lvl="4" marL="2286000">
+            <a:lvl5pPr marL="2286000" lvl="4" indent="-298450">
               <a:spcBef>
                 <a:spcPts val="0"/>
               </a:spcBef>
@@ -8813,7 +8986,7 @@
               <a:buChar char="○"/>
               <a:defRPr/>
             </a:lvl5pPr>
-            <a:lvl6pPr indent="-298450" lvl="5" marL="2743200">
+            <a:lvl6pPr marL="2743200" lvl="5" indent="-298450">
               <a:spcBef>
                 <a:spcPts val="0"/>
               </a:spcBef>
@@ -8824,7 +8997,7 @@
               <a:buChar char="■"/>
               <a:defRPr/>
             </a:lvl6pPr>
-            <a:lvl7pPr indent="-298450" lvl="6" marL="3200400">
+            <a:lvl7pPr marL="3200400" lvl="6" indent="-298450">
               <a:spcBef>
                 <a:spcPts val="0"/>
               </a:spcBef>
@@ -8835,7 +9008,7 @@
               <a:buChar char="●"/>
               <a:defRPr/>
             </a:lvl7pPr>
-            <a:lvl8pPr indent="-298450" lvl="7" marL="3657600">
+            <a:lvl8pPr marL="3657600" lvl="7" indent="-298450">
               <a:spcBef>
                 <a:spcPts val="0"/>
               </a:spcBef>
@@ -8846,7 +9019,7 @@
               <a:buChar char="○"/>
               <a:defRPr/>
             </a:lvl8pPr>
-            <a:lvl9pPr indent="-298450" lvl="8" marL="4114800">
+            <a:lvl9pPr marL="4114800" lvl="8" indent="-298450">
               <a:spcBef>
                 <a:spcPts val="0"/>
               </a:spcBef>
@@ -8858,15 +9031,19 @@
               <a:defRPr/>
             </a:lvl9pPr>
           </a:lstStyle>
-          <a:p/>
+          <a:p>
+            <a:endParaRPr/>
+          </a:p>
         </p:txBody>
       </p:sp>
       <p:sp>
         <p:nvSpPr>
           <p:cNvPr id="98" name="Google Shape;98;p9"/>
-          <p:cNvSpPr txBox="1"/>
+          <p:cNvSpPr txBox="1">
+            <a:spLocks noGrp="1"/>
+          </p:cNvSpPr>
           <p:nvPr>
-            <p:ph idx="12" type="sldNum"/>
+            <p:ph type="sldNum" idx="12"/>
           </p:nvPr>
         </p:nvSpPr>
         <p:spPr>
@@ -8879,7 +9056,7 @@
           </a:prstGeom>
         </p:spPr>
         <p:txBody>
-          <a:bodyPr anchorCtr="0" anchor="ctr" bIns="91425" lIns="91425" spcFirstLastPara="1" rIns="91425" wrap="square" tIns="91425">
+          <a:bodyPr spcFirstLastPara="1" wrap="square" lIns="91425" tIns="91425" rIns="91425" bIns="91425" anchor="ctr" anchorCtr="0">
             <a:normAutofit/>
           </a:bodyPr>
           <a:lstStyle>
@@ -8921,7 +9098,7 @@
             </a:lvl9pPr>
           </a:lstStyle>
           <a:p>
-            <a:pPr indent="0" lvl="0" marL="0" rtl="0" algn="r">
+            <a:pPr marL="0" lvl="0" indent="0" algn="r" rtl="0">
               <a:spcBef>
                 <a:spcPts val="0"/>
               </a:spcBef>
@@ -8932,7 +9109,7 @@
             </a:pPr>
             <a:fld id="{00000000-1234-1234-1234-123412341234}" type="slidenum">
               <a:rPr lang="pt-BR"/>
-              <a:t>‹#›</a:t>
+              <a:t>‹nº›</a:t>
             </a:fld>
             <a:endParaRPr/>
           </a:p>
@@ -8943,15 +9120,27 @@
   <p:clrMapOvr>
     <a:masterClrMapping/>
   </p:clrMapOvr>
+  <mc:AlternateContent xmlns:mc="http://schemas.openxmlformats.org/markup-compatibility/2006">
+    <mc:Choice xmlns:p14="http://schemas.microsoft.com/office/powerpoint/2010/main" Requires="p14">
+      <p:transition p14:dur="250">
+        <p:fade thruBlk="1"/>
+      </p:transition>
+    </mc:Choice>
+    <mc:Fallback>
+      <p:transition>
+        <p:fade thruBlk="1"/>
+      </p:transition>
+    </mc:Fallback>
+  </mc:AlternateContent>
 </p:sldLayout>
 </file>
 
 <file path=ppt/slideLayouts/slideLayout9.xml><?xml version="1.0" encoding="utf-8"?>
-<p:sldLayout xmlns:a="http://schemas.openxmlformats.org/drawingml/2006/main" xmlns:r="http://schemas.openxmlformats.org/officeDocument/2006/relationships" xmlns:mc="http://schemas.openxmlformats.org/markup-compatibility/2006" xmlns:mv="urn:schemas-microsoft-com:mac:vml" xmlns:p="http://schemas.openxmlformats.org/presentationml/2006/main" xmlns:c="http://schemas.openxmlformats.org/drawingml/2006/chart" xmlns:dgm="http://schemas.openxmlformats.org/drawingml/2006/diagram" xmlns:o="urn:schemas-microsoft-com:office:office" xmlns:v="urn:schemas-microsoft-com:vml" xmlns:pvml="urn:schemas-microsoft-com:office:powerpoint" xmlns:com="http://schemas.openxmlformats.org/drawingml/2006/compatibility" xmlns:p14="http://schemas.microsoft.com/office/powerpoint/2010/main" xmlns:p15="http://schemas.microsoft.com/office/powerpoint/2012/main" xmlns:ahyp="http://schemas.microsoft.com/office/drawing/2018/hyperlinkcolor" matchingName="Caption">
+<p:sldLayout xmlns:a="http://schemas.openxmlformats.org/drawingml/2006/main" xmlns:r="http://schemas.openxmlformats.org/officeDocument/2006/relationships" xmlns:p="http://schemas.openxmlformats.org/presentationml/2006/main" matchingName="Caption">
   <p:cSld name="CAPTION_ONLY">
     <p:spTree>
       <p:nvGrpSpPr>
-        <p:cNvPr id="99" name="Shape 99"/>
+        <p:cNvPr id="1" name="Shape 99"/>
         <p:cNvGrpSpPr/>
         <p:nvPr/>
       </p:nvGrpSpPr>
@@ -8990,7 +9179,7 @@
             </a:xfrm>
             <a:prstGeom prst="diagStripe">
               <a:avLst>
-                <a:gd fmla="val 50000" name="adj"/>
+                <a:gd name="adj" fmla="val 50000"/>
               </a:avLst>
             </a:prstGeom>
             <a:solidFill>
@@ -9003,12 +9192,12 @@
             </a:ln>
           </p:spPr>
           <p:txBody>
-            <a:bodyPr anchorCtr="0" anchor="ctr" bIns="91425" lIns="91425" spcFirstLastPara="1" rIns="91425" wrap="square" tIns="91425">
+            <a:bodyPr spcFirstLastPara="1" wrap="square" lIns="91425" tIns="91425" rIns="91425" bIns="91425" anchor="ctr" anchorCtr="0">
               <a:noAutofit/>
             </a:bodyPr>
             <a:lstStyle/>
             <a:p>
-              <a:pPr indent="0" lvl="0" marL="0" rtl="0" algn="l">
+              <a:pPr marL="0" lvl="0" indent="0" algn="l" rtl="0">
                 <a:spcBef>
                   <a:spcPts val="0"/>
                 </a:spcBef>
@@ -9017,9 +9206,6 @@
                 </a:spcAft>
                 <a:buNone/>
               </a:pPr>
-              <a:r>
-                <a:t/>
-              </a:r>
               <a:endParaRPr/>
             </a:p>
           </p:txBody>
@@ -9037,7 +9223,7 @@
             </a:xfrm>
             <a:prstGeom prst="diagStripe">
               <a:avLst>
-                <a:gd fmla="val 50000" name="adj"/>
+                <a:gd name="adj" fmla="val 50000"/>
               </a:avLst>
             </a:prstGeom>
             <a:solidFill>
@@ -9050,12 +9236,12 @@
             </a:ln>
           </p:spPr>
           <p:txBody>
-            <a:bodyPr anchorCtr="0" anchor="ctr" bIns="91425" lIns="91425" spcFirstLastPara="1" rIns="91425" wrap="square" tIns="91425">
+            <a:bodyPr spcFirstLastPara="1" wrap="square" lIns="91425" tIns="91425" rIns="91425" bIns="91425" anchor="ctr" anchorCtr="0">
               <a:noAutofit/>
             </a:bodyPr>
             <a:lstStyle/>
             <a:p>
-              <a:pPr indent="0" lvl="0" marL="0" rtl="0" algn="l">
+              <a:pPr marL="0" lvl="0" indent="0" algn="l" rtl="0">
                 <a:spcBef>
                   <a:spcPts val="0"/>
                 </a:spcBef>
@@ -9064,9 +9250,6 @@
                 </a:spcAft>
                 <a:buNone/>
               </a:pPr>
-              <a:r>
-                <a:t/>
-              </a:r>
               <a:endParaRPr/>
             </a:p>
           </p:txBody>
@@ -9075,9 +9258,11 @@
       <p:sp>
         <p:nvSpPr>
           <p:cNvPr id="103" name="Google Shape;103;p10"/>
-          <p:cNvSpPr txBox="1"/>
+          <p:cNvSpPr txBox="1">
+            <a:spLocks noGrp="1"/>
+          </p:cNvSpPr>
           <p:nvPr>
-            <p:ph idx="1" type="body"/>
+            <p:ph type="body" idx="1"/>
           </p:nvPr>
         </p:nvSpPr>
         <p:spPr>
@@ -9090,11 +9275,11 @@
           </a:prstGeom>
         </p:spPr>
         <p:txBody>
-          <a:bodyPr anchorCtr="0" anchor="ctr" bIns="91425" lIns="91425" spcFirstLastPara="1" rIns="91425" wrap="square" tIns="91425">
+          <a:bodyPr spcFirstLastPara="1" wrap="square" lIns="91425" tIns="91425" rIns="91425" bIns="91425" anchor="ctr" anchorCtr="0">
             <a:normAutofit/>
           </a:bodyPr>
           <a:lstStyle>
-            <a:lvl1pPr indent="-228600" lvl="0" marL="457200">
+            <a:lvl1pPr marL="457200" lvl="0" indent="-228600">
               <a:lnSpc>
                 <a:spcPct val="100000"/>
               </a:lnSpc>
@@ -9109,15 +9294,19 @@
               <a:defRPr/>
             </a:lvl1pPr>
           </a:lstStyle>
-          <a:p/>
+          <a:p>
+            <a:endParaRPr/>
+          </a:p>
         </p:txBody>
       </p:sp>
       <p:sp>
         <p:nvSpPr>
           <p:cNvPr id="104" name="Google Shape;104;p10"/>
-          <p:cNvSpPr txBox="1"/>
+          <p:cNvSpPr txBox="1">
+            <a:spLocks noGrp="1"/>
+          </p:cNvSpPr>
           <p:nvPr>
-            <p:ph idx="12" type="sldNum"/>
+            <p:ph type="sldNum" idx="12"/>
           </p:nvPr>
         </p:nvSpPr>
         <p:spPr>
@@ -9130,7 +9319,7 @@
           </a:prstGeom>
         </p:spPr>
         <p:txBody>
-          <a:bodyPr anchorCtr="0" anchor="ctr" bIns="91425" lIns="91425" spcFirstLastPara="1" rIns="91425" wrap="square" tIns="91425">
+          <a:bodyPr spcFirstLastPara="1" wrap="square" lIns="91425" tIns="91425" rIns="91425" bIns="91425" anchor="ctr" anchorCtr="0">
             <a:normAutofit/>
           </a:bodyPr>
           <a:lstStyle>
@@ -9172,7 +9361,7 @@
             </a:lvl9pPr>
           </a:lstStyle>
           <a:p>
-            <a:pPr indent="0" lvl="0" marL="0" rtl="0" algn="r">
+            <a:pPr marL="0" lvl="0" indent="0" algn="r" rtl="0">
               <a:spcBef>
                 <a:spcPts val="0"/>
               </a:spcBef>
@@ -9183,7 +9372,7 @@
             </a:pPr>
             <a:fld id="{00000000-1234-1234-1234-123412341234}" type="slidenum">
               <a:rPr lang="pt-BR"/>
-              <a:t>‹#›</a:t>
+              <a:t>‹nº›</a:t>
             </a:fld>
             <a:endParaRPr/>
           </a:p>
@@ -9194,22 +9383,35 @@
   <p:clrMapOvr>
     <a:masterClrMapping/>
   </p:clrMapOvr>
+  <mc:AlternateContent xmlns:mc="http://schemas.openxmlformats.org/markup-compatibility/2006">
+    <mc:Choice xmlns:p14="http://schemas.microsoft.com/office/powerpoint/2010/main" Requires="p14">
+      <p:transition p14:dur="250">
+        <p:fade thruBlk="1"/>
+      </p:transition>
+    </mc:Choice>
+    <mc:Fallback>
+      <p:transition>
+        <p:fade thruBlk="1"/>
+      </p:transition>
+    </mc:Fallback>
+  </mc:AlternateContent>
 </p:sldLayout>
 </file>
 
 <file path=ppt/slideMasters/slideMaster1.xml><?xml version="1.0" encoding="utf-8"?>
-<p:sldMaster xmlns:a="http://schemas.openxmlformats.org/drawingml/2006/main" xmlns:r="http://schemas.openxmlformats.org/officeDocument/2006/relationships" xmlns:mc="http://schemas.openxmlformats.org/markup-compatibility/2006" xmlns:mv="urn:schemas-microsoft-com:mac:vml" xmlns:p="http://schemas.openxmlformats.org/presentationml/2006/main" xmlns:c="http://schemas.openxmlformats.org/drawingml/2006/chart" xmlns:dgm="http://schemas.openxmlformats.org/drawingml/2006/diagram" xmlns:o="urn:schemas-microsoft-com:office:office" xmlns:v="urn:schemas-microsoft-com:vml" xmlns:pvml="urn:schemas-microsoft-com:office:powerpoint" xmlns:com="http://schemas.openxmlformats.org/drawingml/2006/compatibility" xmlns:p14="http://schemas.microsoft.com/office/powerpoint/2010/main" xmlns:p15="http://schemas.microsoft.com/office/powerpoint/2012/main" xmlns:ahyp="http://schemas.microsoft.com/office/drawing/2018/hyperlinkcolor">
+<p:sldMaster xmlns:a="http://schemas.openxmlformats.org/drawingml/2006/main" xmlns:r="http://schemas.openxmlformats.org/officeDocument/2006/relationships" xmlns:p="http://schemas.openxmlformats.org/presentationml/2006/main">
   <p:cSld name="focus">
     <p:bg>
       <p:bgPr>
         <a:solidFill>
           <a:schemeClr val="dk1"/>
         </a:solidFill>
+        <a:effectLst/>
       </p:bgPr>
     </p:bg>
     <p:spTree>
       <p:nvGrpSpPr>
-        <p:cNvPr id="5" name="Shape 5"/>
+        <p:cNvPr id="1" name="Shape 5"/>
         <p:cNvGrpSpPr/>
         <p:nvPr/>
       </p:nvGrpSpPr>
@@ -9224,7 +9426,9 @@
       <p:sp>
         <p:nvSpPr>
           <p:cNvPr id="6" name="Google Shape;6;p1"/>
-          <p:cNvSpPr txBox="1"/>
+          <p:cNvSpPr txBox="1">
+            <a:spLocks noGrp="1"/>
+          </p:cNvSpPr>
           <p:nvPr>
             <p:ph type="title"/>
           </p:nvPr>
@@ -9243,7 +9447,7 @@
           </a:ln>
         </p:spPr>
         <p:txBody>
-          <a:bodyPr anchorCtr="0" anchor="t" bIns="91425" lIns="91425" spcFirstLastPara="1" rIns="91425" wrap="square" tIns="91425">
+          <a:bodyPr spcFirstLastPara="1" wrap="square" lIns="91425" tIns="91425" rIns="91425" bIns="91425" anchor="t" anchorCtr="0">
             <a:normAutofit/>
           </a:bodyPr>
           <a:lstStyle>
@@ -9455,15 +9659,19 @@
               </a:defRPr>
             </a:lvl9pPr>
           </a:lstStyle>
-          <a:p/>
+          <a:p>
+            <a:endParaRPr/>
+          </a:p>
         </p:txBody>
       </p:sp>
       <p:sp>
         <p:nvSpPr>
           <p:cNvPr id="7" name="Google Shape;7;p1"/>
-          <p:cNvSpPr txBox="1"/>
+          <p:cNvSpPr txBox="1">
+            <a:spLocks noGrp="1"/>
+          </p:cNvSpPr>
           <p:nvPr>
-            <p:ph idx="1" type="body"/>
+            <p:ph type="body" idx="1"/>
           </p:nvPr>
         </p:nvSpPr>
         <p:spPr>
@@ -9480,11 +9688,11 @@
           </a:ln>
         </p:spPr>
         <p:txBody>
-          <a:bodyPr anchorCtr="0" anchor="t" bIns="91425" lIns="91425" spcFirstLastPara="1" rIns="91425" wrap="square" tIns="91425">
+          <a:bodyPr spcFirstLastPara="1" wrap="square" lIns="91425" tIns="91425" rIns="91425" bIns="91425" anchor="t" anchorCtr="0">
             <a:normAutofit/>
           </a:bodyPr>
           <a:lstStyle>
-            <a:lvl1pPr indent="-311150" lvl="0" marL="457200">
+            <a:lvl1pPr marL="457200" lvl="0" indent="-311150">
               <a:lnSpc>
                 <a:spcPct val="115000"/>
               </a:lnSpc>
@@ -9510,7 +9718,7 @@
                 <a:sym typeface="Lato"/>
               </a:defRPr>
             </a:lvl1pPr>
-            <a:lvl2pPr indent="-298450" lvl="1" marL="914400">
+            <a:lvl2pPr marL="914400" lvl="1" indent="-298450">
               <a:lnSpc>
                 <a:spcPct val="115000"/>
               </a:lnSpc>
@@ -9536,7 +9744,7 @@
                 <a:sym typeface="Lato"/>
               </a:defRPr>
             </a:lvl2pPr>
-            <a:lvl3pPr indent="-298450" lvl="2" marL="1371600">
+            <a:lvl3pPr marL="1371600" lvl="2" indent="-298450">
               <a:lnSpc>
                 <a:spcPct val="115000"/>
               </a:lnSpc>
@@ -9562,7 +9770,7 @@
                 <a:sym typeface="Lato"/>
               </a:defRPr>
             </a:lvl3pPr>
-            <a:lvl4pPr indent="-298450" lvl="3" marL="1828800">
+            <a:lvl4pPr marL="1828800" lvl="3" indent="-298450">
               <a:lnSpc>
                 <a:spcPct val="115000"/>
               </a:lnSpc>
@@ -9588,7 +9796,7 @@
                 <a:sym typeface="Lato"/>
               </a:defRPr>
             </a:lvl4pPr>
-            <a:lvl5pPr indent="-298450" lvl="4" marL="2286000">
+            <a:lvl5pPr marL="2286000" lvl="4" indent="-298450">
               <a:lnSpc>
                 <a:spcPct val="115000"/>
               </a:lnSpc>
@@ -9614,7 +9822,7 @@
                 <a:sym typeface="Lato"/>
               </a:defRPr>
             </a:lvl5pPr>
-            <a:lvl6pPr indent="-298450" lvl="5" marL="2743200">
+            <a:lvl6pPr marL="2743200" lvl="5" indent="-298450">
               <a:lnSpc>
                 <a:spcPct val="115000"/>
               </a:lnSpc>
@@ -9640,7 +9848,7 @@
                 <a:sym typeface="Lato"/>
               </a:defRPr>
             </a:lvl6pPr>
-            <a:lvl7pPr indent="-298450" lvl="6" marL="3200400">
+            <a:lvl7pPr marL="3200400" lvl="6" indent="-298450">
               <a:lnSpc>
                 <a:spcPct val="115000"/>
               </a:lnSpc>
@@ -9666,7 +9874,7 @@
                 <a:sym typeface="Lato"/>
               </a:defRPr>
             </a:lvl7pPr>
-            <a:lvl8pPr indent="-298450" lvl="7" marL="3657600">
+            <a:lvl8pPr marL="3657600" lvl="7" indent="-298450">
               <a:lnSpc>
                 <a:spcPct val="115000"/>
               </a:lnSpc>
@@ -9692,7 +9900,7 @@
                 <a:sym typeface="Lato"/>
               </a:defRPr>
             </a:lvl8pPr>
-            <a:lvl9pPr indent="-298450" lvl="8" marL="4114800">
+            <a:lvl9pPr marL="4114800" lvl="8" indent="-298450">
               <a:lnSpc>
                 <a:spcPct val="115000"/>
               </a:lnSpc>
@@ -9719,15 +9927,19 @@
               </a:defRPr>
             </a:lvl9pPr>
           </a:lstStyle>
-          <a:p/>
+          <a:p>
+            <a:endParaRPr/>
+          </a:p>
         </p:txBody>
       </p:sp>
       <p:sp>
         <p:nvSpPr>
           <p:cNvPr id="8" name="Google Shape;8;p1"/>
-          <p:cNvSpPr txBox="1"/>
+          <p:cNvSpPr txBox="1">
+            <a:spLocks noGrp="1"/>
+          </p:cNvSpPr>
           <p:nvPr>
-            <p:ph idx="12" type="sldNum"/>
+            <p:ph type="sldNum" idx="12"/>
           </p:nvPr>
         </p:nvSpPr>
         <p:spPr>
@@ -9744,7 +9956,7 @@
           </a:ln>
         </p:spPr>
         <p:txBody>
-          <a:bodyPr anchorCtr="0" anchor="ctr" bIns="91425" lIns="91425" spcFirstLastPara="1" rIns="91425" wrap="square" tIns="91425">
+          <a:bodyPr spcFirstLastPara="1" wrap="square" lIns="91425" tIns="91425" rIns="91425" bIns="91425" anchor="ctr" anchorCtr="0">
             <a:normAutofit/>
           </a:bodyPr>
           <a:lstStyle>
@@ -9858,7 +10070,7 @@
             </a:lvl9pPr>
           </a:lstStyle>
           <a:p>
-            <a:pPr indent="0" lvl="0" marL="0" rtl="0" algn="r">
+            <a:pPr marL="0" lvl="0" indent="0" algn="r" rtl="0">
               <a:spcBef>
                 <a:spcPts val="0"/>
               </a:spcBef>
@@ -9869,7 +10081,7 @@
             </a:pPr>
             <a:fld id="{00000000-1234-1234-1234-123412341234}" type="slidenum">
               <a:rPr lang="pt-BR"/>
-              <a:t>‹#›</a:t>
+              <a:t>‹nº›</a:t>
             </a:fld>
             <a:endParaRPr/>
           </a:p>
@@ -9877,7 +10089,7 @@
       </p:sp>
     </p:spTree>
   </p:cSld>
-  <p:clrMap accent1="accent1" accent2="accent2" accent3="accent3" accent4="accent4" accent5="accent5" accent6="accent6" bg1="lt1" bg2="dk2" tx1="dk1" tx2="lt2" folHlink="folHlink" hlink="hlink"/>
+  <p:clrMap bg1="lt1" tx1="dk1" bg2="dk2" tx2="lt2" accent1="accent1" accent2="accent2" accent3="accent3" accent4="accent4" accent5="accent5" accent6="accent6" hlink="hlink" folHlink="folHlink"/>
   <p:sldLayoutIdLst>
     <p:sldLayoutId id="2147483648" r:id="rId1"/>
     <p:sldLayoutId id="2147483649" r:id="rId2"/>
@@ -9891,22 +10103,22 @@
     <p:sldLayoutId id="2147483657" r:id="rId10"/>
     <p:sldLayoutId id="2147483658" r:id="rId11"/>
   </p:sldLayoutIdLst>
-  <mc:AlternateContent>
-    <mc:Choice Requires="p14">
-      <p:transition p14:dur="100">
+  <mc:AlternateContent xmlns:mc="http://schemas.openxmlformats.org/markup-compatibility/2006">
+    <mc:Choice xmlns:p14="http://schemas.microsoft.com/office/powerpoint/2010/main" Requires="p14">
+      <p:transition p14:dur="250">
         <p:fade thruBlk="1"/>
       </p:transition>
     </mc:Choice>
     <mc:Fallback>
       <p:transition>
-        <p:fade/>
+        <p:fade thruBlk="1"/>
       </p:transition>
     </mc:Fallback>
   </mc:AlternateContent>
-  <p:hf dt="0" ftr="0" hdr="0" sldNum="0"/>
+  <p:hf sldNum="0" hdr="0" ftr="0" dt="0"/>
   <p:txStyles>
     <p:titleStyle>
-      <a:defPPr lvl="0" marR="0" rtl="0" algn="l">
+      <a:defPPr marR="0" lvl="0" algn="l" rtl="0">
         <a:lnSpc>
           <a:spcPct val="100000"/>
         </a:lnSpc>
@@ -9917,7 +10129,7 @@
           <a:spcPts val="0"/>
         </a:spcAft>
       </a:defPPr>
-      <a:lvl1pPr lvl="0" marR="0" rtl="0" algn="l">
+      <a:lvl1pPr marR="0" lvl="0" algn="l" rtl="0">
         <a:lnSpc>
           <a:spcPct val="100000"/>
         </a:lnSpc>
@@ -9931,7 +10143,7 @@
           <a:srgbClr val="000000"/>
         </a:buClr>
         <a:buFont typeface="Arial"/>
-        <a:defRPr b="0" i="0" sz="1400" u="none" cap="none" strike="noStrike">
+        <a:defRPr sz="1400" b="0" i="0" u="none" strike="noStrike" cap="none">
           <a:solidFill>
             <a:srgbClr val="000000"/>
           </a:solidFill>
@@ -9941,7 +10153,7 @@
           <a:sym typeface="Arial"/>
         </a:defRPr>
       </a:lvl1pPr>
-      <a:lvl2pPr lvl="1" marR="0" rtl="0" algn="l">
+      <a:lvl2pPr marR="0" lvl="1" algn="l" rtl="0">
         <a:lnSpc>
           <a:spcPct val="100000"/>
         </a:lnSpc>
@@ -9955,7 +10167,7 @@
           <a:srgbClr val="000000"/>
         </a:buClr>
         <a:buFont typeface="Arial"/>
-        <a:defRPr b="0" i="0" sz="1400" u="none" cap="none" strike="noStrike">
+        <a:defRPr sz="1400" b="0" i="0" u="none" strike="noStrike" cap="none">
           <a:solidFill>
             <a:srgbClr val="000000"/>
           </a:solidFill>
@@ -9965,7 +10177,7 @@
           <a:sym typeface="Arial"/>
         </a:defRPr>
       </a:lvl2pPr>
-      <a:lvl3pPr lvl="2" marR="0" rtl="0" algn="l">
+      <a:lvl3pPr marR="0" lvl="2" algn="l" rtl="0">
         <a:lnSpc>
           <a:spcPct val="100000"/>
         </a:lnSpc>
@@ -9979,7 +10191,7 @@
           <a:srgbClr val="000000"/>
         </a:buClr>
         <a:buFont typeface="Arial"/>
-        <a:defRPr b="0" i="0" sz="1400" u="none" cap="none" strike="noStrike">
+        <a:defRPr sz="1400" b="0" i="0" u="none" strike="noStrike" cap="none">
           <a:solidFill>
             <a:srgbClr val="000000"/>
           </a:solidFill>
@@ -9989,7 +10201,7 @@
           <a:sym typeface="Arial"/>
         </a:defRPr>
       </a:lvl3pPr>
-      <a:lvl4pPr lvl="3" marR="0" rtl="0" algn="l">
+      <a:lvl4pPr marR="0" lvl="3" algn="l" rtl="0">
         <a:lnSpc>
           <a:spcPct val="100000"/>
         </a:lnSpc>
@@ -10003,7 +10215,7 @@
           <a:srgbClr val="000000"/>
         </a:buClr>
         <a:buFont typeface="Arial"/>
-        <a:defRPr b="0" i="0" sz="1400" u="none" cap="none" strike="noStrike">
+        <a:defRPr sz="1400" b="0" i="0" u="none" strike="noStrike" cap="none">
           <a:solidFill>
             <a:srgbClr val="000000"/>
           </a:solidFill>
@@ -10013,7 +10225,7 @@
           <a:sym typeface="Arial"/>
         </a:defRPr>
       </a:lvl4pPr>
-      <a:lvl5pPr lvl="4" marR="0" rtl="0" algn="l">
+      <a:lvl5pPr marR="0" lvl="4" algn="l" rtl="0">
         <a:lnSpc>
           <a:spcPct val="100000"/>
         </a:lnSpc>
@@ -10027,7 +10239,7 @@
           <a:srgbClr val="000000"/>
         </a:buClr>
         <a:buFont typeface="Arial"/>
-        <a:defRPr b="0" i="0" sz="1400" u="none" cap="none" strike="noStrike">
+        <a:defRPr sz="1400" b="0" i="0" u="none" strike="noStrike" cap="none">
           <a:solidFill>
             <a:srgbClr val="000000"/>
           </a:solidFill>
@@ -10037,7 +10249,7 @@
           <a:sym typeface="Arial"/>
         </a:defRPr>
       </a:lvl5pPr>
-      <a:lvl6pPr lvl="5" marR="0" rtl="0" algn="l">
+      <a:lvl6pPr marR="0" lvl="5" algn="l" rtl="0">
         <a:lnSpc>
           <a:spcPct val="100000"/>
         </a:lnSpc>
@@ -10051,7 +10263,7 @@
           <a:srgbClr val="000000"/>
         </a:buClr>
         <a:buFont typeface="Arial"/>
-        <a:defRPr b="0" i="0" sz="1400" u="none" cap="none" strike="noStrike">
+        <a:defRPr sz="1400" b="0" i="0" u="none" strike="noStrike" cap="none">
           <a:solidFill>
             <a:srgbClr val="000000"/>
           </a:solidFill>
@@ -10061,7 +10273,7 @@
           <a:sym typeface="Arial"/>
         </a:defRPr>
       </a:lvl6pPr>
-      <a:lvl7pPr lvl="6" marR="0" rtl="0" algn="l">
+      <a:lvl7pPr marR="0" lvl="6" algn="l" rtl="0">
         <a:lnSpc>
           <a:spcPct val="100000"/>
         </a:lnSpc>
@@ -10075,7 +10287,7 @@
           <a:srgbClr val="000000"/>
         </a:buClr>
         <a:buFont typeface="Arial"/>
-        <a:defRPr b="0" i="0" sz="1400" u="none" cap="none" strike="noStrike">
+        <a:defRPr sz="1400" b="0" i="0" u="none" strike="noStrike" cap="none">
           <a:solidFill>
             <a:srgbClr val="000000"/>
           </a:solidFill>
@@ -10085,7 +10297,7 @@
           <a:sym typeface="Arial"/>
         </a:defRPr>
       </a:lvl7pPr>
-      <a:lvl8pPr lvl="7" marR="0" rtl="0" algn="l">
+      <a:lvl8pPr marR="0" lvl="7" algn="l" rtl="0">
         <a:lnSpc>
           <a:spcPct val="100000"/>
         </a:lnSpc>
@@ -10099,7 +10311,7 @@
           <a:srgbClr val="000000"/>
         </a:buClr>
         <a:buFont typeface="Arial"/>
-        <a:defRPr b="0" i="0" sz="1400" u="none" cap="none" strike="noStrike">
+        <a:defRPr sz="1400" b="0" i="0" u="none" strike="noStrike" cap="none">
           <a:solidFill>
             <a:srgbClr val="000000"/>
           </a:solidFill>
@@ -10109,7 +10321,7 @@
           <a:sym typeface="Arial"/>
         </a:defRPr>
       </a:lvl8pPr>
-      <a:lvl9pPr lvl="8" marR="0" rtl="0" algn="l">
+      <a:lvl9pPr marR="0" lvl="8" algn="l" rtl="0">
         <a:lnSpc>
           <a:spcPct val="100000"/>
         </a:lnSpc>
@@ -10123,7 +10335,7 @@
           <a:srgbClr val="000000"/>
         </a:buClr>
         <a:buFont typeface="Arial"/>
-        <a:defRPr b="0" i="0" sz="1400" u="none" cap="none" strike="noStrike">
+        <a:defRPr sz="1400" b="0" i="0" u="none" strike="noStrike" cap="none">
           <a:solidFill>
             <a:srgbClr val="000000"/>
           </a:solidFill>
@@ -10135,7 +10347,7 @@
       </a:lvl9pPr>
     </p:titleStyle>
     <p:bodyStyle>
-      <a:defPPr lvl="0" marR="0" rtl="0" algn="l">
+      <a:defPPr marR="0" lvl="0" algn="l" rtl="0">
         <a:lnSpc>
           <a:spcPct val="100000"/>
         </a:lnSpc>
@@ -10146,7 +10358,7 @@
           <a:spcPts val="0"/>
         </a:spcAft>
       </a:defPPr>
-      <a:lvl1pPr lvl="0" marR="0" rtl="0" algn="l">
+      <a:lvl1pPr marR="0" lvl="0" algn="l" rtl="0">
         <a:lnSpc>
           <a:spcPct val="100000"/>
         </a:lnSpc>
@@ -10160,7 +10372,7 @@
           <a:srgbClr val="000000"/>
         </a:buClr>
         <a:buFont typeface="Arial"/>
-        <a:defRPr b="0" i="0" sz="1400" u="none" cap="none" strike="noStrike">
+        <a:defRPr sz="1400" b="0" i="0" u="none" strike="noStrike" cap="none">
           <a:solidFill>
             <a:srgbClr val="000000"/>
           </a:solidFill>
@@ -10170,7 +10382,7 @@
           <a:sym typeface="Arial"/>
         </a:defRPr>
       </a:lvl1pPr>
-      <a:lvl2pPr lvl="1" marR="0" rtl="0" algn="l">
+      <a:lvl2pPr marR="0" lvl="1" algn="l" rtl="0">
         <a:lnSpc>
           <a:spcPct val="100000"/>
         </a:lnSpc>
@@ -10184,7 +10396,7 @@
           <a:srgbClr val="000000"/>
         </a:buClr>
         <a:buFont typeface="Arial"/>
-        <a:defRPr b="0" i="0" sz="1400" u="none" cap="none" strike="noStrike">
+        <a:defRPr sz="1400" b="0" i="0" u="none" strike="noStrike" cap="none">
           <a:solidFill>
             <a:srgbClr val="000000"/>
           </a:solidFill>
@@ -10194,7 +10406,7 @@
           <a:sym typeface="Arial"/>
         </a:defRPr>
       </a:lvl2pPr>
-      <a:lvl3pPr lvl="2" marR="0" rtl="0" algn="l">
+      <a:lvl3pPr marR="0" lvl="2" algn="l" rtl="0">
         <a:lnSpc>
           <a:spcPct val="100000"/>
         </a:lnSpc>
@@ -10208,7 +10420,7 @@
           <a:srgbClr val="000000"/>
         </a:buClr>
         <a:buFont typeface="Arial"/>
-        <a:defRPr b="0" i="0" sz="1400" u="none" cap="none" strike="noStrike">
+        <a:defRPr sz="1400" b="0" i="0" u="none" strike="noStrike" cap="none">
           <a:solidFill>
             <a:srgbClr val="000000"/>
           </a:solidFill>
@@ -10218,7 +10430,7 @@
           <a:sym typeface="Arial"/>
         </a:defRPr>
       </a:lvl3pPr>
-      <a:lvl4pPr lvl="3" marR="0" rtl="0" algn="l">
+      <a:lvl4pPr marR="0" lvl="3" algn="l" rtl="0">
         <a:lnSpc>
           <a:spcPct val="100000"/>
         </a:lnSpc>
@@ -10232,7 +10444,7 @@
           <a:srgbClr val="000000"/>
         </a:buClr>
         <a:buFont typeface="Arial"/>
-        <a:defRPr b="0" i="0" sz="1400" u="none" cap="none" strike="noStrike">
+        <a:defRPr sz="1400" b="0" i="0" u="none" strike="noStrike" cap="none">
           <a:solidFill>
             <a:srgbClr val="000000"/>
           </a:solidFill>
@@ -10242,7 +10454,7 @@
           <a:sym typeface="Arial"/>
         </a:defRPr>
       </a:lvl4pPr>
-      <a:lvl5pPr lvl="4" marR="0" rtl="0" algn="l">
+      <a:lvl5pPr marR="0" lvl="4" algn="l" rtl="0">
         <a:lnSpc>
           <a:spcPct val="100000"/>
         </a:lnSpc>
@@ -10256,7 +10468,7 @@
           <a:srgbClr val="000000"/>
         </a:buClr>
         <a:buFont typeface="Arial"/>
-        <a:defRPr b="0" i="0" sz="1400" u="none" cap="none" strike="noStrike">
+        <a:defRPr sz="1400" b="0" i="0" u="none" strike="noStrike" cap="none">
           <a:solidFill>
             <a:srgbClr val="000000"/>
           </a:solidFill>
@@ -10266,7 +10478,7 @@
           <a:sym typeface="Arial"/>
         </a:defRPr>
       </a:lvl5pPr>
-      <a:lvl6pPr lvl="5" marR="0" rtl="0" algn="l">
+      <a:lvl6pPr marR="0" lvl="5" algn="l" rtl="0">
         <a:lnSpc>
           <a:spcPct val="100000"/>
         </a:lnSpc>
@@ -10280,7 +10492,7 @@
           <a:srgbClr val="000000"/>
         </a:buClr>
         <a:buFont typeface="Arial"/>
-        <a:defRPr b="0" i="0" sz="1400" u="none" cap="none" strike="noStrike">
+        <a:defRPr sz="1400" b="0" i="0" u="none" strike="noStrike" cap="none">
           <a:solidFill>
             <a:srgbClr val="000000"/>
           </a:solidFill>
@@ -10290,7 +10502,7 @@
           <a:sym typeface="Arial"/>
         </a:defRPr>
       </a:lvl6pPr>
-      <a:lvl7pPr lvl="6" marR="0" rtl="0" algn="l">
+      <a:lvl7pPr marR="0" lvl="6" algn="l" rtl="0">
         <a:lnSpc>
           <a:spcPct val="100000"/>
         </a:lnSpc>
@@ -10304,7 +10516,7 @@
           <a:srgbClr val="000000"/>
         </a:buClr>
         <a:buFont typeface="Arial"/>
-        <a:defRPr b="0" i="0" sz="1400" u="none" cap="none" strike="noStrike">
+        <a:defRPr sz="1400" b="0" i="0" u="none" strike="noStrike" cap="none">
           <a:solidFill>
             <a:srgbClr val="000000"/>
           </a:solidFill>
@@ -10314,7 +10526,7 @@
           <a:sym typeface="Arial"/>
         </a:defRPr>
       </a:lvl7pPr>
-      <a:lvl8pPr lvl="7" marR="0" rtl="0" algn="l">
+      <a:lvl8pPr marR="0" lvl="7" algn="l" rtl="0">
         <a:lnSpc>
           <a:spcPct val="100000"/>
         </a:lnSpc>
@@ -10328,7 +10540,7 @@
           <a:srgbClr val="000000"/>
         </a:buClr>
         <a:buFont typeface="Arial"/>
-        <a:defRPr b="0" i="0" sz="1400" u="none" cap="none" strike="noStrike">
+        <a:defRPr sz="1400" b="0" i="0" u="none" strike="noStrike" cap="none">
           <a:solidFill>
             <a:srgbClr val="000000"/>
           </a:solidFill>
@@ -10338,7 +10550,7 @@
           <a:sym typeface="Arial"/>
         </a:defRPr>
       </a:lvl8pPr>
-      <a:lvl9pPr lvl="8" marR="0" rtl="0" algn="l">
+      <a:lvl9pPr marR="0" lvl="8" algn="l" rtl="0">
         <a:lnSpc>
           <a:spcPct val="100000"/>
         </a:lnSpc>
@@ -10352,7 +10564,7 @@
           <a:srgbClr val="000000"/>
         </a:buClr>
         <a:buFont typeface="Arial"/>
-        <a:defRPr b="0" i="0" sz="1400" u="none" cap="none" strike="noStrike">
+        <a:defRPr sz="1400" b="0" i="0" u="none" strike="noStrike" cap="none">
           <a:solidFill>
             <a:srgbClr val="000000"/>
           </a:solidFill>
@@ -10364,7 +10576,7 @@
       </a:lvl9pPr>
     </p:bodyStyle>
     <p:otherStyle>
-      <a:defPPr lvl="0" marR="0" rtl="0" algn="l">
+      <a:defPPr marR="0" lvl="0" algn="l" rtl="0">
         <a:lnSpc>
           <a:spcPct val="100000"/>
         </a:lnSpc>
@@ -10375,7 +10587,7 @@
           <a:spcPts val="0"/>
         </a:spcAft>
       </a:defPPr>
-      <a:lvl1pPr lvl="0" marR="0" rtl="0" algn="l">
+      <a:lvl1pPr marR="0" lvl="0" algn="l" rtl="0">
         <a:lnSpc>
           <a:spcPct val="100000"/>
         </a:lnSpc>
@@ -10389,7 +10601,7 @@
           <a:srgbClr val="000000"/>
         </a:buClr>
         <a:buFont typeface="Arial"/>
-        <a:defRPr b="0" i="0" sz="1400" u="none" cap="none" strike="noStrike">
+        <a:defRPr sz="1400" b="0" i="0" u="none" strike="noStrike" cap="none">
           <a:solidFill>
             <a:srgbClr val="000000"/>
           </a:solidFill>
@@ -10399,7 +10611,7 @@
           <a:sym typeface="Arial"/>
         </a:defRPr>
       </a:lvl1pPr>
-      <a:lvl2pPr lvl="1" marR="0" rtl="0" algn="l">
+      <a:lvl2pPr marR="0" lvl="1" algn="l" rtl="0">
         <a:lnSpc>
           <a:spcPct val="100000"/>
         </a:lnSpc>
@@ -10413,7 +10625,7 @@
           <a:srgbClr val="000000"/>
         </a:buClr>
         <a:buFont typeface="Arial"/>
-        <a:defRPr b="0" i="0" sz="1400" u="none" cap="none" strike="noStrike">
+        <a:defRPr sz="1400" b="0" i="0" u="none" strike="noStrike" cap="none">
           <a:solidFill>
             <a:srgbClr val="000000"/>
           </a:solidFill>
@@ -10423,7 +10635,7 @@
           <a:sym typeface="Arial"/>
         </a:defRPr>
       </a:lvl2pPr>
-      <a:lvl3pPr lvl="2" marR="0" rtl="0" algn="l">
+      <a:lvl3pPr marR="0" lvl="2" algn="l" rtl="0">
         <a:lnSpc>
           <a:spcPct val="100000"/>
         </a:lnSpc>
@@ -10437,7 +10649,7 @@
           <a:srgbClr val="000000"/>
         </a:buClr>
         <a:buFont typeface="Arial"/>
-        <a:defRPr b="0" i="0" sz="1400" u="none" cap="none" strike="noStrike">
+        <a:defRPr sz="1400" b="0" i="0" u="none" strike="noStrike" cap="none">
           <a:solidFill>
             <a:srgbClr val="000000"/>
           </a:solidFill>
@@ -10447,7 +10659,7 @@
           <a:sym typeface="Arial"/>
         </a:defRPr>
       </a:lvl3pPr>
-      <a:lvl4pPr lvl="3" marR="0" rtl="0" algn="l">
+      <a:lvl4pPr marR="0" lvl="3" algn="l" rtl="0">
         <a:lnSpc>
           <a:spcPct val="100000"/>
         </a:lnSpc>
@@ -10461,7 +10673,7 @@
           <a:srgbClr val="000000"/>
         </a:buClr>
         <a:buFont typeface="Arial"/>
-        <a:defRPr b="0" i="0" sz="1400" u="none" cap="none" strike="noStrike">
+        <a:defRPr sz="1400" b="0" i="0" u="none" strike="noStrike" cap="none">
           <a:solidFill>
             <a:srgbClr val="000000"/>
           </a:solidFill>
@@ -10471,7 +10683,7 @@
           <a:sym typeface="Arial"/>
         </a:defRPr>
       </a:lvl4pPr>
-      <a:lvl5pPr lvl="4" marR="0" rtl="0" algn="l">
+      <a:lvl5pPr marR="0" lvl="4" algn="l" rtl="0">
         <a:lnSpc>
           <a:spcPct val="100000"/>
         </a:lnSpc>
@@ -10485,7 +10697,7 @@
           <a:srgbClr val="000000"/>
         </a:buClr>
         <a:buFont typeface="Arial"/>
-        <a:defRPr b="0" i="0" sz="1400" u="none" cap="none" strike="noStrike">
+        <a:defRPr sz="1400" b="0" i="0" u="none" strike="noStrike" cap="none">
           <a:solidFill>
             <a:srgbClr val="000000"/>
           </a:solidFill>
@@ -10495,7 +10707,7 @@
           <a:sym typeface="Arial"/>
         </a:defRPr>
       </a:lvl5pPr>
-      <a:lvl6pPr lvl="5" marR="0" rtl="0" algn="l">
+      <a:lvl6pPr marR="0" lvl="5" algn="l" rtl="0">
         <a:lnSpc>
           <a:spcPct val="100000"/>
         </a:lnSpc>
@@ -10509,7 +10721,7 @@
           <a:srgbClr val="000000"/>
         </a:buClr>
         <a:buFont typeface="Arial"/>
-        <a:defRPr b="0" i="0" sz="1400" u="none" cap="none" strike="noStrike">
+        <a:defRPr sz="1400" b="0" i="0" u="none" strike="noStrike" cap="none">
           <a:solidFill>
             <a:srgbClr val="000000"/>
           </a:solidFill>
@@ -10519,7 +10731,7 @@
           <a:sym typeface="Arial"/>
         </a:defRPr>
       </a:lvl6pPr>
-      <a:lvl7pPr lvl="6" marR="0" rtl="0" algn="l">
+      <a:lvl7pPr marR="0" lvl="6" algn="l" rtl="0">
         <a:lnSpc>
           <a:spcPct val="100000"/>
         </a:lnSpc>
@@ -10533,7 +10745,7 @@
           <a:srgbClr val="000000"/>
         </a:buClr>
         <a:buFont typeface="Arial"/>
-        <a:defRPr b="0" i="0" sz="1400" u="none" cap="none" strike="noStrike">
+        <a:defRPr sz="1400" b="0" i="0" u="none" strike="noStrike" cap="none">
           <a:solidFill>
             <a:srgbClr val="000000"/>
           </a:solidFill>
@@ -10543,7 +10755,7 @@
           <a:sym typeface="Arial"/>
         </a:defRPr>
       </a:lvl7pPr>
-      <a:lvl8pPr lvl="7" marR="0" rtl="0" algn="l">
+      <a:lvl8pPr marR="0" lvl="7" algn="l" rtl="0">
         <a:lnSpc>
           <a:spcPct val="100000"/>
         </a:lnSpc>
@@ -10557,7 +10769,7 @@
           <a:srgbClr val="000000"/>
         </a:buClr>
         <a:buFont typeface="Arial"/>
-        <a:defRPr b="0" i="0" sz="1400" u="none" cap="none" strike="noStrike">
+        <a:defRPr sz="1400" b="0" i="0" u="none" strike="noStrike" cap="none">
           <a:solidFill>
             <a:srgbClr val="000000"/>
           </a:solidFill>
@@ -10567,7 +10779,7 @@
           <a:sym typeface="Arial"/>
         </a:defRPr>
       </a:lvl8pPr>
-      <a:lvl9pPr lvl="8" marR="0" rtl="0" algn="l">
+      <a:lvl9pPr marR="0" lvl="8" algn="l" rtl="0">
         <a:lnSpc>
           <a:spcPct val="100000"/>
         </a:lnSpc>
@@ -10581,7 +10793,7 @@
           <a:srgbClr val="000000"/>
         </a:buClr>
         <a:buFont typeface="Arial"/>
-        <a:defRPr b="0" i="0" sz="1400" u="none" cap="none" strike="noStrike">
+        <a:defRPr sz="1400" b="0" i="0" u="none" strike="noStrike" cap="none">
           <a:solidFill>
             <a:srgbClr val="000000"/>
           </a:solidFill>
@@ -10597,11 +10809,11 @@
 </file>
 
 <file path=ppt/slides/slide1.xml><?xml version="1.0" encoding="utf-8"?>
-<p:sld xmlns:a="http://schemas.openxmlformats.org/drawingml/2006/main" xmlns:r="http://schemas.openxmlformats.org/officeDocument/2006/relationships" xmlns:mc="http://schemas.openxmlformats.org/markup-compatibility/2006" xmlns:mv="urn:schemas-microsoft-com:mac:vml" xmlns:p="http://schemas.openxmlformats.org/presentationml/2006/main" xmlns:c="http://schemas.openxmlformats.org/drawingml/2006/chart" xmlns:dgm="http://schemas.openxmlformats.org/drawingml/2006/diagram" xmlns:o="urn:schemas-microsoft-com:office:office" xmlns:v="urn:schemas-microsoft-com:vml" xmlns:pvml="urn:schemas-microsoft-com:office:powerpoint" xmlns:com="http://schemas.openxmlformats.org/drawingml/2006/compatibility" xmlns:p14="http://schemas.microsoft.com/office/powerpoint/2010/main" xmlns:p15="http://schemas.microsoft.com/office/powerpoint/2012/main" xmlns:ahyp="http://schemas.microsoft.com/office/drawing/2018/hyperlinkcolor">
+<p:sld xmlns:a="http://schemas.openxmlformats.org/drawingml/2006/main" xmlns:r="http://schemas.openxmlformats.org/officeDocument/2006/relationships" xmlns:p="http://schemas.openxmlformats.org/presentationml/2006/main">
   <p:cSld>
     <p:spTree>
       <p:nvGrpSpPr>
-        <p:cNvPr id="133" name="Shape 133"/>
+        <p:cNvPr id="1" name="Shape 133"/>
         <p:cNvGrpSpPr/>
         <p:nvPr/>
       </p:nvGrpSpPr>
@@ -10616,7 +10828,9 @@
       <p:sp>
         <p:nvSpPr>
           <p:cNvPr id="134" name="Google Shape;134;p13"/>
-          <p:cNvSpPr txBox="1"/>
+          <p:cNvSpPr txBox="1">
+            <a:spLocks noGrp="1"/>
+          </p:cNvSpPr>
           <p:nvPr>
             <p:ph type="ctrTitle"/>
           </p:nvPr>
@@ -10631,12 +10845,12 @@
           </a:prstGeom>
         </p:spPr>
         <p:txBody>
-          <a:bodyPr anchorCtr="0" anchor="t" bIns="91425" lIns="91425" spcFirstLastPara="1" rIns="91425" wrap="square" tIns="91425">
+          <a:bodyPr spcFirstLastPara="1" wrap="square" lIns="91425" tIns="91425" rIns="91425" bIns="91425" anchor="t" anchorCtr="0">
             <a:normAutofit/>
           </a:bodyPr>
           <a:lstStyle/>
           <a:p>
-            <a:pPr indent="0" lvl="0" marL="0" rtl="0" algn="l">
+            <a:pPr marL="0" lvl="0" indent="0" algn="l" rtl="0">
               <a:spcBef>
                 <a:spcPts val="0"/>
               </a:spcBef>
@@ -10656,9 +10870,11 @@
       <p:sp>
         <p:nvSpPr>
           <p:cNvPr id="135" name="Google Shape;135;p13"/>
-          <p:cNvSpPr txBox="1"/>
+          <p:cNvSpPr txBox="1">
+            <a:spLocks noGrp="1"/>
+          </p:cNvSpPr>
           <p:nvPr>
-            <p:ph idx="1" type="subTitle"/>
+            <p:ph type="subTitle" idx="1"/>
           </p:nvPr>
         </p:nvSpPr>
         <p:spPr>
@@ -10671,12 +10887,12 @@
           </a:prstGeom>
         </p:spPr>
         <p:txBody>
-          <a:bodyPr anchorCtr="0" anchor="t" bIns="91425" lIns="91425" spcFirstLastPara="1" rIns="91425" wrap="square" tIns="91425">
+          <a:bodyPr spcFirstLastPara="1" wrap="square" lIns="91425" tIns="91425" rIns="91425" bIns="91425" anchor="t" anchorCtr="0">
             <a:normAutofit/>
           </a:bodyPr>
           <a:lstStyle/>
           <a:p>
-            <a:pPr indent="0" lvl="0" marL="0" rtl="0" algn="l">
+            <a:pPr marL="0" lvl="0" indent="0" algn="l" rtl="0">
               <a:spcBef>
                 <a:spcPts val="0"/>
               </a:spcBef>
@@ -10698,15 +10914,34 @@
   <p:clrMapOvr>
     <a:masterClrMapping/>
   </p:clrMapOvr>
+  <mc:AlternateContent xmlns:mc="http://schemas.openxmlformats.org/markup-compatibility/2006">
+    <mc:Choice xmlns:p14="http://schemas.microsoft.com/office/powerpoint/2010/main" Requires="p14">
+      <p:transition p14:dur="250">
+        <p:fade thruBlk="1"/>
+      </p:transition>
+    </mc:Choice>
+    <mc:Fallback>
+      <p:transition>
+        <p:fade thruBlk="1"/>
+      </p:transition>
+    </mc:Fallback>
+  </mc:AlternateContent>
+  <p:timing>
+    <p:tnLst>
+      <p:par>
+        <p:cTn id="1" dur="indefinite" restart="never" nodeType="tmRoot"/>
+      </p:par>
+    </p:tnLst>
+  </p:timing>
 </p:sld>
 </file>
 
 <file path=ppt/slides/slide10.xml><?xml version="1.0" encoding="utf-8"?>
-<p:sld xmlns:a="http://schemas.openxmlformats.org/drawingml/2006/main" xmlns:r="http://schemas.openxmlformats.org/officeDocument/2006/relationships" xmlns:mc="http://schemas.openxmlformats.org/markup-compatibility/2006" xmlns:mv="urn:schemas-microsoft-com:mac:vml" xmlns:p="http://schemas.openxmlformats.org/presentationml/2006/main" xmlns:c="http://schemas.openxmlformats.org/drawingml/2006/chart" xmlns:dgm="http://schemas.openxmlformats.org/drawingml/2006/diagram" xmlns:o="urn:schemas-microsoft-com:office:office" xmlns:v="urn:schemas-microsoft-com:vml" xmlns:pvml="urn:schemas-microsoft-com:office:powerpoint" xmlns:com="http://schemas.openxmlformats.org/drawingml/2006/compatibility" xmlns:p14="http://schemas.microsoft.com/office/powerpoint/2010/main" xmlns:p15="http://schemas.microsoft.com/office/powerpoint/2012/main" xmlns:ahyp="http://schemas.microsoft.com/office/drawing/2018/hyperlinkcolor">
+<p:sld xmlns:a="http://schemas.openxmlformats.org/drawingml/2006/main" xmlns:r="http://schemas.openxmlformats.org/officeDocument/2006/relationships" xmlns:p="http://schemas.openxmlformats.org/presentationml/2006/main">
   <p:cSld>
     <p:spTree>
       <p:nvGrpSpPr>
-        <p:cNvPr id="185" name="Shape 185"/>
+        <p:cNvPr id="1" name="Shape 185"/>
         <p:cNvGrpSpPr/>
         <p:nvPr/>
       </p:nvGrpSpPr>
@@ -10721,7 +10956,9 @@
       <p:sp>
         <p:nvSpPr>
           <p:cNvPr id="186" name="Google Shape;186;p22"/>
-          <p:cNvSpPr txBox="1"/>
+          <p:cNvSpPr txBox="1">
+            <a:spLocks noGrp="1"/>
+          </p:cNvSpPr>
           <p:nvPr>
             <p:ph type="title"/>
           </p:nvPr>
@@ -10736,12 +10973,12 @@
           </a:prstGeom>
         </p:spPr>
         <p:txBody>
-          <a:bodyPr anchorCtr="0" anchor="ctr" bIns="91425" lIns="91425" spcFirstLastPara="1" rIns="91425" wrap="square" tIns="91425">
+          <a:bodyPr spcFirstLastPara="1" wrap="square" lIns="91425" tIns="91425" rIns="91425" bIns="91425" anchor="ctr" anchorCtr="0">
             <a:normAutofit/>
           </a:bodyPr>
           <a:lstStyle/>
           <a:p>
-            <a:pPr indent="0" lvl="0" marL="0" rtl="0" algn="l">
+            <a:pPr marL="0" lvl="0" indent="0" algn="l" rtl="0">
               <a:spcBef>
                 <a:spcPts val="0"/>
               </a:spcBef>
@@ -10763,15 +11000,34 @@
   <p:clrMapOvr>
     <a:masterClrMapping/>
   </p:clrMapOvr>
+  <mc:AlternateContent xmlns:mc="http://schemas.openxmlformats.org/markup-compatibility/2006">
+    <mc:Choice xmlns:p14="http://schemas.microsoft.com/office/powerpoint/2010/main" Requires="p14">
+      <p:transition p14:dur="250">
+        <p:fade thruBlk="1"/>
+      </p:transition>
+    </mc:Choice>
+    <mc:Fallback>
+      <p:transition>
+        <p:fade thruBlk="1"/>
+      </p:transition>
+    </mc:Fallback>
+  </mc:AlternateContent>
+  <p:timing>
+    <p:tnLst>
+      <p:par>
+        <p:cTn id="1" dur="indefinite" restart="never" nodeType="tmRoot"/>
+      </p:par>
+    </p:tnLst>
+  </p:timing>
 </p:sld>
 </file>
 
 <file path=ppt/slides/slide11.xml><?xml version="1.0" encoding="utf-8"?>
-<p:sld xmlns:a="http://schemas.openxmlformats.org/drawingml/2006/main" xmlns:r="http://schemas.openxmlformats.org/officeDocument/2006/relationships" xmlns:mc="http://schemas.openxmlformats.org/markup-compatibility/2006" xmlns:mv="urn:schemas-microsoft-com:mac:vml" xmlns:p="http://schemas.openxmlformats.org/presentationml/2006/main" xmlns:c="http://schemas.openxmlformats.org/drawingml/2006/chart" xmlns:dgm="http://schemas.openxmlformats.org/drawingml/2006/diagram" xmlns:o="urn:schemas-microsoft-com:office:office" xmlns:v="urn:schemas-microsoft-com:vml" xmlns:pvml="urn:schemas-microsoft-com:office:powerpoint" xmlns:com="http://schemas.openxmlformats.org/drawingml/2006/compatibility" xmlns:p14="http://schemas.microsoft.com/office/powerpoint/2010/main" xmlns:p15="http://schemas.microsoft.com/office/powerpoint/2012/main" xmlns:ahyp="http://schemas.microsoft.com/office/drawing/2018/hyperlinkcolor">
+<p:sld xmlns:a="http://schemas.openxmlformats.org/drawingml/2006/main" xmlns:r="http://schemas.openxmlformats.org/officeDocument/2006/relationships" xmlns:p="http://schemas.openxmlformats.org/presentationml/2006/main">
   <p:cSld>
     <p:spTree>
       <p:nvGrpSpPr>
-        <p:cNvPr id="190" name="Shape 190"/>
+        <p:cNvPr id="1" name="Shape 190"/>
         <p:cNvGrpSpPr/>
         <p:nvPr/>
       </p:nvGrpSpPr>
@@ -10786,7 +11042,9 @@
       <p:sp>
         <p:nvSpPr>
           <p:cNvPr id="191" name="Google Shape;191;p23"/>
-          <p:cNvSpPr txBox="1"/>
+          <p:cNvSpPr txBox="1">
+            <a:spLocks noGrp="1"/>
+          </p:cNvSpPr>
           <p:nvPr>
             <p:ph type="title"/>
           </p:nvPr>
@@ -10801,12 +11059,12 @@
           </a:prstGeom>
         </p:spPr>
         <p:txBody>
-          <a:bodyPr anchorCtr="0" anchor="t" bIns="91425" lIns="91425" spcFirstLastPara="1" rIns="91425" wrap="square" tIns="91425">
+          <a:bodyPr spcFirstLastPara="1" wrap="square" lIns="91425" tIns="91425" rIns="91425" bIns="91425" anchor="t" anchorCtr="0">
             <a:normAutofit/>
           </a:bodyPr>
           <a:lstStyle/>
           <a:p>
-            <a:pPr indent="0" lvl="0" marL="0" rtl="0" algn="l">
+            <a:pPr marL="0" lvl="0" indent="0" algn="l" rtl="0">
               <a:spcBef>
                 <a:spcPts val="0"/>
               </a:spcBef>
@@ -10856,15 +11114,34 @@
   <p:clrMapOvr>
     <a:masterClrMapping/>
   </p:clrMapOvr>
+  <mc:AlternateContent xmlns:mc="http://schemas.openxmlformats.org/markup-compatibility/2006">
+    <mc:Choice xmlns:p14="http://schemas.microsoft.com/office/powerpoint/2010/main" Requires="p14">
+      <p:transition p14:dur="250">
+        <p:fade thruBlk="1"/>
+      </p:transition>
+    </mc:Choice>
+    <mc:Fallback>
+      <p:transition>
+        <p:fade thruBlk="1"/>
+      </p:transition>
+    </mc:Fallback>
+  </mc:AlternateContent>
+  <p:timing>
+    <p:tnLst>
+      <p:par>
+        <p:cTn id="1" dur="indefinite" restart="never" nodeType="tmRoot"/>
+      </p:par>
+    </p:tnLst>
+  </p:timing>
 </p:sld>
 </file>
 
 <file path=ppt/slides/slide12.xml><?xml version="1.0" encoding="utf-8"?>
-<p:sld xmlns:a="http://schemas.openxmlformats.org/drawingml/2006/main" xmlns:r="http://schemas.openxmlformats.org/officeDocument/2006/relationships" xmlns:mc="http://schemas.openxmlformats.org/markup-compatibility/2006" xmlns:mv="urn:schemas-microsoft-com:mac:vml" xmlns:p="http://schemas.openxmlformats.org/presentationml/2006/main" xmlns:c="http://schemas.openxmlformats.org/drawingml/2006/chart" xmlns:dgm="http://schemas.openxmlformats.org/drawingml/2006/diagram" xmlns:o="urn:schemas-microsoft-com:office:office" xmlns:v="urn:schemas-microsoft-com:vml" xmlns:pvml="urn:schemas-microsoft-com:office:powerpoint" xmlns:com="http://schemas.openxmlformats.org/drawingml/2006/compatibility" xmlns:p14="http://schemas.microsoft.com/office/powerpoint/2010/main" xmlns:p15="http://schemas.microsoft.com/office/powerpoint/2012/main" xmlns:ahyp="http://schemas.microsoft.com/office/drawing/2018/hyperlinkcolor">
+<p:sld xmlns:a="http://schemas.openxmlformats.org/drawingml/2006/main" xmlns:r="http://schemas.openxmlformats.org/officeDocument/2006/relationships" xmlns:p="http://schemas.openxmlformats.org/presentationml/2006/main">
   <p:cSld>
     <p:spTree>
       <p:nvGrpSpPr>
-        <p:cNvPr id="196" name="Shape 196"/>
+        <p:cNvPr id="1" name="Shape 196"/>
         <p:cNvGrpSpPr/>
         <p:nvPr/>
       </p:nvGrpSpPr>
@@ -10879,7 +11156,9 @@
       <p:sp>
         <p:nvSpPr>
           <p:cNvPr id="197" name="Google Shape;197;p24"/>
-          <p:cNvSpPr txBox="1"/>
+          <p:cNvSpPr txBox="1">
+            <a:spLocks noGrp="1"/>
+          </p:cNvSpPr>
           <p:nvPr>
             <p:ph type="title"/>
           </p:nvPr>
@@ -10894,12 +11173,12 @@
           </a:prstGeom>
         </p:spPr>
         <p:txBody>
-          <a:bodyPr anchorCtr="0" anchor="t" bIns="91425" lIns="91425" spcFirstLastPara="1" rIns="91425" wrap="square" tIns="91425">
+          <a:bodyPr spcFirstLastPara="1" wrap="square" lIns="91425" tIns="91425" rIns="91425" bIns="91425" anchor="t" anchorCtr="0">
             <a:normAutofit/>
           </a:bodyPr>
           <a:lstStyle/>
           <a:p>
-            <a:pPr indent="0" lvl="0" marL="0" rtl="0" algn="l">
+            <a:pPr marL="0" lvl="0" indent="0" algn="l" rtl="0">
               <a:spcBef>
                 <a:spcPts val="0"/>
               </a:spcBef>
@@ -10949,15 +11228,34 @@
   <p:clrMapOvr>
     <a:masterClrMapping/>
   </p:clrMapOvr>
+  <mc:AlternateContent xmlns:mc="http://schemas.openxmlformats.org/markup-compatibility/2006">
+    <mc:Choice xmlns:p14="http://schemas.microsoft.com/office/powerpoint/2010/main" Requires="p14">
+      <p:transition p14:dur="250">
+        <p:fade thruBlk="1"/>
+      </p:transition>
+    </mc:Choice>
+    <mc:Fallback>
+      <p:transition>
+        <p:fade thruBlk="1"/>
+      </p:transition>
+    </mc:Fallback>
+  </mc:AlternateContent>
+  <p:timing>
+    <p:tnLst>
+      <p:par>
+        <p:cTn id="1" dur="indefinite" restart="never" nodeType="tmRoot"/>
+      </p:par>
+    </p:tnLst>
+  </p:timing>
 </p:sld>
 </file>
 
 <file path=ppt/slides/slide13.xml><?xml version="1.0" encoding="utf-8"?>
-<p:sld xmlns:a="http://schemas.openxmlformats.org/drawingml/2006/main" xmlns:r="http://schemas.openxmlformats.org/officeDocument/2006/relationships" xmlns:mc="http://schemas.openxmlformats.org/markup-compatibility/2006" xmlns:mv="urn:schemas-microsoft-com:mac:vml" xmlns:p="http://schemas.openxmlformats.org/presentationml/2006/main" xmlns:c="http://schemas.openxmlformats.org/drawingml/2006/chart" xmlns:dgm="http://schemas.openxmlformats.org/drawingml/2006/diagram" xmlns:o="urn:schemas-microsoft-com:office:office" xmlns:v="urn:schemas-microsoft-com:vml" xmlns:pvml="urn:schemas-microsoft-com:office:powerpoint" xmlns:com="http://schemas.openxmlformats.org/drawingml/2006/compatibility" xmlns:p14="http://schemas.microsoft.com/office/powerpoint/2010/main" xmlns:p15="http://schemas.microsoft.com/office/powerpoint/2012/main" xmlns:ahyp="http://schemas.microsoft.com/office/drawing/2018/hyperlinkcolor">
+<p:sld xmlns:a="http://schemas.openxmlformats.org/drawingml/2006/main" xmlns:r="http://schemas.openxmlformats.org/officeDocument/2006/relationships" xmlns:p="http://schemas.openxmlformats.org/presentationml/2006/main">
   <p:cSld>
     <p:spTree>
       <p:nvGrpSpPr>
-        <p:cNvPr id="202" name="Shape 202"/>
+        <p:cNvPr id="1" name="Shape 202"/>
         <p:cNvGrpSpPr/>
         <p:nvPr/>
       </p:nvGrpSpPr>
@@ -10972,7 +11270,9 @@
       <p:sp>
         <p:nvSpPr>
           <p:cNvPr id="203" name="Google Shape;203;p25"/>
-          <p:cNvSpPr txBox="1"/>
+          <p:cNvSpPr txBox="1">
+            <a:spLocks noGrp="1"/>
+          </p:cNvSpPr>
           <p:nvPr>
             <p:ph type="title"/>
           </p:nvPr>
@@ -10987,12 +11287,12 @@
           </a:prstGeom>
         </p:spPr>
         <p:txBody>
-          <a:bodyPr anchorCtr="0" anchor="t" bIns="91425" lIns="91425" spcFirstLastPara="1" rIns="91425" wrap="square" tIns="91425">
+          <a:bodyPr spcFirstLastPara="1" wrap="square" lIns="91425" tIns="91425" rIns="91425" bIns="91425" anchor="t" anchorCtr="0">
             <a:normAutofit/>
           </a:bodyPr>
           <a:lstStyle/>
           <a:p>
-            <a:pPr indent="0" lvl="0" marL="0" rtl="0" algn="l">
+            <a:pPr marL="0" lvl="0" indent="0" algn="l" rtl="0">
               <a:spcBef>
                 <a:spcPts val="0"/>
               </a:spcBef>
@@ -11042,15 +11342,27 @@
   <p:clrMapOvr>
     <a:masterClrMapping/>
   </p:clrMapOvr>
+  <mc:AlternateContent xmlns:mc="http://schemas.openxmlformats.org/markup-compatibility/2006">
+    <mc:Choice xmlns:p14="http://schemas.microsoft.com/office/powerpoint/2010/main" Requires="p14">
+      <p:transition p14:dur="250">
+        <p:fade thruBlk="1"/>
+      </p:transition>
+    </mc:Choice>
+    <mc:Fallback>
+      <p:transition>
+        <p:fade thruBlk="1"/>
+      </p:transition>
+    </mc:Fallback>
+  </mc:AlternateContent>
 </p:sld>
 </file>
 
 <file path=ppt/slides/slide14.xml><?xml version="1.0" encoding="utf-8"?>
-<p:sld xmlns:a="http://schemas.openxmlformats.org/drawingml/2006/main" xmlns:r="http://schemas.openxmlformats.org/officeDocument/2006/relationships" xmlns:mc="http://schemas.openxmlformats.org/markup-compatibility/2006" xmlns:mv="urn:schemas-microsoft-com:mac:vml" xmlns:p="http://schemas.openxmlformats.org/presentationml/2006/main" xmlns:c="http://schemas.openxmlformats.org/drawingml/2006/chart" xmlns:dgm="http://schemas.openxmlformats.org/drawingml/2006/diagram" xmlns:o="urn:schemas-microsoft-com:office:office" xmlns:v="urn:schemas-microsoft-com:vml" xmlns:pvml="urn:schemas-microsoft-com:office:powerpoint" xmlns:com="http://schemas.openxmlformats.org/drawingml/2006/compatibility" xmlns:p14="http://schemas.microsoft.com/office/powerpoint/2010/main" xmlns:p15="http://schemas.microsoft.com/office/powerpoint/2012/main" xmlns:ahyp="http://schemas.microsoft.com/office/drawing/2018/hyperlinkcolor">
+<p:sld xmlns:a="http://schemas.openxmlformats.org/drawingml/2006/main" xmlns:r="http://schemas.openxmlformats.org/officeDocument/2006/relationships" xmlns:p="http://schemas.openxmlformats.org/presentationml/2006/main">
   <p:cSld>
     <p:spTree>
       <p:nvGrpSpPr>
-        <p:cNvPr id="208" name="Shape 208"/>
+        <p:cNvPr id="1" name="Shape 208"/>
         <p:cNvGrpSpPr/>
         <p:nvPr/>
       </p:nvGrpSpPr>
@@ -11065,7 +11377,9 @@
       <p:sp>
         <p:nvSpPr>
           <p:cNvPr id="209" name="Google Shape;209;p26"/>
-          <p:cNvSpPr txBox="1"/>
+          <p:cNvSpPr txBox="1">
+            <a:spLocks noGrp="1"/>
+          </p:cNvSpPr>
           <p:nvPr>
             <p:ph type="title"/>
           </p:nvPr>
@@ -11080,12 +11394,12 @@
           </a:prstGeom>
         </p:spPr>
         <p:txBody>
-          <a:bodyPr anchorCtr="0" anchor="t" bIns="91425" lIns="91425" spcFirstLastPara="1" rIns="91425" wrap="square" tIns="91425">
+          <a:bodyPr spcFirstLastPara="1" wrap="square" lIns="91425" tIns="91425" rIns="91425" bIns="91425" anchor="t" anchorCtr="0">
             <a:normAutofit/>
           </a:bodyPr>
           <a:lstStyle/>
           <a:p>
-            <a:pPr indent="0" lvl="0" marL="0" rtl="0" algn="l">
+            <a:pPr marL="0" lvl="0" indent="0" algn="l" rtl="0">
               <a:spcBef>
                 <a:spcPts val="0"/>
               </a:spcBef>
@@ -11135,15 +11449,27 @@
   <p:clrMapOvr>
     <a:masterClrMapping/>
   </p:clrMapOvr>
+  <mc:AlternateContent xmlns:mc="http://schemas.openxmlformats.org/markup-compatibility/2006">
+    <mc:Choice xmlns:p14="http://schemas.microsoft.com/office/powerpoint/2010/main" Requires="p14">
+      <p:transition p14:dur="250">
+        <p:fade thruBlk="1"/>
+      </p:transition>
+    </mc:Choice>
+    <mc:Fallback>
+      <p:transition>
+        <p:fade thruBlk="1"/>
+      </p:transition>
+    </mc:Fallback>
+  </mc:AlternateContent>
 </p:sld>
 </file>
 
 <file path=ppt/slides/slide15.xml><?xml version="1.0" encoding="utf-8"?>
-<p:sld xmlns:a="http://schemas.openxmlformats.org/drawingml/2006/main" xmlns:r="http://schemas.openxmlformats.org/officeDocument/2006/relationships" xmlns:mc="http://schemas.openxmlformats.org/markup-compatibility/2006" xmlns:mv="urn:schemas-microsoft-com:mac:vml" xmlns:p="http://schemas.openxmlformats.org/presentationml/2006/main" xmlns:c="http://schemas.openxmlformats.org/drawingml/2006/chart" xmlns:dgm="http://schemas.openxmlformats.org/drawingml/2006/diagram" xmlns:o="urn:schemas-microsoft-com:office:office" xmlns:v="urn:schemas-microsoft-com:vml" xmlns:pvml="urn:schemas-microsoft-com:office:powerpoint" xmlns:com="http://schemas.openxmlformats.org/drawingml/2006/compatibility" xmlns:p14="http://schemas.microsoft.com/office/powerpoint/2010/main" xmlns:p15="http://schemas.microsoft.com/office/powerpoint/2012/main" xmlns:ahyp="http://schemas.microsoft.com/office/drawing/2018/hyperlinkcolor">
+<p:sld xmlns:a="http://schemas.openxmlformats.org/drawingml/2006/main" xmlns:r="http://schemas.openxmlformats.org/officeDocument/2006/relationships" xmlns:p="http://schemas.openxmlformats.org/presentationml/2006/main">
   <p:cSld>
     <p:spTree>
       <p:nvGrpSpPr>
-        <p:cNvPr id="214" name="Shape 214"/>
+        <p:cNvPr id="1" name="Shape 214"/>
         <p:cNvGrpSpPr/>
         <p:nvPr/>
       </p:nvGrpSpPr>
@@ -11158,7 +11484,9 @@
       <p:sp>
         <p:nvSpPr>
           <p:cNvPr id="215" name="Google Shape;215;p27"/>
-          <p:cNvSpPr txBox="1"/>
+          <p:cNvSpPr txBox="1">
+            <a:spLocks noGrp="1"/>
+          </p:cNvSpPr>
           <p:nvPr>
             <p:ph type="title"/>
           </p:nvPr>
@@ -11173,12 +11501,12 @@
           </a:prstGeom>
         </p:spPr>
         <p:txBody>
-          <a:bodyPr anchorCtr="0" anchor="t" bIns="91425" lIns="91425" spcFirstLastPara="1" rIns="91425" wrap="square" tIns="91425">
+          <a:bodyPr spcFirstLastPara="1" wrap="square" lIns="91425" tIns="91425" rIns="91425" bIns="91425" anchor="t" anchorCtr="0">
             <a:normAutofit/>
           </a:bodyPr>
           <a:lstStyle/>
           <a:p>
-            <a:pPr indent="0" lvl="0" marL="0" rtl="0" algn="l">
+            <a:pPr marL="0" lvl="0" indent="0" algn="l" rtl="0">
               <a:spcBef>
                 <a:spcPts val="0"/>
               </a:spcBef>
@@ -11228,15 +11556,27 @@
   <p:clrMapOvr>
     <a:masterClrMapping/>
   </p:clrMapOvr>
+  <mc:AlternateContent xmlns:mc="http://schemas.openxmlformats.org/markup-compatibility/2006">
+    <mc:Choice xmlns:p14="http://schemas.microsoft.com/office/powerpoint/2010/main" Requires="p14">
+      <p:transition p14:dur="250">
+        <p:fade thruBlk="1"/>
+      </p:transition>
+    </mc:Choice>
+    <mc:Fallback>
+      <p:transition>
+        <p:fade thruBlk="1"/>
+      </p:transition>
+    </mc:Fallback>
+  </mc:AlternateContent>
 </p:sld>
 </file>
 
 <file path=ppt/slides/slide16.xml><?xml version="1.0" encoding="utf-8"?>
-<p:sld xmlns:a="http://schemas.openxmlformats.org/drawingml/2006/main" xmlns:r="http://schemas.openxmlformats.org/officeDocument/2006/relationships" xmlns:mc="http://schemas.openxmlformats.org/markup-compatibility/2006" xmlns:mv="urn:schemas-microsoft-com:mac:vml" xmlns:p="http://schemas.openxmlformats.org/presentationml/2006/main" xmlns:c="http://schemas.openxmlformats.org/drawingml/2006/chart" xmlns:dgm="http://schemas.openxmlformats.org/drawingml/2006/diagram" xmlns:o="urn:schemas-microsoft-com:office:office" xmlns:v="urn:schemas-microsoft-com:vml" xmlns:pvml="urn:schemas-microsoft-com:office:powerpoint" xmlns:com="http://schemas.openxmlformats.org/drawingml/2006/compatibility" xmlns:p14="http://schemas.microsoft.com/office/powerpoint/2010/main" xmlns:p15="http://schemas.microsoft.com/office/powerpoint/2012/main" xmlns:ahyp="http://schemas.microsoft.com/office/drawing/2018/hyperlinkcolor">
+<p:sld xmlns:a="http://schemas.openxmlformats.org/drawingml/2006/main" xmlns:r="http://schemas.openxmlformats.org/officeDocument/2006/relationships" xmlns:p="http://schemas.openxmlformats.org/presentationml/2006/main">
   <p:cSld>
     <p:spTree>
       <p:nvGrpSpPr>
-        <p:cNvPr id="220" name="Shape 220"/>
+        <p:cNvPr id="1" name="Shape 220"/>
         <p:cNvGrpSpPr/>
         <p:nvPr/>
       </p:nvGrpSpPr>
@@ -11251,7 +11591,9 @@
       <p:sp>
         <p:nvSpPr>
           <p:cNvPr id="221" name="Google Shape;221;p28"/>
-          <p:cNvSpPr txBox="1"/>
+          <p:cNvSpPr txBox="1">
+            <a:spLocks noGrp="1"/>
+          </p:cNvSpPr>
           <p:nvPr>
             <p:ph type="title"/>
           </p:nvPr>
@@ -11266,12 +11608,12 @@
           </a:prstGeom>
         </p:spPr>
         <p:txBody>
-          <a:bodyPr anchorCtr="0" anchor="t" bIns="91425" lIns="91425" spcFirstLastPara="1" rIns="91425" wrap="square" tIns="91425">
+          <a:bodyPr spcFirstLastPara="1" wrap="square" lIns="91425" tIns="91425" rIns="91425" bIns="91425" anchor="t" anchorCtr="0">
             <a:normAutofit/>
           </a:bodyPr>
           <a:lstStyle/>
           <a:p>
-            <a:pPr indent="0" lvl="0" marL="0" rtl="0" algn="l">
+            <a:pPr marL="0" lvl="0" indent="0" algn="l" rtl="0">
               <a:spcBef>
                 <a:spcPts val="0"/>
               </a:spcBef>
@@ -11321,18 +11663,27 @@
   <p:clrMapOvr>
     <a:masterClrMapping/>
   </p:clrMapOvr>
-  <p:transition spd="med">
-    <p:fade thruBlk="1"/>
-  </p:transition>
+  <mc:AlternateContent xmlns:mc="http://schemas.openxmlformats.org/markup-compatibility/2006">
+    <mc:Choice xmlns:p14="http://schemas.microsoft.com/office/powerpoint/2010/main" Requires="p14">
+      <p:transition p14:dur="250">
+        <p:fade thruBlk="1"/>
+      </p:transition>
+    </mc:Choice>
+    <mc:Fallback>
+      <p:transition>
+        <p:fade thruBlk="1"/>
+      </p:transition>
+    </mc:Fallback>
+  </mc:AlternateContent>
 </p:sld>
 </file>
 
 <file path=ppt/slides/slide17.xml><?xml version="1.0" encoding="utf-8"?>
-<p:sld xmlns:a="http://schemas.openxmlformats.org/drawingml/2006/main" xmlns:r="http://schemas.openxmlformats.org/officeDocument/2006/relationships" xmlns:mc="http://schemas.openxmlformats.org/markup-compatibility/2006" xmlns:mv="urn:schemas-microsoft-com:mac:vml" xmlns:p="http://schemas.openxmlformats.org/presentationml/2006/main" xmlns:c="http://schemas.openxmlformats.org/drawingml/2006/chart" xmlns:dgm="http://schemas.openxmlformats.org/drawingml/2006/diagram" xmlns:o="urn:schemas-microsoft-com:office:office" xmlns:v="urn:schemas-microsoft-com:vml" xmlns:pvml="urn:schemas-microsoft-com:office:powerpoint" xmlns:com="http://schemas.openxmlformats.org/drawingml/2006/compatibility" xmlns:p14="http://schemas.microsoft.com/office/powerpoint/2010/main" xmlns:p15="http://schemas.microsoft.com/office/powerpoint/2012/main" xmlns:ahyp="http://schemas.microsoft.com/office/drawing/2018/hyperlinkcolor">
+<p:sld xmlns:a="http://schemas.openxmlformats.org/drawingml/2006/main" xmlns:r="http://schemas.openxmlformats.org/officeDocument/2006/relationships" xmlns:p="http://schemas.openxmlformats.org/presentationml/2006/main">
   <p:cSld>
     <p:spTree>
       <p:nvGrpSpPr>
-        <p:cNvPr id="226" name="Shape 226"/>
+        <p:cNvPr id="1" name="Shape 226"/>
         <p:cNvGrpSpPr/>
         <p:nvPr/>
       </p:nvGrpSpPr>
@@ -11347,7 +11698,9 @@
       <p:sp>
         <p:nvSpPr>
           <p:cNvPr id="227" name="Google Shape;227;p29"/>
-          <p:cNvSpPr txBox="1"/>
+          <p:cNvSpPr txBox="1">
+            <a:spLocks noGrp="1"/>
+          </p:cNvSpPr>
           <p:nvPr>
             <p:ph type="title"/>
           </p:nvPr>
@@ -11362,12 +11715,12 @@
           </a:prstGeom>
         </p:spPr>
         <p:txBody>
-          <a:bodyPr anchorCtr="0" anchor="ctr" bIns="91425" lIns="91425" spcFirstLastPara="1" rIns="91425" wrap="square" tIns="91425">
+          <a:bodyPr spcFirstLastPara="1" wrap="square" lIns="91425" tIns="91425" rIns="91425" bIns="91425" anchor="ctr" anchorCtr="0">
             <a:normAutofit/>
           </a:bodyPr>
           <a:lstStyle/>
           <a:p>
-            <a:pPr indent="0" lvl="0" marL="0" rtl="0" algn="l">
+            <a:pPr marL="0" lvl="0" indent="0" algn="l" rtl="0">
               <a:spcBef>
                 <a:spcPts val="0"/>
               </a:spcBef>
@@ -11387,7 +11740,9 @@
       <p:sp>
         <p:nvSpPr>
           <p:cNvPr id="228" name="Google Shape;228;p29"/>
-          <p:cNvSpPr txBox="1"/>
+          <p:cNvSpPr txBox="1">
+            <a:spLocks noGrp="1"/>
+          </p:cNvSpPr>
           <p:nvPr>
             <p:ph type="title"/>
           </p:nvPr>
@@ -11402,12 +11757,12 @@
           </a:prstGeom>
         </p:spPr>
         <p:txBody>
-          <a:bodyPr anchorCtr="0" anchor="ctr" bIns="91425" lIns="91425" spcFirstLastPara="1" rIns="91425" wrap="square" tIns="91425">
+          <a:bodyPr spcFirstLastPara="1" wrap="square" lIns="91425" tIns="91425" rIns="91425" bIns="91425" anchor="ctr" anchorCtr="0">
             <a:normAutofit/>
           </a:bodyPr>
           <a:lstStyle/>
           <a:p>
-            <a:pPr indent="0" lvl="0" marL="0" rtl="0" algn="l">
+            <a:pPr marL="0" lvl="0" indent="0" algn="l" rtl="0">
               <a:spcBef>
                 <a:spcPts val="0"/>
               </a:spcBef>
@@ -11430,15 +11785,27 @@
   <p:clrMapOvr>
     <a:masterClrMapping/>
   </p:clrMapOvr>
+  <mc:AlternateContent xmlns:mc="http://schemas.openxmlformats.org/markup-compatibility/2006">
+    <mc:Choice xmlns:p14="http://schemas.microsoft.com/office/powerpoint/2010/main" Requires="p14">
+      <p:transition p14:dur="250">
+        <p:fade thruBlk="1"/>
+      </p:transition>
+    </mc:Choice>
+    <mc:Fallback>
+      <p:transition>
+        <p:fade thruBlk="1"/>
+      </p:transition>
+    </mc:Fallback>
+  </mc:AlternateContent>
 </p:sld>
 </file>
 
 <file path=ppt/slides/slide2.xml><?xml version="1.0" encoding="utf-8"?>
-<p:sld xmlns:a="http://schemas.openxmlformats.org/drawingml/2006/main" xmlns:r="http://schemas.openxmlformats.org/officeDocument/2006/relationships" xmlns:mc="http://schemas.openxmlformats.org/markup-compatibility/2006" xmlns:mv="urn:schemas-microsoft-com:mac:vml" xmlns:p="http://schemas.openxmlformats.org/presentationml/2006/main" xmlns:c="http://schemas.openxmlformats.org/drawingml/2006/chart" xmlns:dgm="http://schemas.openxmlformats.org/drawingml/2006/diagram" xmlns:o="urn:schemas-microsoft-com:office:office" xmlns:v="urn:schemas-microsoft-com:vml" xmlns:pvml="urn:schemas-microsoft-com:office:powerpoint" xmlns:com="http://schemas.openxmlformats.org/drawingml/2006/compatibility" xmlns:p14="http://schemas.microsoft.com/office/powerpoint/2010/main" xmlns:p15="http://schemas.microsoft.com/office/powerpoint/2012/main" xmlns:ahyp="http://schemas.microsoft.com/office/drawing/2018/hyperlinkcolor">
+<p:sld xmlns:a="http://schemas.openxmlformats.org/drawingml/2006/main" xmlns:r="http://schemas.openxmlformats.org/officeDocument/2006/relationships" xmlns:p="http://schemas.openxmlformats.org/presentationml/2006/main">
   <p:cSld>
     <p:spTree>
       <p:nvGrpSpPr>
-        <p:cNvPr id="139" name="Shape 139"/>
+        <p:cNvPr id="1" name="Shape 139"/>
         <p:cNvGrpSpPr/>
         <p:nvPr/>
       </p:nvGrpSpPr>
@@ -11453,7 +11820,9 @@
       <p:sp>
         <p:nvSpPr>
           <p:cNvPr id="140" name="Google Shape;140;p14"/>
-          <p:cNvSpPr txBox="1"/>
+          <p:cNvSpPr txBox="1">
+            <a:spLocks noGrp="1"/>
+          </p:cNvSpPr>
           <p:nvPr>
             <p:ph type="title"/>
           </p:nvPr>
@@ -11468,12 +11837,12 @@
           </a:prstGeom>
         </p:spPr>
         <p:txBody>
-          <a:bodyPr anchorCtr="0" anchor="ctr" bIns="91425" lIns="91425" spcFirstLastPara="1" rIns="91425" wrap="square" tIns="91425">
+          <a:bodyPr spcFirstLastPara="1" wrap="square" lIns="91425" tIns="91425" rIns="91425" bIns="91425" anchor="ctr" anchorCtr="0">
             <a:normAutofit/>
           </a:bodyPr>
           <a:lstStyle/>
           <a:p>
-            <a:pPr indent="0" lvl="0" marL="0" rtl="0" algn="l">
+            <a:pPr marL="0" lvl="0" indent="0" algn="l" rtl="0">
               <a:spcBef>
                 <a:spcPts val="0"/>
               </a:spcBef>
@@ -11495,15 +11864,34 @@
   <p:clrMapOvr>
     <a:masterClrMapping/>
   </p:clrMapOvr>
+  <mc:AlternateContent xmlns:mc="http://schemas.openxmlformats.org/markup-compatibility/2006">
+    <mc:Choice xmlns:p14="http://schemas.microsoft.com/office/powerpoint/2010/main" Requires="p14">
+      <p:transition p14:dur="250">
+        <p:fade thruBlk="1"/>
+      </p:transition>
+    </mc:Choice>
+    <mc:Fallback>
+      <p:transition>
+        <p:fade thruBlk="1"/>
+      </p:transition>
+    </mc:Fallback>
+  </mc:AlternateContent>
+  <p:timing>
+    <p:tnLst>
+      <p:par>
+        <p:cTn id="1" dur="indefinite" restart="never" nodeType="tmRoot"/>
+      </p:par>
+    </p:tnLst>
+  </p:timing>
 </p:sld>
 </file>
 
 <file path=ppt/slides/slide3.xml><?xml version="1.0" encoding="utf-8"?>
-<p:sld xmlns:a="http://schemas.openxmlformats.org/drawingml/2006/main" xmlns:r="http://schemas.openxmlformats.org/officeDocument/2006/relationships" xmlns:mc="http://schemas.openxmlformats.org/markup-compatibility/2006" xmlns:mv="urn:schemas-microsoft-com:mac:vml" xmlns:p="http://schemas.openxmlformats.org/presentationml/2006/main" xmlns:c="http://schemas.openxmlformats.org/drawingml/2006/chart" xmlns:dgm="http://schemas.openxmlformats.org/drawingml/2006/diagram" xmlns:o="urn:schemas-microsoft-com:office:office" xmlns:v="urn:schemas-microsoft-com:vml" xmlns:pvml="urn:schemas-microsoft-com:office:powerpoint" xmlns:com="http://schemas.openxmlformats.org/drawingml/2006/compatibility" xmlns:p14="http://schemas.microsoft.com/office/powerpoint/2010/main" xmlns:p15="http://schemas.microsoft.com/office/powerpoint/2012/main" xmlns:ahyp="http://schemas.microsoft.com/office/drawing/2018/hyperlinkcolor">
+<p:sld xmlns:a="http://schemas.openxmlformats.org/drawingml/2006/main" xmlns:r="http://schemas.openxmlformats.org/officeDocument/2006/relationships" xmlns:p="http://schemas.openxmlformats.org/presentationml/2006/main">
   <p:cSld>
     <p:spTree>
       <p:nvGrpSpPr>
-        <p:cNvPr id="144" name="Shape 144"/>
+        <p:cNvPr id="1" name="Shape 144"/>
         <p:cNvGrpSpPr/>
         <p:nvPr/>
       </p:nvGrpSpPr>
@@ -11518,7 +11906,9 @@
       <p:sp>
         <p:nvSpPr>
           <p:cNvPr id="145" name="Google Shape;145;p15"/>
-          <p:cNvSpPr txBox="1"/>
+          <p:cNvSpPr txBox="1">
+            <a:spLocks noGrp="1"/>
+          </p:cNvSpPr>
           <p:nvPr>
             <p:ph type="title"/>
           </p:nvPr>
@@ -11533,12 +11923,12 @@
           </a:prstGeom>
         </p:spPr>
         <p:txBody>
-          <a:bodyPr anchorCtr="0" anchor="t" bIns="91425" lIns="91425" spcFirstLastPara="1" rIns="91425" wrap="square" tIns="91425">
+          <a:bodyPr spcFirstLastPara="1" wrap="square" lIns="91425" tIns="91425" rIns="91425" bIns="91425" anchor="t" anchorCtr="0">
             <a:normAutofit/>
           </a:bodyPr>
           <a:lstStyle/>
           <a:p>
-            <a:pPr indent="0" lvl="0" marL="0" rtl="0" algn="l">
+            <a:pPr marL="0" lvl="0" indent="0" algn="l" rtl="0">
               <a:spcBef>
                 <a:spcPts val="0"/>
               </a:spcBef>
@@ -11558,9 +11948,11 @@
       <p:sp>
         <p:nvSpPr>
           <p:cNvPr id="146" name="Google Shape;146;p15"/>
-          <p:cNvSpPr txBox="1"/>
+          <p:cNvSpPr txBox="1">
+            <a:spLocks noGrp="1"/>
+          </p:cNvSpPr>
           <p:nvPr>
-            <p:ph idx="1" type="body"/>
+            <p:ph type="body" idx="1"/>
           </p:nvPr>
         </p:nvSpPr>
         <p:spPr>
@@ -11573,12 +11965,12 @@
           </a:prstGeom>
         </p:spPr>
         <p:txBody>
-          <a:bodyPr anchorCtr="0" anchor="t" bIns="91425" lIns="91425" spcFirstLastPara="1" rIns="91425" wrap="square" tIns="91425">
+          <a:bodyPr spcFirstLastPara="1" wrap="square" lIns="91425" tIns="91425" rIns="91425" bIns="91425" anchor="t" anchorCtr="0">
             <a:normAutofit/>
           </a:bodyPr>
           <a:lstStyle/>
           <a:p>
-            <a:pPr indent="0" lvl="0" marL="0" rtl="0" algn="l">
+            <a:pPr marL="0" lvl="0" indent="0" algn="l" rtl="0">
               <a:spcBef>
                 <a:spcPts val="0"/>
               </a:spcBef>
@@ -11594,7 +11986,7 @@
             <a:endParaRPr/>
           </a:p>
           <a:p>
-            <a:pPr indent="0" lvl="0" marL="0" rtl="0" algn="l">
+            <a:pPr marL="0" lvl="0" indent="0" algn="l" rtl="0">
               <a:spcBef>
                 <a:spcPts val="1200"/>
               </a:spcBef>
@@ -11610,7 +12002,7 @@
             <a:endParaRPr/>
           </a:p>
           <a:p>
-            <a:pPr indent="0" lvl="0" marL="0" rtl="0" algn="l">
+            <a:pPr marL="0" lvl="0" indent="0" algn="l" rtl="0">
               <a:spcBef>
                 <a:spcPts val="1200"/>
               </a:spcBef>
@@ -11626,7 +12018,7 @@
             <a:endParaRPr/>
           </a:p>
           <a:p>
-            <a:pPr indent="0" lvl="0" marL="0" rtl="0" algn="l">
+            <a:pPr marL="0" lvl="0" indent="0" algn="l" rtl="0">
               <a:spcBef>
                 <a:spcPts val="1200"/>
               </a:spcBef>
@@ -11642,7 +12034,7 @@
             <a:endParaRPr/>
           </a:p>
           <a:p>
-            <a:pPr indent="0" lvl="0" marL="0" rtl="0" algn="l">
+            <a:pPr marL="0" lvl="0" indent="0" algn="l" rtl="0">
               <a:spcBef>
                 <a:spcPts val="1200"/>
               </a:spcBef>
@@ -11664,15 +12056,34 @@
   <p:clrMapOvr>
     <a:masterClrMapping/>
   </p:clrMapOvr>
+  <mc:AlternateContent xmlns:mc="http://schemas.openxmlformats.org/markup-compatibility/2006">
+    <mc:Choice xmlns:p14="http://schemas.microsoft.com/office/powerpoint/2010/main" Requires="p14">
+      <p:transition p14:dur="250">
+        <p:fade thruBlk="1"/>
+      </p:transition>
+    </mc:Choice>
+    <mc:Fallback>
+      <p:transition>
+        <p:fade thruBlk="1"/>
+      </p:transition>
+    </mc:Fallback>
+  </mc:AlternateContent>
+  <p:timing>
+    <p:tnLst>
+      <p:par>
+        <p:cTn id="1" dur="indefinite" restart="never" nodeType="tmRoot"/>
+      </p:par>
+    </p:tnLst>
+  </p:timing>
 </p:sld>
 </file>
 
 <file path=ppt/slides/slide4.xml><?xml version="1.0" encoding="utf-8"?>
-<p:sld xmlns:a="http://schemas.openxmlformats.org/drawingml/2006/main" xmlns:r="http://schemas.openxmlformats.org/officeDocument/2006/relationships" xmlns:mc="http://schemas.openxmlformats.org/markup-compatibility/2006" xmlns:mv="urn:schemas-microsoft-com:mac:vml" xmlns:p="http://schemas.openxmlformats.org/presentationml/2006/main" xmlns:c="http://schemas.openxmlformats.org/drawingml/2006/chart" xmlns:dgm="http://schemas.openxmlformats.org/drawingml/2006/diagram" xmlns:o="urn:schemas-microsoft-com:office:office" xmlns:v="urn:schemas-microsoft-com:vml" xmlns:pvml="urn:schemas-microsoft-com:office:powerpoint" xmlns:com="http://schemas.openxmlformats.org/drawingml/2006/compatibility" xmlns:p14="http://schemas.microsoft.com/office/powerpoint/2010/main" xmlns:p15="http://schemas.microsoft.com/office/powerpoint/2012/main" xmlns:ahyp="http://schemas.microsoft.com/office/drawing/2018/hyperlinkcolor">
+<p:sld xmlns:a="http://schemas.openxmlformats.org/drawingml/2006/main" xmlns:r="http://schemas.openxmlformats.org/officeDocument/2006/relationships" xmlns:p="http://schemas.openxmlformats.org/presentationml/2006/main">
   <p:cSld>
     <p:spTree>
       <p:nvGrpSpPr>
-        <p:cNvPr id="150" name="Shape 150"/>
+        <p:cNvPr id="1" name="Shape 150"/>
         <p:cNvGrpSpPr/>
         <p:nvPr/>
       </p:nvGrpSpPr>
@@ -11687,7 +12098,9 @@
       <p:sp>
         <p:nvSpPr>
           <p:cNvPr id="151" name="Google Shape;151;p16"/>
-          <p:cNvSpPr txBox="1"/>
+          <p:cNvSpPr txBox="1">
+            <a:spLocks noGrp="1"/>
+          </p:cNvSpPr>
           <p:nvPr>
             <p:ph type="title"/>
           </p:nvPr>
@@ -11702,12 +12115,12 @@
           </a:prstGeom>
         </p:spPr>
         <p:txBody>
-          <a:bodyPr anchorCtr="0" anchor="ctr" bIns="91425" lIns="91425" spcFirstLastPara="1" rIns="91425" wrap="square" tIns="91425">
+          <a:bodyPr spcFirstLastPara="1" wrap="square" lIns="91425" tIns="91425" rIns="91425" bIns="91425" anchor="ctr" anchorCtr="0">
             <a:normAutofit/>
           </a:bodyPr>
           <a:lstStyle/>
           <a:p>
-            <a:pPr indent="0" lvl="0" marL="0" rtl="0" algn="l">
+            <a:pPr marL="0" lvl="0" indent="0" algn="l" rtl="0">
               <a:spcBef>
                 <a:spcPts val="0"/>
               </a:spcBef>
@@ -11729,15 +12142,34 @@
   <p:clrMapOvr>
     <a:masterClrMapping/>
   </p:clrMapOvr>
+  <mc:AlternateContent xmlns:mc="http://schemas.openxmlformats.org/markup-compatibility/2006">
+    <mc:Choice xmlns:p14="http://schemas.microsoft.com/office/powerpoint/2010/main" Requires="p14">
+      <p:transition p14:dur="250">
+        <p:fade thruBlk="1"/>
+      </p:transition>
+    </mc:Choice>
+    <mc:Fallback>
+      <p:transition>
+        <p:fade thruBlk="1"/>
+      </p:transition>
+    </mc:Fallback>
+  </mc:AlternateContent>
+  <p:timing>
+    <p:tnLst>
+      <p:par>
+        <p:cTn id="1" dur="indefinite" restart="never" nodeType="tmRoot"/>
+      </p:par>
+    </p:tnLst>
+  </p:timing>
 </p:sld>
 </file>
 
 <file path=ppt/slides/slide5.xml><?xml version="1.0" encoding="utf-8"?>
-<p:sld xmlns:a="http://schemas.openxmlformats.org/drawingml/2006/main" xmlns:r="http://schemas.openxmlformats.org/officeDocument/2006/relationships" xmlns:mc="http://schemas.openxmlformats.org/markup-compatibility/2006" xmlns:mv="urn:schemas-microsoft-com:mac:vml" xmlns:p="http://schemas.openxmlformats.org/presentationml/2006/main" xmlns:c="http://schemas.openxmlformats.org/drawingml/2006/chart" xmlns:dgm="http://schemas.openxmlformats.org/drawingml/2006/diagram" xmlns:o="urn:schemas-microsoft-com:office:office" xmlns:v="urn:schemas-microsoft-com:vml" xmlns:pvml="urn:schemas-microsoft-com:office:powerpoint" xmlns:com="http://schemas.openxmlformats.org/drawingml/2006/compatibility" xmlns:p14="http://schemas.microsoft.com/office/powerpoint/2010/main" xmlns:p15="http://schemas.microsoft.com/office/powerpoint/2012/main" xmlns:ahyp="http://schemas.microsoft.com/office/drawing/2018/hyperlinkcolor">
+<p:sld xmlns:a="http://schemas.openxmlformats.org/drawingml/2006/main" xmlns:r="http://schemas.openxmlformats.org/officeDocument/2006/relationships" xmlns:p="http://schemas.openxmlformats.org/presentationml/2006/main">
   <p:cSld>
     <p:spTree>
       <p:nvGrpSpPr>
-        <p:cNvPr id="155" name="Shape 155"/>
+        <p:cNvPr id="1" name="Shape 155"/>
         <p:cNvGrpSpPr/>
         <p:nvPr/>
       </p:nvGrpSpPr>
@@ -11752,7 +12184,9 @@
       <p:sp>
         <p:nvSpPr>
           <p:cNvPr id="156" name="Google Shape;156;p17"/>
-          <p:cNvSpPr txBox="1"/>
+          <p:cNvSpPr txBox="1">
+            <a:spLocks noGrp="1"/>
+          </p:cNvSpPr>
           <p:nvPr>
             <p:ph type="title"/>
           </p:nvPr>
@@ -11767,12 +12201,12 @@
           </a:prstGeom>
         </p:spPr>
         <p:txBody>
-          <a:bodyPr anchorCtr="0" anchor="t" bIns="91425" lIns="91425" spcFirstLastPara="1" rIns="91425" wrap="square" tIns="91425">
+          <a:bodyPr spcFirstLastPara="1" wrap="square" lIns="91425" tIns="91425" rIns="91425" bIns="91425" anchor="t" anchorCtr="0">
             <a:normAutofit/>
           </a:bodyPr>
           <a:lstStyle/>
           <a:p>
-            <a:pPr indent="0" lvl="0" marL="0" rtl="0" algn="l">
+            <a:pPr marL="0" lvl="0" indent="0" algn="l" rtl="0">
               <a:spcBef>
                 <a:spcPts val="0"/>
               </a:spcBef>
@@ -11822,15 +12256,34 @@
   <p:clrMapOvr>
     <a:masterClrMapping/>
   </p:clrMapOvr>
+  <mc:AlternateContent xmlns:mc="http://schemas.openxmlformats.org/markup-compatibility/2006">
+    <mc:Choice xmlns:p14="http://schemas.microsoft.com/office/powerpoint/2010/main" Requires="p14">
+      <p:transition p14:dur="250">
+        <p:fade thruBlk="1"/>
+      </p:transition>
+    </mc:Choice>
+    <mc:Fallback>
+      <p:transition>
+        <p:fade thruBlk="1"/>
+      </p:transition>
+    </mc:Fallback>
+  </mc:AlternateContent>
+  <p:timing>
+    <p:tnLst>
+      <p:par>
+        <p:cTn id="1" dur="indefinite" restart="never" nodeType="tmRoot"/>
+      </p:par>
+    </p:tnLst>
+  </p:timing>
 </p:sld>
 </file>
 
 <file path=ppt/slides/slide6.xml><?xml version="1.0" encoding="utf-8"?>
-<p:sld xmlns:a="http://schemas.openxmlformats.org/drawingml/2006/main" xmlns:r="http://schemas.openxmlformats.org/officeDocument/2006/relationships" xmlns:mc="http://schemas.openxmlformats.org/markup-compatibility/2006" xmlns:mv="urn:schemas-microsoft-com:mac:vml" xmlns:p="http://schemas.openxmlformats.org/presentationml/2006/main" xmlns:c="http://schemas.openxmlformats.org/drawingml/2006/chart" xmlns:dgm="http://schemas.openxmlformats.org/drawingml/2006/diagram" xmlns:o="urn:schemas-microsoft-com:office:office" xmlns:v="urn:schemas-microsoft-com:vml" xmlns:pvml="urn:schemas-microsoft-com:office:powerpoint" xmlns:com="http://schemas.openxmlformats.org/drawingml/2006/compatibility" xmlns:p14="http://schemas.microsoft.com/office/powerpoint/2010/main" xmlns:p15="http://schemas.microsoft.com/office/powerpoint/2012/main" xmlns:ahyp="http://schemas.microsoft.com/office/drawing/2018/hyperlinkcolor">
+<p:sld xmlns:a="http://schemas.openxmlformats.org/drawingml/2006/main" xmlns:r="http://schemas.openxmlformats.org/officeDocument/2006/relationships" xmlns:p="http://schemas.openxmlformats.org/presentationml/2006/main">
   <p:cSld>
     <p:spTree>
       <p:nvGrpSpPr>
-        <p:cNvPr id="161" name="Shape 161"/>
+        <p:cNvPr id="1" name="Shape 161"/>
         <p:cNvGrpSpPr/>
         <p:nvPr/>
       </p:nvGrpSpPr>
@@ -11845,7 +12298,9 @@
       <p:sp>
         <p:nvSpPr>
           <p:cNvPr id="162" name="Google Shape;162;p18"/>
-          <p:cNvSpPr txBox="1"/>
+          <p:cNvSpPr txBox="1">
+            <a:spLocks noGrp="1"/>
+          </p:cNvSpPr>
           <p:nvPr>
             <p:ph type="title"/>
           </p:nvPr>
@@ -11860,12 +12315,12 @@
           </a:prstGeom>
         </p:spPr>
         <p:txBody>
-          <a:bodyPr anchorCtr="0" anchor="t" bIns="91425" lIns="91425" spcFirstLastPara="1" rIns="91425" wrap="square" tIns="91425">
+          <a:bodyPr spcFirstLastPara="1" wrap="square" lIns="91425" tIns="91425" rIns="91425" bIns="91425" anchor="t" anchorCtr="0">
             <a:normAutofit/>
           </a:bodyPr>
           <a:lstStyle/>
           <a:p>
-            <a:pPr indent="0" lvl="0" marL="0" rtl="0" algn="l">
+            <a:pPr marL="0" lvl="0" indent="0" algn="l" rtl="0">
               <a:spcBef>
                 <a:spcPts val="0"/>
               </a:spcBef>
@@ -11915,15 +12370,34 @@
   <p:clrMapOvr>
     <a:masterClrMapping/>
   </p:clrMapOvr>
+  <mc:AlternateContent xmlns:mc="http://schemas.openxmlformats.org/markup-compatibility/2006">
+    <mc:Choice xmlns:p14="http://schemas.microsoft.com/office/powerpoint/2010/main" Requires="p14">
+      <p:transition p14:dur="250">
+        <p:fade thruBlk="1"/>
+      </p:transition>
+    </mc:Choice>
+    <mc:Fallback>
+      <p:transition>
+        <p:fade thruBlk="1"/>
+      </p:transition>
+    </mc:Fallback>
+  </mc:AlternateContent>
+  <p:timing>
+    <p:tnLst>
+      <p:par>
+        <p:cTn id="1" dur="indefinite" restart="never" nodeType="tmRoot"/>
+      </p:par>
+    </p:tnLst>
+  </p:timing>
 </p:sld>
 </file>
 
 <file path=ppt/slides/slide7.xml><?xml version="1.0" encoding="utf-8"?>
-<p:sld xmlns:a="http://schemas.openxmlformats.org/drawingml/2006/main" xmlns:r="http://schemas.openxmlformats.org/officeDocument/2006/relationships" xmlns:mc="http://schemas.openxmlformats.org/markup-compatibility/2006" xmlns:mv="urn:schemas-microsoft-com:mac:vml" xmlns:p="http://schemas.openxmlformats.org/presentationml/2006/main" xmlns:c="http://schemas.openxmlformats.org/drawingml/2006/chart" xmlns:dgm="http://schemas.openxmlformats.org/drawingml/2006/diagram" xmlns:o="urn:schemas-microsoft-com:office:office" xmlns:v="urn:schemas-microsoft-com:vml" xmlns:pvml="urn:schemas-microsoft-com:office:powerpoint" xmlns:com="http://schemas.openxmlformats.org/drawingml/2006/compatibility" xmlns:p14="http://schemas.microsoft.com/office/powerpoint/2010/main" xmlns:p15="http://schemas.microsoft.com/office/powerpoint/2012/main" xmlns:ahyp="http://schemas.microsoft.com/office/drawing/2018/hyperlinkcolor">
+<p:sld xmlns:a="http://schemas.openxmlformats.org/drawingml/2006/main" xmlns:r="http://schemas.openxmlformats.org/officeDocument/2006/relationships" xmlns:p="http://schemas.openxmlformats.org/presentationml/2006/main">
   <p:cSld>
     <p:spTree>
       <p:nvGrpSpPr>
-        <p:cNvPr id="167" name="Shape 167"/>
+        <p:cNvPr id="1" name="Shape 167"/>
         <p:cNvGrpSpPr/>
         <p:nvPr/>
       </p:nvGrpSpPr>
@@ -11938,7 +12412,9 @@
       <p:sp>
         <p:nvSpPr>
           <p:cNvPr id="168" name="Google Shape;168;p19"/>
-          <p:cNvSpPr txBox="1"/>
+          <p:cNvSpPr txBox="1">
+            <a:spLocks noGrp="1"/>
+          </p:cNvSpPr>
           <p:nvPr>
             <p:ph type="title"/>
           </p:nvPr>
@@ -11953,12 +12429,12 @@
           </a:prstGeom>
         </p:spPr>
         <p:txBody>
-          <a:bodyPr anchorCtr="0" anchor="t" bIns="91425" lIns="91425" spcFirstLastPara="1" rIns="91425" wrap="square" tIns="91425">
+          <a:bodyPr spcFirstLastPara="1" wrap="square" lIns="91425" tIns="91425" rIns="91425" bIns="91425" anchor="t" anchorCtr="0">
             <a:normAutofit/>
           </a:bodyPr>
           <a:lstStyle/>
           <a:p>
-            <a:pPr indent="0" lvl="0" marL="0" rtl="0" algn="l">
+            <a:pPr marL="0" lvl="0" indent="0" algn="l" rtl="0">
               <a:spcBef>
                 <a:spcPts val="0"/>
               </a:spcBef>
@@ -12008,15 +12484,34 @@
   <p:clrMapOvr>
     <a:masterClrMapping/>
   </p:clrMapOvr>
+  <mc:AlternateContent xmlns:mc="http://schemas.openxmlformats.org/markup-compatibility/2006">
+    <mc:Choice xmlns:p14="http://schemas.microsoft.com/office/powerpoint/2010/main" Requires="p14">
+      <p:transition p14:dur="250">
+        <p:fade thruBlk="1"/>
+      </p:transition>
+    </mc:Choice>
+    <mc:Fallback>
+      <p:transition>
+        <p:fade thruBlk="1"/>
+      </p:transition>
+    </mc:Fallback>
+  </mc:AlternateContent>
+  <p:timing>
+    <p:tnLst>
+      <p:par>
+        <p:cTn id="1" dur="indefinite" restart="never" nodeType="tmRoot"/>
+      </p:par>
+    </p:tnLst>
+  </p:timing>
 </p:sld>
 </file>
 
 <file path=ppt/slides/slide8.xml><?xml version="1.0" encoding="utf-8"?>
-<p:sld xmlns:a="http://schemas.openxmlformats.org/drawingml/2006/main" xmlns:r="http://schemas.openxmlformats.org/officeDocument/2006/relationships" xmlns:mc="http://schemas.openxmlformats.org/markup-compatibility/2006" xmlns:mv="urn:schemas-microsoft-com:mac:vml" xmlns:p="http://schemas.openxmlformats.org/presentationml/2006/main" xmlns:c="http://schemas.openxmlformats.org/drawingml/2006/chart" xmlns:dgm="http://schemas.openxmlformats.org/drawingml/2006/diagram" xmlns:o="urn:schemas-microsoft-com:office:office" xmlns:v="urn:schemas-microsoft-com:vml" xmlns:pvml="urn:schemas-microsoft-com:office:powerpoint" xmlns:com="http://schemas.openxmlformats.org/drawingml/2006/compatibility" xmlns:p14="http://schemas.microsoft.com/office/powerpoint/2010/main" xmlns:p15="http://schemas.microsoft.com/office/powerpoint/2012/main" xmlns:ahyp="http://schemas.microsoft.com/office/drawing/2018/hyperlinkcolor">
+<p:sld xmlns:a="http://schemas.openxmlformats.org/drawingml/2006/main" xmlns:r="http://schemas.openxmlformats.org/officeDocument/2006/relationships" xmlns:p="http://schemas.openxmlformats.org/presentationml/2006/main">
   <p:cSld>
     <p:spTree>
       <p:nvGrpSpPr>
-        <p:cNvPr id="173" name="Shape 173"/>
+        <p:cNvPr id="1" name="Shape 173"/>
         <p:cNvGrpSpPr/>
         <p:nvPr/>
       </p:nvGrpSpPr>
@@ -12031,7 +12526,9 @@
       <p:sp>
         <p:nvSpPr>
           <p:cNvPr id="174" name="Google Shape;174;p20"/>
-          <p:cNvSpPr txBox="1"/>
+          <p:cNvSpPr txBox="1">
+            <a:spLocks noGrp="1"/>
+          </p:cNvSpPr>
           <p:nvPr>
             <p:ph type="title"/>
           </p:nvPr>
@@ -12046,12 +12543,12 @@
           </a:prstGeom>
         </p:spPr>
         <p:txBody>
-          <a:bodyPr anchorCtr="0" anchor="t" bIns="91425" lIns="91425" spcFirstLastPara="1" rIns="91425" wrap="square" tIns="91425">
+          <a:bodyPr spcFirstLastPara="1" wrap="square" lIns="91425" tIns="91425" rIns="91425" bIns="91425" anchor="t" anchorCtr="0">
             <a:normAutofit/>
           </a:bodyPr>
           <a:lstStyle/>
           <a:p>
-            <a:pPr indent="0" lvl="0" marL="0" rtl="0" algn="l">
+            <a:pPr marL="0" lvl="0" indent="0" algn="l" rtl="0">
               <a:spcBef>
                 <a:spcPts val="0"/>
               </a:spcBef>
@@ -12101,15 +12598,34 @@
   <p:clrMapOvr>
     <a:masterClrMapping/>
   </p:clrMapOvr>
+  <mc:AlternateContent xmlns:mc="http://schemas.openxmlformats.org/markup-compatibility/2006">
+    <mc:Choice xmlns:p14="http://schemas.microsoft.com/office/powerpoint/2010/main" Requires="p14">
+      <p:transition p14:dur="250">
+        <p:fade thruBlk="1"/>
+      </p:transition>
+    </mc:Choice>
+    <mc:Fallback>
+      <p:transition>
+        <p:fade thruBlk="1"/>
+      </p:transition>
+    </mc:Fallback>
+  </mc:AlternateContent>
+  <p:timing>
+    <p:tnLst>
+      <p:par>
+        <p:cTn id="1" dur="indefinite" restart="never" nodeType="tmRoot"/>
+      </p:par>
+    </p:tnLst>
+  </p:timing>
 </p:sld>
 </file>
 
 <file path=ppt/slides/slide9.xml><?xml version="1.0" encoding="utf-8"?>
-<p:sld xmlns:a="http://schemas.openxmlformats.org/drawingml/2006/main" xmlns:r="http://schemas.openxmlformats.org/officeDocument/2006/relationships" xmlns:mc="http://schemas.openxmlformats.org/markup-compatibility/2006" xmlns:mv="urn:schemas-microsoft-com:mac:vml" xmlns:p="http://schemas.openxmlformats.org/presentationml/2006/main" xmlns:c="http://schemas.openxmlformats.org/drawingml/2006/chart" xmlns:dgm="http://schemas.openxmlformats.org/drawingml/2006/diagram" xmlns:o="urn:schemas-microsoft-com:office:office" xmlns:v="urn:schemas-microsoft-com:vml" xmlns:pvml="urn:schemas-microsoft-com:office:powerpoint" xmlns:com="http://schemas.openxmlformats.org/drawingml/2006/compatibility" xmlns:p14="http://schemas.microsoft.com/office/powerpoint/2010/main" xmlns:p15="http://schemas.microsoft.com/office/powerpoint/2012/main" xmlns:ahyp="http://schemas.microsoft.com/office/drawing/2018/hyperlinkcolor">
+<p:sld xmlns:a="http://schemas.openxmlformats.org/drawingml/2006/main" xmlns:r="http://schemas.openxmlformats.org/officeDocument/2006/relationships" xmlns:p="http://schemas.openxmlformats.org/presentationml/2006/main">
   <p:cSld>
     <p:spTree>
       <p:nvGrpSpPr>
-        <p:cNvPr id="179" name="Shape 179"/>
+        <p:cNvPr id="1" name="Shape 179"/>
         <p:cNvGrpSpPr/>
         <p:nvPr/>
       </p:nvGrpSpPr>
@@ -12124,7 +12640,9 @@
       <p:sp>
         <p:nvSpPr>
           <p:cNvPr id="180" name="Google Shape;180;p21"/>
-          <p:cNvSpPr txBox="1"/>
+          <p:cNvSpPr txBox="1">
+            <a:spLocks noGrp="1"/>
+          </p:cNvSpPr>
           <p:nvPr>
             <p:ph type="title"/>
           </p:nvPr>
@@ -12139,12 +12657,12 @@
           </a:prstGeom>
         </p:spPr>
         <p:txBody>
-          <a:bodyPr anchorCtr="0" anchor="t" bIns="91425" lIns="91425" spcFirstLastPara="1" rIns="91425" wrap="square" tIns="91425">
+          <a:bodyPr spcFirstLastPara="1" wrap="square" lIns="91425" tIns="91425" rIns="91425" bIns="91425" anchor="t" anchorCtr="0">
             <a:normAutofit/>
           </a:bodyPr>
           <a:lstStyle/>
           <a:p>
-            <a:pPr indent="0" lvl="0" marL="0" rtl="0" algn="l">
+            <a:pPr marL="0" lvl="0" indent="0" algn="l" rtl="0">
               <a:spcBef>
                 <a:spcPts val="0"/>
               </a:spcBef>
@@ -12194,11 +12712,30 @@
   <p:clrMapOvr>
     <a:masterClrMapping/>
   </p:clrMapOvr>
+  <mc:AlternateContent xmlns:mc="http://schemas.openxmlformats.org/markup-compatibility/2006">
+    <mc:Choice xmlns:p14="http://schemas.microsoft.com/office/powerpoint/2010/main" Requires="p14">
+      <p:transition p14:dur="250">
+        <p:fade thruBlk="1"/>
+      </p:transition>
+    </mc:Choice>
+    <mc:Fallback>
+      <p:transition>
+        <p:fade thruBlk="1"/>
+      </p:transition>
+    </mc:Fallback>
+  </mc:AlternateContent>
+  <p:timing>
+    <p:tnLst>
+      <p:par>
+        <p:cTn id="1" dur="indefinite" restart="never" nodeType="tmRoot"/>
+      </p:par>
+    </p:tnLst>
+  </p:timing>
 </p:sld>
 </file>
 
 <file path=ppt/theme/theme1.xml><?xml version="1.0" encoding="utf-8"?>
-<a:theme xmlns:a="http://schemas.openxmlformats.org/drawingml/2006/main" xmlns:r="http://schemas.openxmlformats.org/officeDocument/2006/relationships" name="Focus">
+<a:theme xmlns:a="http://schemas.openxmlformats.org/drawingml/2006/main" name="Focus">
   <a:themeElements>
     <a:clrScheme name="Focus">
       <a:dk1>
@@ -12473,11 +13010,13 @@
       </a:bgFillStyleLst>
     </a:fmtScheme>
   </a:themeElements>
+  <a:objectDefaults/>
+  <a:extraClrSchemeLst/>
 </a:theme>
 </file>
 
 <file path=ppt/theme/theme2.xml><?xml version="1.0" encoding="utf-8"?>
-<a:theme xmlns:a="http://schemas.openxmlformats.org/drawingml/2006/main" xmlns:r="http://schemas.openxmlformats.org/officeDocument/2006/relationships">
+<a:theme xmlns:a="http://schemas.openxmlformats.org/drawingml/2006/main">
   <a:themeElements>
     <a:clrScheme name="Default">
       <a:dk1>
@@ -12752,5 +13291,7 @@
       </a:bgFillStyleLst>
     </a:fmtScheme>
   </a:themeElements>
+  <a:objectDefaults/>
+  <a:extraClrSchemeLst/>
 </a:theme>
 </file>